--- a/PPT/A Survey of Hybrid Fuzzing based on Symbolic Execution.pptx
+++ b/PPT/A Survey of Hybrid Fuzzing based on Symbolic Execution.pptx
@@ -5,19 +5,22 @@
     <p:sldMasterId id="2147483675" r:id="rId1"/>
   </p:sldMasterIdLst>
   <p:notesMasterIdLst>
-    <p:notesMasterId r:id="rId12"/>
+    <p:notesMasterId r:id="rId15"/>
   </p:notesMasterIdLst>
   <p:sldIdLst>
     <p:sldId id="257" r:id="rId2"/>
     <p:sldId id="258" r:id="rId3"/>
-    <p:sldId id="268" r:id="rId4"/>
-    <p:sldId id="284" r:id="rId5"/>
-    <p:sldId id="278" r:id="rId6"/>
-    <p:sldId id="285" r:id="rId7"/>
-    <p:sldId id="280" r:id="rId8"/>
-    <p:sldId id="286" r:id="rId9"/>
-    <p:sldId id="282" r:id="rId10"/>
-    <p:sldId id="283" r:id="rId11"/>
+    <p:sldId id="287" r:id="rId4"/>
+    <p:sldId id="288" r:id="rId5"/>
+    <p:sldId id="289" r:id="rId6"/>
+    <p:sldId id="284" r:id="rId7"/>
+    <p:sldId id="278" r:id="rId8"/>
+    <p:sldId id="291" r:id="rId9"/>
+    <p:sldId id="285" r:id="rId10"/>
+    <p:sldId id="292" r:id="rId11"/>
+    <p:sldId id="286" r:id="rId12"/>
+    <p:sldId id="282" r:id="rId13"/>
+    <p:sldId id="283" r:id="rId14"/>
   </p:sldIdLst>
   <p:sldSz cx="12192000" cy="6858000"/>
   <p:notesSz cx="6858000" cy="9144000"/>
@@ -116,6 +119,11 @@
       </a:defRPr>
     </a:lvl9pPr>
   </p:defaultTextStyle>
+  <p:extLst>
+    <p:ext uri="{EFAFB233-063F-42B5-8137-9DF3F51BA10A}">
+      <p15:sldGuideLst xmlns:p15="http://schemas.microsoft.com/office/powerpoint/2012/main"/>
+    </p:ext>
+  </p:extLst>
 </p:presentation>
 </file>
 
@@ -201,7 +209,7 @@
           <a:p>
             <a:fld id="{C4B6EFF4-9889-4590-8FDA-C08184AD6D6F}" type="datetimeFigureOut">
               <a:rPr lang="zh-CN" altLang="en-US" smtClean="0"/>
-              <a:t>2020/12/2</a:t>
+              <a:t>2020/12/3</a:t>
             </a:fld>
             <a:endParaRPr lang="zh-CN" altLang="en-US"/>
           </a:p>
@@ -553,6 +561,282 @@
 </p:notes>
 </file>
 
+<file path=ppt/notesSlides/notesSlide10.xml><?xml version="1.0" encoding="utf-8"?>
+<p:notes xmlns:a="http://schemas.openxmlformats.org/drawingml/2006/main" xmlns:r="http://schemas.openxmlformats.org/officeDocument/2006/relationships" xmlns:p="http://schemas.openxmlformats.org/presentationml/2006/main">
+  <p:cSld>
+    <p:spTree>
+      <p:nvGrpSpPr>
+        <p:cNvPr id="1" name=""/>
+        <p:cNvGrpSpPr/>
+        <p:nvPr/>
+      </p:nvGrpSpPr>
+      <p:grpSpPr>
+        <a:xfrm>
+          <a:off x="0" y="0"/>
+          <a:ext cx="0" cy="0"/>
+          <a:chOff x="0" y="0"/>
+          <a:chExt cx="0" cy="0"/>
+        </a:xfrm>
+      </p:grpSpPr>
+      <p:sp>
+        <p:nvSpPr>
+          <p:cNvPr id="2" name="幻灯片图像占位符 1"/>
+          <p:cNvSpPr>
+            <a:spLocks noGrp="1" noRot="1" noChangeAspect="1"/>
+          </p:cNvSpPr>
+          <p:nvPr>
+            <p:ph type="sldImg"/>
+          </p:nvPr>
+        </p:nvSpPr>
+        <p:spPr/>
+      </p:sp>
+      <p:sp>
+        <p:nvSpPr>
+          <p:cNvPr id="3" name="备注占位符 2"/>
+          <p:cNvSpPr>
+            <a:spLocks noGrp="1"/>
+          </p:cNvSpPr>
+          <p:nvPr>
+            <p:ph type="body" idx="1"/>
+          </p:nvPr>
+        </p:nvSpPr>
+        <p:spPr/>
+        <p:txBody>
+          <a:bodyPr/>
+          <a:lstStyle/>
+          <a:p>
+            <a:endParaRPr lang="zh-CN" altLang="en-US" dirty="0"/>
+          </a:p>
+        </p:txBody>
+      </p:sp>
+      <p:sp>
+        <p:nvSpPr>
+          <p:cNvPr id="4" name="灯片编号占位符 3"/>
+          <p:cNvSpPr>
+            <a:spLocks noGrp="1"/>
+          </p:cNvSpPr>
+          <p:nvPr>
+            <p:ph type="sldNum" sz="quarter" idx="5"/>
+          </p:nvPr>
+        </p:nvSpPr>
+        <p:spPr/>
+        <p:txBody>
+          <a:bodyPr/>
+          <a:lstStyle/>
+          <a:p>
+            <a:fld id="{790F3238-B197-4DD0-8393-B222E6E85519}" type="slidenum">
+              <a:rPr lang="zh-CN" altLang="en-US" smtClean="0"/>
+              <a:t>11</a:t>
+            </a:fld>
+            <a:endParaRPr lang="zh-CN" altLang="en-US"/>
+          </a:p>
+        </p:txBody>
+      </p:sp>
+    </p:spTree>
+    <p:extLst>
+      <p:ext uri="{BB962C8B-B14F-4D97-AF65-F5344CB8AC3E}">
+        <p14:creationId xmlns:p14="http://schemas.microsoft.com/office/powerpoint/2010/main" val="3769653662"/>
+      </p:ext>
+    </p:extLst>
+  </p:cSld>
+  <p:clrMapOvr>
+    <a:masterClrMapping/>
+  </p:clrMapOvr>
+</p:notes>
+</file>
+
+<file path=ppt/notesSlides/notesSlide11.xml><?xml version="1.0" encoding="utf-8"?>
+<p:notes xmlns:a="http://schemas.openxmlformats.org/drawingml/2006/main" xmlns:r="http://schemas.openxmlformats.org/officeDocument/2006/relationships" xmlns:p="http://schemas.openxmlformats.org/presentationml/2006/main">
+  <p:cSld>
+    <p:spTree>
+      <p:nvGrpSpPr>
+        <p:cNvPr id="1" name=""/>
+        <p:cNvGrpSpPr/>
+        <p:nvPr/>
+      </p:nvGrpSpPr>
+      <p:grpSpPr>
+        <a:xfrm>
+          <a:off x="0" y="0"/>
+          <a:ext cx="0" cy="0"/>
+          <a:chOff x="0" y="0"/>
+          <a:chExt cx="0" cy="0"/>
+        </a:xfrm>
+      </p:grpSpPr>
+      <p:sp>
+        <p:nvSpPr>
+          <p:cNvPr id="2" name="幻灯片图像占位符 1"/>
+          <p:cNvSpPr>
+            <a:spLocks noGrp="1" noRot="1" noChangeAspect="1"/>
+          </p:cNvSpPr>
+          <p:nvPr>
+            <p:ph type="sldImg"/>
+          </p:nvPr>
+        </p:nvSpPr>
+        <p:spPr/>
+      </p:sp>
+      <p:sp>
+        <p:nvSpPr>
+          <p:cNvPr id="3" name="备注占位符 2"/>
+          <p:cNvSpPr>
+            <a:spLocks noGrp="1"/>
+          </p:cNvSpPr>
+          <p:nvPr>
+            <p:ph type="body" idx="1"/>
+          </p:nvPr>
+        </p:nvSpPr>
+        <p:spPr/>
+        <p:txBody>
+          <a:bodyPr/>
+          <a:lstStyle/>
+          <a:p>
+            <a:pPr marL="0" marR="0" lvl="0" indent="0" algn="l" defTabSz="914400" rtl="0" eaLnBrk="1" fontAlgn="auto" latinLnBrk="0" hangingPunct="1">
+              <a:lnSpc>
+                <a:spcPct val="100000"/>
+              </a:lnSpc>
+              <a:spcBef>
+                <a:spcPts val="0"/>
+              </a:spcBef>
+              <a:spcAft>
+                <a:spcPts val="0"/>
+              </a:spcAft>
+              <a:buClrTx/>
+              <a:buSzTx/>
+              <a:buFontTx/>
+              <a:buNone/>
+              <a:defRPr/>
+            </a:pPr>
+            <a:endParaRPr lang="en-US" altLang="zh-CN" sz="1200" kern="1200" dirty="0">
+              <a:solidFill>
+                <a:schemeClr val="tx1"/>
+              </a:solidFill>
+              <a:effectLst/>
+              <a:latin typeface="+mn-lt"/>
+              <a:ea typeface="+mn-ea"/>
+              <a:cs typeface="+mn-cs"/>
+            </a:endParaRPr>
+          </a:p>
+        </p:txBody>
+      </p:sp>
+      <p:sp>
+        <p:nvSpPr>
+          <p:cNvPr id="4" name="灯片编号占位符 3"/>
+          <p:cNvSpPr>
+            <a:spLocks noGrp="1"/>
+          </p:cNvSpPr>
+          <p:nvPr>
+            <p:ph type="sldNum" sz="quarter" idx="5"/>
+          </p:nvPr>
+        </p:nvSpPr>
+        <p:spPr/>
+        <p:txBody>
+          <a:bodyPr/>
+          <a:lstStyle/>
+          <a:p>
+            <a:fld id="{790F3238-B197-4DD0-8393-B222E6E85519}" type="slidenum">
+              <a:rPr lang="zh-CN" altLang="en-US" smtClean="0"/>
+              <a:t>12</a:t>
+            </a:fld>
+            <a:endParaRPr lang="zh-CN" altLang="en-US"/>
+          </a:p>
+        </p:txBody>
+      </p:sp>
+    </p:spTree>
+    <p:extLst>
+      <p:ext uri="{BB962C8B-B14F-4D97-AF65-F5344CB8AC3E}">
+        <p14:creationId xmlns:p14="http://schemas.microsoft.com/office/powerpoint/2010/main" val="1844719841"/>
+      </p:ext>
+    </p:extLst>
+  </p:cSld>
+  <p:clrMapOvr>
+    <a:masterClrMapping/>
+  </p:clrMapOvr>
+</p:notes>
+</file>
+
+<file path=ppt/notesSlides/notesSlide12.xml><?xml version="1.0" encoding="utf-8"?>
+<p:notes xmlns:a="http://schemas.openxmlformats.org/drawingml/2006/main" xmlns:r="http://schemas.openxmlformats.org/officeDocument/2006/relationships" xmlns:p="http://schemas.openxmlformats.org/presentationml/2006/main">
+  <p:cSld>
+    <p:spTree>
+      <p:nvGrpSpPr>
+        <p:cNvPr id="1" name=""/>
+        <p:cNvGrpSpPr/>
+        <p:nvPr/>
+      </p:nvGrpSpPr>
+      <p:grpSpPr>
+        <a:xfrm>
+          <a:off x="0" y="0"/>
+          <a:ext cx="0" cy="0"/>
+          <a:chOff x="0" y="0"/>
+          <a:chExt cx="0" cy="0"/>
+        </a:xfrm>
+      </p:grpSpPr>
+      <p:sp>
+        <p:nvSpPr>
+          <p:cNvPr id="2" name="幻灯片图像占位符 1"/>
+          <p:cNvSpPr>
+            <a:spLocks noGrp="1" noRot="1" noChangeAspect="1"/>
+          </p:cNvSpPr>
+          <p:nvPr>
+            <p:ph type="sldImg"/>
+          </p:nvPr>
+        </p:nvSpPr>
+        <p:spPr/>
+      </p:sp>
+      <p:sp>
+        <p:nvSpPr>
+          <p:cNvPr id="3" name="备注占位符 2"/>
+          <p:cNvSpPr>
+            <a:spLocks noGrp="1"/>
+          </p:cNvSpPr>
+          <p:nvPr>
+            <p:ph type="body" idx="1"/>
+          </p:nvPr>
+        </p:nvSpPr>
+        <p:spPr/>
+        <p:txBody>
+          <a:bodyPr/>
+          <a:lstStyle/>
+          <a:p>
+            <a:endParaRPr kumimoji="1" lang="zh-CN" altLang="en-US" dirty="0"/>
+          </a:p>
+        </p:txBody>
+      </p:sp>
+      <p:sp>
+        <p:nvSpPr>
+          <p:cNvPr id="4" name="灯片编号占位符 3"/>
+          <p:cNvSpPr>
+            <a:spLocks noGrp="1"/>
+          </p:cNvSpPr>
+          <p:nvPr>
+            <p:ph type="sldNum" sz="quarter" idx="5"/>
+          </p:nvPr>
+        </p:nvSpPr>
+        <p:spPr/>
+        <p:txBody>
+          <a:bodyPr/>
+          <a:lstStyle/>
+          <a:p>
+            <a:fld id="{790F3238-B197-4DD0-8393-B222E6E85519}" type="slidenum">
+              <a:rPr lang="zh-CN" altLang="en-US" smtClean="0"/>
+              <a:t>13</a:t>
+            </a:fld>
+            <a:endParaRPr lang="zh-CN" altLang="en-US"/>
+          </a:p>
+        </p:txBody>
+      </p:sp>
+    </p:spTree>
+    <p:extLst>
+      <p:ext uri="{BB962C8B-B14F-4D97-AF65-F5344CB8AC3E}">
+        <p14:creationId xmlns:p14="http://schemas.microsoft.com/office/powerpoint/2010/main" val="2795811709"/>
+      </p:ext>
+    </p:extLst>
+  </p:cSld>
+  <p:clrMapOvr>
+    <a:masterClrMapping/>
+  </p:clrMapOvr>
+</p:notes>
+</file>
+
 <file path=ppt/notesSlides/notesSlide2.xml><?xml version="1.0" encoding="utf-8"?>
 <p:notes xmlns:a="http://schemas.openxmlformats.org/drawingml/2006/main" xmlns:r="http://schemas.openxmlformats.org/officeDocument/2006/relationships" xmlns:p="http://schemas.openxmlformats.org/presentationml/2006/main">
   <p:cSld>
@@ -681,7 +965,119 @@
           <a:bodyPr/>
           <a:lstStyle/>
           <a:p>
-            <a:endParaRPr lang="zh-CN" altLang="en-US" dirty="0"/>
+            <a:r>
+              <a:rPr lang="zh-CN" altLang="en-US" sz="1200" dirty="0" smtClean="0"/>
+              <a:t>首先，按照惯例我们先来讲一下模糊测试技术，已经有很多同学讲过，我们这里将其核心简化，就是说：通过不断生成种子</a:t>
+            </a:r>
+            <a:r>
+              <a:rPr lang="en-US" altLang="zh-CN" sz="1200" dirty="0" smtClean="0"/>
+              <a:t>seed</a:t>
+            </a:r>
+            <a:r>
+              <a:rPr lang="zh-CN" altLang="en-US" sz="1200" dirty="0" smtClean="0"/>
+              <a:t>，并进行变异，得到各种各样的输入</a:t>
+            </a:r>
+            <a:r>
+              <a:rPr lang="en-US" altLang="zh-CN" sz="1200" dirty="0" smtClean="0"/>
+              <a:t>input</a:t>
+            </a:r>
+            <a:r>
+              <a:rPr lang="zh-CN" altLang="en-US" sz="1200" dirty="0" smtClean="0"/>
+              <a:t>，而后将输入给已经插桩编译程序执行，并进行追踪，来到一个叫做覆盖率的数据，这个数据代表已经跑过了多少空间，再利用反馈的覆盖率作为新一轮种子的生成依据，这样循环往复，直到遇到</a:t>
+            </a:r>
+            <a:r>
+              <a:rPr lang="en-US" altLang="zh-CN" sz="1200" dirty="0" smtClean="0"/>
+              <a:t>crash</a:t>
+            </a:r>
+            <a:r>
+              <a:rPr lang="zh-CN" altLang="en-US" sz="1200" dirty="0" smtClean="0"/>
+              <a:t>，将其各种状态保存下来，这就是我们最想要的崩溃，也就是</a:t>
+            </a:r>
+            <a:r>
+              <a:rPr lang="en-US" altLang="zh-CN" sz="1200" dirty="0" smtClean="0"/>
+              <a:t>bug</a:t>
+            </a:r>
+            <a:r>
+              <a:rPr lang="zh-CN" altLang="en-US" sz="1200" dirty="0" smtClean="0"/>
+              <a:t>。</a:t>
+            </a:r>
+            <a:endParaRPr lang="en-US" altLang="zh-CN" sz="1200" dirty="0" smtClean="0"/>
+          </a:p>
+          <a:p>
+            <a:r>
+              <a:rPr lang="zh-CN" altLang="en-US" sz="1200" dirty="0" smtClean="0"/>
+              <a:t>在关于模糊测试的理解上这段学习时间我总结了以下两点：</a:t>
+            </a:r>
+            <a:endParaRPr lang="en-US" altLang="zh-CN" sz="1200" dirty="0" smtClean="0"/>
+          </a:p>
+          <a:p>
+            <a:r>
+              <a:rPr lang="zh-CN" altLang="en-US" sz="1200" dirty="0" smtClean="0"/>
+              <a:t>第一、就目前来说，覆盖率为导向的模糊测试技术已经成为主流，不管是学术论文还是实际运用，都有不俗的表现，这其中谷歌做的</a:t>
+            </a:r>
+            <a:r>
+              <a:rPr lang="en-US" altLang="zh-CN" sz="1200" dirty="0" smtClean="0"/>
+              <a:t>AFL</a:t>
+            </a:r>
+            <a:r>
+              <a:rPr lang="zh-CN" altLang="en-US" sz="1200" dirty="0" smtClean="0"/>
+              <a:t>、</a:t>
+            </a:r>
+            <a:r>
+              <a:rPr lang="en-US" altLang="zh-CN" sz="1200" dirty="0" err="1" smtClean="0"/>
+              <a:t>libfuzzer</a:t>
+            </a:r>
+            <a:r>
+              <a:rPr lang="zh-CN" altLang="en-US" sz="1200" dirty="0" smtClean="0"/>
+              <a:t>、</a:t>
+            </a:r>
+            <a:r>
+              <a:rPr lang="en-US" altLang="zh-CN" sz="1200" dirty="0" err="1" smtClean="0"/>
+              <a:t>hongfuzz</a:t>
+            </a:r>
+            <a:r>
+              <a:rPr lang="zh-CN" altLang="en-US" sz="1200" dirty="0" smtClean="0"/>
+              <a:t>是典型的代表；</a:t>
+            </a:r>
+            <a:endParaRPr lang="en-US" altLang="zh-CN" sz="1200" dirty="0" smtClean="0"/>
+          </a:p>
+          <a:p>
+            <a:r>
+              <a:rPr lang="zh-CN" altLang="en-US" sz="1200" dirty="0" smtClean="0"/>
+              <a:t>第二、这张图里，每一部分都有优化空间，实际上很多论文也是在这个结构上进行的改进；（</a:t>
+            </a:r>
+            <a:r>
+              <a:rPr lang="en-US" altLang="zh-CN" sz="1200" dirty="0" err="1" smtClean="0"/>
+              <a:t>mopt-afl</a:t>
+            </a:r>
+            <a:r>
+              <a:rPr lang="zh-CN" altLang="en-US" sz="1200" dirty="0" smtClean="0"/>
+              <a:t>、</a:t>
+            </a:r>
+            <a:r>
+              <a:rPr lang="en-US" altLang="zh-CN" sz="1200" dirty="0" smtClean="0"/>
+              <a:t>angora</a:t>
+            </a:r>
+            <a:r>
+              <a:rPr lang="zh-CN" altLang="en-US" sz="1200" dirty="0" smtClean="0"/>
+              <a:t>等等）；</a:t>
+            </a:r>
+            <a:endParaRPr lang="en-US" altLang="zh-CN" sz="1200" dirty="0" smtClean="0"/>
+          </a:p>
+          <a:p>
+            <a:r>
+              <a:rPr lang="zh-CN" altLang="en-US" sz="1200" dirty="0" smtClean="0"/>
+              <a:t>现在我们说完了模糊测试技术，但我们今天的主角是 混合模糊测试技术：</a:t>
+            </a:r>
+            <a:r>
+              <a:rPr lang="en-US" altLang="zh-CN" sz="1200" dirty="0" smtClean="0"/>
+              <a:t>hybrid fuzzing</a:t>
+            </a:r>
+            <a:r>
+              <a:rPr lang="zh-CN" altLang="en-US" sz="1200" dirty="0" smtClean="0"/>
+              <a:t>，那什么是混合模糊测试技术，就不得不再提一个叫做符号执行的技术。</a:t>
+            </a:r>
+            <a:endParaRPr lang="en-US" altLang="zh-CN" sz="1200" dirty="0" smtClean="0"/>
           </a:p>
         </p:txBody>
       </p:sp>
@@ -692,7 +1088,7 @@
             <a:spLocks noGrp="1"/>
           </p:cNvSpPr>
           <p:nvPr>
-            <p:ph type="sldNum" sz="quarter" idx="5"/>
+            <p:ph type="sldNum" sz="quarter" idx="10"/>
           </p:nvPr>
         </p:nvSpPr>
         <p:spPr/>
@@ -700,9 +1096,9 @@
           <a:bodyPr/>
           <a:lstStyle/>
           <a:p>
-            <a:fld id="{790F3238-B197-4DD0-8393-B222E6E85519}" type="slidenum">
+            <a:fld id="{E9E6FDB6-6D2B-46C1-9FA1-D82906A37C3A}" type="slidenum">
               <a:rPr lang="zh-CN" altLang="en-US" smtClean="0"/>
-              <a:t>4</a:t>
+              <a:t>3</a:t>
             </a:fld>
             <a:endParaRPr lang="zh-CN" altLang="en-US"/>
           </a:p>
@@ -711,7 +1107,7 @@
     </p:spTree>
     <p:extLst>
       <p:ext uri="{BB962C8B-B14F-4D97-AF65-F5344CB8AC3E}">
-        <p14:creationId xmlns:p14="http://schemas.microsoft.com/office/powerpoint/2010/main" val="223660159"/>
+        <p14:creationId xmlns:p14="http://schemas.microsoft.com/office/powerpoint/2010/main" val="2827903027"/>
       </p:ext>
     </p:extLst>
   </p:cSld>
@@ -765,26 +1161,53 @@
           <a:bodyPr/>
           <a:lstStyle/>
           <a:p>
-            <a:pPr marL="0" marR="0" lvl="0" indent="0" algn="l" defTabSz="914400" rtl="0" eaLnBrk="1" fontAlgn="auto" latinLnBrk="0" hangingPunct="1">
-              <a:lnSpc>
-                <a:spcPct val="100000"/>
-              </a:lnSpc>
-              <a:spcBef>
-                <a:spcPts val="0"/>
-              </a:spcBef>
-              <a:spcAft>
-                <a:spcPts val="0"/>
-              </a:spcAft>
-              <a:buClrTx/>
-              <a:buSzTx/>
-              <a:buFontTx/>
-              <a:buNone/>
-              <a:defRPr/>
-            </a:pPr>
-            <a:endParaRPr lang="en-US" altLang="zh-CN" sz="1200" dirty="0">
-              <a:latin typeface="+mn-ea"/>
-              <a:ea typeface="+mn-ea"/>
-            </a:endParaRPr>
+            <a:r>
+              <a:rPr lang="zh-CN" altLang="en-US" dirty="0" smtClean="0"/>
+              <a:t>如图左边的代码段有三个分支：</a:t>
+            </a:r>
+            <a:r>
+              <a:rPr lang="en-US" altLang="zh-CN" dirty="0" smtClean="0"/>
+              <a:t>m</a:t>
+            </a:r>
+            <a:r>
+              <a:rPr lang="zh-CN" altLang="en-US" dirty="0" smtClean="0"/>
+              <a:t>不等于</a:t>
+            </a:r>
+            <a:r>
+              <a:rPr lang="en-US" altLang="zh-CN" dirty="0" smtClean="0"/>
+              <a:t>0</a:t>
+            </a:r>
+            <a:r>
+              <a:rPr lang="zh-CN" altLang="en-US" dirty="0" smtClean="0"/>
+              <a:t>，</a:t>
+            </a:r>
+            <a:r>
+              <a:rPr lang="en-US" altLang="zh-CN" dirty="0" smtClean="0"/>
+              <a:t>n&lt;12</a:t>
+            </a:r>
+            <a:r>
+              <a:rPr lang="zh-CN" altLang="en-US" dirty="0" smtClean="0"/>
+              <a:t>，非</a:t>
+            </a:r>
+            <a:r>
+              <a:rPr lang="en-US" altLang="zh-CN" dirty="0" smtClean="0"/>
+              <a:t>m</a:t>
+            </a:r>
+            <a:r>
+              <a:rPr lang="zh-CN" altLang="en-US" dirty="0" smtClean="0"/>
+              <a:t>和</a:t>
+            </a:r>
+            <a:r>
+              <a:rPr lang="en-US" altLang="zh-CN" dirty="0" smtClean="0"/>
+              <a:t>q</a:t>
+            </a:r>
+            <a:r>
+              <a:rPr lang="zh-CN" altLang="en-US" dirty="0" smtClean="0"/>
+              <a:t>的逻辑与，它们全都一一映射到右边的符号执行分析图中。我们理解一段程序是靠控制流图，符号执行对代码进行分析更接近计算机的理解，执行的是状态。我们可以看到程序所有的状态都会在根节点出现，显然这样的情况在大程序中很快就深入不下去了，就是常说的路径爆炸，会有一个时间复杂度太高的问题。但是我们会考虑这种面面俱到能不能跟模糊测试的覆盖率结合起来，毕竟覆盖率和符号执行都是对代码空间的表述。</a:t>
+            </a:r>
+          </a:p>
+          <a:p>
+            <a:endParaRPr lang="en-US" altLang="zh-CN" dirty="0"/>
           </a:p>
         </p:txBody>
       </p:sp>
@@ -795,7 +1218,7 @@
             <a:spLocks noGrp="1"/>
           </p:cNvSpPr>
           <p:nvPr>
-            <p:ph type="sldNum" sz="quarter" idx="5"/>
+            <p:ph type="sldNum" sz="quarter" idx="10"/>
           </p:nvPr>
         </p:nvSpPr>
         <p:spPr/>
@@ -803,9 +1226,9 @@
           <a:bodyPr/>
           <a:lstStyle/>
           <a:p>
-            <a:fld id="{790F3238-B197-4DD0-8393-B222E6E85519}" type="slidenum">
+            <a:fld id="{E9E6FDB6-6D2B-46C1-9FA1-D82906A37C3A}" type="slidenum">
               <a:rPr lang="zh-CN" altLang="en-US" smtClean="0"/>
-              <a:t>5</a:t>
+              <a:t>4</a:t>
             </a:fld>
             <a:endParaRPr lang="zh-CN" altLang="en-US"/>
           </a:p>
@@ -814,7 +1237,7 @@
     </p:spTree>
     <p:extLst>
       <p:ext uri="{BB962C8B-B14F-4D97-AF65-F5344CB8AC3E}">
-        <p14:creationId xmlns:p14="http://schemas.microsoft.com/office/powerpoint/2010/main" val="559643286"/>
+        <p14:creationId xmlns:p14="http://schemas.microsoft.com/office/powerpoint/2010/main" val="527184267"/>
       </p:ext>
     </p:extLst>
   </p:cSld>
@@ -868,7 +1291,94 @@
           <a:bodyPr/>
           <a:lstStyle/>
           <a:p>
-            <a:endParaRPr lang="zh-CN" altLang="en-US" dirty="0"/>
+            <a:r>
+              <a:rPr lang="zh-CN" altLang="en-US" dirty="0" smtClean="0">
+                <a:sym typeface="+mn-ea"/>
+              </a:rPr>
+              <a:t>很快就有人提出将两者结合，实现一种叫做混合模糊测试的技术。</a:t>
+            </a:r>
+            <a:r>
+              <a:rPr lang="zh-CN" altLang="en-US" dirty="0" smtClean="0"/>
+              <a:t>一开始我理解的是这样的：</a:t>
+            </a:r>
+          </a:p>
+          <a:p>
+            <a:r>
+              <a:rPr lang="zh-CN" altLang="en-US" dirty="0" smtClean="0"/>
+              <a:t>模糊测试的缺点是路径不全面，容易漏掉重要信息，只得靠反馈来调整，所有加上符号执行的面面俱到提高覆盖率，但是这样也有的缺点，就是路径爆炸，什么都考虑的情况下计算炸裂。</a:t>
+            </a:r>
+            <a:endParaRPr lang="en-US" altLang="zh-CN" dirty="0" smtClean="0"/>
+          </a:p>
+          <a:p>
+            <a:r>
+              <a:rPr lang="zh-CN" altLang="en-US" dirty="0" smtClean="0"/>
+              <a:t>这么理解的话这条路看来不好走啊，加在一起不会更棘手吗？但是像</a:t>
+            </a:r>
+            <a:r>
+              <a:rPr lang="en-US" altLang="zh-CN" dirty="0" smtClean="0"/>
+              <a:t>QSYM</a:t>
+            </a:r>
+            <a:r>
+              <a:rPr lang="zh-CN" altLang="en-US" dirty="0" smtClean="0"/>
+              <a:t>就证实这样做的效果是不错的，所以我之前的理解是有误的，不应该是两个缺点将其结合起来，而是优点将他们结合起来，所以混合模糊测试技术是在</a:t>
+            </a:r>
+            <a:r>
+              <a:rPr lang="zh-CN" altLang="en-US" sz="1200" b="0" i="0" u="none" strike="noStrike" kern="1200" dirty="0" smtClean="0">
+                <a:solidFill>
+                  <a:schemeClr val="tx1"/>
+                </a:solidFill>
+                <a:effectLst/>
+                <a:latin typeface="+mn-lt"/>
+                <a:ea typeface="+mn-ea"/>
+                <a:cs typeface="+mn-cs"/>
+              </a:rPr>
+              <a:t>模糊测试变异过程快速多变的优点基础上，加入符号执行能提高覆盖率的优点，而这</a:t>
+            </a:r>
+            <a:r>
+              <a:rPr lang="en-US" altLang="zh-CN" sz="1200" b="0" i="0" u="none" strike="noStrike" kern="1200" dirty="0" smtClean="0">
+                <a:solidFill>
+                  <a:schemeClr val="tx1"/>
+                </a:solidFill>
+                <a:effectLst/>
+                <a:latin typeface="+mn-lt"/>
+                <a:ea typeface="+mn-ea"/>
+                <a:cs typeface="+mn-cs"/>
+              </a:rPr>
+              <a:t>hybrid fuzzing</a:t>
+            </a:r>
+            <a:r>
+              <a:rPr lang="zh-CN" altLang="en-US" sz="1200" b="0" i="0" u="none" strike="noStrike" kern="1200" dirty="0" smtClean="0">
+                <a:solidFill>
+                  <a:schemeClr val="tx1"/>
+                </a:solidFill>
+                <a:effectLst/>
+                <a:latin typeface="+mn-lt"/>
+                <a:ea typeface="+mn-ea"/>
+                <a:cs typeface="+mn-cs"/>
+              </a:rPr>
+              <a:t>逐渐成为覆盖导向模糊测试技术的重要发展方向</a:t>
+            </a:r>
+            <a:r>
+              <a:rPr lang="zh-CN" altLang="en-US" sz="1200" b="0" i="0" u="none" strike="noStrike" kern="1200" dirty="0" smtClean="0">
+                <a:solidFill>
+                  <a:schemeClr val="tx1"/>
+                </a:solidFill>
+                <a:effectLst/>
+                <a:latin typeface="+mn-lt"/>
+                <a:ea typeface="+mn-ea"/>
+                <a:cs typeface="+mn-cs"/>
+              </a:rPr>
+              <a:t>之一。</a:t>
+            </a:r>
+            <a:endParaRPr lang="en-US" altLang="zh-CN" sz="1200" b="0" i="0" u="none" strike="noStrike" kern="1200" dirty="0" smtClean="0">
+              <a:solidFill>
+                <a:schemeClr val="tx1"/>
+              </a:solidFill>
+              <a:effectLst/>
+              <a:latin typeface="+mn-lt"/>
+              <a:ea typeface="+mn-ea"/>
+              <a:cs typeface="+mn-cs"/>
+            </a:endParaRPr>
           </a:p>
         </p:txBody>
       </p:sp>
@@ -879,7 +1389,7 @@
             <a:spLocks noGrp="1"/>
           </p:cNvSpPr>
           <p:nvPr>
-            <p:ph type="sldNum" sz="quarter" idx="5"/>
+            <p:ph type="sldNum" sz="quarter" idx="10"/>
           </p:nvPr>
         </p:nvSpPr>
         <p:spPr/>
@@ -887,9 +1397,9 @@
           <a:bodyPr/>
           <a:lstStyle/>
           <a:p>
-            <a:fld id="{790F3238-B197-4DD0-8393-B222E6E85519}" type="slidenum">
+            <a:fld id="{E9E6FDB6-6D2B-46C1-9FA1-D82906A37C3A}" type="slidenum">
               <a:rPr lang="zh-CN" altLang="en-US" smtClean="0"/>
-              <a:t>6</a:t>
+              <a:t>5</a:t>
             </a:fld>
             <a:endParaRPr lang="zh-CN" altLang="en-US"/>
           </a:p>
@@ -898,7 +1408,7 @@
     </p:spTree>
     <p:extLst>
       <p:ext uri="{BB962C8B-B14F-4D97-AF65-F5344CB8AC3E}">
-        <p14:creationId xmlns:p14="http://schemas.microsoft.com/office/powerpoint/2010/main" val="1823715033"/>
+        <p14:creationId xmlns:p14="http://schemas.microsoft.com/office/powerpoint/2010/main" val="1281385144"/>
       </p:ext>
     </p:extLst>
   </p:cSld>
@@ -952,12 +1462,7 @@
           <a:bodyPr/>
           <a:lstStyle/>
           <a:p>
-            <a:pPr>
-              <a:lnSpc>
-                <a:spcPct val="150000"/>
-              </a:lnSpc>
-            </a:pPr>
-            <a:endParaRPr kumimoji="1" lang="zh-CN" altLang="en-US" dirty="0"/>
+            <a:endParaRPr lang="zh-CN" altLang="en-US" dirty="0"/>
           </a:p>
         </p:txBody>
       </p:sp>
@@ -978,7 +1483,7 @@
           <a:p>
             <a:fld id="{790F3238-B197-4DD0-8393-B222E6E85519}" type="slidenum">
               <a:rPr lang="zh-CN" altLang="en-US" smtClean="0"/>
-              <a:t>7</a:t>
+              <a:t>6</a:t>
             </a:fld>
             <a:endParaRPr lang="zh-CN" altLang="en-US"/>
           </a:p>
@@ -987,7 +1492,7 @@
     </p:spTree>
     <p:extLst>
       <p:ext uri="{BB962C8B-B14F-4D97-AF65-F5344CB8AC3E}">
-        <p14:creationId xmlns:p14="http://schemas.microsoft.com/office/powerpoint/2010/main" val="18371070"/>
+        <p14:creationId xmlns:p14="http://schemas.microsoft.com/office/powerpoint/2010/main" val="223660159"/>
       </p:ext>
     </p:extLst>
   </p:cSld>
@@ -1041,7 +1546,26 @@
           <a:bodyPr/>
           <a:lstStyle/>
           <a:p>
-            <a:endParaRPr lang="zh-CN" altLang="en-US" dirty="0"/>
+            <a:pPr marL="0" marR="0" lvl="0" indent="0" algn="l" defTabSz="914400" rtl="0" eaLnBrk="1" fontAlgn="auto" latinLnBrk="0" hangingPunct="1">
+              <a:lnSpc>
+                <a:spcPct val="100000"/>
+              </a:lnSpc>
+              <a:spcBef>
+                <a:spcPts val="0"/>
+              </a:spcBef>
+              <a:spcAft>
+                <a:spcPts val="0"/>
+              </a:spcAft>
+              <a:buClrTx/>
+              <a:buSzTx/>
+              <a:buFontTx/>
+              <a:buNone/>
+              <a:defRPr/>
+            </a:pPr>
+            <a:endParaRPr lang="en-US" altLang="zh-CN" sz="1200" dirty="0">
+              <a:latin typeface="+mn-ea"/>
+              <a:ea typeface="+mn-ea"/>
+            </a:endParaRPr>
           </a:p>
         </p:txBody>
       </p:sp>
@@ -1062,7 +1586,7 @@
           <a:p>
             <a:fld id="{790F3238-B197-4DD0-8393-B222E6E85519}" type="slidenum">
               <a:rPr lang="zh-CN" altLang="en-US" smtClean="0"/>
-              <a:t>8</a:t>
+              <a:t>7</a:t>
             </a:fld>
             <a:endParaRPr lang="zh-CN" altLang="en-US"/>
           </a:p>
@@ -1071,7 +1595,7 @@
     </p:spTree>
     <p:extLst>
       <p:ext uri="{BB962C8B-B14F-4D97-AF65-F5344CB8AC3E}">
-        <p14:creationId xmlns:p14="http://schemas.microsoft.com/office/powerpoint/2010/main" val="3769653662"/>
+        <p14:creationId xmlns:p14="http://schemas.microsoft.com/office/powerpoint/2010/main" val="559643286"/>
       </p:ext>
     </p:extLst>
   </p:cSld>
@@ -1125,23 +1649,118 @@
           <a:bodyPr/>
           <a:lstStyle/>
           <a:p>
-            <a:pPr marL="0" marR="0" lvl="0" indent="0" algn="l" defTabSz="914400" rtl="0" eaLnBrk="1" fontAlgn="auto" latinLnBrk="0" hangingPunct="1">
-              <a:lnSpc>
-                <a:spcPct val="100000"/>
-              </a:lnSpc>
-              <a:spcBef>
-                <a:spcPts val="0"/>
-              </a:spcBef>
-              <a:spcAft>
-                <a:spcPts val="0"/>
-              </a:spcAft>
-              <a:buClrTx/>
-              <a:buSzTx/>
-              <a:buFontTx/>
-              <a:buNone/>
-              <a:defRPr/>
-            </a:pPr>
-            <a:endParaRPr lang="en-US" altLang="zh-CN" sz="1200" kern="1200" dirty="0">
+            <a:r>
+              <a:rPr lang="zh-CN" altLang="en-US" dirty="0"/>
+              <a:t>首先我们</a:t>
+            </a:r>
+            <a:r>
+              <a:rPr lang="zh-CN" altLang="en-US" dirty="0" smtClean="0"/>
+              <a:t>以前的</a:t>
+            </a:r>
+            <a:r>
+              <a:rPr lang="zh-CN" altLang="en-US" dirty="0"/>
+              <a:t>报告已经讲过变异的多个阶段，一直到</a:t>
+            </a:r>
+            <a:r>
+              <a:rPr lang="en-US" altLang="zh-CN" dirty="0"/>
+              <a:t>havoc</a:t>
+            </a:r>
+            <a:r>
+              <a:rPr lang="zh-CN" altLang="en-US" dirty="0"/>
+              <a:t>阶段开始不断变化，我们取这一阶段的一个例子，对应之前的那个代码段</a:t>
+            </a:r>
+            <a:r>
+              <a:rPr lang="zh-CN" altLang="en-US" dirty="0" smtClean="0"/>
+              <a:t>，</a:t>
+            </a:r>
+            <a:endParaRPr lang="en-US" altLang="zh-CN" dirty="0" smtClean="0"/>
+          </a:p>
+          <a:p>
+            <a:endParaRPr lang="en-US" altLang="zh-CN" dirty="0" smtClean="0"/>
+          </a:p>
+          <a:p>
+            <a:r>
+              <a:rPr lang="zh-CN" altLang="en-US" dirty="0" smtClean="0"/>
+              <a:t>下面对之前的做一个总结，就是，最初的模糊测试效率高，但是如果加上符号执行可以提高覆盖率，好我们加上符号执行；</a:t>
+            </a:r>
+            <a:endParaRPr lang="en-US" altLang="zh-CN" dirty="0" smtClean="0"/>
+          </a:p>
+          <a:p>
+            <a:r>
+              <a:rPr lang="zh-CN" altLang="en-US" dirty="0" smtClean="0"/>
+              <a:t>加上符号执行变成 “混合模糊测试”，这时候又面临新的问题，这个约束求解就用一次太贵了，能不能有效利用，想办法重复利用每一步之前的解空间，这一步是很容易想到的；</a:t>
+            </a:r>
+            <a:endParaRPr lang="en-US" altLang="zh-CN" dirty="0" smtClean="0"/>
+          </a:p>
+          <a:p>
+            <a:r>
+              <a:rPr lang="zh-CN" altLang="en-US" dirty="0" smtClean="0"/>
+              <a:t>现在加上之后，求解空间的效率提升了，但是这只是改进了模糊测试新方向里面的外加功能，核心没变，所以想办法把这个解空间利用到核心的变异部分</a:t>
+            </a:r>
+            <a:r>
+              <a:rPr lang="en-US" altLang="zh-CN" dirty="0" smtClean="0"/>
+              <a:t>mutation</a:t>
+            </a:r>
+            <a:r>
+              <a:rPr lang="zh-CN" altLang="en-US" dirty="0" smtClean="0"/>
+              <a:t>上，于是把这个求解空间过程抽象出来，使用一种叫做多面体路径的方式抽象出路径约束，这种约束可以用于变异；</a:t>
+            </a:r>
+            <a:endParaRPr lang="en-US" altLang="zh-CN" dirty="0" smtClean="0"/>
+          </a:p>
+          <a:p>
+            <a:r>
+              <a:rPr lang="zh-CN" altLang="en-US" dirty="0" smtClean="0"/>
+              <a:t>于是最后就变成了现在这个样子，</a:t>
+            </a:r>
+            <a:r>
+              <a:rPr lang="en-US" altLang="zh-CN" sz="1200" b="0" i="0" u="none" strike="noStrike" kern="1200" dirty="0" smtClean="0">
+                <a:solidFill>
+                  <a:schemeClr val="tx1"/>
+                </a:solidFill>
+                <a:effectLst/>
+                <a:latin typeface="+mn-lt"/>
+                <a:ea typeface="+mn-ea"/>
+                <a:cs typeface="+mn-cs"/>
+              </a:rPr>
+              <a:t>PANGOLIN</a:t>
+            </a:r>
+            <a:r>
+              <a:rPr lang="zh-CN" altLang="en-US" sz="1200" b="0" i="0" u="none" strike="noStrike" kern="1200" dirty="0" smtClean="0">
+                <a:solidFill>
+                  <a:schemeClr val="tx1"/>
+                </a:solidFill>
+                <a:effectLst/>
+                <a:latin typeface="+mn-lt"/>
+                <a:ea typeface="+mn-ea"/>
+                <a:cs typeface="+mn-cs"/>
+              </a:rPr>
+              <a:t>，可以看到：多面体路径抽象是对我们目前所解决的路径约束的解空间的简洁而合理的记忆，首先，它使用前面的路径约束作为前缀，极大地简化了下一代路径约束的求解，提高求解效率；同时，这种路径约束使得输入变量相对于路径前缀的路径约束有一个有界的范围，通过从这样有界的搜索空间中采样，</a:t>
+            </a:r>
+            <a:r>
+              <a:rPr lang="en-US" altLang="zh-CN" sz="1200" b="0" i="0" u="none" strike="noStrike" kern="1200" dirty="0" smtClean="0">
+                <a:solidFill>
+                  <a:schemeClr val="tx1"/>
+                </a:solidFill>
+                <a:effectLst/>
+                <a:latin typeface="+mn-lt"/>
+                <a:ea typeface="+mn-ea"/>
+                <a:cs typeface="+mn-cs"/>
+              </a:rPr>
+              <a:t>PANGOLIN</a:t>
+            </a:r>
+            <a:r>
+              <a:rPr lang="zh-CN" altLang="en-US" sz="1200" b="0" i="0" u="none" strike="noStrike" kern="1200" dirty="0" smtClean="0">
+                <a:solidFill>
+                  <a:schemeClr val="tx1"/>
+                </a:solidFill>
+                <a:effectLst/>
+                <a:latin typeface="+mn-lt"/>
+                <a:ea typeface="+mn-ea"/>
+                <a:cs typeface="+mn-cs"/>
+              </a:rPr>
+              <a:t>能够快速生成大量仍然满足该路径约束的新输入，同时，探索共享相同路径前缀的后续路径，提高生成有效变异的效率。</a:t>
+            </a:r>
+            <a:endParaRPr lang="en-US" altLang="zh-CN" sz="1200" b="0" i="0" u="none" strike="noStrike" kern="1200" dirty="0" smtClean="0">
               <a:solidFill>
                 <a:schemeClr val="tx1"/>
               </a:solidFill>
@@ -1150,6 +1769,48 @@
               <a:ea typeface="+mn-ea"/>
               <a:cs typeface="+mn-cs"/>
             </a:endParaRPr>
+          </a:p>
+          <a:p>
+            <a:r>
+              <a:rPr lang="zh-CN" altLang="en-US" sz="1200" b="0" i="0" u="none" strike="noStrike" kern="1200" dirty="0" smtClean="0">
+                <a:solidFill>
+                  <a:schemeClr val="tx1"/>
+                </a:solidFill>
+                <a:effectLst/>
+                <a:latin typeface="+mn-lt"/>
+                <a:ea typeface="+mn-ea"/>
+                <a:cs typeface="+mn-cs"/>
+              </a:rPr>
+              <a:t>这就是论文提出的</a:t>
+            </a:r>
+            <a:r>
+              <a:rPr lang="en-US" altLang="zh-CN" sz="1200" b="0" i="0" u="none" strike="noStrike" kern="1200" dirty="0" smtClean="0">
+                <a:solidFill>
+                  <a:schemeClr val="tx1"/>
+                </a:solidFill>
+                <a:effectLst/>
+                <a:latin typeface="+mn-lt"/>
+                <a:ea typeface="+mn-ea"/>
+                <a:cs typeface="+mn-cs"/>
+              </a:rPr>
+              <a:t>pangolin</a:t>
+            </a:r>
+            <a:r>
+              <a:rPr lang="zh-CN" altLang="en-US" sz="1200" b="0" i="0" u="none" strike="noStrike" kern="1200" dirty="0" smtClean="0">
+                <a:solidFill>
+                  <a:schemeClr val="tx1"/>
+                </a:solidFill>
+                <a:effectLst/>
+                <a:latin typeface="+mn-lt"/>
+                <a:ea typeface="+mn-ea"/>
+                <a:cs typeface="+mn-cs"/>
+              </a:rPr>
+              <a:t>的整体思路，至于效果好不好，还是要看疗效。</a:t>
+            </a:r>
+            <a:endParaRPr lang="zh-CN" altLang="en-US" dirty="0" smtClean="0"/>
+          </a:p>
+          <a:p>
+            <a:endParaRPr lang="zh-CN" altLang="en-US" dirty="0"/>
           </a:p>
         </p:txBody>
       </p:sp>
@@ -1168,9 +1829,9 @@
           <a:bodyPr/>
           <a:lstStyle/>
           <a:p>
-            <a:fld id="{790F3238-B197-4DD0-8393-B222E6E85519}" type="slidenum">
+            <a:fld id="{4D554B03-AFA2-46E1-B6D8-B50CBE82BD5E}" type="slidenum">
               <a:rPr lang="zh-CN" altLang="en-US" smtClean="0"/>
-              <a:t>9</a:t>
+              <a:t>8</a:t>
             </a:fld>
             <a:endParaRPr lang="zh-CN" altLang="en-US"/>
           </a:p>
@@ -1179,7 +1840,7 @@
     </p:spTree>
     <p:extLst>
       <p:ext uri="{BB962C8B-B14F-4D97-AF65-F5344CB8AC3E}">
-        <p14:creationId xmlns:p14="http://schemas.microsoft.com/office/powerpoint/2010/main" val="1844719841"/>
+        <p14:creationId xmlns:p14="http://schemas.microsoft.com/office/powerpoint/2010/main" val="3742156325"/>
       </p:ext>
     </p:extLst>
   </p:cSld>
@@ -1233,7 +1894,7 @@
           <a:bodyPr/>
           <a:lstStyle/>
           <a:p>
-            <a:endParaRPr kumimoji="1" lang="zh-CN" altLang="en-US" dirty="0"/>
+            <a:endParaRPr lang="zh-CN" altLang="en-US" dirty="0"/>
           </a:p>
         </p:txBody>
       </p:sp>
@@ -1254,7 +1915,7 @@
           <a:p>
             <a:fld id="{790F3238-B197-4DD0-8393-B222E6E85519}" type="slidenum">
               <a:rPr lang="zh-CN" altLang="en-US" smtClean="0"/>
-              <a:t>10</a:t>
+              <a:t>9</a:t>
             </a:fld>
             <a:endParaRPr lang="zh-CN" altLang="en-US"/>
           </a:p>
@@ -1263,7 +1924,7 @@
     </p:spTree>
     <p:extLst>
       <p:ext uri="{BB962C8B-B14F-4D97-AF65-F5344CB8AC3E}">
-        <p14:creationId xmlns:p14="http://schemas.microsoft.com/office/powerpoint/2010/main" val="2795811709"/>
+        <p14:creationId xmlns:p14="http://schemas.microsoft.com/office/powerpoint/2010/main" val="1823715033"/>
       </p:ext>
     </p:extLst>
   </p:cSld>
@@ -1404,7 +2065,7 @@
           <a:p>
             <a:fld id="{731F6634-400D-496D-BD5A-6D0CF8DA8058}" type="datetimeFigureOut">
               <a:rPr lang="zh-CN" altLang="en-US" smtClean="0"/>
-              <a:t>2020/12/2</a:t>
+              <a:t>2020/12/3</a:t>
             </a:fld>
             <a:endParaRPr lang="zh-CN" altLang="en-US"/>
           </a:p>
@@ -1574,7 +2235,7 @@
           <a:p>
             <a:fld id="{731F6634-400D-496D-BD5A-6D0CF8DA8058}" type="datetimeFigureOut">
               <a:rPr lang="zh-CN" altLang="en-US" smtClean="0"/>
-              <a:t>2020/12/2</a:t>
+              <a:t>2020/12/3</a:t>
             </a:fld>
             <a:endParaRPr lang="zh-CN" altLang="en-US"/>
           </a:p>
@@ -1754,7 +2415,7 @@
           <a:p>
             <a:fld id="{731F6634-400D-496D-BD5A-6D0CF8DA8058}" type="datetimeFigureOut">
               <a:rPr lang="zh-CN" altLang="en-US" smtClean="0"/>
-              <a:t>2020/12/2</a:t>
+              <a:t>2020/12/3</a:t>
             </a:fld>
             <a:endParaRPr lang="zh-CN" altLang="en-US"/>
           </a:p>
@@ -3231,7 +3892,7 @@
           <a:p>
             <a:fld id="{731F6634-400D-496D-BD5A-6D0CF8DA8058}" type="datetimeFigureOut">
               <a:rPr lang="zh-CN" altLang="en-US" smtClean="0"/>
-              <a:t>2020/12/2</a:t>
+              <a:t>2020/12/3</a:t>
             </a:fld>
             <a:endParaRPr lang="zh-CN" altLang="en-US"/>
           </a:p>
@@ -3477,7 +4138,7 @@
           <a:p>
             <a:fld id="{731F6634-400D-496D-BD5A-6D0CF8DA8058}" type="datetimeFigureOut">
               <a:rPr lang="zh-CN" altLang="en-US" smtClean="0"/>
-              <a:t>2020/12/2</a:t>
+              <a:t>2020/12/3</a:t>
             </a:fld>
             <a:endParaRPr lang="zh-CN" altLang="en-US"/>
           </a:p>
@@ -3709,7 +4370,7 @@
           <a:p>
             <a:fld id="{731F6634-400D-496D-BD5A-6D0CF8DA8058}" type="datetimeFigureOut">
               <a:rPr lang="zh-CN" altLang="en-US" smtClean="0"/>
-              <a:t>2020/12/2</a:t>
+              <a:t>2020/12/3</a:t>
             </a:fld>
             <a:endParaRPr lang="zh-CN" altLang="en-US"/>
           </a:p>
@@ -4076,7 +4737,7 @@
           <a:p>
             <a:fld id="{731F6634-400D-496D-BD5A-6D0CF8DA8058}" type="datetimeFigureOut">
               <a:rPr lang="zh-CN" altLang="en-US" smtClean="0"/>
-              <a:t>2020/12/2</a:t>
+              <a:t>2020/12/3</a:t>
             </a:fld>
             <a:endParaRPr lang="zh-CN" altLang="en-US"/>
           </a:p>
@@ -4194,7 +4855,7 @@
           <a:p>
             <a:fld id="{731F6634-400D-496D-BD5A-6D0CF8DA8058}" type="datetimeFigureOut">
               <a:rPr lang="zh-CN" altLang="en-US" smtClean="0"/>
-              <a:t>2020/12/2</a:t>
+              <a:t>2020/12/3</a:t>
             </a:fld>
             <a:endParaRPr lang="zh-CN" altLang="en-US"/>
           </a:p>
@@ -4289,7 +4950,7 @@
           <a:p>
             <a:fld id="{731F6634-400D-496D-BD5A-6D0CF8DA8058}" type="datetimeFigureOut">
               <a:rPr lang="zh-CN" altLang="en-US" smtClean="0"/>
-              <a:t>2020/12/2</a:t>
+              <a:t>2020/12/3</a:t>
             </a:fld>
             <a:endParaRPr lang="zh-CN" altLang="en-US"/>
           </a:p>
@@ -4566,7 +5227,7 @@
           <a:p>
             <a:fld id="{731F6634-400D-496D-BD5A-6D0CF8DA8058}" type="datetimeFigureOut">
               <a:rPr lang="zh-CN" altLang="en-US" smtClean="0"/>
-              <a:t>2020/12/2</a:t>
+              <a:t>2020/12/3</a:t>
             </a:fld>
             <a:endParaRPr lang="zh-CN" altLang="en-US"/>
           </a:p>
@@ -4819,7 +5480,7 @@
           <a:p>
             <a:fld id="{731F6634-400D-496D-BD5A-6D0CF8DA8058}" type="datetimeFigureOut">
               <a:rPr lang="zh-CN" altLang="en-US" smtClean="0"/>
-              <a:t>2020/12/2</a:t>
+              <a:t>2020/12/3</a:t>
             </a:fld>
             <a:endParaRPr lang="zh-CN" altLang="en-US"/>
           </a:p>
@@ -5032,7 +5693,7 @@
           <a:p>
             <a:fld id="{731F6634-400D-496D-BD5A-6D0CF8DA8058}" type="datetimeFigureOut">
               <a:rPr lang="zh-CN" altLang="en-US" smtClean="0"/>
-              <a:t>2020/12/2</a:t>
+              <a:t>2020/12/3</a:t>
             </a:fld>
             <a:endParaRPr lang="zh-CN" altLang="en-US"/>
           </a:p>
@@ -5799,6 +6460,1184 @@
 </file>
 
 <file path=ppt/slides/slide10.xml><?xml version="1.0" encoding="utf-8"?>
+<p:sld xmlns:a="http://schemas.openxmlformats.org/drawingml/2006/main" xmlns:r="http://schemas.openxmlformats.org/officeDocument/2006/relationships" xmlns:p="http://schemas.openxmlformats.org/presentationml/2006/main">
+  <p:cSld>
+    <p:spTree>
+      <p:nvGrpSpPr>
+        <p:cNvPr id="1" name=""/>
+        <p:cNvGrpSpPr/>
+        <p:nvPr/>
+      </p:nvGrpSpPr>
+      <p:grpSpPr>
+        <a:xfrm>
+          <a:off x="0" y="0"/>
+          <a:ext cx="0" cy="0"/>
+          <a:chOff x="0" y="0"/>
+          <a:chExt cx="0" cy="0"/>
+        </a:xfrm>
+      </p:grpSpPr>
+    </p:spTree>
+    <p:extLst>
+      <p:ext uri="{BB962C8B-B14F-4D97-AF65-F5344CB8AC3E}">
+        <p14:creationId xmlns:p14="http://schemas.microsoft.com/office/powerpoint/2010/main" val="3333057909"/>
+      </p:ext>
+    </p:extLst>
+  </p:cSld>
+  <p:clrMapOvr>
+    <a:masterClrMapping/>
+  </p:clrMapOvr>
+</p:sld>
+</file>
+
+<file path=ppt/slides/slide11.xml><?xml version="1.0" encoding="utf-8"?>
+<p:sld xmlns:a="http://schemas.openxmlformats.org/drawingml/2006/main" xmlns:r="http://schemas.openxmlformats.org/officeDocument/2006/relationships" xmlns:p="http://schemas.openxmlformats.org/presentationml/2006/main">
+  <p:cSld>
+    <p:spTree>
+      <p:nvGrpSpPr>
+        <p:cNvPr id="1" name=""/>
+        <p:cNvGrpSpPr/>
+        <p:nvPr/>
+      </p:nvGrpSpPr>
+      <p:grpSpPr>
+        <a:xfrm>
+          <a:off x="0" y="0"/>
+          <a:ext cx="0" cy="0"/>
+          <a:chOff x="0" y="0"/>
+          <a:chExt cx="0" cy="0"/>
+        </a:xfrm>
+      </p:grpSpPr>
+      <p:pic>
+        <p:nvPicPr>
+          <p:cNvPr id="26" name="图片 25"/>
+          <p:cNvPicPr>
+            <a:picLocks noChangeAspect="1"/>
+          </p:cNvPicPr>
+          <p:nvPr/>
+        </p:nvPicPr>
+        <p:blipFill rotWithShape="1">
+          <a:blip r:embed="rId3">
+            <a:duotone>
+              <a:schemeClr val="bg2">
+                <a:shade val="45000"/>
+                <a:satMod val="135000"/>
+              </a:schemeClr>
+              <a:prstClr val="white"/>
+            </a:duotone>
+            <a:extLst>
+              <a:ext uri="{28A0092B-C50C-407E-A947-70E740481C1C}">
+                <a14:useLocalDpi xmlns:a14="http://schemas.microsoft.com/office/drawing/2010/main" val="0"/>
+              </a:ext>
+            </a:extLst>
+          </a:blip>
+          <a:srcRect l="42597" r="23486" b="18402"/>
+          <a:stretch>
+            <a:fillRect/>
+          </a:stretch>
+        </p:blipFill>
+        <p:spPr>
+          <a:xfrm>
+            <a:off x="-16277" y="2163"/>
+            <a:ext cx="3637336" cy="6853673"/>
+          </a:xfrm>
+          <a:prstGeom prst="rect">
+            <a:avLst/>
+          </a:prstGeom>
+        </p:spPr>
+      </p:pic>
+      <p:cxnSp>
+        <p:nvCxnSpPr>
+          <p:cNvPr id="3" name="直接连接符 2"/>
+          <p:cNvCxnSpPr/>
+          <p:nvPr/>
+        </p:nvCxnSpPr>
+        <p:spPr>
+          <a:xfrm>
+            <a:off x="3632347" y="1123950"/>
+            <a:ext cx="7953012" cy="0"/>
+          </a:xfrm>
+          <a:prstGeom prst="line">
+            <a:avLst/>
+          </a:prstGeom>
+          <a:ln w="38100">
+            <a:solidFill>
+              <a:srgbClr val="E82209"/>
+            </a:solidFill>
+          </a:ln>
+        </p:spPr>
+        <p:style>
+          <a:lnRef idx="1">
+            <a:schemeClr val="accent6"/>
+          </a:lnRef>
+          <a:fillRef idx="0">
+            <a:schemeClr val="accent6"/>
+          </a:fillRef>
+          <a:effectRef idx="0">
+            <a:schemeClr val="accent6"/>
+          </a:effectRef>
+          <a:fontRef idx="minor">
+            <a:schemeClr val="tx1"/>
+          </a:fontRef>
+        </p:style>
+      </p:cxnSp>
+      <p:grpSp>
+        <p:nvGrpSpPr>
+          <p:cNvPr id="28" name="组合 27"/>
+          <p:cNvGrpSpPr/>
+          <p:nvPr/>
+        </p:nvGrpSpPr>
+        <p:grpSpPr>
+          <a:xfrm>
+            <a:off x="3636404" y="740007"/>
+            <a:ext cx="2753457" cy="763743"/>
+            <a:chOff x="3636404" y="740007"/>
+            <a:chExt cx="2753457" cy="763743"/>
+          </a:xfrm>
+          <a:solidFill>
+            <a:srgbClr val="002060"/>
+          </a:solidFill>
+        </p:grpSpPr>
+        <p:sp>
+          <p:nvSpPr>
+            <p:cNvPr id="27" name="平行四边形 26"/>
+            <p:cNvSpPr/>
+            <p:nvPr/>
+          </p:nvSpPr>
+          <p:spPr bwMode="auto">
+            <a:xfrm>
+              <a:off x="3658981" y="1143710"/>
+              <a:ext cx="2730880" cy="360040"/>
+            </a:xfrm>
+            <a:prstGeom prst="parallelogram">
+              <a:avLst>
+                <a:gd name="adj" fmla="val 76283"/>
+              </a:avLst>
+            </a:prstGeom>
+            <a:grpFill/>
+            <a:ln w="19050">
+              <a:noFill/>
+              <a:round/>
+            </a:ln>
+          </p:spPr>
+          <p:txBody>
+            <a:bodyPr rot="0" spcFirstLastPara="0" vertOverflow="overflow" horzOverflow="overflow" vert="horz" wrap="square" lIns="91440" tIns="45720" rIns="91440" bIns="45720" numCol="1" spcCol="0" rtlCol="0" fromWordArt="0" anchor="ctr" anchorCtr="1" forceAA="0" compatLnSpc="1">
+              <a:noAutofit/>
+            </a:bodyPr>
+            <a:lstStyle/>
+            <a:p>
+              <a:pPr marL="0" marR="0" lvl="0" indent="0" algn="ctr" defTabSz="457200" eaLnBrk="1" fontAlgn="auto" latinLnBrk="0" hangingPunct="1">
+                <a:lnSpc>
+                  <a:spcPct val="120000"/>
+                </a:lnSpc>
+                <a:buClrTx/>
+                <a:buSzTx/>
+                <a:buFontTx/>
+                <a:buNone/>
+                <a:defRPr/>
+              </a:pPr>
+              <a:endParaRPr kumimoji="0" lang="zh-CN" altLang="en-US" sz="1200" b="1" i="0" u="none" strike="noStrike" kern="0" cap="none" spc="0" normalizeH="0" baseline="0" noProof="0" dirty="0">
+                <a:ln>
+                  <a:noFill/>
+                </a:ln>
+                <a:solidFill>
+                  <a:prstClr val="white">
+                    <a:lumMod val="100000"/>
+                  </a:prstClr>
+                </a:solidFill>
+                <a:effectLst/>
+                <a:uLnTx/>
+                <a:uFillTx/>
+                <a:cs typeface="+mn-ea"/>
+                <a:sym typeface="+mn-lt"/>
+              </a:endParaRPr>
+            </a:p>
+          </p:txBody>
+        </p:sp>
+        <p:sp>
+          <p:nvSpPr>
+            <p:cNvPr id="24" name="矩形 23"/>
+            <p:cNvSpPr/>
+            <p:nvPr/>
+          </p:nvSpPr>
+          <p:spPr bwMode="auto">
+            <a:xfrm>
+              <a:off x="3636404" y="740007"/>
+              <a:ext cx="2459596" cy="756084"/>
+            </a:xfrm>
+            <a:prstGeom prst="rect">
+              <a:avLst/>
+            </a:prstGeom>
+            <a:grpFill/>
+            <a:ln w="19050">
+              <a:solidFill>
+                <a:srgbClr val="006C30"/>
+              </a:solidFill>
+              <a:round/>
+            </a:ln>
+          </p:spPr>
+          <p:txBody>
+            <a:bodyPr rot="0" spcFirstLastPara="0" vertOverflow="overflow" horzOverflow="overflow" vert="horz" wrap="square" lIns="91440" tIns="45720" rIns="91440" bIns="45720" numCol="1" spcCol="0" rtlCol="0" fromWordArt="0" anchor="ctr" anchorCtr="1" forceAA="0" compatLnSpc="1">
+              <a:noAutofit/>
+            </a:bodyPr>
+            <a:lstStyle/>
+            <a:p>
+              <a:pPr marL="0" marR="0" lvl="0" indent="0" algn="ctr" defTabSz="457200" eaLnBrk="1" fontAlgn="auto" latinLnBrk="0" hangingPunct="1">
+                <a:lnSpc>
+                  <a:spcPct val="120000"/>
+                </a:lnSpc>
+                <a:buClrTx/>
+                <a:buSzTx/>
+                <a:buFontTx/>
+                <a:buNone/>
+                <a:defRPr/>
+              </a:pPr>
+              <a:r>
+                <a:rPr kumimoji="0" lang="zh-CN" altLang="en-US" sz="3600" b="1" i="0" u="none" strike="noStrike" kern="0" cap="none" spc="0" normalizeH="0" baseline="0" noProof="0" dirty="0">
+                  <a:ln>
+                    <a:noFill/>
+                  </a:ln>
+                  <a:solidFill>
+                    <a:prstClr val="white">
+                      <a:lumMod val="100000"/>
+                    </a:prstClr>
+                  </a:solidFill>
+                  <a:effectLst/>
+                  <a:uLnTx/>
+                  <a:uFillTx/>
+                  <a:latin typeface="方正正中黑简体" panose="02000000000000000000" pitchFamily="2" charset="-122"/>
+                  <a:ea typeface="方正正中黑简体" panose="02000000000000000000" pitchFamily="2" charset="-122"/>
+                  <a:cs typeface="+mn-ea"/>
+                  <a:sym typeface="+mn-lt"/>
+                </a:rPr>
+                <a:t>目   录</a:t>
+              </a:r>
+            </a:p>
+          </p:txBody>
+        </p:sp>
+      </p:grpSp>
+      <p:grpSp>
+        <p:nvGrpSpPr>
+          <p:cNvPr id="79" name="Group 3"/>
+          <p:cNvGrpSpPr/>
+          <p:nvPr/>
+        </p:nvGrpSpPr>
+        <p:grpSpPr>
+          <a:xfrm>
+            <a:off x="3878938" y="2473714"/>
+            <a:ext cx="6456651" cy="564825"/>
+            <a:chOff x="4267200" y="1600200"/>
+            <a:chExt cx="6963691" cy="767497"/>
+          </a:xfrm>
+        </p:grpSpPr>
+        <p:sp>
+          <p:nvSpPr>
+            <p:cNvPr id="80" name="TextBox 4"/>
+            <p:cNvSpPr txBox="1"/>
+            <p:nvPr/>
+          </p:nvSpPr>
+          <p:spPr>
+            <a:xfrm>
+              <a:off x="5371429" y="1665097"/>
+              <a:ext cx="5859462" cy="702600"/>
+            </a:xfrm>
+            <a:prstGeom prst="rect">
+              <a:avLst/>
+            </a:prstGeom>
+            <a:noFill/>
+          </p:spPr>
+          <p:txBody>
+            <a:bodyPr wrap="square" lIns="0" tIns="0" rIns="0" bIns="0" rtlCol="0">
+              <a:spAutoFit/>
+            </a:bodyPr>
+            <a:lstStyle/>
+            <a:p>
+              <a:pPr>
+                <a:lnSpc>
+                  <a:spcPct val="120000"/>
+                </a:lnSpc>
+              </a:pPr>
+              <a:r>
+                <a:rPr lang="zh-CN" altLang="en-US" sz="2800" dirty="0" smtClean="0">
+                  <a:latin typeface="+mn-ea"/>
+                  <a:cs typeface="+mn-ea"/>
+                  <a:sym typeface="+mn-lt"/>
+                </a:rPr>
+                <a:t>什么是混合模糊</a:t>
+              </a:r>
+              <a:r>
+                <a:rPr lang="zh-CN" altLang="en-US" sz="2800" dirty="0">
+                  <a:latin typeface="+mn-ea"/>
+                  <a:cs typeface="+mn-ea"/>
+                  <a:sym typeface="+mn-lt"/>
+                </a:rPr>
+                <a:t>测试</a:t>
+              </a:r>
+              <a:endParaRPr lang="zh-CN" altLang="en-MY" sz="2800" dirty="0">
+                <a:latin typeface="+mn-ea"/>
+                <a:cs typeface="+mn-ea"/>
+                <a:sym typeface="+mn-lt"/>
+              </a:endParaRPr>
+            </a:p>
+          </p:txBody>
+        </p:sp>
+        <p:grpSp>
+          <p:nvGrpSpPr>
+            <p:cNvPr id="81" name="Group 5"/>
+            <p:cNvGrpSpPr/>
+            <p:nvPr/>
+          </p:nvGrpSpPr>
+          <p:grpSpPr>
+            <a:xfrm>
+              <a:off x="4267200" y="1600200"/>
+              <a:ext cx="864870" cy="739140"/>
+              <a:chOff x="4267199" y="1268631"/>
+              <a:chExt cx="1373976" cy="1174236"/>
+            </a:xfrm>
+          </p:grpSpPr>
+          <p:sp>
+            <p:nvSpPr>
+              <p:cNvPr id="82" name="Rectangle 6"/>
+              <p:cNvSpPr/>
+              <p:nvPr/>
+            </p:nvSpPr>
+            <p:spPr>
+              <a:xfrm>
+                <a:off x="4343867" y="1345299"/>
+                <a:ext cx="1297308" cy="1097568"/>
+              </a:xfrm>
+              <a:prstGeom prst="rect">
+                <a:avLst/>
+              </a:prstGeom>
+              <a:solidFill>
+                <a:srgbClr val="002060"/>
+              </a:solidFill>
+              <a:ln w="57150">
+                <a:solidFill>
+                  <a:srgbClr val="002060"/>
+                </a:solidFill>
+              </a:ln>
+            </p:spPr>
+            <p:style>
+              <a:lnRef idx="2">
+                <a:schemeClr val="accent1">
+                  <a:shade val="50000"/>
+                </a:schemeClr>
+              </a:lnRef>
+              <a:fillRef idx="1">
+                <a:schemeClr val="accent1"/>
+              </a:fillRef>
+              <a:effectRef idx="0">
+                <a:schemeClr val="accent1"/>
+              </a:effectRef>
+              <a:fontRef idx="minor">
+                <a:schemeClr val="lt1"/>
+              </a:fontRef>
+            </p:style>
+            <p:txBody>
+              <a:bodyPr rtlCol="0" anchor="ctr"/>
+              <a:lstStyle/>
+              <a:p>
+                <a:pPr algn="ctr">
+                  <a:lnSpc>
+                    <a:spcPct val="120000"/>
+                  </a:lnSpc>
+                </a:pPr>
+                <a:r>
+                  <a:rPr lang="en-US" sz="3200" b="1" dirty="0">
+                    <a:cs typeface="+mn-ea"/>
+                    <a:sym typeface="+mn-lt"/>
+                  </a:rPr>
+                  <a:t>0</a:t>
+                </a:r>
+                <a:r>
+                  <a:rPr lang="en-US" altLang="zh-CN" sz="3200" b="1" dirty="0">
+                    <a:cs typeface="+mn-ea"/>
+                    <a:sym typeface="+mn-lt"/>
+                  </a:rPr>
+                  <a:t>1</a:t>
+                </a:r>
+                <a:endParaRPr lang="en-MY" sz="3200" b="1" dirty="0">
+                  <a:cs typeface="+mn-ea"/>
+                  <a:sym typeface="+mn-lt"/>
+                </a:endParaRPr>
+              </a:p>
+            </p:txBody>
+          </p:sp>
+          <p:sp>
+            <p:nvSpPr>
+              <p:cNvPr id="83" name="Right Triangle 7"/>
+              <p:cNvSpPr/>
+              <p:nvPr/>
+            </p:nvSpPr>
+            <p:spPr>
+              <a:xfrm rot="5400000">
+                <a:off x="4267199" y="1268631"/>
+                <a:ext cx="455895" cy="455895"/>
+              </a:xfrm>
+              <a:prstGeom prst="rtTriangle">
+                <a:avLst/>
+              </a:prstGeom>
+              <a:solidFill>
+                <a:schemeClr val="accent2"/>
+              </a:solidFill>
+              <a:ln w="38100">
+                <a:solidFill>
+                  <a:schemeClr val="bg1"/>
+                </a:solidFill>
+              </a:ln>
+            </p:spPr>
+            <p:style>
+              <a:lnRef idx="2">
+                <a:schemeClr val="accent1">
+                  <a:shade val="50000"/>
+                </a:schemeClr>
+              </a:lnRef>
+              <a:fillRef idx="1">
+                <a:schemeClr val="accent1"/>
+              </a:fillRef>
+              <a:effectRef idx="0">
+                <a:schemeClr val="accent1"/>
+              </a:effectRef>
+              <a:fontRef idx="minor">
+                <a:schemeClr val="lt1"/>
+              </a:fontRef>
+            </p:style>
+            <p:txBody>
+              <a:bodyPr rtlCol="0" anchor="ctr"/>
+              <a:lstStyle/>
+              <a:p>
+                <a:pPr algn="ctr">
+                  <a:lnSpc>
+                    <a:spcPct val="120000"/>
+                  </a:lnSpc>
+                </a:pPr>
+                <a:endParaRPr lang="en-MY">
+                  <a:cs typeface="+mn-ea"/>
+                  <a:sym typeface="+mn-lt"/>
+                </a:endParaRPr>
+              </a:p>
+            </p:txBody>
+          </p:sp>
+        </p:grpSp>
+      </p:grpSp>
+      <p:grpSp>
+        <p:nvGrpSpPr>
+          <p:cNvPr id="94" name="Group 3"/>
+          <p:cNvGrpSpPr/>
+          <p:nvPr/>
+        </p:nvGrpSpPr>
+        <p:grpSpPr>
+          <a:xfrm>
+            <a:off x="3878938" y="5304091"/>
+            <a:ext cx="2998729" cy="543956"/>
+            <a:chOff x="4267200" y="1600200"/>
+            <a:chExt cx="3234219" cy="739140"/>
+          </a:xfrm>
+        </p:grpSpPr>
+        <p:sp>
+          <p:nvSpPr>
+            <p:cNvPr id="95" name="TextBox 4"/>
+            <p:cNvSpPr txBox="1"/>
+            <p:nvPr/>
+          </p:nvSpPr>
+          <p:spPr>
+            <a:xfrm>
+              <a:off x="5371430" y="1665097"/>
+              <a:ext cx="2129989" cy="609285"/>
+            </a:xfrm>
+            <a:prstGeom prst="rect">
+              <a:avLst/>
+            </a:prstGeom>
+            <a:noFill/>
+          </p:spPr>
+          <p:txBody>
+            <a:bodyPr wrap="none" lIns="0" tIns="0" rIns="0" bIns="0" rtlCol="0">
+              <a:spAutoFit/>
+            </a:bodyPr>
+            <a:lstStyle/>
+            <a:p>
+              <a:pPr>
+                <a:lnSpc>
+                  <a:spcPct val="120000"/>
+                </a:lnSpc>
+              </a:pPr>
+              <a:r>
+                <a:rPr lang="zh-CN" altLang="en-US" sz="2800" dirty="0" smtClean="0">
+                  <a:solidFill>
+                    <a:srgbClr val="FF0000"/>
+                  </a:solidFill>
+                  <a:latin typeface="+mn-ea"/>
+                  <a:cs typeface="+mn-ea"/>
+                  <a:sym typeface="+mn-lt"/>
+                </a:rPr>
+                <a:t>发展 </a:t>
+              </a:r>
+              <a:r>
+                <a:rPr lang="en-US" altLang="zh-CN" sz="2800" dirty="0" smtClean="0">
+                  <a:solidFill>
+                    <a:srgbClr val="FF0000"/>
+                  </a:solidFill>
+                  <a:latin typeface="+mn-ea"/>
+                  <a:cs typeface="+mn-ea"/>
+                  <a:sym typeface="+mn-lt"/>
+                </a:rPr>
+                <a:t>&amp; </a:t>
+              </a:r>
+              <a:r>
+                <a:rPr lang="zh-CN" altLang="en-US" sz="2800" dirty="0" smtClean="0">
+                  <a:solidFill>
+                    <a:srgbClr val="FF0000"/>
+                  </a:solidFill>
+                  <a:latin typeface="+mn-ea"/>
+                  <a:cs typeface="+mn-ea"/>
+                  <a:sym typeface="+mn-lt"/>
+                </a:rPr>
+                <a:t>总结</a:t>
+              </a:r>
+              <a:endParaRPr lang="zh-CN" altLang="en-MY" sz="2800" dirty="0">
+                <a:solidFill>
+                  <a:srgbClr val="FF0000"/>
+                </a:solidFill>
+                <a:latin typeface="+mn-ea"/>
+                <a:cs typeface="+mn-ea"/>
+                <a:sym typeface="+mn-lt"/>
+              </a:endParaRPr>
+            </a:p>
+          </p:txBody>
+        </p:sp>
+        <p:grpSp>
+          <p:nvGrpSpPr>
+            <p:cNvPr id="96" name="Group 5"/>
+            <p:cNvGrpSpPr/>
+            <p:nvPr/>
+          </p:nvGrpSpPr>
+          <p:grpSpPr>
+            <a:xfrm>
+              <a:off x="4267200" y="1600200"/>
+              <a:ext cx="864870" cy="739140"/>
+              <a:chOff x="4267199" y="1268631"/>
+              <a:chExt cx="1373976" cy="1174236"/>
+            </a:xfrm>
+          </p:grpSpPr>
+          <p:sp>
+            <p:nvSpPr>
+              <p:cNvPr id="97" name="Rectangle 6"/>
+              <p:cNvSpPr/>
+              <p:nvPr/>
+            </p:nvSpPr>
+            <p:spPr>
+              <a:xfrm>
+                <a:off x="4343867" y="1345299"/>
+                <a:ext cx="1297308" cy="1097568"/>
+              </a:xfrm>
+              <a:prstGeom prst="rect">
+                <a:avLst/>
+              </a:prstGeom>
+              <a:solidFill>
+                <a:srgbClr val="002060"/>
+              </a:solidFill>
+              <a:ln w="57150">
+                <a:solidFill>
+                  <a:srgbClr val="002060"/>
+                </a:solidFill>
+              </a:ln>
+            </p:spPr>
+            <p:style>
+              <a:lnRef idx="2">
+                <a:schemeClr val="accent1">
+                  <a:shade val="50000"/>
+                </a:schemeClr>
+              </a:lnRef>
+              <a:fillRef idx="1">
+                <a:schemeClr val="accent1"/>
+              </a:fillRef>
+              <a:effectRef idx="0">
+                <a:schemeClr val="accent1"/>
+              </a:effectRef>
+              <a:fontRef idx="minor">
+                <a:schemeClr val="lt1"/>
+              </a:fontRef>
+            </p:style>
+            <p:txBody>
+              <a:bodyPr rtlCol="0" anchor="ctr"/>
+              <a:lstStyle/>
+              <a:p>
+                <a:pPr algn="ctr">
+                  <a:lnSpc>
+                    <a:spcPct val="120000"/>
+                  </a:lnSpc>
+                </a:pPr>
+                <a:r>
+                  <a:rPr lang="en-US" sz="3200" b="1" dirty="0">
+                    <a:cs typeface="+mn-ea"/>
+                    <a:sym typeface="+mn-lt"/>
+                  </a:rPr>
+                  <a:t>0</a:t>
+                </a:r>
+                <a:r>
+                  <a:rPr lang="en-US" altLang="zh-CN" sz="3200" b="1" dirty="0">
+                    <a:cs typeface="+mn-ea"/>
+                    <a:sym typeface="+mn-lt"/>
+                  </a:rPr>
+                  <a:t>4</a:t>
+                </a:r>
+                <a:endParaRPr lang="en-MY" sz="3200" b="1" dirty="0">
+                  <a:cs typeface="+mn-ea"/>
+                  <a:sym typeface="+mn-lt"/>
+                </a:endParaRPr>
+              </a:p>
+            </p:txBody>
+          </p:sp>
+          <p:sp>
+            <p:nvSpPr>
+              <p:cNvPr id="98" name="Right Triangle 7"/>
+              <p:cNvSpPr/>
+              <p:nvPr/>
+            </p:nvSpPr>
+            <p:spPr>
+              <a:xfrm rot="5400000">
+                <a:off x="4267199" y="1268631"/>
+                <a:ext cx="455895" cy="455895"/>
+              </a:xfrm>
+              <a:prstGeom prst="rtTriangle">
+                <a:avLst/>
+              </a:prstGeom>
+              <a:solidFill>
+                <a:schemeClr val="accent2"/>
+              </a:solidFill>
+              <a:ln w="38100">
+                <a:solidFill>
+                  <a:schemeClr val="bg1"/>
+                </a:solidFill>
+              </a:ln>
+            </p:spPr>
+            <p:style>
+              <a:lnRef idx="2">
+                <a:schemeClr val="accent1">
+                  <a:shade val="50000"/>
+                </a:schemeClr>
+              </a:lnRef>
+              <a:fillRef idx="1">
+                <a:schemeClr val="accent1"/>
+              </a:fillRef>
+              <a:effectRef idx="0">
+                <a:schemeClr val="accent1"/>
+              </a:effectRef>
+              <a:fontRef idx="minor">
+                <a:schemeClr val="lt1"/>
+              </a:fontRef>
+            </p:style>
+            <p:txBody>
+              <a:bodyPr rtlCol="0" anchor="ctr"/>
+              <a:lstStyle/>
+              <a:p>
+                <a:pPr algn="ctr">
+                  <a:lnSpc>
+                    <a:spcPct val="120000"/>
+                  </a:lnSpc>
+                </a:pPr>
+                <a:endParaRPr lang="en-MY">
+                  <a:cs typeface="+mn-ea"/>
+                  <a:sym typeface="+mn-lt"/>
+                </a:endParaRPr>
+              </a:p>
+            </p:txBody>
+          </p:sp>
+        </p:grpSp>
+      </p:grpSp>
+      <p:grpSp>
+        <p:nvGrpSpPr>
+          <p:cNvPr id="29" name="Group 3"/>
+          <p:cNvGrpSpPr/>
+          <p:nvPr/>
+        </p:nvGrpSpPr>
+        <p:grpSpPr>
+          <a:xfrm>
+            <a:off x="3878938" y="3411223"/>
+            <a:ext cx="6456651" cy="564825"/>
+            <a:chOff x="4267200" y="1600200"/>
+            <a:chExt cx="6963691" cy="767497"/>
+          </a:xfrm>
+        </p:grpSpPr>
+        <p:sp>
+          <p:nvSpPr>
+            <p:cNvPr id="30" name="TextBox 4"/>
+            <p:cNvSpPr txBox="1"/>
+            <p:nvPr/>
+          </p:nvSpPr>
+          <p:spPr>
+            <a:xfrm>
+              <a:off x="5371429" y="1665097"/>
+              <a:ext cx="5859462" cy="702600"/>
+            </a:xfrm>
+            <a:prstGeom prst="rect">
+              <a:avLst/>
+            </a:prstGeom>
+            <a:noFill/>
+          </p:spPr>
+          <p:txBody>
+            <a:bodyPr wrap="square" lIns="0" tIns="0" rIns="0" bIns="0" rtlCol="0">
+              <a:spAutoFit/>
+            </a:bodyPr>
+            <a:lstStyle/>
+            <a:p>
+              <a:pPr>
+                <a:lnSpc>
+                  <a:spcPct val="120000"/>
+                </a:lnSpc>
+              </a:pPr>
+              <a:r>
+                <a:rPr lang="zh-CN" altLang="en-US" sz="2800" dirty="0" smtClean="0">
+                  <a:latin typeface="+mn-ea"/>
+                  <a:cs typeface="+mn-ea"/>
+                  <a:sym typeface="+mn-lt"/>
+                </a:rPr>
+                <a:t>混合模糊测试发展历程</a:t>
+              </a:r>
+              <a:endParaRPr lang="zh-CN" altLang="en-MY" sz="2800" dirty="0">
+                <a:latin typeface="+mn-ea"/>
+                <a:cs typeface="+mn-ea"/>
+                <a:sym typeface="+mn-lt"/>
+              </a:endParaRPr>
+            </a:p>
+          </p:txBody>
+        </p:sp>
+        <p:grpSp>
+          <p:nvGrpSpPr>
+            <p:cNvPr id="31" name="Group 5"/>
+            <p:cNvGrpSpPr/>
+            <p:nvPr/>
+          </p:nvGrpSpPr>
+          <p:grpSpPr>
+            <a:xfrm>
+              <a:off x="4267200" y="1600200"/>
+              <a:ext cx="864870" cy="739140"/>
+              <a:chOff x="4267199" y="1268631"/>
+              <a:chExt cx="1373976" cy="1174236"/>
+            </a:xfrm>
+          </p:grpSpPr>
+          <p:sp>
+            <p:nvSpPr>
+              <p:cNvPr id="32" name="Rectangle 6"/>
+              <p:cNvSpPr/>
+              <p:nvPr/>
+            </p:nvSpPr>
+            <p:spPr>
+              <a:xfrm>
+                <a:off x="4343867" y="1345299"/>
+                <a:ext cx="1297308" cy="1097568"/>
+              </a:xfrm>
+              <a:prstGeom prst="rect">
+                <a:avLst/>
+              </a:prstGeom>
+              <a:solidFill>
+                <a:srgbClr val="002060"/>
+              </a:solidFill>
+              <a:ln w="57150">
+                <a:solidFill>
+                  <a:srgbClr val="002060"/>
+                </a:solidFill>
+              </a:ln>
+            </p:spPr>
+            <p:style>
+              <a:lnRef idx="2">
+                <a:schemeClr val="accent1">
+                  <a:shade val="50000"/>
+                </a:schemeClr>
+              </a:lnRef>
+              <a:fillRef idx="1">
+                <a:schemeClr val="accent1"/>
+              </a:fillRef>
+              <a:effectRef idx="0">
+                <a:schemeClr val="accent1"/>
+              </a:effectRef>
+              <a:fontRef idx="minor">
+                <a:schemeClr val="lt1"/>
+              </a:fontRef>
+            </p:style>
+            <p:txBody>
+              <a:bodyPr rtlCol="0" anchor="ctr"/>
+              <a:lstStyle/>
+              <a:p>
+                <a:pPr algn="ctr">
+                  <a:lnSpc>
+                    <a:spcPct val="120000"/>
+                  </a:lnSpc>
+                </a:pPr>
+                <a:r>
+                  <a:rPr lang="en-US" sz="3200" b="1" dirty="0" smtClean="0">
+                    <a:cs typeface="+mn-ea"/>
+                    <a:sym typeface="+mn-lt"/>
+                  </a:rPr>
+                  <a:t>0</a:t>
+                </a:r>
+                <a:r>
+                  <a:rPr lang="en-US" sz="3200" b="1" dirty="0">
+                    <a:cs typeface="+mn-ea"/>
+                    <a:sym typeface="+mn-lt"/>
+                  </a:rPr>
+                  <a:t>2</a:t>
+                </a:r>
+                <a:endParaRPr lang="en-MY" sz="3200" b="1" dirty="0">
+                  <a:cs typeface="+mn-ea"/>
+                  <a:sym typeface="+mn-lt"/>
+                </a:endParaRPr>
+              </a:p>
+            </p:txBody>
+          </p:sp>
+          <p:sp>
+            <p:nvSpPr>
+              <p:cNvPr id="33" name="Right Triangle 7"/>
+              <p:cNvSpPr/>
+              <p:nvPr/>
+            </p:nvSpPr>
+            <p:spPr>
+              <a:xfrm rot="5400000">
+                <a:off x="4267199" y="1268631"/>
+                <a:ext cx="455895" cy="455895"/>
+              </a:xfrm>
+              <a:prstGeom prst="rtTriangle">
+                <a:avLst/>
+              </a:prstGeom>
+              <a:solidFill>
+                <a:schemeClr val="accent2"/>
+              </a:solidFill>
+              <a:ln w="38100">
+                <a:solidFill>
+                  <a:schemeClr val="bg1"/>
+                </a:solidFill>
+              </a:ln>
+            </p:spPr>
+            <p:style>
+              <a:lnRef idx="2">
+                <a:schemeClr val="accent1">
+                  <a:shade val="50000"/>
+                </a:schemeClr>
+              </a:lnRef>
+              <a:fillRef idx="1">
+                <a:schemeClr val="accent1"/>
+              </a:fillRef>
+              <a:effectRef idx="0">
+                <a:schemeClr val="accent1"/>
+              </a:effectRef>
+              <a:fontRef idx="minor">
+                <a:schemeClr val="lt1"/>
+              </a:fontRef>
+            </p:style>
+            <p:txBody>
+              <a:bodyPr rtlCol="0" anchor="ctr"/>
+              <a:lstStyle/>
+              <a:p>
+                <a:pPr algn="ctr">
+                  <a:lnSpc>
+                    <a:spcPct val="120000"/>
+                  </a:lnSpc>
+                </a:pPr>
+                <a:endParaRPr lang="en-MY">
+                  <a:cs typeface="+mn-ea"/>
+                  <a:sym typeface="+mn-lt"/>
+                </a:endParaRPr>
+              </a:p>
+            </p:txBody>
+          </p:sp>
+        </p:grpSp>
+      </p:grpSp>
+      <p:grpSp>
+        <p:nvGrpSpPr>
+          <p:cNvPr id="34" name="Group 3"/>
+          <p:cNvGrpSpPr/>
+          <p:nvPr/>
+        </p:nvGrpSpPr>
+        <p:grpSpPr>
+          <a:xfrm>
+            <a:off x="3878938" y="4378826"/>
+            <a:ext cx="6456651" cy="543956"/>
+            <a:chOff x="4267200" y="1600200"/>
+            <a:chExt cx="6963691" cy="739140"/>
+          </a:xfrm>
+        </p:grpSpPr>
+        <p:sp>
+          <p:nvSpPr>
+            <p:cNvPr id="35" name="TextBox 4"/>
+            <p:cNvSpPr txBox="1"/>
+            <p:nvPr/>
+          </p:nvSpPr>
+          <p:spPr>
+            <a:xfrm>
+              <a:off x="5371429" y="1665097"/>
+              <a:ext cx="5859462" cy="609285"/>
+            </a:xfrm>
+            <a:prstGeom prst="rect">
+              <a:avLst/>
+            </a:prstGeom>
+            <a:noFill/>
+          </p:spPr>
+          <p:txBody>
+            <a:bodyPr wrap="square" lIns="0" tIns="0" rIns="0" bIns="0" rtlCol="0">
+              <a:spAutoFit/>
+            </a:bodyPr>
+            <a:lstStyle/>
+            <a:p>
+              <a:pPr>
+                <a:lnSpc>
+                  <a:spcPct val="120000"/>
+                </a:lnSpc>
+              </a:pPr>
+              <a:r>
+                <a:rPr lang="zh-CN" altLang="en-US" sz="2800" dirty="0" smtClean="0">
+                  <a:latin typeface="+mn-ea"/>
+                  <a:cs typeface="+mn-ea"/>
+                  <a:sym typeface="+mn-lt"/>
+                </a:rPr>
+                <a:t>当前面临的瓶颈</a:t>
+              </a:r>
+              <a:endParaRPr lang="zh-CN" altLang="en-MY" sz="2800" dirty="0">
+                <a:latin typeface="+mn-ea"/>
+                <a:cs typeface="+mn-ea"/>
+                <a:sym typeface="+mn-lt"/>
+              </a:endParaRPr>
+            </a:p>
+          </p:txBody>
+        </p:sp>
+        <p:grpSp>
+          <p:nvGrpSpPr>
+            <p:cNvPr id="36" name="Group 5"/>
+            <p:cNvGrpSpPr/>
+            <p:nvPr/>
+          </p:nvGrpSpPr>
+          <p:grpSpPr>
+            <a:xfrm>
+              <a:off x="4267200" y="1600200"/>
+              <a:ext cx="864870" cy="739140"/>
+              <a:chOff x="4267199" y="1268631"/>
+              <a:chExt cx="1373976" cy="1174236"/>
+            </a:xfrm>
+          </p:grpSpPr>
+          <p:sp>
+            <p:nvSpPr>
+              <p:cNvPr id="37" name="Rectangle 6"/>
+              <p:cNvSpPr/>
+              <p:nvPr/>
+            </p:nvSpPr>
+            <p:spPr>
+              <a:xfrm>
+                <a:off x="4343867" y="1345299"/>
+                <a:ext cx="1297308" cy="1097568"/>
+              </a:xfrm>
+              <a:prstGeom prst="rect">
+                <a:avLst/>
+              </a:prstGeom>
+              <a:solidFill>
+                <a:srgbClr val="002060"/>
+              </a:solidFill>
+              <a:ln w="57150">
+                <a:solidFill>
+                  <a:srgbClr val="002060"/>
+                </a:solidFill>
+              </a:ln>
+            </p:spPr>
+            <p:style>
+              <a:lnRef idx="2">
+                <a:schemeClr val="accent1">
+                  <a:shade val="50000"/>
+                </a:schemeClr>
+              </a:lnRef>
+              <a:fillRef idx="1">
+                <a:schemeClr val="accent1"/>
+              </a:fillRef>
+              <a:effectRef idx="0">
+                <a:schemeClr val="accent1"/>
+              </a:effectRef>
+              <a:fontRef idx="minor">
+                <a:schemeClr val="lt1"/>
+              </a:fontRef>
+            </p:style>
+            <p:txBody>
+              <a:bodyPr rtlCol="0" anchor="ctr"/>
+              <a:lstStyle/>
+              <a:p>
+                <a:pPr algn="ctr">
+                  <a:lnSpc>
+                    <a:spcPct val="120000"/>
+                  </a:lnSpc>
+                </a:pPr>
+                <a:r>
+                  <a:rPr lang="en-US" sz="3200" b="1" dirty="0" smtClean="0">
+                    <a:cs typeface="+mn-ea"/>
+                    <a:sym typeface="+mn-lt"/>
+                  </a:rPr>
+                  <a:t>0</a:t>
+                </a:r>
+                <a:r>
+                  <a:rPr lang="en-US" sz="3200" b="1" dirty="0">
+                    <a:cs typeface="+mn-ea"/>
+                    <a:sym typeface="+mn-lt"/>
+                  </a:rPr>
+                  <a:t>3</a:t>
+                </a:r>
+                <a:endParaRPr lang="en-MY" sz="3200" b="1" dirty="0">
+                  <a:cs typeface="+mn-ea"/>
+                  <a:sym typeface="+mn-lt"/>
+                </a:endParaRPr>
+              </a:p>
+            </p:txBody>
+          </p:sp>
+          <p:sp>
+            <p:nvSpPr>
+              <p:cNvPr id="38" name="Right Triangle 7"/>
+              <p:cNvSpPr/>
+              <p:nvPr/>
+            </p:nvSpPr>
+            <p:spPr>
+              <a:xfrm rot="5400000">
+                <a:off x="4267199" y="1268631"/>
+                <a:ext cx="455895" cy="455895"/>
+              </a:xfrm>
+              <a:prstGeom prst="rtTriangle">
+                <a:avLst/>
+              </a:prstGeom>
+              <a:solidFill>
+                <a:schemeClr val="accent2"/>
+              </a:solidFill>
+              <a:ln w="38100">
+                <a:solidFill>
+                  <a:schemeClr val="bg1"/>
+                </a:solidFill>
+              </a:ln>
+            </p:spPr>
+            <p:style>
+              <a:lnRef idx="2">
+                <a:schemeClr val="accent1">
+                  <a:shade val="50000"/>
+                </a:schemeClr>
+              </a:lnRef>
+              <a:fillRef idx="1">
+                <a:schemeClr val="accent1"/>
+              </a:fillRef>
+              <a:effectRef idx="0">
+                <a:schemeClr val="accent1"/>
+              </a:effectRef>
+              <a:fontRef idx="minor">
+                <a:schemeClr val="lt1"/>
+              </a:fontRef>
+            </p:style>
+            <p:txBody>
+              <a:bodyPr rtlCol="0" anchor="ctr"/>
+              <a:lstStyle/>
+              <a:p>
+                <a:pPr algn="ctr">
+                  <a:lnSpc>
+                    <a:spcPct val="120000"/>
+                  </a:lnSpc>
+                </a:pPr>
+                <a:endParaRPr lang="en-MY">
+                  <a:cs typeface="+mn-ea"/>
+                  <a:sym typeface="+mn-lt"/>
+                </a:endParaRPr>
+              </a:p>
+            </p:txBody>
+          </p:sp>
+        </p:grpSp>
+      </p:grpSp>
+    </p:spTree>
+    <p:extLst>
+      <p:ext uri="{BB962C8B-B14F-4D97-AF65-F5344CB8AC3E}">
+        <p14:creationId xmlns:p14="http://schemas.microsoft.com/office/powerpoint/2010/main" val="1442390050"/>
+      </p:ext>
+    </p:extLst>
+  </p:cSld>
+  <p:clrMapOvr>
+    <a:masterClrMapping/>
+  </p:clrMapOvr>
+</p:sld>
+</file>
+
+<file path=ppt/slides/slide12.xml><?xml version="1.0" encoding="utf-8"?>
+<p:sld xmlns:a="http://schemas.openxmlformats.org/drawingml/2006/main" xmlns:r="http://schemas.openxmlformats.org/officeDocument/2006/relationships" xmlns:p="http://schemas.openxmlformats.org/presentationml/2006/main">
+  <p:cSld>
+    <p:spTree>
+      <p:nvGrpSpPr>
+        <p:cNvPr id="1" name=""/>
+        <p:cNvGrpSpPr/>
+        <p:nvPr/>
+      </p:nvGrpSpPr>
+      <p:grpSpPr>
+        <a:xfrm>
+          <a:off x="0" y="0"/>
+          <a:ext cx="0" cy="0"/>
+          <a:chOff x="0" y="0"/>
+          <a:chExt cx="0" cy="0"/>
+        </a:xfrm>
+      </p:grpSpPr>
+      <p:sp>
+        <p:nvSpPr>
+          <p:cNvPr id="5" name="标题 1"/>
+          <p:cNvSpPr txBox="1"/>
+          <p:nvPr/>
+        </p:nvSpPr>
+        <p:spPr>
+          <a:xfrm>
+            <a:off x="547687" y="14575"/>
+            <a:ext cx="10850563" cy="1028700"/>
+          </a:xfrm>
+          <a:prstGeom prst="rect">
+            <a:avLst/>
+          </a:prstGeom>
+        </p:spPr>
+        <p:txBody>
+          <a:bodyPr vert="horz" lIns="91440" tIns="45720" rIns="91440" bIns="45720" rtlCol="0" anchor="b" anchorCtr="0">
+            <a:normAutofit/>
+          </a:bodyPr>
+          <a:lstStyle>
+            <a:lvl1pPr algn="l" defTabSz="914400" rtl="0" eaLnBrk="1" latinLnBrk="0" hangingPunct="1">
+              <a:lnSpc>
+                <a:spcPct val="90000"/>
+              </a:lnSpc>
+              <a:spcBef>
+                <a:spcPct val="0"/>
+              </a:spcBef>
+              <a:buNone/>
+              <a:defRPr sz="4000" b="1" kern="1200">
+                <a:solidFill>
+                  <a:srgbClr val="394479"/>
+                </a:solidFill>
+                <a:latin typeface="+mj-lt"/>
+                <a:ea typeface="+mj-ea"/>
+                <a:cs typeface="+mj-cs"/>
+              </a:defRPr>
+            </a:lvl1pPr>
+          </a:lstStyle>
+          <a:p>
+            <a:r>
+              <a:rPr lang="en-US" altLang="zh-CN" sz="2800" dirty="0">
+                <a:latin typeface="+mn-ea"/>
+                <a:ea typeface="+mn-ea"/>
+              </a:rPr>
+              <a:t>4.1</a:t>
+            </a:r>
+            <a:r>
+              <a:rPr lang="zh-CN" altLang="en-US" sz="2800" dirty="0">
+                <a:latin typeface="+mn-ea"/>
+                <a:ea typeface="+mn-ea"/>
+              </a:rPr>
+              <a:t> 总结回顾</a:t>
+            </a:r>
+          </a:p>
+        </p:txBody>
+      </p:sp>
+    </p:spTree>
+    <p:extLst>
+      <p:ext uri="{BB962C8B-B14F-4D97-AF65-F5344CB8AC3E}">
+        <p14:creationId xmlns:p14="http://schemas.microsoft.com/office/powerpoint/2010/main" val="180708204"/>
+      </p:ext>
+    </p:extLst>
+  </p:cSld>
+  <p:clrMapOvr>
+    <a:masterClrMapping/>
+  </p:clrMapOvr>
+</p:sld>
+</file>
+
+<file path=ppt/slides/slide13.xml><?xml version="1.0" encoding="utf-8"?>
 <p:sld xmlns:a="http://schemas.openxmlformats.org/drawingml/2006/main" xmlns:r="http://schemas.openxmlformats.org/officeDocument/2006/relationships" xmlns:p="http://schemas.openxmlformats.org/presentationml/2006/main">
   <p:cSld>
     <p:spTree>
@@ -6930,7 +8769,7 @@
   <p:cSld>
     <p:spTree>
       <p:nvGrpSpPr>
-        <p:cNvPr id="1" name=""/>
+        <p:cNvPr id="1" name="i$ḷíḑê"/>
         <p:cNvGrpSpPr/>
         <p:nvPr/>
       </p:nvGrpSpPr>
@@ -6944,13 +8783,7 @@
       </p:grpSpPr>
       <p:sp>
         <p:nvSpPr>
-          <p:cNvPr id="2" name="标题 1">
-            <a:extLst>
-              <a:ext uri="{FF2B5EF4-FFF2-40B4-BE49-F238E27FC236}">
-                <a16:creationId xmlns:a16="http://schemas.microsoft.com/office/drawing/2014/main" xmlns="" id="{6ED018EC-B412-B147-96CA-57D66B65A328}"/>
-              </a:ext>
-            </a:extLst>
-          </p:cNvPr>
+          <p:cNvPr id="5" name="íšľîḑê"/>
           <p:cNvSpPr>
             <a:spLocks noGrp="1"/>
           </p:cNvSpPr>
@@ -6960,61 +8793,1261 @@
         </p:nvSpPr>
         <p:spPr/>
         <p:txBody>
-          <a:bodyPr/>
+          <a:bodyPr>
+            <a:normAutofit/>
+          </a:bodyPr>
           <a:lstStyle/>
           <a:p>
             <a:r>
-              <a:rPr kumimoji="1" lang="zh-CN" altLang="en-US" dirty="0"/>
-              <a:t>有什么用</a:t>
+              <a:rPr lang="zh-CN" altLang="en-US" sz="3200" dirty="0"/>
+              <a:t>模糊测试技术（</a:t>
+            </a:r>
+            <a:r>
+              <a:rPr lang="en-US" altLang="zh-CN" sz="3200" dirty="0"/>
+              <a:t>Fuzzing</a:t>
+            </a:r>
+            <a:r>
+              <a:rPr lang="zh-CN" altLang="en-US" sz="3200" dirty="0"/>
+              <a:t>）</a:t>
             </a:r>
           </a:p>
         </p:txBody>
       </p:sp>
       <p:sp>
         <p:nvSpPr>
-          <p:cNvPr id="3" name="灯片编号占位符 2">
-            <a:extLst>
-              <a:ext uri="{FF2B5EF4-FFF2-40B4-BE49-F238E27FC236}">
-                <a16:creationId xmlns:a16="http://schemas.microsoft.com/office/drawing/2014/main" xmlns="" id="{5953305D-A63F-B24A-84C1-53197E224538}"/>
-              </a:ext>
-            </a:extLst>
-          </p:cNvPr>
+          <p:cNvPr id="6" name="isliḋê"/>
           <p:cNvSpPr>
             <a:spLocks noGrp="1"/>
           </p:cNvSpPr>
           <p:nvPr>
-            <p:ph type="sldNum" sz="quarter" idx="12"/>
+            <p:ph sz="quarter" idx="4294967295"/>
+          </p:nvPr>
+        </p:nvSpPr>
+        <p:spPr>
+          <a:xfrm>
+            <a:off x="1413440" y="5214277"/>
+            <a:ext cx="9453789" cy="729323"/>
+          </a:xfrm>
+          <a:prstGeom prst="rect">
+            <a:avLst/>
+          </a:prstGeom>
+        </p:spPr>
+        <p:txBody>
+          <a:bodyPr>
+            <a:normAutofit/>
+          </a:bodyPr>
+          <a:lstStyle/>
+          <a:p>
+            <a:pPr marL="0" lvl="0" indent="0">
+              <a:buNone/>
+            </a:pPr>
+            <a:r>
+              <a:rPr lang="zh-CN" altLang="en-US" sz="1800" dirty="0" smtClean="0"/>
+              <a:t>一、覆盖率</a:t>
+            </a:r>
+            <a:r>
+              <a:rPr lang="zh-CN" altLang="en-US" sz="1800" dirty="0"/>
+              <a:t>为导向的模糊测试</a:t>
+            </a:r>
+            <a:r>
+              <a:rPr lang="zh-CN" altLang="en-US" sz="1800" dirty="0" smtClean="0"/>
+              <a:t>技术（</a:t>
+            </a:r>
+            <a:r>
+              <a:rPr lang="en-US" altLang="zh-CN" sz="1800" dirty="0" smtClean="0"/>
+              <a:t>AFL[2016]</a:t>
+            </a:r>
+            <a:r>
+              <a:rPr lang="zh-CN" altLang="en-US" sz="1800" dirty="0" smtClean="0"/>
+              <a:t>、</a:t>
+            </a:r>
+            <a:r>
+              <a:rPr lang="en-US" altLang="zh-CN" sz="1800" dirty="0" err="1" smtClean="0"/>
+              <a:t>libfuzzer</a:t>
+            </a:r>
+            <a:r>
+              <a:rPr lang="en-US" altLang="zh-CN" sz="1800" dirty="0" smtClean="0"/>
+              <a:t>[2016]</a:t>
+            </a:r>
+            <a:r>
+              <a:rPr lang="zh-CN" altLang="en-US" sz="1800" dirty="0" smtClean="0"/>
+              <a:t>、</a:t>
+            </a:r>
+            <a:r>
+              <a:rPr lang="en-US" altLang="zh-CN" sz="1800" dirty="0" err="1" smtClean="0"/>
+              <a:t>honggfuzz</a:t>
+            </a:r>
+            <a:r>
+              <a:rPr lang="en-US" altLang="zh-CN" sz="1800" dirty="0" smtClean="0"/>
+              <a:t>[2015]</a:t>
+            </a:r>
+            <a:r>
+              <a:rPr lang="zh-CN" altLang="en-US" sz="1800" dirty="0" smtClean="0"/>
+              <a:t>等）；</a:t>
+            </a:r>
+            <a:endParaRPr lang="zh-CN" altLang="en-US" sz="1800" dirty="0"/>
+          </a:p>
+          <a:p>
+            <a:pPr marL="0" lvl="0" indent="0">
+              <a:buNone/>
+            </a:pPr>
+            <a:r>
+              <a:rPr lang="zh-CN" altLang="en-US" sz="1800" dirty="0" smtClean="0"/>
+              <a:t>二、每</a:t>
+            </a:r>
+            <a:r>
+              <a:rPr lang="zh-CN" altLang="en-US" sz="1800" dirty="0"/>
+              <a:t>一部分都有优化</a:t>
+            </a:r>
+            <a:r>
+              <a:rPr lang="zh-CN" altLang="en-US" sz="1800" dirty="0" smtClean="0"/>
+              <a:t>空间（</a:t>
+            </a:r>
+            <a:r>
+              <a:rPr lang="en-US" altLang="zh-CN" sz="1800" dirty="0" err="1" smtClean="0"/>
+              <a:t>mopt-afl</a:t>
+            </a:r>
+            <a:r>
+              <a:rPr lang="en-US" altLang="zh-CN" sz="1800" dirty="0" smtClean="0"/>
+              <a:t> [2019]</a:t>
+            </a:r>
+            <a:r>
+              <a:rPr lang="zh-CN" altLang="en-US" sz="1800" dirty="0" smtClean="0"/>
+              <a:t>等）；</a:t>
+            </a:r>
+            <a:endParaRPr lang="zh-CN" altLang="en-US" sz="1800" dirty="0"/>
+          </a:p>
+        </p:txBody>
+      </p:sp>
+      <p:pic>
+        <p:nvPicPr>
+          <p:cNvPr id="7" name="图片 6"/>
+          <p:cNvPicPr>
+            <a:picLocks noChangeAspect="1"/>
+          </p:cNvPicPr>
+          <p:nvPr/>
+        </p:nvPicPr>
+        <p:blipFill>
+          <a:blip r:embed="rId4"/>
+          <a:stretch>
+            <a:fillRect/>
+          </a:stretch>
+        </p:blipFill>
+        <p:spPr>
+          <a:xfrm>
+            <a:off x="1323179" y="1584915"/>
+            <a:ext cx="9544050" cy="3219450"/>
+          </a:xfrm>
+          <a:prstGeom prst="rect">
+            <a:avLst/>
+          </a:prstGeom>
+        </p:spPr>
+      </p:pic>
+    </p:spTree>
+    <p:custDataLst>
+      <p:tags r:id="rId1"/>
+    </p:custDataLst>
+    <p:extLst>
+      <p:ext uri="{BB962C8B-B14F-4D97-AF65-F5344CB8AC3E}">
+        <p14:creationId xmlns:p14="http://schemas.microsoft.com/office/powerpoint/2010/main" val="1569359495"/>
+      </p:ext>
+    </p:extLst>
+  </p:cSld>
+  <p:clrMapOvr>
+    <a:masterClrMapping/>
+  </p:clrMapOvr>
+  <p:transition spd="slow">
+    <p:push dir="u"/>
+  </p:transition>
+  <p:timing>
+    <p:tnLst>
+      <p:par>
+        <p:cTn id="1" dur="indefinite" restart="never" nodeType="tmRoot"/>
+      </p:par>
+    </p:tnLst>
+  </p:timing>
+</p:sld>
+</file>
+
+<file path=ppt/slides/slide4.xml><?xml version="1.0" encoding="utf-8"?>
+<p:sld xmlns:a="http://schemas.openxmlformats.org/drawingml/2006/main" xmlns:r="http://schemas.openxmlformats.org/officeDocument/2006/relationships" xmlns:p="http://schemas.openxmlformats.org/presentationml/2006/main">
+  <p:cSld>
+    <p:spTree>
+      <p:nvGrpSpPr>
+        <p:cNvPr id="1" name="i$ḷíḑê"/>
+        <p:cNvGrpSpPr/>
+        <p:nvPr/>
+      </p:nvGrpSpPr>
+      <p:grpSpPr>
+        <a:xfrm>
+          <a:off x="0" y="0"/>
+          <a:ext cx="0" cy="0"/>
+          <a:chOff x="0" y="0"/>
+          <a:chExt cx="0" cy="0"/>
+        </a:xfrm>
+      </p:grpSpPr>
+      <p:sp>
+        <p:nvSpPr>
+          <p:cNvPr id="5" name="íšľîḑê"/>
+          <p:cNvSpPr>
+            <a:spLocks noGrp="1"/>
+          </p:cNvSpPr>
+          <p:nvPr>
+            <p:ph type="title"/>
           </p:nvPr>
         </p:nvSpPr>
         <p:spPr/>
         <p:txBody>
-          <a:bodyPr/>
+          <a:bodyPr>
+            <a:normAutofit/>
+          </a:bodyPr>
           <a:lstStyle/>
           <a:p>
-            <a:fld id="{5DD3DB80-B894-403A-B48E-6FDC1A72010E}" type="slidenum">
-              <a:rPr lang="zh-CN" altLang="en-US" smtClean="0"/>
-              <a:t>3</a:t>
-            </a:fld>
-            <a:endParaRPr lang="zh-CN" altLang="en-US"/>
+            <a:r>
+              <a:rPr lang="zh-CN" altLang="en-US" sz="3200" dirty="0"/>
+              <a:t>符号执行技术（</a:t>
+            </a:r>
+            <a:r>
+              <a:rPr lang="en-US" altLang="zh-CN" sz="3200" dirty="0"/>
+              <a:t>Symbolic execution</a:t>
+            </a:r>
+            <a:r>
+              <a:rPr lang="zh-CN" altLang="en-US" sz="3200" dirty="0"/>
+              <a:t>）</a:t>
+            </a:r>
           </a:p>
         </p:txBody>
+      </p:sp>
+      <p:pic>
+        <p:nvPicPr>
+          <p:cNvPr id="2" name="图片 1"/>
+          <p:cNvPicPr>
+            <a:picLocks noChangeAspect="1"/>
+          </p:cNvPicPr>
+          <p:nvPr/>
+        </p:nvPicPr>
+        <p:blipFill>
+          <a:blip r:embed="rId4"/>
+          <a:stretch>
+            <a:fillRect/>
+          </a:stretch>
+        </p:blipFill>
+        <p:spPr>
+          <a:xfrm>
+            <a:off x="276420" y="1971674"/>
+            <a:ext cx="3333750" cy="3848100"/>
+          </a:xfrm>
+          <a:prstGeom prst="rect">
+            <a:avLst/>
+          </a:prstGeom>
+        </p:spPr>
+      </p:pic>
+      <p:pic>
+        <p:nvPicPr>
+          <p:cNvPr id="4" name="图片 3"/>
+          <p:cNvPicPr>
+            <a:picLocks noChangeAspect="1"/>
+          </p:cNvPicPr>
+          <p:nvPr/>
+        </p:nvPicPr>
+        <p:blipFill>
+          <a:blip r:embed="rId5">
+            <a:extLst>
+              <a:ext uri="{28A0092B-C50C-407E-A947-70E740481C1C}">
+                <a14:useLocalDpi xmlns:a14="http://schemas.microsoft.com/office/drawing/2010/main" val="0"/>
+              </a:ext>
+            </a:extLst>
+          </a:blip>
+          <a:stretch>
+            <a:fillRect/>
+          </a:stretch>
+        </p:blipFill>
+        <p:spPr>
+          <a:xfrm>
+            <a:off x="3924495" y="1612105"/>
+            <a:ext cx="8267505" cy="4567238"/>
+          </a:xfrm>
+          <a:prstGeom prst="rect">
+            <a:avLst/>
+          </a:prstGeom>
+        </p:spPr>
+      </p:pic>
+      <p:cxnSp>
+        <p:nvCxnSpPr>
+          <p:cNvPr id="13" name="直接箭头连接符 12"/>
+          <p:cNvCxnSpPr/>
+          <p:nvPr/>
+        </p:nvCxnSpPr>
+        <p:spPr>
+          <a:xfrm>
+            <a:off x="1562100" y="2724150"/>
+            <a:ext cx="5867400" cy="142875"/>
+          </a:xfrm>
+          <a:prstGeom prst="straightConnector1">
+            <a:avLst/>
+          </a:prstGeom>
+          <a:ln w="38100">
+            <a:headEnd type="oval" w="med" len="med"/>
+            <a:tailEnd type="triangle" w="med" len="med"/>
+          </a:ln>
+        </p:spPr>
+        <p:style>
+          <a:lnRef idx="1">
+            <a:schemeClr val="accent3"/>
+          </a:lnRef>
+          <a:fillRef idx="0">
+            <a:schemeClr val="accent3"/>
+          </a:fillRef>
+          <a:effectRef idx="0">
+            <a:schemeClr val="accent3"/>
+          </a:effectRef>
+          <a:fontRef idx="minor">
+            <a:schemeClr val="tx1"/>
+          </a:fontRef>
+        </p:style>
+      </p:cxnSp>
+      <p:cxnSp>
+        <p:nvCxnSpPr>
+          <p:cNvPr id="16" name="直接箭头连接符 15"/>
+          <p:cNvCxnSpPr/>
+          <p:nvPr/>
+        </p:nvCxnSpPr>
+        <p:spPr>
+          <a:xfrm>
+            <a:off x="1562100" y="3667124"/>
+            <a:ext cx="3943350" cy="142875"/>
+          </a:xfrm>
+          <a:prstGeom prst="straightConnector1">
+            <a:avLst/>
+          </a:prstGeom>
+          <a:ln w="38100">
+            <a:headEnd type="oval" w="med" len="med"/>
+            <a:tailEnd type="triangle" w="med" len="med"/>
+          </a:ln>
+        </p:spPr>
+        <p:style>
+          <a:lnRef idx="1">
+            <a:schemeClr val="accent3"/>
+          </a:lnRef>
+          <a:fillRef idx="0">
+            <a:schemeClr val="accent3"/>
+          </a:fillRef>
+          <a:effectRef idx="0">
+            <a:schemeClr val="accent3"/>
+          </a:effectRef>
+          <a:fontRef idx="minor">
+            <a:schemeClr val="tx1"/>
+          </a:fontRef>
+        </p:style>
+      </p:cxnSp>
+      <p:cxnSp>
+        <p:nvCxnSpPr>
+          <p:cNvPr id="18" name="直接箭头连接符 17"/>
+          <p:cNvCxnSpPr/>
+          <p:nvPr/>
+        </p:nvCxnSpPr>
+        <p:spPr>
+          <a:xfrm flipV="1">
+            <a:off x="2162175" y="3895724"/>
+            <a:ext cx="6296025" cy="238126"/>
+          </a:xfrm>
+          <a:prstGeom prst="straightConnector1">
+            <a:avLst/>
+          </a:prstGeom>
+          <a:ln w="38100">
+            <a:headEnd type="oval" w="med" len="med"/>
+            <a:tailEnd type="triangle" w="med" len="med"/>
+          </a:ln>
+        </p:spPr>
+        <p:style>
+          <a:lnRef idx="1">
+            <a:schemeClr val="accent3"/>
+          </a:lnRef>
+          <a:fillRef idx="0">
+            <a:schemeClr val="accent3"/>
+          </a:fillRef>
+          <a:effectRef idx="0">
+            <a:schemeClr val="accent3"/>
+          </a:effectRef>
+          <a:fontRef idx="minor">
+            <a:schemeClr val="tx1"/>
+          </a:fontRef>
+        </p:style>
+      </p:cxnSp>
+      <p:sp>
+        <p:nvSpPr>
+          <p:cNvPr id="3" name="矩形 2"/>
+          <p:cNvSpPr/>
+          <p:nvPr/>
+        </p:nvSpPr>
+        <p:spPr>
+          <a:xfrm>
+            <a:off x="0" y="6560608"/>
+            <a:ext cx="3468963" cy="307777"/>
+          </a:xfrm>
+          <a:prstGeom prst="rect">
+            <a:avLst/>
+          </a:prstGeom>
+        </p:spPr>
+        <p:txBody>
+          <a:bodyPr wrap="none">
+            <a:spAutoFit/>
+          </a:bodyPr>
+          <a:lstStyle/>
+          <a:p>
+            <a:r>
+              <a:rPr lang="zh-CN" altLang="en-US" sz="1400" dirty="0"/>
+              <a:t>https://www.jianshu.com/p/2ba973c4b0cc</a:t>
+            </a:r>
+          </a:p>
+        </p:txBody>
+      </p:sp>
+    </p:spTree>
+    <p:custDataLst>
+      <p:tags r:id="rId1"/>
+    </p:custDataLst>
+    <p:extLst>
+      <p:ext uri="{BB962C8B-B14F-4D97-AF65-F5344CB8AC3E}">
+        <p14:creationId xmlns:p14="http://schemas.microsoft.com/office/powerpoint/2010/main" val="1160932153"/>
+      </p:ext>
+    </p:extLst>
+  </p:cSld>
+  <p:clrMapOvr>
+    <a:masterClrMapping/>
+  </p:clrMapOvr>
+  <p:transition spd="slow">
+    <p:wipe/>
+  </p:transition>
+  <p:timing>
+    <p:tnLst>
+      <p:par>
+        <p:cTn id="1" dur="indefinite" restart="never" nodeType="tmRoot"/>
+      </p:par>
+    </p:tnLst>
+  </p:timing>
+</p:sld>
+</file>
+
+<file path=ppt/slides/slide5.xml><?xml version="1.0" encoding="utf-8"?>
+<p:sld xmlns:a="http://schemas.openxmlformats.org/drawingml/2006/main" xmlns:r="http://schemas.openxmlformats.org/officeDocument/2006/relationships" xmlns:p="http://schemas.openxmlformats.org/presentationml/2006/main">
+  <p:cSld>
+    <p:spTree>
+      <p:nvGrpSpPr>
+        <p:cNvPr id="1" name="i$ḷíḑê"/>
+        <p:cNvGrpSpPr/>
+        <p:nvPr/>
+      </p:nvGrpSpPr>
+      <p:grpSpPr>
+        <a:xfrm>
+          <a:off x="0" y="0"/>
+          <a:ext cx="0" cy="0"/>
+          <a:chOff x="0" y="0"/>
+          <a:chExt cx="0" cy="0"/>
+        </a:xfrm>
+      </p:grpSpPr>
+      <p:sp>
+        <p:nvSpPr>
+          <p:cNvPr id="5" name="íšľîḑê"/>
+          <p:cNvSpPr>
+            <a:spLocks noGrp="1"/>
+          </p:cNvSpPr>
+          <p:nvPr>
+            <p:ph type="title"/>
+          </p:nvPr>
+        </p:nvSpPr>
+        <p:spPr/>
+        <p:txBody>
+          <a:bodyPr>
+            <a:normAutofit/>
+          </a:bodyPr>
+          <a:lstStyle/>
+          <a:p>
+            <a:r>
+              <a:rPr lang="zh-CN" altLang="en-US" sz="3200" dirty="0"/>
+              <a:t>混合模糊测试技术（</a:t>
+            </a:r>
+            <a:r>
+              <a:rPr lang="en-US" altLang="zh-CN" sz="3200" dirty="0"/>
+              <a:t>Hybrid fuzzing</a:t>
+            </a:r>
+            <a:r>
+              <a:rPr lang="zh-CN" altLang="en-US" sz="3200" dirty="0"/>
+              <a:t>）</a:t>
+            </a:r>
+          </a:p>
+        </p:txBody>
+      </p:sp>
+      <p:graphicFrame>
+        <p:nvGraphicFramePr>
+          <p:cNvPr id="4" name="表格 3"/>
+          <p:cNvGraphicFramePr>
+            <a:graphicFrameLocks noGrp="1"/>
+          </p:cNvGraphicFramePr>
+          <p:nvPr/>
+        </p:nvGraphicFramePr>
+        <p:xfrm>
+          <a:off x="1274019" y="2416034"/>
+          <a:ext cx="9632066" cy="2872062"/>
+        </p:xfrm>
+        <a:graphic>
+          <a:graphicData uri="http://schemas.openxmlformats.org/drawingml/2006/table">
+            <a:tbl>
+              <a:tblPr firstRow="1" bandRow="1">
+                <a:tableStyleId>{5C22544A-7EE6-4342-B048-85BDC9FD1C3A}</a:tableStyleId>
+              </a:tblPr>
+              <a:tblGrid>
+                <a:gridCol w="4816033"/>
+                <a:gridCol w="4816033"/>
+              </a:tblGrid>
+              <a:tr h="987037">
+                <a:tc>
+                  <a:txBody>
+                    <a:bodyPr/>
+                    <a:lstStyle/>
+                    <a:p>
+                      <a:pPr algn="ctr"/>
+                      <a:r>
+                        <a:rPr lang="zh-CN" altLang="en-US" sz="2100" dirty="0" smtClean="0"/>
+                        <a:t>模糊测试</a:t>
+                      </a:r>
+                      <a:endParaRPr lang="zh-CN" altLang="en-US" sz="2100" dirty="0"/>
+                    </a:p>
+                  </a:txBody>
+                  <a:tcPr marL="108361" marR="108361" marT="54180" marB="54180" anchor="ctr"/>
+                </a:tc>
+                <a:tc>
+                  <a:txBody>
+                    <a:bodyPr/>
+                    <a:lstStyle/>
+                    <a:p>
+                      <a:pPr algn="ctr"/>
+                      <a:r>
+                        <a:rPr lang="zh-CN" altLang="en-US" sz="2100" dirty="0" smtClean="0"/>
+                        <a:t>符号执行</a:t>
+                      </a:r>
+                      <a:endParaRPr lang="zh-CN" altLang="en-US" sz="2100" dirty="0"/>
+                    </a:p>
+                  </a:txBody>
+                  <a:tcPr marL="108361" marR="108361" marT="54180" marB="54180" anchor="ctr"/>
+                </a:tc>
+              </a:tr>
+              <a:tr h="987789">
+                <a:tc>
+                  <a:txBody>
+                    <a:bodyPr/>
+                    <a:lstStyle/>
+                    <a:p>
+                      <a:pPr algn="ctr"/>
+                      <a:r>
+                        <a:rPr lang="zh-CN" altLang="en-US" sz="2100" dirty="0" smtClean="0"/>
+                        <a:t>路径不全面，靠覆盖率反馈</a:t>
+                      </a:r>
+                      <a:endParaRPr lang="zh-CN" altLang="en-US" sz="2100" dirty="0"/>
+                    </a:p>
+                  </a:txBody>
+                  <a:tcPr marL="108361" marR="108361" marT="54180" marB="54180" anchor="ctr"/>
+                </a:tc>
+                <a:tc>
+                  <a:txBody>
+                    <a:bodyPr/>
+                    <a:lstStyle/>
+                    <a:p>
+                      <a:pPr algn="ctr"/>
+                      <a:r>
+                        <a:rPr lang="zh-CN" altLang="en-US" sz="2100" dirty="0" smtClean="0"/>
+                        <a:t>面面俱到，计算炸裂</a:t>
+                      </a:r>
+                      <a:endParaRPr lang="zh-CN" altLang="en-US" sz="2100" dirty="0"/>
+                    </a:p>
+                  </a:txBody>
+                  <a:tcPr marL="108361" marR="108361" marT="54180" marB="54180" anchor="ctr"/>
+                </a:tc>
+              </a:tr>
+              <a:tr h="897236">
+                <a:tc>
+                  <a:txBody>
+                    <a:bodyPr/>
+                    <a:lstStyle/>
+                    <a:p>
+                      <a:pPr algn="ctr"/>
+                      <a:r>
+                        <a:rPr lang="zh-CN" altLang="en-US" sz="2100" dirty="0" smtClean="0"/>
+                        <a:t>变异过程快速多变</a:t>
+                      </a:r>
+                      <a:endParaRPr lang="zh-CN" altLang="en-US" sz="2100" dirty="0"/>
+                    </a:p>
+                  </a:txBody>
+                  <a:tcPr marL="108361" marR="108361" marT="54180" marB="54180" anchor="ctr"/>
+                </a:tc>
+                <a:tc>
+                  <a:txBody>
+                    <a:bodyPr/>
+                    <a:lstStyle/>
+                    <a:p>
+                      <a:pPr algn="ctr"/>
+                      <a:r>
+                        <a:rPr lang="zh-CN" altLang="en-US" sz="2100" dirty="0" smtClean="0"/>
+                        <a:t>快速提高覆盖率，更可靠</a:t>
+                      </a:r>
+                      <a:endParaRPr lang="zh-CN" altLang="en-US" sz="2100" dirty="0"/>
+                    </a:p>
+                  </a:txBody>
+                  <a:tcPr marL="108361" marR="108361" marT="54180" marB="54180" anchor="ctr"/>
+                </a:tc>
+              </a:tr>
+            </a:tbl>
+          </a:graphicData>
+        </a:graphic>
+      </p:graphicFrame>
+      <p:sp>
+        <p:nvSpPr>
+          <p:cNvPr id="8" name="thumb-down_109806"/>
+          <p:cNvSpPr>
+            <a:spLocks noChangeAspect="1"/>
+          </p:cNvSpPr>
+          <p:nvPr/>
+        </p:nvSpPr>
+        <p:spPr bwMode="auto">
+          <a:xfrm>
+            <a:off x="5723845" y="3659052"/>
+            <a:ext cx="722505" cy="581608"/>
+          </a:xfrm>
+          <a:custGeom>
+            <a:avLst/>
+            <a:gdLst>
+              <a:gd name="connsiteX0" fmla="*/ 54388 w 608415"/>
+              <a:gd name="connsiteY0" fmla="*/ 11361 h 489767"/>
+              <a:gd name="connsiteX1" fmla="*/ 129671 w 608415"/>
+              <a:gd name="connsiteY1" fmla="*/ 11361 h 489767"/>
+              <a:gd name="connsiteX2" fmla="*/ 183445 w 608415"/>
+              <a:gd name="connsiteY2" fmla="*/ 57540 h 489767"/>
+              <a:gd name="connsiteX3" fmla="*/ 183752 w 608415"/>
+              <a:gd name="connsiteY3" fmla="*/ 57387 h 489767"/>
+              <a:gd name="connsiteX4" fmla="*/ 183752 w 608415"/>
+              <a:gd name="connsiteY4" fmla="*/ 352717 h 489767"/>
+              <a:gd name="connsiteX5" fmla="*/ 129671 w 608415"/>
+              <a:gd name="connsiteY5" fmla="*/ 401658 h 489767"/>
+              <a:gd name="connsiteX6" fmla="*/ 54388 w 608415"/>
+              <a:gd name="connsiteY6" fmla="*/ 401658 h 489767"/>
+              <a:gd name="connsiteX7" fmla="*/ 0 w 608415"/>
+              <a:gd name="connsiteY7" fmla="*/ 347194 h 489767"/>
+              <a:gd name="connsiteX8" fmla="*/ 0 w 608415"/>
+              <a:gd name="connsiteY8" fmla="*/ 65671 h 489767"/>
+              <a:gd name="connsiteX9" fmla="*/ 54388 w 608415"/>
+              <a:gd name="connsiteY9" fmla="*/ 11361 h 489767"/>
+              <a:gd name="connsiteX10" fmla="*/ 340648 w 608415"/>
+              <a:gd name="connsiteY10" fmla="*/ 0 h 489767"/>
+              <a:gd name="connsiteX11" fmla="*/ 501954 w 608415"/>
+              <a:gd name="connsiteY11" fmla="*/ 0 h 489767"/>
+              <a:gd name="connsiteX12" fmla="*/ 543739 w 608415"/>
+              <a:gd name="connsiteY12" fmla="*/ 41574 h 489767"/>
+              <a:gd name="connsiteX13" fmla="*/ 543739 w 608415"/>
+              <a:gd name="connsiteY13" fmla="*/ 44949 h 489767"/>
+              <a:gd name="connsiteX14" fmla="*/ 501954 w 608415"/>
+              <a:gd name="connsiteY14" fmla="*/ 86522 h 489767"/>
+              <a:gd name="connsiteX15" fmla="*/ 536519 w 608415"/>
+              <a:gd name="connsiteY15" fmla="*/ 86522 h 489767"/>
+              <a:gd name="connsiteX16" fmla="*/ 578305 w 608415"/>
+              <a:gd name="connsiteY16" fmla="*/ 128250 h 489767"/>
+              <a:gd name="connsiteX17" fmla="*/ 578305 w 608415"/>
+              <a:gd name="connsiteY17" fmla="*/ 131471 h 489767"/>
+              <a:gd name="connsiteX18" fmla="*/ 536519 w 608415"/>
+              <a:gd name="connsiteY18" fmla="*/ 173198 h 489767"/>
+              <a:gd name="connsiteX19" fmla="*/ 566629 w 608415"/>
+              <a:gd name="connsiteY19" fmla="*/ 173198 h 489767"/>
+              <a:gd name="connsiteX20" fmla="*/ 608415 w 608415"/>
+              <a:gd name="connsiteY20" fmla="*/ 214926 h 489767"/>
+              <a:gd name="connsiteX21" fmla="*/ 608415 w 608415"/>
+              <a:gd name="connsiteY21" fmla="*/ 218147 h 489767"/>
+              <a:gd name="connsiteX22" fmla="*/ 566629 w 608415"/>
+              <a:gd name="connsiteY22" fmla="*/ 259874 h 489767"/>
+              <a:gd name="connsiteX23" fmla="*/ 608415 w 608415"/>
+              <a:gd name="connsiteY23" fmla="*/ 301601 h 489767"/>
+              <a:gd name="connsiteX24" fmla="*/ 608415 w 608415"/>
+              <a:gd name="connsiteY24" fmla="*/ 303596 h 489767"/>
+              <a:gd name="connsiteX25" fmla="*/ 566629 w 608415"/>
+              <a:gd name="connsiteY25" fmla="*/ 344556 h 489767"/>
+              <a:gd name="connsiteX26" fmla="*/ 402251 w 608415"/>
+              <a:gd name="connsiteY26" fmla="*/ 344556 h 489767"/>
+              <a:gd name="connsiteX27" fmla="*/ 459246 w 608415"/>
+              <a:gd name="connsiteY27" fmla="*/ 406380 h 489767"/>
+              <a:gd name="connsiteX28" fmla="*/ 470153 w 608415"/>
+              <a:gd name="connsiteY28" fmla="*/ 471578 h 489767"/>
+              <a:gd name="connsiteX29" fmla="*/ 418382 w 608415"/>
+              <a:gd name="connsiteY29" fmla="*/ 482624 h 489767"/>
+              <a:gd name="connsiteX30" fmla="*/ 299016 w 608415"/>
+              <a:gd name="connsiteY30" fmla="*/ 401931 h 489767"/>
+              <a:gd name="connsiteX31" fmla="*/ 216212 w 608415"/>
+              <a:gd name="connsiteY31" fmla="*/ 365266 h 489767"/>
+              <a:gd name="connsiteX32" fmla="*/ 216212 w 608415"/>
+              <a:gd name="connsiteY32" fmla="*/ 41267 h 489767"/>
+              <a:gd name="connsiteX33" fmla="*/ 261531 w 608415"/>
+              <a:gd name="connsiteY33" fmla="*/ 18562 h 489767"/>
+              <a:gd name="connsiteX34" fmla="*/ 340648 w 608415"/>
+              <a:gd name="connsiteY34" fmla="*/ 0 h 489767"/>
+            </a:gdLst>
+            <a:ahLst/>
+            <a:cxnLst>
+              <a:cxn ang="0">
+                <a:pos x="connsiteX0" y="connsiteY0"/>
+              </a:cxn>
+              <a:cxn ang="0">
+                <a:pos x="connsiteX1" y="connsiteY1"/>
+              </a:cxn>
+              <a:cxn ang="0">
+                <a:pos x="connsiteX2" y="connsiteY2"/>
+              </a:cxn>
+              <a:cxn ang="0">
+                <a:pos x="connsiteX3" y="connsiteY3"/>
+              </a:cxn>
+              <a:cxn ang="0">
+                <a:pos x="connsiteX4" y="connsiteY4"/>
+              </a:cxn>
+              <a:cxn ang="0">
+                <a:pos x="connsiteX5" y="connsiteY5"/>
+              </a:cxn>
+              <a:cxn ang="0">
+                <a:pos x="connsiteX6" y="connsiteY6"/>
+              </a:cxn>
+              <a:cxn ang="0">
+                <a:pos x="connsiteX7" y="connsiteY7"/>
+              </a:cxn>
+              <a:cxn ang="0">
+                <a:pos x="connsiteX8" y="connsiteY8"/>
+              </a:cxn>
+              <a:cxn ang="0">
+                <a:pos x="connsiteX9" y="connsiteY9"/>
+              </a:cxn>
+              <a:cxn ang="0">
+                <a:pos x="connsiteX10" y="connsiteY10"/>
+              </a:cxn>
+              <a:cxn ang="0">
+                <a:pos x="connsiteX11" y="connsiteY11"/>
+              </a:cxn>
+              <a:cxn ang="0">
+                <a:pos x="connsiteX12" y="connsiteY12"/>
+              </a:cxn>
+              <a:cxn ang="0">
+                <a:pos x="connsiteX13" y="connsiteY13"/>
+              </a:cxn>
+              <a:cxn ang="0">
+                <a:pos x="connsiteX14" y="connsiteY14"/>
+              </a:cxn>
+              <a:cxn ang="0">
+                <a:pos x="connsiteX15" y="connsiteY15"/>
+              </a:cxn>
+              <a:cxn ang="0">
+                <a:pos x="connsiteX16" y="connsiteY16"/>
+              </a:cxn>
+              <a:cxn ang="0">
+                <a:pos x="connsiteX17" y="connsiteY17"/>
+              </a:cxn>
+              <a:cxn ang="0">
+                <a:pos x="connsiteX18" y="connsiteY18"/>
+              </a:cxn>
+              <a:cxn ang="0">
+                <a:pos x="connsiteX19" y="connsiteY19"/>
+              </a:cxn>
+              <a:cxn ang="0">
+                <a:pos x="connsiteX20" y="connsiteY20"/>
+              </a:cxn>
+              <a:cxn ang="0">
+                <a:pos x="connsiteX21" y="connsiteY21"/>
+              </a:cxn>
+              <a:cxn ang="0">
+                <a:pos x="connsiteX22" y="connsiteY22"/>
+              </a:cxn>
+              <a:cxn ang="0">
+                <a:pos x="connsiteX23" y="connsiteY23"/>
+              </a:cxn>
+              <a:cxn ang="0">
+                <a:pos x="connsiteX24" y="connsiteY24"/>
+              </a:cxn>
+              <a:cxn ang="0">
+                <a:pos x="connsiteX25" y="connsiteY25"/>
+              </a:cxn>
+              <a:cxn ang="0">
+                <a:pos x="connsiteX26" y="connsiteY26"/>
+              </a:cxn>
+              <a:cxn ang="0">
+                <a:pos x="connsiteX27" y="connsiteY27"/>
+              </a:cxn>
+              <a:cxn ang="0">
+                <a:pos x="connsiteX28" y="connsiteY28"/>
+              </a:cxn>
+              <a:cxn ang="0">
+                <a:pos x="connsiteX29" y="connsiteY29"/>
+              </a:cxn>
+              <a:cxn ang="0">
+                <a:pos x="connsiteX30" y="connsiteY30"/>
+              </a:cxn>
+              <a:cxn ang="0">
+                <a:pos x="connsiteX31" y="connsiteY31"/>
+              </a:cxn>
+              <a:cxn ang="0">
+                <a:pos x="connsiteX32" y="connsiteY32"/>
+              </a:cxn>
+              <a:cxn ang="0">
+                <a:pos x="connsiteX33" y="connsiteY33"/>
+              </a:cxn>
+              <a:cxn ang="0">
+                <a:pos x="connsiteX34" y="connsiteY34"/>
+              </a:cxn>
+            </a:cxnLst>
+            <a:rect l="l" t="t" r="r" b="b"/>
+            <a:pathLst>
+              <a:path w="608415" h="489767">
+                <a:moveTo>
+                  <a:pt x="54388" y="11361"/>
+                </a:moveTo>
+                <a:lnTo>
+                  <a:pt x="129671" y="11361"/>
+                </a:lnTo>
+                <a:cubicBezTo>
+                  <a:pt x="156865" y="11361"/>
+                  <a:pt x="179604" y="31459"/>
+                  <a:pt x="183445" y="57540"/>
+                </a:cubicBezTo>
+                <a:lnTo>
+                  <a:pt x="183752" y="57387"/>
+                </a:lnTo>
+                <a:lnTo>
+                  <a:pt x="183752" y="352717"/>
+                </a:lnTo>
+                <a:cubicBezTo>
+                  <a:pt x="180987" y="380026"/>
+                  <a:pt x="157787" y="401658"/>
+                  <a:pt x="129671" y="401658"/>
+                </a:cubicBezTo>
+                <a:lnTo>
+                  <a:pt x="54388" y="401658"/>
+                </a:lnTo>
+                <a:cubicBezTo>
+                  <a:pt x="24429" y="401658"/>
+                  <a:pt x="0" y="377264"/>
+                  <a:pt x="0" y="347194"/>
+                </a:cubicBezTo>
+                <a:lnTo>
+                  <a:pt x="0" y="65671"/>
+                </a:lnTo>
+                <a:cubicBezTo>
+                  <a:pt x="0" y="35755"/>
+                  <a:pt x="24429" y="11361"/>
+                  <a:pt x="54388" y="11361"/>
+                </a:cubicBezTo>
+                <a:close/>
+                <a:moveTo>
+                  <a:pt x="340648" y="0"/>
+                </a:moveTo>
+                <a:lnTo>
+                  <a:pt x="501954" y="0"/>
+                </a:lnTo>
+                <a:cubicBezTo>
+                  <a:pt x="524997" y="0"/>
+                  <a:pt x="543739" y="18716"/>
+                  <a:pt x="543739" y="41574"/>
+                </a:cubicBezTo>
+                <a:lnTo>
+                  <a:pt x="543739" y="44949"/>
+                </a:lnTo>
+                <a:cubicBezTo>
+                  <a:pt x="543739" y="67807"/>
+                  <a:pt x="524997" y="86522"/>
+                  <a:pt x="501954" y="86522"/>
+                </a:cubicBezTo>
+                <a:lnTo>
+                  <a:pt x="536519" y="86522"/>
+                </a:lnTo>
+                <a:cubicBezTo>
+                  <a:pt x="559409" y="86522"/>
+                  <a:pt x="578305" y="105392"/>
+                  <a:pt x="578305" y="128250"/>
+                </a:cubicBezTo>
+                <a:lnTo>
+                  <a:pt x="578305" y="131471"/>
+                </a:lnTo>
+                <a:cubicBezTo>
+                  <a:pt x="578305" y="154483"/>
+                  <a:pt x="559409" y="173198"/>
+                  <a:pt x="536519" y="173198"/>
+                </a:cubicBezTo>
+                <a:lnTo>
+                  <a:pt x="566629" y="173198"/>
+                </a:lnTo>
+                <a:cubicBezTo>
+                  <a:pt x="589673" y="173198"/>
+                  <a:pt x="608415" y="192068"/>
+                  <a:pt x="608415" y="214926"/>
+                </a:cubicBezTo>
+                <a:lnTo>
+                  <a:pt x="608415" y="218147"/>
+                </a:lnTo>
+                <a:cubicBezTo>
+                  <a:pt x="608415" y="241158"/>
+                  <a:pt x="589673" y="259874"/>
+                  <a:pt x="566629" y="259874"/>
+                </a:cubicBezTo>
+                <a:cubicBezTo>
+                  <a:pt x="589673" y="259874"/>
+                  <a:pt x="608415" y="278744"/>
+                  <a:pt x="608415" y="301601"/>
+                </a:cubicBezTo>
+                <a:lnTo>
+                  <a:pt x="608415" y="303596"/>
+                </a:lnTo>
+                <a:cubicBezTo>
+                  <a:pt x="608415" y="326607"/>
+                  <a:pt x="589673" y="344709"/>
+                  <a:pt x="566629" y="344556"/>
+                </a:cubicBezTo>
+                <a:lnTo>
+                  <a:pt x="402251" y="344556"/>
+                </a:lnTo>
+                <a:lnTo>
+                  <a:pt x="459246" y="406380"/>
+                </a:lnTo>
+                <a:cubicBezTo>
+                  <a:pt x="474762" y="423255"/>
+                  <a:pt x="479678" y="452556"/>
+                  <a:pt x="470153" y="471578"/>
+                </a:cubicBezTo>
+                <a:cubicBezTo>
+                  <a:pt x="460629" y="490448"/>
+                  <a:pt x="437431" y="495510"/>
+                  <a:pt x="418382" y="482624"/>
+                </a:cubicBezTo>
+                <a:lnTo>
+                  <a:pt x="299016" y="401931"/>
+                </a:lnTo>
+                <a:cubicBezTo>
+                  <a:pt x="279966" y="389044"/>
+                  <a:pt x="237873" y="372630"/>
+                  <a:pt x="216212" y="365266"/>
+                </a:cubicBezTo>
+                <a:lnTo>
+                  <a:pt x="216212" y="41267"/>
+                </a:lnTo>
+                <a:lnTo>
+                  <a:pt x="261531" y="18562"/>
+                </a:lnTo>
+                <a:cubicBezTo>
+                  <a:pt x="282117" y="8284"/>
+                  <a:pt x="317604" y="0"/>
+                  <a:pt x="340648" y="0"/>
+                </a:cubicBezTo>
+                <a:close/>
+              </a:path>
+            </a:pathLst>
+          </a:custGeom>
+          <a:solidFill>
+            <a:schemeClr val="accent1"/>
+          </a:solidFill>
+          <a:ln>
+            <a:noFill/>
+          </a:ln>
+        </p:spPr>
       </p:sp>
       <p:sp>
         <p:nvSpPr>
-          <p:cNvPr id="4" name="文本框 3">
-            <a:extLst>
-              <a:ext uri="{FF2B5EF4-FFF2-40B4-BE49-F238E27FC236}">
-                <a16:creationId xmlns:a16="http://schemas.microsoft.com/office/drawing/2014/main" xmlns="" id="{56FB76F2-BA30-F047-9E29-B3AD5ABB9178}"/>
-              </a:ext>
-            </a:extLst>
-          </p:cNvPr>
+          <p:cNvPr id="9" name="like-filled-hand_59222"/>
+          <p:cNvSpPr>
+            <a:spLocks noChangeAspect="1"/>
+          </p:cNvSpPr>
+          <p:nvPr/>
+        </p:nvSpPr>
+        <p:spPr bwMode="auto">
+          <a:xfrm>
+            <a:off x="5744059" y="4495299"/>
+            <a:ext cx="702291" cy="722506"/>
+          </a:xfrm>
+          <a:custGeom>
+            <a:avLst/>
+            <a:gdLst>
+              <a:gd name="connsiteX0" fmla="*/ 66060 w 583641"/>
+              <a:gd name="connsiteY0" fmla="*/ 467089 h 600440"/>
+              <a:gd name="connsiteX1" fmla="*/ 40232 w 583641"/>
+              <a:gd name="connsiteY1" fmla="*/ 492873 h 600440"/>
+              <a:gd name="connsiteX2" fmla="*/ 66060 w 583641"/>
+              <a:gd name="connsiteY2" fmla="*/ 519152 h 600440"/>
+              <a:gd name="connsiteX3" fmla="*/ 92384 w 583641"/>
+              <a:gd name="connsiteY3" fmla="*/ 492873 h 600440"/>
+              <a:gd name="connsiteX4" fmla="*/ 66060 w 583641"/>
+              <a:gd name="connsiteY4" fmla="*/ 467089 h 600440"/>
+              <a:gd name="connsiteX5" fmla="*/ 13411 w 583641"/>
+              <a:gd name="connsiteY5" fmla="*/ 176530 h 600440"/>
+              <a:gd name="connsiteX6" fmla="*/ 119205 w 583641"/>
+              <a:gd name="connsiteY6" fmla="*/ 176530 h 600440"/>
+              <a:gd name="connsiteX7" fmla="*/ 132616 w 583641"/>
+              <a:gd name="connsiteY7" fmla="*/ 189918 h 600440"/>
+              <a:gd name="connsiteX8" fmla="*/ 132616 w 583641"/>
+              <a:gd name="connsiteY8" fmla="*/ 532539 h 600440"/>
+              <a:gd name="connsiteX9" fmla="*/ 119205 w 583641"/>
+              <a:gd name="connsiteY9" fmla="*/ 545927 h 600440"/>
+              <a:gd name="connsiteX10" fmla="*/ 13411 w 583641"/>
+              <a:gd name="connsiteY10" fmla="*/ 545927 h 600440"/>
+              <a:gd name="connsiteX11" fmla="*/ 0 w 583641"/>
+              <a:gd name="connsiteY11" fmla="*/ 532539 h 600440"/>
+              <a:gd name="connsiteX12" fmla="*/ 0 w 583641"/>
+              <a:gd name="connsiteY12" fmla="*/ 189918 h 600440"/>
+              <a:gd name="connsiteX13" fmla="*/ 13411 w 583641"/>
+              <a:gd name="connsiteY13" fmla="*/ 176530 h 600440"/>
+              <a:gd name="connsiteX14" fmla="*/ 425032 w 583641"/>
+              <a:gd name="connsiteY14" fmla="*/ 0 h 600440"/>
+              <a:gd name="connsiteX15" fmla="*/ 455817 w 583641"/>
+              <a:gd name="connsiteY15" fmla="*/ 17354 h 600440"/>
+              <a:gd name="connsiteX16" fmla="*/ 432976 w 583641"/>
+              <a:gd name="connsiteY16" fmla="*/ 206262 h 600440"/>
+              <a:gd name="connsiteX17" fmla="*/ 461279 w 583641"/>
+              <a:gd name="connsiteY17" fmla="*/ 203287 h 600440"/>
+              <a:gd name="connsiteX18" fmla="*/ 579952 w 583641"/>
+              <a:gd name="connsiteY18" fmla="*/ 351538 h 600440"/>
+              <a:gd name="connsiteX19" fmla="*/ 540726 w 583641"/>
+              <a:gd name="connsiteY19" fmla="*/ 554329 h 600440"/>
+              <a:gd name="connsiteX20" fmla="*/ 421556 w 583641"/>
+              <a:gd name="connsiteY20" fmla="*/ 600440 h 600440"/>
+              <a:gd name="connsiteX21" fmla="*/ 181728 w 583641"/>
+              <a:gd name="connsiteY21" fmla="*/ 529537 h 600440"/>
+              <a:gd name="connsiteX22" fmla="*/ 174776 w 583641"/>
+              <a:gd name="connsiteY22" fmla="*/ 517638 h 600440"/>
+              <a:gd name="connsiteX23" fmla="*/ 174776 w 583641"/>
+              <a:gd name="connsiteY23" fmla="*/ 208245 h 600440"/>
+              <a:gd name="connsiteX24" fmla="*/ 185700 w 583641"/>
+              <a:gd name="connsiteY24" fmla="*/ 194858 h 600440"/>
+              <a:gd name="connsiteX25" fmla="*/ 355020 w 583641"/>
+              <a:gd name="connsiteY25" fmla="*/ 71398 h 600440"/>
+              <a:gd name="connsiteX26" fmla="*/ 425032 w 583641"/>
+              <a:gd name="connsiteY26" fmla="*/ 0 h 600440"/>
+            </a:gdLst>
+            <a:ahLst/>
+            <a:cxnLst>
+              <a:cxn ang="0">
+                <a:pos x="connsiteX0" y="connsiteY0"/>
+              </a:cxn>
+              <a:cxn ang="0">
+                <a:pos x="connsiteX1" y="connsiteY1"/>
+              </a:cxn>
+              <a:cxn ang="0">
+                <a:pos x="connsiteX2" y="connsiteY2"/>
+              </a:cxn>
+              <a:cxn ang="0">
+                <a:pos x="connsiteX3" y="connsiteY3"/>
+              </a:cxn>
+              <a:cxn ang="0">
+                <a:pos x="connsiteX4" y="connsiteY4"/>
+              </a:cxn>
+              <a:cxn ang="0">
+                <a:pos x="connsiteX5" y="connsiteY5"/>
+              </a:cxn>
+              <a:cxn ang="0">
+                <a:pos x="connsiteX6" y="connsiteY6"/>
+              </a:cxn>
+              <a:cxn ang="0">
+                <a:pos x="connsiteX7" y="connsiteY7"/>
+              </a:cxn>
+              <a:cxn ang="0">
+                <a:pos x="connsiteX8" y="connsiteY8"/>
+              </a:cxn>
+              <a:cxn ang="0">
+                <a:pos x="connsiteX9" y="connsiteY9"/>
+              </a:cxn>
+              <a:cxn ang="0">
+                <a:pos x="connsiteX10" y="connsiteY10"/>
+              </a:cxn>
+              <a:cxn ang="0">
+                <a:pos x="connsiteX11" y="connsiteY11"/>
+              </a:cxn>
+              <a:cxn ang="0">
+                <a:pos x="connsiteX12" y="connsiteY12"/>
+              </a:cxn>
+              <a:cxn ang="0">
+                <a:pos x="connsiteX13" y="connsiteY13"/>
+              </a:cxn>
+              <a:cxn ang="0">
+                <a:pos x="connsiteX14" y="connsiteY14"/>
+              </a:cxn>
+              <a:cxn ang="0">
+                <a:pos x="connsiteX15" y="connsiteY15"/>
+              </a:cxn>
+              <a:cxn ang="0">
+                <a:pos x="connsiteX16" y="connsiteY16"/>
+              </a:cxn>
+              <a:cxn ang="0">
+                <a:pos x="connsiteX17" y="connsiteY17"/>
+              </a:cxn>
+              <a:cxn ang="0">
+                <a:pos x="connsiteX18" y="connsiteY18"/>
+              </a:cxn>
+              <a:cxn ang="0">
+                <a:pos x="connsiteX19" y="connsiteY19"/>
+              </a:cxn>
+              <a:cxn ang="0">
+                <a:pos x="connsiteX20" y="connsiteY20"/>
+              </a:cxn>
+              <a:cxn ang="0">
+                <a:pos x="connsiteX21" y="connsiteY21"/>
+              </a:cxn>
+              <a:cxn ang="0">
+                <a:pos x="connsiteX22" y="connsiteY22"/>
+              </a:cxn>
+              <a:cxn ang="0">
+                <a:pos x="connsiteX23" y="connsiteY23"/>
+              </a:cxn>
+              <a:cxn ang="0">
+                <a:pos x="connsiteX24" y="connsiteY24"/>
+              </a:cxn>
+              <a:cxn ang="0">
+                <a:pos x="connsiteX25" y="connsiteY25"/>
+              </a:cxn>
+              <a:cxn ang="0">
+                <a:pos x="connsiteX26" y="connsiteY26"/>
+              </a:cxn>
+            </a:cxnLst>
+            <a:rect l="l" t="t" r="r" b="b"/>
+            <a:pathLst>
+              <a:path w="583641" h="600440">
+                <a:moveTo>
+                  <a:pt x="66060" y="467089"/>
+                </a:moveTo>
+                <a:cubicBezTo>
+                  <a:pt x="51656" y="467089"/>
+                  <a:pt x="40232" y="478989"/>
+                  <a:pt x="40232" y="492873"/>
+                </a:cubicBezTo>
+                <a:cubicBezTo>
+                  <a:pt x="40232" y="507252"/>
+                  <a:pt x="51656" y="519152"/>
+                  <a:pt x="66060" y="519152"/>
+                </a:cubicBezTo>
+                <a:cubicBezTo>
+                  <a:pt x="80464" y="519152"/>
+                  <a:pt x="92384" y="507252"/>
+                  <a:pt x="92384" y="492873"/>
+                </a:cubicBezTo>
+                <a:cubicBezTo>
+                  <a:pt x="92384" y="478989"/>
+                  <a:pt x="80464" y="467089"/>
+                  <a:pt x="66060" y="467089"/>
+                </a:cubicBezTo>
+                <a:close/>
+                <a:moveTo>
+                  <a:pt x="13411" y="176530"/>
+                </a:moveTo>
+                <a:lnTo>
+                  <a:pt x="119205" y="176530"/>
+                </a:lnTo>
+                <a:cubicBezTo>
+                  <a:pt x="126656" y="176530"/>
+                  <a:pt x="132616" y="182480"/>
+                  <a:pt x="132616" y="189918"/>
+                </a:cubicBezTo>
+                <a:lnTo>
+                  <a:pt x="132616" y="532539"/>
+                </a:lnTo>
+                <a:cubicBezTo>
+                  <a:pt x="132616" y="539977"/>
+                  <a:pt x="126656" y="545927"/>
+                  <a:pt x="119205" y="545927"/>
+                </a:cubicBezTo>
+                <a:lnTo>
+                  <a:pt x="13411" y="545927"/>
+                </a:lnTo>
+                <a:cubicBezTo>
+                  <a:pt x="5960" y="545927"/>
+                  <a:pt x="0" y="539977"/>
+                  <a:pt x="0" y="532539"/>
+                </a:cubicBezTo>
+                <a:lnTo>
+                  <a:pt x="0" y="189918"/>
+                </a:lnTo>
+                <a:cubicBezTo>
+                  <a:pt x="0" y="182480"/>
+                  <a:pt x="5960" y="176530"/>
+                  <a:pt x="13411" y="176530"/>
+                </a:cubicBezTo>
+                <a:close/>
+                <a:moveTo>
+                  <a:pt x="425032" y="0"/>
+                </a:moveTo>
+                <a:cubicBezTo>
+                  <a:pt x="437445" y="0"/>
+                  <a:pt x="448369" y="6446"/>
+                  <a:pt x="455817" y="17354"/>
+                </a:cubicBezTo>
+                <a:cubicBezTo>
+                  <a:pt x="477168" y="49582"/>
+                  <a:pt x="468727" y="118501"/>
+                  <a:pt x="432976" y="206262"/>
+                </a:cubicBezTo>
+                <a:cubicBezTo>
+                  <a:pt x="442411" y="204279"/>
+                  <a:pt x="451845" y="203287"/>
+                  <a:pt x="461279" y="203287"/>
+                </a:cubicBezTo>
+                <a:cubicBezTo>
+                  <a:pt x="499513" y="203287"/>
+                  <a:pt x="565552" y="222624"/>
+                  <a:pt x="579952" y="351538"/>
+                </a:cubicBezTo>
+                <a:cubicBezTo>
+                  <a:pt x="590876" y="445248"/>
+                  <a:pt x="577469" y="513671"/>
+                  <a:pt x="540726" y="554329"/>
+                </a:cubicBezTo>
+                <a:cubicBezTo>
+                  <a:pt x="513416" y="585069"/>
+                  <a:pt x="473196" y="600440"/>
+                  <a:pt x="421556" y="600440"/>
+                </a:cubicBezTo>
+                <a:cubicBezTo>
+                  <a:pt x="319269" y="600440"/>
+                  <a:pt x="203575" y="541437"/>
+                  <a:pt x="181728" y="529537"/>
+                </a:cubicBezTo>
+                <a:cubicBezTo>
+                  <a:pt x="177259" y="527058"/>
+                  <a:pt x="174776" y="522596"/>
+                  <a:pt x="174776" y="517638"/>
+                </a:cubicBezTo>
+                <a:lnTo>
+                  <a:pt x="174776" y="208245"/>
+                </a:lnTo>
+                <a:cubicBezTo>
+                  <a:pt x="174776" y="201799"/>
+                  <a:pt x="179245" y="195850"/>
+                  <a:pt x="185700" y="194858"/>
+                </a:cubicBezTo>
+                <a:cubicBezTo>
+                  <a:pt x="208541" y="190891"/>
+                  <a:pt x="324731" y="165604"/>
+                  <a:pt x="355020" y="71398"/>
+                </a:cubicBezTo>
+                <a:cubicBezTo>
+                  <a:pt x="368426" y="29253"/>
+                  <a:pt x="397226" y="0"/>
+                  <a:pt x="425032" y="0"/>
+                </a:cubicBezTo>
+                <a:close/>
+              </a:path>
+            </a:pathLst>
+          </a:custGeom>
+          <a:solidFill>
+            <a:schemeClr val="accent1"/>
+          </a:solidFill>
+          <a:ln>
+            <a:noFill/>
+          </a:ln>
+        </p:spPr>
+      </p:sp>
+      <p:sp>
+        <p:nvSpPr>
+          <p:cNvPr id="3" name="文本框 2"/>
           <p:cNvSpPr txBox="1"/>
           <p:nvPr/>
         </p:nvSpPr>
         <p:spPr>
           <a:xfrm>
-            <a:off x="966651" y="1606731"/>
-            <a:ext cx="6505303" cy="3347840"/>
+            <a:off x="3486245" y="1690688"/>
+            <a:ext cx="5920210" cy="523220"/>
           </a:xfrm>
           <a:prstGeom prst="rect">
             <a:avLst/>
@@ -7022,151 +10055,112 @@
           <a:noFill/>
         </p:spPr>
         <p:txBody>
-          <a:bodyPr wrap="square" rtlCol="0">
+          <a:bodyPr wrap="none" rtlCol="0" anchor="t">
             <a:spAutoFit/>
           </a:bodyPr>
           <a:lstStyle/>
           <a:p>
-            <a:pPr marL="285750" indent="-285750">
-              <a:lnSpc>
-                <a:spcPct val="150000"/>
-              </a:lnSpc>
-              <a:buFont typeface="Arial" panose="020B0604020202020204" pitchFamily="34" charset="0"/>
-              <a:buChar char="•"/>
-            </a:pPr>
-            <a:r>
-              <a:rPr kumimoji="1" lang="zh-CN" altLang="en-US" sz="2400" dirty="0">
-                <a:latin typeface="+mj-ea"/>
-                <a:ea typeface="+mj-ea"/>
+            <a:r>
+              <a:rPr lang="zh-CN" altLang="en-US" sz="2800" b="1" dirty="0" smtClean="0">
+                <a:sym typeface="+mn-ea"/>
               </a:rPr>
-              <a:t>一种思维方式</a:t>
-            </a:r>
-            <a:endParaRPr kumimoji="1" lang="en-US" altLang="zh-CN" sz="2400" dirty="0">
-              <a:latin typeface="+mj-ea"/>
-              <a:ea typeface="+mj-ea"/>
-            </a:endParaRPr>
-          </a:p>
-          <a:p>
-            <a:pPr marL="285750" indent="-285750">
-              <a:lnSpc>
-                <a:spcPct val="150000"/>
-              </a:lnSpc>
-              <a:buFont typeface="Arial" panose="020B0604020202020204" pitchFamily="34" charset="0"/>
-              <a:buChar char="•"/>
-            </a:pPr>
-            <a:r>
-              <a:rPr kumimoji="1" lang="zh-CN" altLang="en-US" sz="2400" dirty="0">
-                <a:latin typeface="+mj-ea"/>
-                <a:ea typeface="+mj-ea"/>
+              <a:t>混合模糊测试 </a:t>
+            </a:r>
+            <a:r>
+              <a:rPr lang="en-US" altLang="zh-CN" sz="2800" b="1" dirty="0" smtClean="0">
+                <a:sym typeface="+mn-ea"/>
               </a:rPr>
-              <a:t>一种学习方法</a:t>
-            </a:r>
-            <a:endParaRPr kumimoji="1" lang="en-US" altLang="zh-CN" sz="2400" dirty="0">
-              <a:latin typeface="+mj-ea"/>
-              <a:ea typeface="+mj-ea"/>
-            </a:endParaRPr>
-          </a:p>
-          <a:p>
-            <a:pPr marL="285750" indent="-285750">
-              <a:lnSpc>
-                <a:spcPct val="150000"/>
-              </a:lnSpc>
-              <a:buFont typeface="Arial" panose="020B0604020202020204" pitchFamily="34" charset="0"/>
-              <a:buChar char="•"/>
-            </a:pPr>
-            <a:r>
-              <a:rPr kumimoji="1" lang="zh-CN" altLang="en-US" sz="2400" dirty="0">
-                <a:latin typeface="+mj-ea"/>
-                <a:ea typeface="+mj-ea"/>
+              <a:t>= </a:t>
+            </a:r>
+            <a:r>
+              <a:rPr lang="zh-CN" altLang="en-US" sz="2800" b="1" dirty="0" smtClean="0">
+                <a:sym typeface="+mn-ea"/>
               </a:rPr>
-              <a:t>提前接触一下必备技术</a:t>
-            </a:r>
-            <a:endParaRPr kumimoji="1" lang="en-US" altLang="zh-CN" sz="2400" dirty="0">
-              <a:latin typeface="+mj-ea"/>
-              <a:ea typeface="+mj-ea"/>
-            </a:endParaRPr>
-          </a:p>
-          <a:p>
-            <a:pPr marL="285750" indent="-285750">
-              <a:lnSpc>
-                <a:spcPct val="150000"/>
-              </a:lnSpc>
-              <a:buFont typeface="Arial" panose="020B0604020202020204" pitchFamily="34" charset="0"/>
-              <a:buChar char="•"/>
-            </a:pPr>
-            <a:r>
-              <a:rPr kumimoji="1" lang="zh-CN" altLang="en-US" sz="2400" dirty="0">
-                <a:latin typeface="+mj-ea"/>
-                <a:ea typeface="+mj-ea"/>
+              <a:t>模糊测试 </a:t>
+            </a:r>
+            <a:r>
+              <a:rPr lang="en-US" altLang="zh-CN" sz="2800" b="1" dirty="0" smtClean="0">
+                <a:sym typeface="+mn-ea"/>
               </a:rPr>
-              <a:t>养成良好的学习思维习惯</a:t>
-            </a:r>
-            <a:endParaRPr kumimoji="1" lang="en-US" altLang="zh-CN" sz="2400" dirty="0">
-              <a:latin typeface="+mj-ea"/>
-              <a:ea typeface="+mj-ea"/>
-            </a:endParaRPr>
-          </a:p>
-          <a:p>
-            <a:pPr marL="285750" indent="-285750">
-              <a:lnSpc>
-                <a:spcPct val="150000"/>
-              </a:lnSpc>
-              <a:buFont typeface="Arial" panose="020B0604020202020204" pitchFamily="34" charset="0"/>
-              <a:buChar char="•"/>
-            </a:pPr>
-            <a:r>
-              <a:rPr kumimoji="1" lang="zh-CN" altLang="en-US" sz="2400" dirty="0">
-                <a:latin typeface="+mj-ea"/>
-                <a:ea typeface="+mj-ea"/>
+              <a:t>+ </a:t>
+            </a:r>
+            <a:r>
+              <a:rPr lang="zh-CN" altLang="en-US" sz="2800" b="1" dirty="0" smtClean="0">
+                <a:sym typeface="+mn-ea"/>
               </a:rPr>
-              <a:t>代码基础</a:t>
-            </a:r>
-            <a:r>
-              <a:rPr kumimoji="1" lang="en-US" altLang="zh-CN" sz="2400" dirty="0">
-                <a:latin typeface="+mj-ea"/>
-                <a:ea typeface="+mj-ea"/>
-              </a:rPr>
-              <a:t>/</a:t>
-            </a:r>
-            <a:r>
-              <a:rPr kumimoji="1" lang="zh-CN" altLang="en-US" sz="2400" dirty="0">
-                <a:latin typeface="+mj-ea"/>
-                <a:ea typeface="+mj-ea"/>
-              </a:rPr>
-              <a:t>能力</a:t>
-            </a:r>
-            <a:endParaRPr kumimoji="1" lang="en-US" altLang="zh-CN" sz="2400" dirty="0">
-              <a:latin typeface="+mj-ea"/>
-              <a:ea typeface="+mj-ea"/>
-            </a:endParaRPr>
-          </a:p>
-          <a:p>
-            <a:pPr>
-              <a:lnSpc>
-                <a:spcPct val="150000"/>
-              </a:lnSpc>
-            </a:pPr>
-            <a:endParaRPr kumimoji="1" lang="zh-CN" altLang="en-US" sz="2400" dirty="0">
-              <a:latin typeface="+mj-ea"/>
-              <a:ea typeface="+mj-ea"/>
-            </a:endParaRPr>
+              <a:t>符号执行</a:t>
+            </a:r>
+          </a:p>
+        </p:txBody>
+      </p:sp>
+      <p:sp>
+        <p:nvSpPr>
+          <p:cNvPr id="6" name="矩形 5"/>
+          <p:cNvSpPr/>
+          <p:nvPr/>
+        </p:nvSpPr>
+        <p:spPr>
+          <a:xfrm>
+            <a:off x="0" y="6334780"/>
+            <a:ext cx="8494776" cy="523220"/>
+          </a:xfrm>
+          <a:prstGeom prst="rect">
+            <a:avLst/>
+          </a:prstGeom>
+        </p:spPr>
+        <p:txBody>
+          <a:bodyPr wrap="square">
+            <a:spAutoFit/>
+          </a:bodyPr>
+          <a:lstStyle/>
+          <a:p>
+            <a:r>
+              <a:rPr lang="zh-CN" altLang="en-US" sz="1400" dirty="0"/>
+              <a:t> Yun, S. Lee, M. Xu, Y. Jang, and T. Kim, “QSYM : A practical concolic execution engine tailored for hybrid fuzzing,” in 27th USENIX Security Symposium (USENIX Security 18</a:t>
+            </a:r>
+            <a:r>
+              <a:rPr lang="zh-CN" altLang="en-US" sz="1400" dirty="0" smtClean="0"/>
+              <a:t>). </a:t>
+            </a:r>
+            <a:r>
+              <a:rPr lang="en-US" altLang="zh-CN" sz="1400" dirty="0" smtClean="0"/>
+              <a:t> </a:t>
+            </a:r>
+            <a:r>
+              <a:rPr lang="en-US" altLang="zh-CN" sz="1400" dirty="0"/>
+              <a:t>Baltimore, MD: USENIX Association, 2018, pp. 745–761.</a:t>
+            </a:r>
+            <a:endParaRPr lang="zh-CN" altLang="en-US" sz="1400" dirty="0"/>
           </a:p>
         </p:txBody>
       </p:sp>
     </p:spTree>
+    <p:custDataLst>
+      <p:tags r:id="rId1"/>
+    </p:custDataLst>
     <p:extLst>
       <p:ext uri="{BB962C8B-B14F-4D97-AF65-F5344CB8AC3E}">
-        <p14:creationId xmlns:p14="http://schemas.microsoft.com/office/powerpoint/2010/main" val="1031537776"/>
+        <p14:creationId xmlns:p14="http://schemas.microsoft.com/office/powerpoint/2010/main" val="2445593080"/>
       </p:ext>
     </p:extLst>
   </p:cSld>
   <p:clrMapOvr>
     <a:masterClrMapping/>
   </p:clrMapOvr>
+  <p:transition spd="slow">
+    <p:wipe/>
+  </p:transition>
+  <p:timing>
+    <p:tnLst>
+      <p:par>
+        <p:cTn id="1" dur="indefinite" restart="never" nodeType="tmRoot"/>
+      </p:par>
+    </p:tnLst>
+  </p:timing>
 </p:sld>
 </file>
 
-<file path=ppt/slides/slide4.xml><?xml version="1.0" encoding="utf-8"?>
+<file path=ppt/slides/slide6.xml><?xml version="1.0" encoding="utf-8"?>
 <p:sld xmlns:a="http://schemas.openxmlformats.org/drawingml/2006/main" xmlns:r="http://schemas.openxmlformats.org/officeDocument/2006/relationships" xmlns:p="http://schemas.openxmlformats.org/presentationml/2006/main">
   <p:cSld>
     <p:spTree>
@@ -8222,7 +11216,754 @@
 </p:sld>
 </file>
 
-<file path=ppt/slides/slide5.xml><?xml version="1.0" encoding="utf-8"?>
+<file path=ppt/slides/slide7.xml><?xml version="1.0" encoding="utf-8"?>
+<p:sld xmlns:a="http://schemas.openxmlformats.org/drawingml/2006/main" xmlns:r="http://schemas.openxmlformats.org/officeDocument/2006/relationships" xmlns:p="http://schemas.openxmlformats.org/presentationml/2006/main">
+  <p:cSld>
+    <p:spTree>
+      <p:nvGrpSpPr>
+        <p:cNvPr id="1" name=""/>
+        <p:cNvGrpSpPr/>
+        <p:nvPr/>
+      </p:nvGrpSpPr>
+      <p:grpSpPr>
+        <a:xfrm>
+          <a:off x="0" y="0"/>
+          <a:ext cx="0" cy="0"/>
+          <a:chOff x="0" y="0"/>
+          <a:chExt cx="0" cy="0"/>
+        </a:xfrm>
+      </p:grpSpPr>
+      <p:graphicFrame>
+        <p:nvGraphicFramePr>
+          <p:cNvPr id="3" name="表格 2"/>
+          <p:cNvGraphicFramePr>
+            <a:graphicFrameLocks noGrp="1"/>
+          </p:cNvGraphicFramePr>
+          <p:nvPr>
+            <p:extLst>
+              <p:ext uri="{D42A27DB-BD31-4B8C-83A1-F6EECF244321}">
+                <p14:modId xmlns:p14="http://schemas.microsoft.com/office/powerpoint/2010/main" val="1737375307"/>
+              </p:ext>
+            </p:extLst>
+          </p:nvPr>
+        </p:nvGraphicFramePr>
+        <p:xfrm>
+          <a:off x="1043254" y="1490471"/>
+          <a:ext cx="10105492" cy="5020056"/>
+        </p:xfrm>
+        <a:graphic>
+          <a:graphicData uri="http://schemas.openxmlformats.org/drawingml/2006/table">
+            <a:tbl>
+              <a:tblPr firstRow="1" firstCol="1" bandRow="1">
+                <a:tableStyleId>{5C22544A-7EE6-4342-B048-85BDC9FD1C3A}</a:tableStyleId>
+              </a:tblPr>
+              <a:tblGrid>
+                <a:gridCol w="1784630"/>
+                <a:gridCol w="2971015"/>
+                <a:gridCol w="5349847"/>
+              </a:tblGrid>
+              <a:tr h="494527">
+                <a:tc>
+                  <a:txBody>
+                    <a:bodyPr/>
+                    <a:lstStyle/>
+                    <a:p>
+                      <a:pPr algn="ctr">
+                        <a:lnSpc>
+                          <a:spcPct val="110000"/>
+                        </a:lnSpc>
+                        <a:spcAft>
+                          <a:spcPts val="0"/>
+                        </a:spcAft>
+                      </a:pPr>
+                      <a:r>
+                        <a:rPr lang="en-US" sz="1600" b="1" kern="100" dirty="0">
+                          <a:effectLst/>
+                        </a:rPr>
+                        <a:t>Year</a:t>
+                      </a:r>
+                      <a:endParaRPr lang="zh-CN" sz="2000" b="1" kern="100" dirty="0">
+                        <a:effectLst/>
+                        <a:latin typeface="Calibri" panose="020F0502020204030204" pitchFamily="34" charset="0"/>
+                        <a:ea typeface="MS Mincho" panose="02020609040205080304" pitchFamily="49" charset="-128"/>
+                        <a:cs typeface="Times New Roman" panose="02020603050405020304" pitchFamily="18" charset="0"/>
+                      </a:endParaRPr>
+                    </a:p>
+                  </a:txBody>
+                  <a:tcPr marL="68580" marR="68580" marT="0" marB="0" anchor="ctr"/>
+                </a:tc>
+                <a:tc>
+                  <a:txBody>
+                    <a:bodyPr/>
+                    <a:lstStyle/>
+                    <a:p>
+                      <a:pPr algn="ctr">
+                        <a:lnSpc>
+                          <a:spcPct val="110000"/>
+                        </a:lnSpc>
+                        <a:spcAft>
+                          <a:spcPts val="0"/>
+                        </a:spcAft>
+                      </a:pPr>
+                      <a:r>
+                        <a:rPr lang="en-US" sz="1600" b="1" kern="100">
+                          <a:effectLst/>
+                        </a:rPr>
+                        <a:t>Method</a:t>
+                      </a:r>
+                      <a:endParaRPr lang="zh-CN" sz="2000" b="1" kern="100">
+                        <a:effectLst/>
+                        <a:latin typeface="Calibri" panose="020F0502020204030204" pitchFamily="34" charset="0"/>
+                        <a:ea typeface="MS Mincho" panose="02020609040205080304" pitchFamily="49" charset="-128"/>
+                        <a:cs typeface="Times New Roman" panose="02020603050405020304" pitchFamily="18" charset="0"/>
+                      </a:endParaRPr>
+                    </a:p>
+                  </a:txBody>
+                  <a:tcPr marL="68580" marR="68580" marT="0" marB="0" anchor="ctr"/>
+                </a:tc>
+                <a:tc>
+                  <a:txBody>
+                    <a:bodyPr/>
+                    <a:lstStyle/>
+                    <a:p>
+                      <a:pPr algn="ctr">
+                        <a:lnSpc>
+                          <a:spcPct val="110000"/>
+                        </a:lnSpc>
+                        <a:spcAft>
+                          <a:spcPts val="0"/>
+                        </a:spcAft>
+                      </a:pPr>
+                      <a:r>
+                        <a:rPr lang="en-US" sz="1600" b="1" kern="100">
+                          <a:effectLst/>
+                        </a:rPr>
+                        <a:t>Features</a:t>
+                      </a:r>
+                      <a:endParaRPr lang="zh-CN" sz="2000" b="1" kern="100">
+                        <a:effectLst/>
+                        <a:latin typeface="Calibri" panose="020F0502020204030204" pitchFamily="34" charset="0"/>
+                        <a:ea typeface="MS Mincho" panose="02020609040205080304" pitchFamily="49" charset="-128"/>
+                        <a:cs typeface="Times New Roman" panose="02020603050405020304" pitchFamily="18" charset="0"/>
+                      </a:endParaRPr>
+                    </a:p>
+                  </a:txBody>
+                  <a:tcPr marL="68580" marR="68580" marT="0" marB="0" anchor="ctr"/>
+                </a:tc>
+              </a:tr>
+              <a:tr h="437707">
+                <a:tc>
+                  <a:txBody>
+                    <a:bodyPr/>
+                    <a:lstStyle/>
+                    <a:p>
+                      <a:pPr algn="ctr">
+                        <a:lnSpc>
+                          <a:spcPct val="110000"/>
+                        </a:lnSpc>
+                        <a:spcAft>
+                          <a:spcPts val="0"/>
+                        </a:spcAft>
+                      </a:pPr>
+                      <a:r>
+                        <a:rPr lang="en-US" sz="1600" b="0" kern="100" dirty="0">
+                          <a:effectLst/>
+                        </a:rPr>
+                        <a:t>2007</a:t>
+                      </a:r>
+                      <a:endParaRPr lang="zh-CN" sz="2000" b="0" kern="100" dirty="0">
+                        <a:effectLst/>
+                        <a:latin typeface="Calibri" panose="020F0502020204030204" pitchFamily="34" charset="0"/>
+                        <a:ea typeface="MS Mincho" panose="02020609040205080304" pitchFamily="49" charset="-128"/>
+                        <a:cs typeface="Times New Roman" panose="02020603050405020304" pitchFamily="18" charset="0"/>
+                      </a:endParaRPr>
+                    </a:p>
+                  </a:txBody>
+                  <a:tcPr marL="68580" marR="68580" marT="0" marB="0" anchor="ctr"/>
+                </a:tc>
+                <a:tc>
+                  <a:txBody>
+                    <a:bodyPr/>
+                    <a:lstStyle/>
+                    <a:p>
+                      <a:pPr algn="ctr">
+                        <a:lnSpc>
+                          <a:spcPct val="110000"/>
+                        </a:lnSpc>
+                        <a:spcAft>
+                          <a:spcPts val="0"/>
+                        </a:spcAft>
+                      </a:pPr>
+                      <a:r>
+                        <a:rPr lang="en-US" sz="1600" b="0" kern="100">
+                          <a:effectLst/>
+                        </a:rPr>
+                        <a:t>Hybrid testing</a:t>
+                      </a:r>
+                      <a:endParaRPr lang="zh-CN" sz="2000" b="0" kern="100">
+                        <a:effectLst/>
+                        <a:latin typeface="Calibri" panose="020F0502020204030204" pitchFamily="34" charset="0"/>
+                        <a:ea typeface="MS Mincho" panose="02020609040205080304" pitchFamily="49" charset="-128"/>
+                        <a:cs typeface="Times New Roman" panose="02020603050405020304" pitchFamily="18" charset="0"/>
+                      </a:endParaRPr>
+                    </a:p>
+                  </a:txBody>
+                  <a:tcPr marL="68580" marR="68580" marT="0" marB="0" anchor="ctr"/>
+                </a:tc>
+                <a:tc>
+                  <a:txBody>
+                    <a:bodyPr/>
+                    <a:lstStyle/>
+                    <a:p>
+                      <a:pPr algn="l">
+                        <a:lnSpc>
+                          <a:spcPct val="110000"/>
+                        </a:lnSpc>
+                        <a:spcAft>
+                          <a:spcPts val="0"/>
+                        </a:spcAft>
+                      </a:pPr>
+                      <a:r>
+                        <a:rPr lang="en-US" sz="1600" b="0" kern="100" dirty="0">
+                          <a:effectLst/>
+                        </a:rPr>
+                        <a:t>The concept of hybrid testing was first proposed. </a:t>
+                      </a:r>
+                      <a:endParaRPr lang="zh-CN" sz="2000" b="0" kern="100" dirty="0">
+                        <a:effectLst/>
+                        <a:latin typeface="Calibri" panose="020F0502020204030204" pitchFamily="34" charset="0"/>
+                        <a:ea typeface="MS Mincho" panose="02020609040205080304" pitchFamily="49" charset="-128"/>
+                        <a:cs typeface="Times New Roman" panose="02020603050405020304" pitchFamily="18" charset="0"/>
+                      </a:endParaRPr>
+                    </a:p>
+                  </a:txBody>
+                  <a:tcPr marL="68580" marR="68580" marT="0" marB="0" anchor="ctr"/>
+                </a:tc>
+              </a:tr>
+              <a:tr h="437707">
+                <a:tc>
+                  <a:txBody>
+                    <a:bodyPr/>
+                    <a:lstStyle/>
+                    <a:p>
+                      <a:pPr algn="ctr">
+                        <a:lnSpc>
+                          <a:spcPct val="110000"/>
+                        </a:lnSpc>
+                        <a:spcAft>
+                          <a:spcPts val="0"/>
+                        </a:spcAft>
+                      </a:pPr>
+                      <a:r>
+                        <a:rPr lang="en-US" sz="1600" b="0" kern="100">
+                          <a:effectLst/>
+                        </a:rPr>
+                        <a:t>2012</a:t>
+                      </a:r>
+                      <a:endParaRPr lang="zh-CN" sz="2000" b="0" kern="100">
+                        <a:effectLst/>
+                        <a:latin typeface="Calibri" panose="020F0502020204030204" pitchFamily="34" charset="0"/>
+                        <a:ea typeface="MS Mincho" panose="02020609040205080304" pitchFamily="49" charset="-128"/>
+                        <a:cs typeface="Times New Roman" panose="02020603050405020304" pitchFamily="18" charset="0"/>
+                      </a:endParaRPr>
+                    </a:p>
+                  </a:txBody>
+                  <a:tcPr marL="68580" marR="68580" marT="0" marB="0" anchor="ctr"/>
+                </a:tc>
+                <a:tc>
+                  <a:txBody>
+                    <a:bodyPr/>
+                    <a:lstStyle/>
+                    <a:p>
+                      <a:pPr algn="ctr">
+                        <a:lnSpc>
+                          <a:spcPct val="110000"/>
+                        </a:lnSpc>
+                        <a:spcAft>
+                          <a:spcPts val="0"/>
+                        </a:spcAft>
+                      </a:pPr>
+                      <a:r>
+                        <a:rPr lang="en-US" sz="1600" b="0" kern="100">
+                          <a:effectLst/>
+                        </a:rPr>
+                        <a:t>Hybrid fuzzing</a:t>
+                      </a:r>
+                      <a:endParaRPr lang="zh-CN" sz="2000" b="0" kern="100">
+                        <a:effectLst/>
+                        <a:latin typeface="Calibri" panose="020F0502020204030204" pitchFamily="34" charset="0"/>
+                        <a:ea typeface="MS Mincho" panose="02020609040205080304" pitchFamily="49" charset="-128"/>
+                        <a:cs typeface="Times New Roman" panose="02020603050405020304" pitchFamily="18" charset="0"/>
+                      </a:endParaRPr>
+                    </a:p>
+                  </a:txBody>
+                  <a:tcPr marL="68580" marR="68580" marT="0" marB="0" anchor="ctr"/>
+                </a:tc>
+                <a:tc>
+                  <a:txBody>
+                    <a:bodyPr/>
+                    <a:lstStyle/>
+                    <a:p>
+                      <a:pPr algn="l">
+                        <a:lnSpc>
+                          <a:spcPct val="110000"/>
+                        </a:lnSpc>
+                        <a:spcAft>
+                          <a:spcPts val="0"/>
+                        </a:spcAft>
+                      </a:pPr>
+                      <a:r>
+                        <a:rPr lang="en-US" sz="1600" b="0" kern="100" dirty="0">
+                          <a:effectLst/>
+                        </a:rPr>
+                        <a:t>Hybrid fuzzing is officially proposed for the first time. </a:t>
+                      </a:r>
+                      <a:endParaRPr lang="zh-CN" sz="2000" b="0" kern="100" dirty="0">
+                        <a:effectLst/>
+                        <a:latin typeface="Calibri" panose="020F0502020204030204" pitchFamily="34" charset="0"/>
+                        <a:ea typeface="MS Mincho" panose="02020609040205080304" pitchFamily="49" charset="-128"/>
+                        <a:cs typeface="Times New Roman" panose="02020603050405020304" pitchFamily="18" charset="0"/>
+                      </a:endParaRPr>
+                    </a:p>
+                  </a:txBody>
+                  <a:tcPr marL="68580" marR="68580" marT="0" marB="0" anchor="ctr"/>
+                </a:tc>
+              </a:tr>
+              <a:tr h="1614389">
+                <a:tc>
+                  <a:txBody>
+                    <a:bodyPr/>
+                    <a:lstStyle/>
+                    <a:p>
+                      <a:pPr algn="ctr">
+                        <a:lnSpc>
+                          <a:spcPct val="110000"/>
+                        </a:lnSpc>
+                        <a:spcAft>
+                          <a:spcPts val="0"/>
+                        </a:spcAft>
+                      </a:pPr>
+                      <a:r>
+                        <a:rPr lang="en-US" sz="1600" b="0" kern="100">
+                          <a:effectLst/>
+                        </a:rPr>
+                        <a:t>2016</a:t>
+                      </a:r>
+                      <a:endParaRPr lang="zh-CN" sz="2000" b="0" kern="100">
+                        <a:effectLst/>
+                        <a:latin typeface="Calibri" panose="020F0502020204030204" pitchFamily="34" charset="0"/>
+                        <a:ea typeface="MS Mincho" panose="02020609040205080304" pitchFamily="49" charset="-128"/>
+                        <a:cs typeface="Times New Roman" panose="02020603050405020304" pitchFamily="18" charset="0"/>
+                      </a:endParaRPr>
+                    </a:p>
+                  </a:txBody>
+                  <a:tcPr marL="68580" marR="68580" marT="0" marB="0" anchor="ctr"/>
+                </a:tc>
+                <a:tc>
+                  <a:txBody>
+                    <a:bodyPr/>
+                    <a:lstStyle/>
+                    <a:p>
+                      <a:pPr algn="ctr">
+                        <a:lnSpc>
+                          <a:spcPct val="110000"/>
+                        </a:lnSpc>
+                        <a:spcAft>
+                          <a:spcPts val="0"/>
+                        </a:spcAft>
+                      </a:pPr>
+                      <a:r>
+                        <a:rPr lang="en-US" sz="1600" b="0" kern="100" dirty="0">
+                          <a:effectLst/>
+                        </a:rPr>
+                        <a:t>Driller</a:t>
+                      </a:r>
+                      <a:endParaRPr lang="zh-CN" sz="2000" b="0" kern="100" dirty="0">
+                        <a:effectLst/>
+                        <a:latin typeface="Calibri" panose="020F0502020204030204" pitchFamily="34" charset="0"/>
+                        <a:ea typeface="MS Mincho" panose="02020609040205080304" pitchFamily="49" charset="-128"/>
+                        <a:cs typeface="Times New Roman" panose="02020603050405020304" pitchFamily="18" charset="0"/>
+                      </a:endParaRPr>
+                    </a:p>
+                  </a:txBody>
+                  <a:tcPr marL="68580" marR="68580" marT="0" marB="0" anchor="ctr"/>
+                </a:tc>
+                <a:tc>
+                  <a:txBody>
+                    <a:bodyPr/>
+                    <a:lstStyle/>
+                    <a:p>
+                      <a:pPr algn="l">
+                        <a:lnSpc>
+                          <a:spcPct val="110000"/>
+                        </a:lnSpc>
+                        <a:spcAft>
+                          <a:spcPts val="0"/>
+                        </a:spcAft>
+                      </a:pPr>
+                      <a:r>
+                        <a:rPr lang="en-US" sz="1600" b="0" kern="100" dirty="0">
+                          <a:effectLst/>
+                        </a:rPr>
+                        <a:t>Driller is based on the fuzz tool AFL and the symbolic execution tool </a:t>
+                      </a:r>
+                      <a:r>
+                        <a:rPr lang="en-US" sz="1600" b="0" kern="100" dirty="0" err="1">
+                          <a:effectLst/>
+                        </a:rPr>
+                        <a:t>angr</a:t>
+                      </a:r>
+                      <a:r>
+                        <a:rPr lang="en-US" sz="1600" b="0" kern="100" dirty="0">
+                          <a:effectLst/>
+                        </a:rPr>
+                        <a:t>. When the fuzzy program is stuck, the symbolic execution is called to solve the input that can reach the new path, so that the fuzz can quickly break through the conditional judgment statement.</a:t>
+                      </a:r>
+                      <a:endParaRPr lang="zh-CN" sz="2000" b="0" kern="100" dirty="0">
+                        <a:effectLst/>
+                        <a:latin typeface="Calibri" panose="020F0502020204030204" pitchFamily="34" charset="0"/>
+                        <a:ea typeface="MS Mincho" panose="02020609040205080304" pitchFamily="49" charset="-128"/>
+                        <a:cs typeface="Times New Roman" panose="02020603050405020304" pitchFamily="18" charset="0"/>
+                      </a:endParaRPr>
+                    </a:p>
+                  </a:txBody>
+                  <a:tcPr marL="68580" marR="68580" marT="0" marB="0" anchor="ctr"/>
+                </a:tc>
+              </a:tr>
+              <a:tr h="962085">
+                <a:tc>
+                  <a:txBody>
+                    <a:bodyPr/>
+                    <a:lstStyle/>
+                    <a:p>
+                      <a:pPr algn="ctr">
+                        <a:lnSpc>
+                          <a:spcPct val="110000"/>
+                        </a:lnSpc>
+                        <a:spcAft>
+                          <a:spcPts val="0"/>
+                        </a:spcAft>
+                      </a:pPr>
+                      <a:r>
+                        <a:rPr lang="en-US" sz="1600" b="0" kern="100">
+                          <a:effectLst/>
+                        </a:rPr>
+                        <a:t>2018</a:t>
+                      </a:r>
+                      <a:endParaRPr lang="zh-CN" sz="2000" b="0" kern="100">
+                        <a:effectLst/>
+                        <a:latin typeface="Calibri" panose="020F0502020204030204" pitchFamily="34" charset="0"/>
+                        <a:ea typeface="MS Mincho" panose="02020609040205080304" pitchFamily="49" charset="-128"/>
+                        <a:cs typeface="Times New Roman" panose="02020603050405020304" pitchFamily="18" charset="0"/>
+                      </a:endParaRPr>
+                    </a:p>
+                  </a:txBody>
+                  <a:tcPr marL="68580" marR="68580" marT="0" marB="0" anchor="ctr"/>
+                </a:tc>
+                <a:tc>
+                  <a:txBody>
+                    <a:bodyPr/>
+                    <a:lstStyle/>
+                    <a:p>
+                      <a:pPr algn="ctr">
+                        <a:lnSpc>
+                          <a:spcPct val="110000"/>
+                        </a:lnSpc>
+                        <a:spcAft>
+                          <a:spcPts val="0"/>
+                        </a:spcAft>
+                      </a:pPr>
+                      <a:r>
+                        <a:rPr lang="en-US" sz="1600" b="0" kern="100">
+                          <a:effectLst/>
+                        </a:rPr>
+                        <a:t>QSYM</a:t>
+                      </a:r>
+                      <a:endParaRPr lang="zh-CN" sz="2000" b="0" kern="100">
+                        <a:effectLst/>
+                        <a:latin typeface="Calibri" panose="020F0502020204030204" pitchFamily="34" charset="0"/>
+                        <a:ea typeface="MS Mincho" panose="02020609040205080304" pitchFamily="49" charset="-128"/>
+                        <a:cs typeface="Times New Roman" panose="02020603050405020304" pitchFamily="18" charset="0"/>
+                      </a:endParaRPr>
+                    </a:p>
+                  </a:txBody>
+                  <a:tcPr marL="68580" marR="68580" marT="0" marB="0" anchor="ctr"/>
+                </a:tc>
+                <a:tc>
+                  <a:txBody>
+                    <a:bodyPr/>
+                    <a:lstStyle/>
+                    <a:p>
+                      <a:pPr algn="l">
+                        <a:lnSpc>
+                          <a:spcPct val="110000"/>
+                        </a:lnSpc>
+                        <a:spcAft>
+                          <a:spcPts val="0"/>
+                        </a:spcAft>
+                      </a:pPr>
+                      <a:r>
+                        <a:rPr lang="en-US" sz="1600" b="0" kern="100" dirty="0">
+                          <a:effectLst/>
+                        </a:rPr>
+                        <a:t>A hybrid fuzzing technique that focuses more on symbolic execution. QSYM is a practical </a:t>
+                      </a:r>
+                      <a:r>
+                        <a:rPr lang="en-US" sz="1600" b="0" kern="100" dirty="0" err="1">
+                          <a:effectLst/>
+                        </a:rPr>
+                        <a:t>concolic</a:t>
+                      </a:r>
+                      <a:r>
+                        <a:rPr lang="en-US" sz="1600" b="0" kern="100" dirty="0">
+                          <a:effectLst/>
+                        </a:rPr>
+                        <a:t> execution engine tailored for hybrid fuzzing.</a:t>
+                      </a:r>
+                      <a:endParaRPr lang="zh-CN" sz="2000" b="0" kern="100" dirty="0">
+                        <a:effectLst/>
+                        <a:latin typeface="Calibri" panose="020F0502020204030204" pitchFamily="34" charset="0"/>
+                        <a:ea typeface="MS Mincho" panose="02020609040205080304" pitchFamily="49" charset="-128"/>
+                        <a:cs typeface="Times New Roman" panose="02020603050405020304" pitchFamily="18" charset="0"/>
+                      </a:endParaRPr>
+                    </a:p>
+                  </a:txBody>
+                  <a:tcPr marL="68580" marR="68580" marT="0" marB="0" anchor="ctr"/>
+                </a:tc>
+              </a:tr>
+              <a:tr h="437707">
+                <a:tc>
+                  <a:txBody>
+                    <a:bodyPr/>
+                    <a:lstStyle/>
+                    <a:p>
+                      <a:pPr algn="ctr">
+                        <a:lnSpc>
+                          <a:spcPct val="110000"/>
+                        </a:lnSpc>
+                        <a:spcAft>
+                          <a:spcPts val="0"/>
+                        </a:spcAft>
+                      </a:pPr>
+                      <a:r>
+                        <a:rPr lang="en-US" sz="1600" b="0" kern="100">
+                          <a:effectLst/>
+                        </a:rPr>
+                        <a:t>2019</a:t>
+                      </a:r>
+                      <a:endParaRPr lang="zh-CN" sz="2000" b="0" kern="100">
+                        <a:effectLst/>
+                        <a:latin typeface="Calibri" panose="020F0502020204030204" pitchFamily="34" charset="0"/>
+                        <a:ea typeface="MS Mincho" panose="02020609040205080304" pitchFamily="49" charset="-128"/>
+                        <a:cs typeface="Times New Roman" panose="02020603050405020304" pitchFamily="18" charset="0"/>
+                      </a:endParaRPr>
+                    </a:p>
+                  </a:txBody>
+                  <a:tcPr marL="68580" marR="68580" marT="0" marB="0" anchor="ctr"/>
+                </a:tc>
+                <a:tc>
+                  <a:txBody>
+                    <a:bodyPr/>
+                    <a:lstStyle/>
+                    <a:p>
+                      <a:pPr algn="ctr">
+                        <a:lnSpc>
+                          <a:spcPct val="110000"/>
+                        </a:lnSpc>
+                        <a:spcAft>
+                          <a:spcPts val="0"/>
+                        </a:spcAft>
+                      </a:pPr>
+                      <a:r>
+                        <a:rPr lang="en-US" sz="1600" b="0" kern="100">
+                          <a:effectLst/>
+                        </a:rPr>
+                        <a:t>Afleer</a:t>
+                      </a:r>
+                      <a:endParaRPr lang="zh-CN" sz="2000" b="0" kern="100">
+                        <a:effectLst/>
+                        <a:latin typeface="Calibri" panose="020F0502020204030204" pitchFamily="34" charset="0"/>
+                        <a:ea typeface="MS Mincho" panose="02020609040205080304" pitchFamily="49" charset="-128"/>
+                        <a:cs typeface="Times New Roman" panose="02020603050405020304" pitchFamily="18" charset="0"/>
+                      </a:endParaRPr>
+                    </a:p>
+                  </a:txBody>
+                  <a:tcPr marL="68580" marR="68580" marT="0" marB="0" anchor="ctr"/>
+                </a:tc>
+                <a:tc>
+                  <a:txBody>
+                    <a:bodyPr/>
+                    <a:lstStyle/>
+                    <a:p>
+                      <a:pPr algn="l">
+                        <a:lnSpc>
+                          <a:spcPct val="110000"/>
+                        </a:lnSpc>
+                        <a:spcAft>
+                          <a:spcPts val="0"/>
+                        </a:spcAft>
+                      </a:pPr>
+                      <a:r>
+                        <a:rPr lang="en-US" sz="1600" b="0" kern="100" dirty="0">
+                          <a:effectLst/>
+                        </a:rPr>
+                        <a:t>The trend of domestic research on hybrid fuzzing begins.</a:t>
+                      </a:r>
+                      <a:endParaRPr lang="zh-CN" sz="2000" b="0" kern="100" dirty="0">
+                        <a:effectLst/>
+                        <a:latin typeface="Calibri" panose="020F0502020204030204" pitchFamily="34" charset="0"/>
+                        <a:ea typeface="MS Mincho" panose="02020609040205080304" pitchFamily="49" charset="-128"/>
+                        <a:cs typeface="Times New Roman" panose="02020603050405020304" pitchFamily="18" charset="0"/>
+                      </a:endParaRPr>
+                    </a:p>
+                  </a:txBody>
+                  <a:tcPr marL="68580" marR="68580" marT="0" marB="0" anchor="ctr"/>
+                </a:tc>
+              </a:tr>
+              <a:tr h="635934">
+                <a:tc>
+                  <a:txBody>
+                    <a:bodyPr/>
+                    <a:lstStyle/>
+                    <a:p>
+                      <a:pPr algn="ctr">
+                        <a:lnSpc>
+                          <a:spcPct val="110000"/>
+                        </a:lnSpc>
+                        <a:spcAft>
+                          <a:spcPts val="0"/>
+                        </a:spcAft>
+                      </a:pPr>
+                      <a:r>
+                        <a:rPr lang="en-US" sz="1600" b="0" kern="100">
+                          <a:effectLst/>
+                        </a:rPr>
+                        <a:t>2020</a:t>
+                      </a:r>
+                      <a:endParaRPr lang="zh-CN" sz="2000" b="0" kern="100">
+                        <a:effectLst/>
+                        <a:latin typeface="Calibri" panose="020F0502020204030204" pitchFamily="34" charset="0"/>
+                        <a:ea typeface="MS Mincho" panose="02020609040205080304" pitchFamily="49" charset="-128"/>
+                        <a:cs typeface="Times New Roman" panose="02020603050405020304" pitchFamily="18" charset="0"/>
+                      </a:endParaRPr>
+                    </a:p>
+                  </a:txBody>
+                  <a:tcPr marL="68580" marR="68580" marT="0" marB="0" anchor="ctr"/>
+                </a:tc>
+                <a:tc>
+                  <a:txBody>
+                    <a:bodyPr/>
+                    <a:lstStyle/>
+                    <a:p>
+                      <a:pPr algn="ctr">
+                        <a:lnSpc>
+                          <a:spcPct val="110000"/>
+                        </a:lnSpc>
+                        <a:spcAft>
+                          <a:spcPts val="0"/>
+                        </a:spcAft>
+                      </a:pPr>
+                      <a:r>
+                        <a:rPr lang="en-US" sz="1600" b="0" kern="100">
+                          <a:effectLst/>
+                        </a:rPr>
+                        <a:t>PANGOLIN</a:t>
+                      </a:r>
+                      <a:endParaRPr lang="zh-CN" sz="2000" b="0" kern="100">
+                        <a:effectLst/>
+                        <a:latin typeface="Calibri" panose="020F0502020204030204" pitchFamily="34" charset="0"/>
+                        <a:ea typeface="MS Mincho" panose="02020609040205080304" pitchFamily="49" charset="-128"/>
+                        <a:cs typeface="Times New Roman" panose="02020603050405020304" pitchFamily="18" charset="0"/>
+                      </a:endParaRPr>
+                    </a:p>
+                  </a:txBody>
+                  <a:tcPr marL="68580" marR="68580" marT="0" marB="0" anchor="ctr"/>
+                </a:tc>
+                <a:tc>
+                  <a:txBody>
+                    <a:bodyPr/>
+                    <a:lstStyle/>
+                    <a:p>
+                      <a:pPr algn="l">
+                        <a:lnSpc>
+                          <a:spcPct val="110000"/>
+                        </a:lnSpc>
+                        <a:spcAft>
+                          <a:spcPts val="0"/>
+                        </a:spcAft>
+                      </a:pPr>
+                      <a:r>
+                        <a:rPr lang="en-US" sz="1600" b="0" kern="100" dirty="0">
+                          <a:effectLst/>
+                        </a:rPr>
+                        <a:t>For the first time, it is optimized for symbolic execution in hybrid fuzzing, not fuzzing.</a:t>
+                      </a:r>
+                      <a:endParaRPr lang="zh-CN" sz="2000" b="0" kern="100" dirty="0">
+                        <a:effectLst/>
+                        <a:latin typeface="Calibri" panose="020F0502020204030204" pitchFamily="34" charset="0"/>
+                        <a:ea typeface="MS Mincho" panose="02020609040205080304" pitchFamily="49" charset="-128"/>
+                        <a:cs typeface="Times New Roman" panose="02020603050405020304" pitchFamily="18" charset="0"/>
+                      </a:endParaRPr>
+                    </a:p>
+                  </a:txBody>
+                  <a:tcPr marL="68580" marR="68580" marT="0" marB="0" anchor="ctr"/>
+                </a:tc>
+              </a:tr>
+            </a:tbl>
+          </a:graphicData>
+        </a:graphic>
+      </p:graphicFrame>
+      <p:sp>
+        <p:nvSpPr>
+          <p:cNvPr id="6" name="íšľîḑê"/>
+          <p:cNvSpPr>
+            <a:spLocks noGrp="1"/>
+          </p:cNvSpPr>
+          <p:nvPr>
+            <p:ph type="title"/>
+          </p:nvPr>
+        </p:nvSpPr>
+        <p:spPr>
+          <a:xfrm>
+            <a:off x="838200" y="365125"/>
+            <a:ext cx="10515600" cy="1325563"/>
+          </a:xfrm>
+        </p:spPr>
+        <p:txBody>
+          <a:bodyPr>
+            <a:normAutofit/>
+          </a:bodyPr>
+          <a:lstStyle/>
+          <a:p>
+            <a:r>
+              <a:rPr lang="zh-CN" altLang="en-US" sz="3200" dirty="0"/>
+              <a:t>混合模糊测试技术（</a:t>
+            </a:r>
+            <a:r>
+              <a:rPr lang="en-US" altLang="zh-CN" sz="3200" dirty="0"/>
+              <a:t>Hybrid fuzzing</a:t>
+            </a:r>
+            <a:r>
+              <a:rPr lang="zh-CN" altLang="en-US" sz="3200" dirty="0"/>
+              <a:t>）</a:t>
+            </a:r>
+          </a:p>
+        </p:txBody>
+      </p:sp>
+    </p:spTree>
+    <p:extLst>
+      <p:ext uri="{BB962C8B-B14F-4D97-AF65-F5344CB8AC3E}">
+        <p14:creationId xmlns:p14="http://schemas.microsoft.com/office/powerpoint/2010/main" val="616123212"/>
+      </p:ext>
+    </p:extLst>
+  </p:cSld>
+  <p:clrMapOvr>
+    <a:masterClrMapping/>
+  </p:clrMapOvr>
+</p:sld>
+</file>
+
+<file path=ppt/slides/slide8.xml><?xml version="1.0" encoding="utf-8"?>
 <p:sld xmlns:a="http://schemas.openxmlformats.org/drawingml/2006/main" xmlns:r="http://schemas.openxmlformats.org/officeDocument/2006/relationships" xmlns:p="http://schemas.openxmlformats.org/presentationml/2006/main">
   <p:cSld>
     <p:spTree>
@@ -8241,74 +11982,40 @@
       </p:grpSpPr>
       <p:sp>
         <p:nvSpPr>
-          <p:cNvPr id="5" name="标题 1"/>
-          <p:cNvSpPr txBox="1"/>
-          <p:nvPr/>
+          <p:cNvPr id="2" name="标题 1"/>
+          <p:cNvSpPr>
+            <a:spLocks noGrp="1"/>
+          </p:cNvSpPr>
+          <p:nvPr>
+            <p:ph type="title"/>
+          </p:nvPr>
         </p:nvSpPr>
-        <p:spPr>
-          <a:xfrm>
-            <a:off x="547687" y="14575"/>
-            <a:ext cx="10850563" cy="1028700"/>
-          </a:xfrm>
-          <a:prstGeom prst="rect">
-            <a:avLst/>
-          </a:prstGeom>
-        </p:spPr>
+        <p:spPr/>
         <p:txBody>
-          <a:bodyPr vert="horz" lIns="91440" tIns="45720" rIns="91440" bIns="45720" rtlCol="0" anchor="b" anchorCtr="0">
+          <a:bodyPr>
             <a:normAutofit/>
           </a:bodyPr>
-          <a:lstStyle>
-            <a:lvl1pPr algn="l" defTabSz="914400" rtl="0" eaLnBrk="1" latinLnBrk="0" hangingPunct="1">
-              <a:lnSpc>
-                <a:spcPct val="90000"/>
-              </a:lnSpc>
-              <a:spcBef>
-                <a:spcPct val="0"/>
-              </a:spcBef>
-              <a:buNone/>
-              <a:defRPr sz="4000" b="1" kern="1200">
-                <a:solidFill>
-                  <a:srgbClr val="394479"/>
-                </a:solidFill>
-                <a:latin typeface="+mj-lt"/>
-                <a:ea typeface="+mj-ea"/>
-                <a:cs typeface="+mj-cs"/>
-              </a:defRPr>
-            </a:lvl1pPr>
-          </a:lstStyle>
-          <a:p>
-            <a:r>
-              <a:rPr lang="en-US" altLang="zh-CN" sz="2800" dirty="0">
-                <a:latin typeface="+mn-ea"/>
-                <a:ea typeface="+mn-ea"/>
-              </a:rPr>
-              <a:t>2.1</a:t>
-            </a:r>
-            <a:r>
-              <a:rPr lang="zh-CN" altLang="en-US" sz="2800" dirty="0">
-                <a:latin typeface="+mn-ea"/>
-                <a:ea typeface="+mn-ea"/>
-              </a:rPr>
-              <a:t> </a:t>
-            </a:r>
-            <a:r>
-              <a:rPr lang="en-US" altLang="zh-CN" sz="2800" dirty="0">
-                <a:latin typeface="+mn-ea"/>
-                <a:ea typeface="+mn-ea"/>
-              </a:rPr>
-              <a:t>Web</a:t>
-            </a:r>
-            <a:endParaRPr lang="zh-CN" altLang="en-US" sz="2800" dirty="0">
-              <a:latin typeface="+mn-ea"/>
-              <a:ea typeface="+mn-ea"/>
-            </a:endParaRPr>
+          <a:lstStyle/>
+          <a:p>
+            <a:r>
+              <a:rPr lang="zh-CN" altLang="en-US" sz="3200" dirty="0"/>
+              <a:t>举例</a:t>
+            </a:r>
+            <a:r>
+              <a:rPr lang="zh-CN" altLang="en-US" sz="3200" dirty="0" smtClean="0"/>
+              <a:t>：</a:t>
+            </a:r>
+            <a:r>
+              <a:rPr lang="en-US" altLang="zh-CN" sz="3200" dirty="0" smtClean="0"/>
+              <a:t>PANGOLIN</a:t>
+            </a:r>
+            <a:endParaRPr lang="zh-CN" altLang="en-US" sz="3200" dirty="0"/>
           </a:p>
         </p:txBody>
       </p:sp>
       <p:pic>
         <p:nvPicPr>
-          <p:cNvPr id="2" name="图片 1" descr="upload_417606020"/>
+          <p:cNvPr id="5" name="图片 4"/>
           <p:cNvPicPr>
             <a:picLocks noChangeAspect="1"/>
           </p:cNvPicPr>
@@ -8316,34 +12023,473 @@
         </p:nvPicPr>
         <p:blipFill>
           <a:blip r:embed="rId3"/>
+          <a:srcRect t="4458" b="5576"/>
           <a:stretch>
             <a:fillRect/>
           </a:stretch>
         </p:blipFill>
         <p:spPr>
           <a:xfrm>
-            <a:off x="1579563" y="1051719"/>
-            <a:ext cx="7127875" cy="4984750"/>
+            <a:off x="2089785" y="1220978"/>
+            <a:ext cx="8009255" cy="4446270"/>
           </a:xfrm>
           <a:prstGeom prst="rect">
             <a:avLst/>
           </a:prstGeom>
         </p:spPr>
       </p:pic>
+      <p:sp>
+        <p:nvSpPr>
+          <p:cNvPr id="6" name="ïś1iďê"/>
+          <p:cNvSpPr txBox="1"/>
+          <p:nvPr/>
+        </p:nvSpPr>
+        <p:spPr>
+          <a:xfrm>
+            <a:off x="130052" y="2409558"/>
+            <a:ext cx="1948631" cy="1906905"/>
+          </a:xfrm>
+          <a:prstGeom prst="rect">
+            <a:avLst/>
+          </a:prstGeom>
+          <a:solidFill>
+            <a:schemeClr val="bg1"/>
+          </a:solidFill>
+        </p:spPr>
+        <p:txBody>
+          <a:bodyPr wrap="square" rtlCol="0">
+            <a:spAutoFit/>
+          </a:bodyPr>
+          <a:lstStyle/>
+          <a:p>
+            <a:pPr algn="l"/>
+            <a:r>
+              <a:rPr lang="en-US" altLang="zh-CN" sz="2800" b="1" dirty="0" smtClean="0">
+                <a:solidFill>
+                  <a:schemeClr val="accent1"/>
+                </a:solidFill>
+                <a:cs typeface="+mn-ea"/>
+                <a:sym typeface="+mn-lt"/>
+              </a:rPr>
+              <a:t>1.</a:t>
+            </a:r>
+            <a:r>
+              <a:rPr lang="zh-CN" altLang="en-US" sz="2800" b="1" dirty="0" smtClean="0">
+                <a:solidFill>
+                  <a:schemeClr val="accent1"/>
+                </a:solidFill>
+                <a:cs typeface="+mn-ea"/>
+                <a:sym typeface="+mn-lt"/>
+              </a:rPr>
+              <a:t>渐进求解</a:t>
+            </a:r>
+          </a:p>
+          <a:p>
+            <a:pPr algn="l"/>
+            <a:r>
+              <a:rPr lang="zh-CN" altLang="en-US" dirty="0">
+                <a:solidFill>
+                  <a:schemeClr val="accent1"/>
+                </a:solidFill>
+                <a:cs typeface="+mn-ea"/>
+                <a:sym typeface="+mn-lt"/>
+              </a:rPr>
+              <a:t>提出一种思路：通过重复利用解空间，提高效率解决</a:t>
+            </a:r>
+            <a:r>
+              <a:rPr lang="en-US" altLang="zh-CN" dirty="0">
+                <a:solidFill>
+                  <a:schemeClr val="accent1"/>
+                </a:solidFill>
+                <a:cs typeface="+mn-ea"/>
+                <a:sym typeface="+mn-lt"/>
+              </a:rPr>
+              <a:t>expensive</a:t>
+            </a:r>
+            <a:r>
+              <a:rPr lang="zh-CN" altLang="en-US" dirty="0">
+                <a:solidFill>
+                  <a:schemeClr val="accent1"/>
+                </a:solidFill>
+                <a:cs typeface="+mn-ea"/>
+                <a:sym typeface="+mn-lt"/>
+              </a:rPr>
+              <a:t>的问题。</a:t>
+            </a:r>
+          </a:p>
+        </p:txBody>
+      </p:sp>
+      <p:sp>
+        <p:nvSpPr>
+          <p:cNvPr id="7" name="ïś1iďê"/>
+          <p:cNvSpPr txBox="1"/>
+          <p:nvPr/>
+        </p:nvSpPr>
+        <p:spPr>
+          <a:xfrm>
+            <a:off x="6274504" y="5477267"/>
+            <a:ext cx="5765486" cy="1076325"/>
+          </a:xfrm>
+          <a:prstGeom prst="rect">
+            <a:avLst/>
+          </a:prstGeom>
+          <a:solidFill>
+            <a:schemeClr val="bg1"/>
+          </a:solidFill>
+        </p:spPr>
+        <p:txBody>
+          <a:bodyPr wrap="square" rtlCol="0">
+            <a:spAutoFit/>
+          </a:bodyPr>
+          <a:lstStyle/>
+          <a:p>
+            <a:pPr algn="l"/>
+            <a:r>
+              <a:rPr lang="en-US" altLang="zh-CN" sz="2800" b="1" dirty="0" smtClean="0">
+                <a:solidFill>
+                  <a:schemeClr val="accent1"/>
+                </a:solidFill>
+                <a:cs typeface="+mn-ea"/>
+                <a:sym typeface="+mn-lt"/>
+              </a:rPr>
+              <a:t>2.</a:t>
+            </a:r>
+            <a:r>
+              <a:rPr lang="zh-CN" altLang="en-US" sz="2800" b="1" dirty="0" smtClean="0">
+                <a:solidFill>
+                  <a:schemeClr val="accent1"/>
+                </a:solidFill>
+                <a:cs typeface="+mn-ea"/>
+                <a:sym typeface="+mn-lt"/>
+              </a:rPr>
+              <a:t>提取求解前缀 </a:t>
+            </a:r>
+          </a:p>
+          <a:p>
+            <a:pPr algn="l"/>
+            <a:r>
+              <a:rPr lang="zh-CN" altLang="en-US" dirty="0" smtClean="0">
+                <a:solidFill>
+                  <a:schemeClr val="accent1"/>
+                </a:solidFill>
+                <a:cs typeface="+mn-ea"/>
+                <a:sym typeface="+mn-lt"/>
+              </a:rPr>
+              <a:t>利用多面体路径方式将解空间提取成一般解的简洁记忆，实现重复利用的思路，同时为指导变异扩展了思路。</a:t>
+            </a:r>
+          </a:p>
+        </p:txBody>
+      </p:sp>
+      <p:sp>
+        <p:nvSpPr>
+          <p:cNvPr id="8" name="ïś1iďê"/>
+          <p:cNvSpPr txBox="1"/>
+          <p:nvPr/>
+        </p:nvSpPr>
+        <p:spPr>
+          <a:xfrm>
+            <a:off x="10098733" y="2409818"/>
+            <a:ext cx="1941257" cy="2738120"/>
+          </a:xfrm>
+          <a:prstGeom prst="rect">
+            <a:avLst/>
+          </a:prstGeom>
+          <a:solidFill>
+            <a:schemeClr val="bg1"/>
+          </a:solidFill>
+        </p:spPr>
+        <p:txBody>
+          <a:bodyPr wrap="square" rtlCol="0">
+            <a:spAutoFit/>
+          </a:bodyPr>
+          <a:lstStyle/>
+          <a:p>
+            <a:pPr algn="l"/>
+            <a:r>
+              <a:rPr lang="en-US" altLang="zh-CN" sz="2800" b="1" dirty="0" smtClean="0">
+                <a:solidFill>
+                  <a:schemeClr val="accent1"/>
+                </a:solidFill>
+                <a:cs typeface="+mn-ea"/>
+                <a:sym typeface="+mn-lt"/>
+              </a:rPr>
+              <a:t>3.</a:t>
+            </a:r>
+            <a:r>
+              <a:rPr lang="zh-CN" altLang="en-US" sz="2800" b="1" dirty="0" smtClean="0">
+                <a:solidFill>
+                  <a:schemeClr val="accent1"/>
+                </a:solidFill>
+                <a:cs typeface="+mn-ea"/>
+                <a:sym typeface="+mn-lt"/>
+              </a:rPr>
+              <a:t>指导变异</a:t>
+            </a:r>
+          </a:p>
+          <a:p>
+            <a:pPr algn="l"/>
+            <a:r>
+              <a:rPr lang="zh-CN" altLang="en-US" dirty="0">
+                <a:solidFill>
+                  <a:schemeClr val="accent1"/>
+                </a:solidFill>
+                <a:cs typeface="+mn-ea"/>
+                <a:sym typeface="+mn-lt"/>
+              </a:rPr>
+              <a:t>因一般解形式简单，故每次变异的对比并不需要太多额外的计算资源，比第一步节约的资源少，解决</a:t>
+            </a:r>
+            <a:r>
+              <a:rPr lang="en-US" altLang="zh-CN" dirty="0">
+                <a:solidFill>
+                  <a:schemeClr val="accent1"/>
+                </a:solidFill>
+                <a:cs typeface="+mn-ea"/>
+                <a:sym typeface="+mn-lt"/>
+              </a:rPr>
+              <a:t>unguided</a:t>
+            </a:r>
+            <a:r>
+              <a:rPr lang="zh-CN" altLang="en-US" dirty="0">
+                <a:solidFill>
+                  <a:schemeClr val="accent1"/>
+                </a:solidFill>
+                <a:cs typeface="+mn-ea"/>
+                <a:sym typeface="+mn-lt"/>
+              </a:rPr>
+              <a:t>问题。</a:t>
+            </a:r>
+          </a:p>
+        </p:txBody>
+      </p:sp>
+      <p:sp>
+        <p:nvSpPr>
+          <p:cNvPr id="9" name="矩形 8"/>
+          <p:cNvSpPr/>
+          <p:nvPr/>
+        </p:nvSpPr>
+        <p:spPr>
+          <a:xfrm>
+            <a:off x="0" y="6334780"/>
+            <a:ext cx="6734978" cy="523220"/>
+          </a:xfrm>
+          <a:prstGeom prst="rect">
+            <a:avLst/>
+          </a:prstGeom>
+        </p:spPr>
+        <p:txBody>
+          <a:bodyPr wrap="square">
+            <a:spAutoFit/>
+          </a:bodyPr>
+          <a:lstStyle/>
+          <a:p>
+            <a:r>
+              <a:rPr lang="zh-CN" altLang="en-US" sz="1400" dirty="0"/>
+              <a:t>Heqing </a:t>
+            </a:r>
+            <a:r>
+              <a:rPr lang="zh-CN" altLang="en-US" sz="1400" dirty="0" smtClean="0"/>
+              <a:t>Huang, </a:t>
+            </a:r>
+            <a:r>
+              <a:rPr lang="zh-CN" altLang="en-US" sz="1400" dirty="0"/>
+              <a:t>Peisen </a:t>
+            </a:r>
+            <a:r>
+              <a:rPr lang="zh-CN" altLang="en-US" sz="1400" dirty="0" smtClean="0"/>
+              <a:t>Yao, </a:t>
+            </a:r>
+            <a:r>
+              <a:rPr lang="zh-CN" altLang="en-US" sz="1400" dirty="0"/>
+              <a:t>Rongxin </a:t>
+            </a:r>
+            <a:r>
+              <a:rPr lang="zh-CN" altLang="en-US" sz="1400" dirty="0" smtClean="0"/>
+              <a:t>Wu, </a:t>
+            </a:r>
+            <a:r>
+              <a:rPr lang="zh-CN" altLang="en-US" sz="1400" dirty="0"/>
+              <a:t>Qingkai </a:t>
+            </a:r>
+            <a:r>
+              <a:rPr lang="zh-CN" altLang="en-US" sz="1400" dirty="0" smtClean="0"/>
+              <a:t>Shi</a:t>
+            </a:r>
+            <a:r>
+              <a:rPr lang="en-US" altLang="zh-CN" sz="1400" dirty="0"/>
+              <a:t>,</a:t>
+            </a:r>
+            <a:r>
+              <a:rPr lang="zh-CN" altLang="en-US" sz="1400" dirty="0" smtClean="0"/>
+              <a:t> </a:t>
+            </a:r>
+            <a:r>
+              <a:rPr lang="zh-CN" altLang="en-US" sz="1400" dirty="0"/>
+              <a:t>Charles </a:t>
+            </a:r>
+            <a:r>
+              <a:rPr lang="zh-CN" altLang="en-US" sz="1400" dirty="0" smtClean="0"/>
+              <a:t>Zhang</a:t>
+            </a:r>
+            <a:r>
+              <a:rPr lang="en-US" altLang="zh-CN" sz="1400" dirty="0" smtClean="0"/>
+              <a:t>, ”PANGOLIN</a:t>
+            </a:r>
+            <a:r>
+              <a:rPr lang="en-US" altLang="zh-CN" sz="1400" dirty="0"/>
+              <a:t>: Incremental Hybrid Fuzzing with Polyhedral Path Abstraction</a:t>
+            </a:r>
+            <a:r>
+              <a:rPr lang="en-US" altLang="zh-CN" sz="1400" dirty="0" smtClean="0"/>
+              <a:t>” (2020 S&amp;P)</a:t>
+            </a:r>
+            <a:endParaRPr lang="zh-CN" altLang="en-US" sz="1400" dirty="0"/>
+          </a:p>
+        </p:txBody>
+      </p:sp>
+      <p:sp>
+        <p:nvSpPr>
+          <p:cNvPr id="3" name="下箭头 2"/>
+          <p:cNvSpPr/>
+          <p:nvPr/>
+        </p:nvSpPr>
+        <p:spPr>
+          <a:xfrm rot="17635856">
+            <a:off x="2629611" y="3322308"/>
+            <a:ext cx="355960" cy="1685580"/>
+          </a:xfrm>
+          <a:prstGeom prst="downArrow">
+            <a:avLst/>
+          </a:prstGeom>
+        </p:spPr>
+        <p:style>
+          <a:lnRef idx="2">
+            <a:schemeClr val="accent1">
+              <a:shade val="50000"/>
+            </a:schemeClr>
+          </a:lnRef>
+          <a:fillRef idx="1">
+            <a:schemeClr val="accent1"/>
+          </a:fillRef>
+          <a:effectRef idx="0">
+            <a:schemeClr val="accent1"/>
+          </a:effectRef>
+          <a:fontRef idx="minor">
+            <a:schemeClr val="lt1"/>
+          </a:fontRef>
+        </p:style>
+        <p:txBody>
+          <a:bodyPr rtlCol="0" anchor="ctr"/>
+          <a:lstStyle/>
+          <a:p>
+            <a:pPr algn="ctr"/>
+            <a:endParaRPr lang="zh-CN" altLang="en-US"/>
+          </a:p>
+        </p:txBody>
+      </p:sp>
+      <p:sp>
+        <p:nvSpPr>
+          <p:cNvPr id="4" name="上箭头 3"/>
+          <p:cNvSpPr/>
+          <p:nvPr/>
+        </p:nvSpPr>
+        <p:spPr>
+          <a:xfrm>
+            <a:off x="6411817" y="5078783"/>
+            <a:ext cx="323161" cy="398484"/>
+          </a:xfrm>
+          <a:prstGeom prst="upArrow">
+            <a:avLst/>
+          </a:prstGeom>
+        </p:spPr>
+        <p:style>
+          <a:lnRef idx="2">
+            <a:schemeClr val="accent1">
+              <a:shade val="50000"/>
+            </a:schemeClr>
+          </a:lnRef>
+          <a:fillRef idx="1">
+            <a:schemeClr val="accent1"/>
+          </a:fillRef>
+          <a:effectRef idx="0">
+            <a:schemeClr val="accent1"/>
+          </a:effectRef>
+          <a:fontRef idx="minor">
+            <a:schemeClr val="lt1"/>
+          </a:fontRef>
+        </p:style>
+        <p:txBody>
+          <a:bodyPr rtlCol="0" anchor="ctr"/>
+          <a:lstStyle/>
+          <a:p>
+            <a:pPr algn="ctr"/>
+            <a:endParaRPr lang="zh-CN" altLang="en-US"/>
+          </a:p>
+        </p:txBody>
+      </p:sp>
+      <p:sp>
+        <p:nvSpPr>
+          <p:cNvPr id="10" name="左箭头 9"/>
+          <p:cNvSpPr/>
+          <p:nvPr/>
+        </p:nvSpPr>
+        <p:spPr>
+          <a:xfrm>
+            <a:off x="6617821" y="2956920"/>
+            <a:ext cx="3480912" cy="289199"/>
+          </a:xfrm>
+          <a:prstGeom prst="leftArrow">
+            <a:avLst/>
+          </a:prstGeom>
+        </p:spPr>
+        <p:style>
+          <a:lnRef idx="2">
+            <a:schemeClr val="accent1">
+              <a:shade val="50000"/>
+            </a:schemeClr>
+          </a:lnRef>
+          <a:fillRef idx="1">
+            <a:schemeClr val="accent1"/>
+          </a:fillRef>
+          <a:effectRef idx="0">
+            <a:schemeClr val="accent1"/>
+          </a:effectRef>
+          <a:fontRef idx="minor">
+            <a:schemeClr val="lt1"/>
+          </a:fontRef>
+        </p:style>
+        <p:txBody>
+          <a:bodyPr rtlCol="0" anchor="ctr"/>
+          <a:lstStyle/>
+          <a:p>
+            <a:pPr algn="ctr"/>
+            <a:endParaRPr lang="zh-CN" altLang="en-US"/>
+          </a:p>
+        </p:txBody>
+      </p:sp>
     </p:spTree>
     <p:extLst>
       <p:ext uri="{BB962C8B-B14F-4D97-AF65-F5344CB8AC3E}">
-        <p14:creationId xmlns:p14="http://schemas.microsoft.com/office/powerpoint/2010/main" val="616123212"/>
+        <p14:creationId xmlns:p14="http://schemas.microsoft.com/office/powerpoint/2010/main" val="1012614669"/>
       </p:ext>
     </p:extLst>
   </p:cSld>
   <p:clrMapOvr>
     <a:masterClrMapping/>
   </p:clrMapOvr>
+  <p:transition spd="slow">
+    <p:push dir="u"/>
+  </p:transition>
+  <p:timing>
+    <p:tnLst>
+      <p:par>
+        <p:cTn id="1" dur="indefinite" restart="never" nodeType="tmRoot"/>
+      </p:par>
+    </p:tnLst>
+  </p:timing>
 </p:sld>
 </file>
 
-<file path=ppt/slides/slide6.xml><?xml version="1.0" encoding="utf-8"?>
+<file path=ppt/slides/slide9.xml><?xml version="1.0" encoding="utf-8"?>
 <p:sld xmlns:a="http://schemas.openxmlformats.org/drawingml/2006/main" xmlns:r="http://schemas.openxmlformats.org/officeDocument/2006/relationships" xmlns:p="http://schemas.openxmlformats.org/presentationml/2006/main">
   <p:cSld>
     <p:spTree>
@@ -9399,1273 +13545,23 @@
 </p:sld>
 </file>
 
-<file path=ppt/slides/slide7.xml><?xml version="1.0" encoding="utf-8"?>
-<p:sld xmlns:a="http://schemas.openxmlformats.org/drawingml/2006/main" xmlns:r="http://schemas.openxmlformats.org/officeDocument/2006/relationships" xmlns:p="http://schemas.openxmlformats.org/presentationml/2006/main">
-  <p:cSld>
-    <p:spTree>
-      <p:nvGrpSpPr>
-        <p:cNvPr id="1" name=""/>
-        <p:cNvGrpSpPr/>
-        <p:nvPr/>
-      </p:nvGrpSpPr>
-      <p:grpSpPr>
-        <a:xfrm>
-          <a:off x="0" y="0"/>
-          <a:ext cx="0" cy="0"/>
-          <a:chOff x="0" y="0"/>
-          <a:chExt cx="0" cy="0"/>
-        </a:xfrm>
-      </p:grpSpPr>
-      <p:sp>
-        <p:nvSpPr>
-          <p:cNvPr id="5" name="标题 1"/>
-          <p:cNvSpPr txBox="1"/>
-          <p:nvPr/>
-        </p:nvSpPr>
-        <p:spPr>
-          <a:xfrm>
-            <a:off x="547687" y="14575"/>
-            <a:ext cx="10850563" cy="1028700"/>
-          </a:xfrm>
-          <a:prstGeom prst="rect">
-            <a:avLst/>
-          </a:prstGeom>
-        </p:spPr>
-        <p:txBody>
-          <a:bodyPr vert="horz" lIns="91440" tIns="45720" rIns="91440" bIns="45720" rtlCol="0" anchor="b" anchorCtr="0">
-            <a:normAutofit/>
-          </a:bodyPr>
-          <a:lstStyle>
-            <a:lvl1pPr algn="l" defTabSz="914400" rtl="0" eaLnBrk="1" latinLnBrk="0" hangingPunct="1">
-              <a:lnSpc>
-                <a:spcPct val="90000"/>
-              </a:lnSpc>
-              <a:spcBef>
-                <a:spcPct val="0"/>
-              </a:spcBef>
-              <a:buNone/>
-              <a:defRPr sz="4000" b="1" kern="1200">
-                <a:solidFill>
-                  <a:srgbClr val="394479"/>
-                </a:solidFill>
-                <a:latin typeface="+mj-lt"/>
-                <a:ea typeface="+mj-ea"/>
-                <a:cs typeface="+mj-cs"/>
-              </a:defRPr>
-            </a:lvl1pPr>
-          </a:lstStyle>
-          <a:p>
-            <a:r>
-              <a:rPr lang="en-US" altLang="zh-CN" sz="2800" dirty="0">
-                <a:latin typeface="+mn-ea"/>
-                <a:ea typeface="+mn-ea"/>
-              </a:rPr>
-              <a:t>3.1</a:t>
-            </a:r>
-            <a:r>
-              <a:rPr lang="zh-CN" altLang="en-US" sz="2800" dirty="0">
-                <a:latin typeface="+mn-ea"/>
-                <a:ea typeface="+mn-ea"/>
-              </a:rPr>
-              <a:t> 实验</a:t>
-            </a:r>
-          </a:p>
-        </p:txBody>
-      </p:sp>
-      <p:sp>
-        <p:nvSpPr>
-          <p:cNvPr id="2" name="文本框 1">
-            <a:extLst>
-              <a:ext uri="{FF2B5EF4-FFF2-40B4-BE49-F238E27FC236}">
-                <a16:creationId xmlns:a16="http://schemas.microsoft.com/office/drawing/2014/main" xmlns="" id="{737B9825-4E39-E446-910A-875807C5D523}"/>
-              </a:ext>
-            </a:extLst>
-          </p:cNvPr>
-          <p:cNvSpPr txBox="1"/>
-          <p:nvPr/>
-        </p:nvSpPr>
-        <p:spPr>
-          <a:xfrm>
-            <a:off x="1541417" y="2090057"/>
-            <a:ext cx="1723549" cy="461665"/>
-          </a:xfrm>
-          <a:prstGeom prst="rect">
-            <a:avLst/>
-          </a:prstGeom>
-          <a:noFill/>
-        </p:spPr>
-        <p:txBody>
-          <a:bodyPr wrap="none" rtlCol="0">
-            <a:spAutoFit/>
-          </a:bodyPr>
-          <a:lstStyle/>
-          <a:p>
-            <a:r>
-              <a:rPr kumimoji="1" lang="zh-CN" altLang="en-US" sz="2400" dirty="0"/>
-              <a:t>见石墨文档</a:t>
-            </a:r>
-          </a:p>
-        </p:txBody>
-      </p:sp>
-    </p:spTree>
-    <p:extLst>
-      <p:ext uri="{BB962C8B-B14F-4D97-AF65-F5344CB8AC3E}">
-        <p14:creationId xmlns:p14="http://schemas.microsoft.com/office/powerpoint/2010/main" val="664134513"/>
-      </p:ext>
-    </p:extLst>
-  </p:cSld>
-  <p:clrMapOvr>
-    <a:masterClrMapping/>
-  </p:clrMapOvr>
-</p:sld>
+<file path=ppt/tags/tag1.xml><?xml version="1.0" encoding="utf-8"?>
+<p:tagLst xmlns:a="http://schemas.openxmlformats.org/drawingml/2006/main" xmlns:r="http://schemas.openxmlformats.org/officeDocument/2006/relationships" xmlns:p="http://schemas.openxmlformats.org/presentationml/2006/main">
+  <p:tag name="ISLIDE.THEME" val="https://www.islide.cc;"/>
+</p:tagLst>
 </file>
 
-<file path=ppt/slides/slide8.xml><?xml version="1.0" encoding="utf-8"?>
-<p:sld xmlns:a="http://schemas.openxmlformats.org/drawingml/2006/main" xmlns:r="http://schemas.openxmlformats.org/officeDocument/2006/relationships" xmlns:p="http://schemas.openxmlformats.org/presentationml/2006/main">
-  <p:cSld>
-    <p:spTree>
-      <p:nvGrpSpPr>
-        <p:cNvPr id="1" name=""/>
-        <p:cNvGrpSpPr/>
-        <p:nvPr/>
-      </p:nvGrpSpPr>
-      <p:grpSpPr>
-        <a:xfrm>
-          <a:off x="0" y="0"/>
-          <a:ext cx="0" cy="0"/>
-          <a:chOff x="0" y="0"/>
-          <a:chExt cx="0" cy="0"/>
-        </a:xfrm>
-      </p:grpSpPr>
-      <p:pic>
-        <p:nvPicPr>
-          <p:cNvPr id="26" name="图片 25"/>
-          <p:cNvPicPr>
-            <a:picLocks noChangeAspect="1"/>
-          </p:cNvPicPr>
-          <p:nvPr/>
-        </p:nvPicPr>
-        <p:blipFill rotWithShape="1">
-          <a:blip r:embed="rId3">
-            <a:duotone>
-              <a:schemeClr val="bg2">
-                <a:shade val="45000"/>
-                <a:satMod val="135000"/>
-              </a:schemeClr>
-              <a:prstClr val="white"/>
-            </a:duotone>
-            <a:extLst>
-              <a:ext uri="{28A0092B-C50C-407E-A947-70E740481C1C}">
-                <a14:useLocalDpi xmlns:a14="http://schemas.microsoft.com/office/drawing/2010/main" val="0"/>
-              </a:ext>
-            </a:extLst>
-          </a:blip>
-          <a:srcRect l="42597" r="23486" b="18402"/>
-          <a:stretch>
-            <a:fillRect/>
-          </a:stretch>
-        </p:blipFill>
-        <p:spPr>
-          <a:xfrm>
-            <a:off x="-16277" y="2163"/>
-            <a:ext cx="3637336" cy="6853673"/>
-          </a:xfrm>
-          <a:prstGeom prst="rect">
-            <a:avLst/>
-          </a:prstGeom>
-        </p:spPr>
-      </p:pic>
-      <p:cxnSp>
-        <p:nvCxnSpPr>
-          <p:cNvPr id="3" name="直接连接符 2"/>
-          <p:cNvCxnSpPr/>
-          <p:nvPr/>
-        </p:nvCxnSpPr>
-        <p:spPr>
-          <a:xfrm>
-            <a:off x="3632347" y="1123950"/>
-            <a:ext cx="7953012" cy="0"/>
-          </a:xfrm>
-          <a:prstGeom prst="line">
-            <a:avLst/>
-          </a:prstGeom>
-          <a:ln w="38100">
-            <a:solidFill>
-              <a:srgbClr val="E82209"/>
-            </a:solidFill>
-          </a:ln>
-        </p:spPr>
-        <p:style>
-          <a:lnRef idx="1">
-            <a:schemeClr val="accent6"/>
-          </a:lnRef>
-          <a:fillRef idx="0">
-            <a:schemeClr val="accent6"/>
-          </a:fillRef>
-          <a:effectRef idx="0">
-            <a:schemeClr val="accent6"/>
-          </a:effectRef>
-          <a:fontRef idx="minor">
-            <a:schemeClr val="tx1"/>
-          </a:fontRef>
-        </p:style>
-      </p:cxnSp>
-      <p:grpSp>
-        <p:nvGrpSpPr>
-          <p:cNvPr id="28" name="组合 27"/>
-          <p:cNvGrpSpPr/>
-          <p:nvPr/>
-        </p:nvGrpSpPr>
-        <p:grpSpPr>
-          <a:xfrm>
-            <a:off x="3636404" y="740007"/>
-            <a:ext cx="2753457" cy="763743"/>
-            <a:chOff x="3636404" y="740007"/>
-            <a:chExt cx="2753457" cy="763743"/>
-          </a:xfrm>
-          <a:solidFill>
-            <a:srgbClr val="002060"/>
-          </a:solidFill>
-        </p:grpSpPr>
-        <p:sp>
-          <p:nvSpPr>
-            <p:cNvPr id="27" name="平行四边形 26"/>
-            <p:cNvSpPr/>
-            <p:nvPr/>
-          </p:nvSpPr>
-          <p:spPr bwMode="auto">
-            <a:xfrm>
-              <a:off x="3658981" y="1143710"/>
-              <a:ext cx="2730880" cy="360040"/>
-            </a:xfrm>
-            <a:prstGeom prst="parallelogram">
-              <a:avLst>
-                <a:gd name="adj" fmla="val 76283"/>
-              </a:avLst>
-            </a:prstGeom>
-            <a:grpFill/>
-            <a:ln w="19050">
-              <a:noFill/>
-              <a:round/>
-            </a:ln>
-          </p:spPr>
-          <p:txBody>
-            <a:bodyPr rot="0" spcFirstLastPara="0" vertOverflow="overflow" horzOverflow="overflow" vert="horz" wrap="square" lIns="91440" tIns="45720" rIns="91440" bIns="45720" numCol="1" spcCol="0" rtlCol="0" fromWordArt="0" anchor="ctr" anchorCtr="1" forceAA="0" compatLnSpc="1">
-              <a:noAutofit/>
-            </a:bodyPr>
-            <a:lstStyle/>
-            <a:p>
-              <a:pPr marL="0" marR="0" lvl="0" indent="0" algn="ctr" defTabSz="457200" eaLnBrk="1" fontAlgn="auto" latinLnBrk="0" hangingPunct="1">
-                <a:lnSpc>
-                  <a:spcPct val="120000"/>
-                </a:lnSpc>
-                <a:buClrTx/>
-                <a:buSzTx/>
-                <a:buFontTx/>
-                <a:buNone/>
-                <a:defRPr/>
-              </a:pPr>
-              <a:endParaRPr kumimoji="0" lang="zh-CN" altLang="en-US" sz="1200" b="1" i="0" u="none" strike="noStrike" kern="0" cap="none" spc="0" normalizeH="0" baseline="0" noProof="0" dirty="0">
-                <a:ln>
-                  <a:noFill/>
-                </a:ln>
-                <a:solidFill>
-                  <a:prstClr val="white">
-                    <a:lumMod val="100000"/>
-                  </a:prstClr>
-                </a:solidFill>
-                <a:effectLst/>
-                <a:uLnTx/>
-                <a:uFillTx/>
-                <a:cs typeface="+mn-ea"/>
-                <a:sym typeface="+mn-lt"/>
-              </a:endParaRPr>
-            </a:p>
-          </p:txBody>
-        </p:sp>
-        <p:sp>
-          <p:nvSpPr>
-            <p:cNvPr id="24" name="矩形 23"/>
-            <p:cNvSpPr/>
-            <p:nvPr/>
-          </p:nvSpPr>
-          <p:spPr bwMode="auto">
-            <a:xfrm>
-              <a:off x="3636404" y="740007"/>
-              <a:ext cx="2459596" cy="756084"/>
-            </a:xfrm>
-            <a:prstGeom prst="rect">
-              <a:avLst/>
-            </a:prstGeom>
-            <a:grpFill/>
-            <a:ln w="19050">
-              <a:solidFill>
-                <a:srgbClr val="006C30"/>
-              </a:solidFill>
-              <a:round/>
-            </a:ln>
-          </p:spPr>
-          <p:txBody>
-            <a:bodyPr rot="0" spcFirstLastPara="0" vertOverflow="overflow" horzOverflow="overflow" vert="horz" wrap="square" lIns="91440" tIns="45720" rIns="91440" bIns="45720" numCol="1" spcCol="0" rtlCol="0" fromWordArt="0" anchor="ctr" anchorCtr="1" forceAA="0" compatLnSpc="1">
-              <a:noAutofit/>
-            </a:bodyPr>
-            <a:lstStyle/>
-            <a:p>
-              <a:pPr marL="0" marR="0" lvl="0" indent="0" algn="ctr" defTabSz="457200" eaLnBrk="1" fontAlgn="auto" latinLnBrk="0" hangingPunct="1">
-                <a:lnSpc>
-                  <a:spcPct val="120000"/>
-                </a:lnSpc>
-                <a:buClrTx/>
-                <a:buSzTx/>
-                <a:buFontTx/>
-                <a:buNone/>
-                <a:defRPr/>
-              </a:pPr>
-              <a:r>
-                <a:rPr kumimoji="0" lang="zh-CN" altLang="en-US" sz="3600" b="1" i="0" u="none" strike="noStrike" kern="0" cap="none" spc="0" normalizeH="0" baseline="0" noProof="0" dirty="0">
-                  <a:ln>
-                    <a:noFill/>
-                  </a:ln>
-                  <a:solidFill>
-                    <a:prstClr val="white">
-                      <a:lumMod val="100000"/>
-                    </a:prstClr>
-                  </a:solidFill>
-                  <a:effectLst/>
-                  <a:uLnTx/>
-                  <a:uFillTx/>
-                  <a:latin typeface="方正正中黑简体" panose="02000000000000000000" pitchFamily="2" charset="-122"/>
-                  <a:ea typeface="方正正中黑简体" panose="02000000000000000000" pitchFamily="2" charset="-122"/>
-                  <a:cs typeface="+mn-ea"/>
-                  <a:sym typeface="+mn-lt"/>
-                </a:rPr>
-                <a:t>目   录</a:t>
-              </a:r>
-            </a:p>
-          </p:txBody>
-        </p:sp>
-      </p:grpSp>
-      <p:grpSp>
-        <p:nvGrpSpPr>
-          <p:cNvPr id="79" name="Group 3"/>
-          <p:cNvGrpSpPr/>
-          <p:nvPr/>
-        </p:nvGrpSpPr>
-        <p:grpSpPr>
-          <a:xfrm>
-            <a:off x="3878938" y="2473714"/>
-            <a:ext cx="6456651" cy="564825"/>
-            <a:chOff x="4267200" y="1600200"/>
-            <a:chExt cx="6963691" cy="767497"/>
-          </a:xfrm>
-        </p:grpSpPr>
-        <p:sp>
-          <p:nvSpPr>
-            <p:cNvPr id="80" name="TextBox 4"/>
-            <p:cNvSpPr txBox="1"/>
-            <p:nvPr/>
-          </p:nvSpPr>
-          <p:spPr>
-            <a:xfrm>
-              <a:off x="5371429" y="1665097"/>
-              <a:ext cx="5859462" cy="702600"/>
-            </a:xfrm>
-            <a:prstGeom prst="rect">
-              <a:avLst/>
-            </a:prstGeom>
-            <a:noFill/>
-          </p:spPr>
-          <p:txBody>
-            <a:bodyPr wrap="square" lIns="0" tIns="0" rIns="0" bIns="0" rtlCol="0">
-              <a:spAutoFit/>
-            </a:bodyPr>
-            <a:lstStyle/>
-            <a:p>
-              <a:pPr>
-                <a:lnSpc>
-                  <a:spcPct val="120000"/>
-                </a:lnSpc>
-              </a:pPr>
-              <a:r>
-                <a:rPr lang="zh-CN" altLang="en-US" sz="2800" dirty="0" smtClean="0">
-                  <a:latin typeface="+mn-ea"/>
-                  <a:cs typeface="+mn-ea"/>
-                  <a:sym typeface="+mn-lt"/>
-                </a:rPr>
-                <a:t>什么是混合模糊</a:t>
-              </a:r>
-              <a:r>
-                <a:rPr lang="zh-CN" altLang="en-US" sz="2800" dirty="0">
-                  <a:latin typeface="+mn-ea"/>
-                  <a:cs typeface="+mn-ea"/>
-                  <a:sym typeface="+mn-lt"/>
-                </a:rPr>
-                <a:t>测试</a:t>
-              </a:r>
-              <a:endParaRPr lang="zh-CN" altLang="en-MY" sz="2800" dirty="0">
-                <a:latin typeface="+mn-ea"/>
-                <a:cs typeface="+mn-ea"/>
-                <a:sym typeface="+mn-lt"/>
-              </a:endParaRPr>
-            </a:p>
-          </p:txBody>
-        </p:sp>
-        <p:grpSp>
-          <p:nvGrpSpPr>
-            <p:cNvPr id="81" name="Group 5"/>
-            <p:cNvGrpSpPr/>
-            <p:nvPr/>
-          </p:nvGrpSpPr>
-          <p:grpSpPr>
-            <a:xfrm>
-              <a:off x="4267200" y="1600200"/>
-              <a:ext cx="864870" cy="739140"/>
-              <a:chOff x="4267199" y="1268631"/>
-              <a:chExt cx="1373976" cy="1174236"/>
-            </a:xfrm>
-          </p:grpSpPr>
-          <p:sp>
-            <p:nvSpPr>
-              <p:cNvPr id="82" name="Rectangle 6"/>
-              <p:cNvSpPr/>
-              <p:nvPr/>
-            </p:nvSpPr>
-            <p:spPr>
-              <a:xfrm>
-                <a:off x="4343867" y="1345299"/>
-                <a:ext cx="1297308" cy="1097568"/>
-              </a:xfrm>
-              <a:prstGeom prst="rect">
-                <a:avLst/>
-              </a:prstGeom>
-              <a:solidFill>
-                <a:srgbClr val="002060"/>
-              </a:solidFill>
-              <a:ln w="57150">
-                <a:solidFill>
-                  <a:srgbClr val="002060"/>
-                </a:solidFill>
-              </a:ln>
-            </p:spPr>
-            <p:style>
-              <a:lnRef idx="2">
-                <a:schemeClr val="accent1">
-                  <a:shade val="50000"/>
-                </a:schemeClr>
-              </a:lnRef>
-              <a:fillRef idx="1">
-                <a:schemeClr val="accent1"/>
-              </a:fillRef>
-              <a:effectRef idx="0">
-                <a:schemeClr val="accent1"/>
-              </a:effectRef>
-              <a:fontRef idx="minor">
-                <a:schemeClr val="lt1"/>
-              </a:fontRef>
-            </p:style>
-            <p:txBody>
-              <a:bodyPr rtlCol="0" anchor="ctr"/>
-              <a:lstStyle/>
-              <a:p>
-                <a:pPr algn="ctr">
-                  <a:lnSpc>
-                    <a:spcPct val="120000"/>
-                  </a:lnSpc>
-                </a:pPr>
-                <a:r>
-                  <a:rPr lang="en-US" sz="3200" b="1" dirty="0">
-                    <a:cs typeface="+mn-ea"/>
-                    <a:sym typeface="+mn-lt"/>
-                  </a:rPr>
-                  <a:t>0</a:t>
-                </a:r>
-                <a:r>
-                  <a:rPr lang="en-US" altLang="zh-CN" sz="3200" b="1" dirty="0">
-                    <a:cs typeface="+mn-ea"/>
-                    <a:sym typeface="+mn-lt"/>
-                  </a:rPr>
-                  <a:t>1</a:t>
-                </a:r>
-                <a:endParaRPr lang="en-MY" sz="3200" b="1" dirty="0">
-                  <a:cs typeface="+mn-ea"/>
-                  <a:sym typeface="+mn-lt"/>
-                </a:endParaRPr>
-              </a:p>
-            </p:txBody>
-          </p:sp>
-          <p:sp>
-            <p:nvSpPr>
-              <p:cNvPr id="83" name="Right Triangle 7"/>
-              <p:cNvSpPr/>
-              <p:nvPr/>
-            </p:nvSpPr>
-            <p:spPr>
-              <a:xfrm rot="5400000">
-                <a:off x="4267199" y="1268631"/>
-                <a:ext cx="455895" cy="455895"/>
-              </a:xfrm>
-              <a:prstGeom prst="rtTriangle">
-                <a:avLst/>
-              </a:prstGeom>
-              <a:solidFill>
-                <a:schemeClr val="accent2"/>
-              </a:solidFill>
-              <a:ln w="38100">
-                <a:solidFill>
-                  <a:schemeClr val="bg1"/>
-                </a:solidFill>
-              </a:ln>
-            </p:spPr>
-            <p:style>
-              <a:lnRef idx="2">
-                <a:schemeClr val="accent1">
-                  <a:shade val="50000"/>
-                </a:schemeClr>
-              </a:lnRef>
-              <a:fillRef idx="1">
-                <a:schemeClr val="accent1"/>
-              </a:fillRef>
-              <a:effectRef idx="0">
-                <a:schemeClr val="accent1"/>
-              </a:effectRef>
-              <a:fontRef idx="minor">
-                <a:schemeClr val="lt1"/>
-              </a:fontRef>
-            </p:style>
-            <p:txBody>
-              <a:bodyPr rtlCol="0" anchor="ctr"/>
-              <a:lstStyle/>
-              <a:p>
-                <a:pPr algn="ctr">
-                  <a:lnSpc>
-                    <a:spcPct val="120000"/>
-                  </a:lnSpc>
-                </a:pPr>
-                <a:endParaRPr lang="en-MY">
-                  <a:cs typeface="+mn-ea"/>
-                  <a:sym typeface="+mn-lt"/>
-                </a:endParaRPr>
-              </a:p>
-            </p:txBody>
-          </p:sp>
-        </p:grpSp>
-      </p:grpSp>
-      <p:grpSp>
-        <p:nvGrpSpPr>
-          <p:cNvPr id="94" name="Group 3"/>
-          <p:cNvGrpSpPr/>
-          <p:nvPr/>
-        </p:nvGrpSpPr>
-        <p:grpSpPr>
-          <a:xfrm>
-            <a:off x="3878938" y="5304091"/>
-            <a:ext cx="2998729" cy="543956"/>
-            <a:chOff x="4267200" y="1600200"/>
-            <a:chExt cx="3234219" cy="739140"/>
-          </a:xfrm>
-        </p:grpSpPr>
-        <p:sp>
-          <p:nvSpPr>
-            <p:cNvPr id="95" name="TextBox 4"/>
-            <p:cNvSpPr txBox="1"/>
-            <p:nvPr/>
-          </p:nvSpPr>
-          <p:spPr>
-            <a:xfrm>
-              <a:off x="5371430" y="1665097"/>
-              <a:ext cx="2129989" cy="609285"/>
-            </a:xfrm>
-            <a:prstGeom prst="rect">
-              <a:avLst/>
-            </a:prstGeom>
-            <a:noFill/>
-          </p:spPr>
-          <p:txBody>
-            <a:bodyPr wrap="none" lIns="0" tIns="0" rIns="0" bIns="0" rtlCol="0">
-              <a:spAutoFit/>
-            </a:bodyPr>
-            <a:lstStyle/>
-            <a:p>
-              <a:pPr>
-                <a:lnSpc>
-                  <a:spcPct val="120000"/>
-                </a:lnSpc>
-              </a:pPr>
-              <a:r>
-                <a:rPr lang="zh-CN" altLang="en-US" sz="2800" dirty="0" smtClean="0">
-                  <a:solidFill>
-                    <a:srgbClr val="FF0000"/>
-                  </a:solidFill>
-                  <a:latin typeface="+mn-ea"/>
-                  <a:cs typeface="+mn-ea"/>
-                  <a:sym typeface="+mn-lt"/>
-                </a:rPr>
-                <a:t>发展 </a:t>
-              </a:r>
-              <a:r>
-                <a:rPr lang="en-US" altLang="zh-CN" sz="2800" dirty="0" smtClean="0">
-                  <a:solidFill>
-                    <a:srgbClr val="FF0000"/>
-                  </a:solidFill>
-                  <a:latin typeface="+mn-ea"/>
-                  <a:cs typeface="+mn-ea"/>
-                  <a:sym typeface="+mn-lt"/>
-                </a:rPr>
-                <a:t>&amp; </a:t>
-              </a:r>
-              <a:r>
-                <a:rPr lang="zh-CN" altLang="en-US" sz="2800" dirty="0" smtClean="0">
-                  <a:solidFill>
-                    <a:srgbClr val="FF0000"/>
-                  </a:solidFill>
-                  <a:latin typeface="+mn-ea"/>
-                  <a:cs typeface="+mn-ea"/>
-                  <a:sym typeface="+mn-lt"/>
-                </a:rPr>
-                <a:t>总结</a:t>
-              </a:r>
-              <a:endParaRPr lang="zh-CN" altLang="en-MY" sz="2800" dirty="0">
-                <a:solidFill>
-                  <a:srgbClr val="FF0000"/>
-                </a:solidFill>
-                <a:latin typeface="+mn-ea"/>
-                <a:cs typeface="+mn-ea"/>
-                <a:sym typeface="+mn-lt"/>
-              </a:endParaRPr>
-            </a:p>
-          </p:txBody>
-        </p:sp>
-        <p:grpSp>
-          <p:nvGrpSpPr>
-            <p:cNvPr id="96" name="Group 5"/>
-            <p:cNvGrpSpPr/>
-            <p:nvPr/>
-          </p:nvGrpSpPr>
-          <p:grpSpPr>
-            <a:xfrm>
-              <a:off x="4267200" y="1600200"/>
-              <a:ext cx="864870" cy="739140"/>
-              <a:chOff x="4267199" y="1268631"/>
-              <a:chExt cx="1373976" cy="1174236"/>
-            </a:xfrm>
-          </p:grpSpPr>
-          <p:sp>
-            <p:nvSpPr>
-              <p:cNvPr id="97" name="Rectangle 6"/>
-              <p:cNvSpPr/>
-              <p:nvPr/>
-            </p:nvSpPr>
-            <p:spPr>
-              <a:xfrm>
-                <a:off x="4343867" y="1345299"/>
-                <a:ext cx="1297308" cy="1097568"/>
-              </a:xfrm>
-              <a:prstGeom prst="rect">
-                <a:avLst/>
-              </a:prstGeom>
-              <a:solidFill>
-                <a:srgbClr val="002060"/>
-              </a:solidFill>
-              <a:ln w="57150">
-                <a:solidFill>
-                  <a:srgbClr val="002060"/>
-                </a:solidFill>
-              </a:ln>
-            </p:spPr>
-            <p:style>
-              <a:lnRef idx="2">
-                <a:schemeClr val="accent1">
-                  <a:shade val="50000"/>
-                </a:schemeClr>
-              </a:lnRef>
-              <a:fillRef idx="1">
-                <a:schemeClr val="accent1"/>
-              </a:fillRef>
-              <a:effectRef idx="0">
-                <a:schemeClr val="accent1"/>
-              </a:effectRef>
-              <a:fontRef idx="minor">
-                <a:schemeClr val="lt1"/>
-              </a:fontRef>
-            </p:style>
-            <p:txBody>
-              <a:bodyPr rtlCol="0" anchor="ctr"/>
-              <a:lstStyle/>
-              <a:p>
-                <a:pPr algn="ctr">
-                  <a:lnSpc>
-                    <a:spcPct val="120000"/>
-                  </a:lnSpc>
-                </a:pPr>
-                <a:r>
-                  <a:rPr lang="en-US" sz="3200" b="1" dirty="0">
-                    <a:cs typeface="+mn-ea"/>
-                    <a:sym typeface="+mn-lt"/>
-                  </a:rPr>
-                  <a:t>0</a:t>
-                </a:r>
-                <a:r>
-                  <a:rPr lang="en-US" altLang="zh-CN" sz="3200" b="1" dirty="0">
-                    <a:cs typeface="+mn-ea"/>
-                    <a:sym typeface="+mn-lt"/>
-                  </a:rPr>
-                  <a:t>4</a:t>
-                </a:r>
-                <a:endParaRPr lang="en-MY" sz="3200" b="1" dirty="0">
-                  <a:cs typeface="+mn-ea"/>
-                  <a:sym typeface="+mn-lt"/>
-                </a:endParaRPr>
-              </a:p>
-            </p:txBody>
-          </p:sp>
-          <p:sp>
-            <p:nvSpPr>
-              <p:cNvPr id="98" name="Right Triangle 7"/>
-              <p:cNvSpPr/>
-              <p:nvPr/>
-            </p:nvSpPr>
-            <p:spPr>
-              <a:xfrm rot="5400000">
-                <a:off x="4267199" y="1268631"/>
-                <a:ext cx="455895" cy="455895"/>
-              </a:xfrm>
-              <a:prstGeom prst="rtTriangle">
-                <a:avLst/>
-              </a:prstGeom>
-              <a:solidFill>
-                <a:schemeClr val="accent2"/>
-              </a:solidFill>
-              <a:ln w="38100">
-                <a:solidFill>
-                  <a:schemeClr val="bg1"/>
-                </a:solidFill>
-              </a:ln>
-            </p:spPr>
-            <p:style>
-              <a:lnRef idx="2">
-                <a:schemeClr val="accent1">
-                  <a:shade val="50000"/>
-                </a:schemeClr>
-              </a:lnRef>
-              <a:fillRef idx="1">
-                <a:schemeClr val="accent1"/>
-              </a:fillRef>
-              <a:effectRef idx="0">
-                <a:schemeClr val="accent1"/>
-              </a:effectRef>
-              <a:fontRef idx="minor">
-                <a:schemeClr val="lt1"/>
-              </a:fontRef>
-            </p:style>
-            <p:txBody>
-              <a:bodyPr rtlCol="0" anchor="ctr"/>
-              <a:lstStyle/>
-              <a:p>
-                <a:pPr algn="ctr">
-                  <a:lnSpc>
-                    <a:spcPct val="120000"/>
-                  </a:lnSpc>
-                </a:pPr>
-                <a:endParaRPr lang="en-MY">
-                  <a:cs typeface="+mn-ea"/>
-                  <a:sym typeface="+mn-lt"/>
-                </a:endParaRPr>
-              </a:p>
-            </p:txBody>
-          </p:sp>
-        </p:grpSp>
-      </p:grpSp>
-      <p:grpSp>
-        <p:nvGrpSpPr>
-          <p:cNvPr id="29" name="Group 3"/>
-          <p:cNvGrpSpPr/>
-          <p:nvPr/>
-        </p:nvGrpSpPr>
-        <p:grpSpPr>
-          <a:xfrm>
-            <a:off x="3878938" y="3411223"/>
-            <a:ext cx="6456651" cy="564825"/>
-            <a:chOff x="4267200" y="1600200"/>
-            <a:chExt cx="6963691" cy="767497"/>
-          </a:xfrm>
-        </p:grpSpPr>
-        <p:sp>
-          <p:nvSpPr>
-            <p:cNvPr id="30" name="TextBox 4"/>
-            <p:cNvSpPr txBox="1"/>
-            <p:nvPr/>
-          </p:nvSpPr>
-          <p:spPr>
-            <a:xfrm>
-              <a:off x="5371429" y="1665097"/>
-              <a:ext cx="5859462" cy="702600"/>
-            </a:xfrm>
-            <a:prstGeom prst="rect">
-              <a:avLst/>
-            </a:prstGeom>
-            <a:noFill/>
-          </p:spPr>
-          <p:txBody>
-            <a:bodyPr wrap="square" lIns="0" tIns="0" rIns="0" bIns="0" rtlCol="0">
-              <a:spAutoFit/>
-            </a:bodyPr>
-            <a:lstStyle/>
-            <a:p>
-              <a:pPr>
-                <a:lnSpc>
-                  <a:spcPct val="120000"/>
-                </a:lnSpc>
-              </a:pPr>
-              <a:r>
-                <a:rPr lang="zh-CN" altLang="en-US" sz="2800" dirty="0" smtClean="0">
-                  <a:latin typeface="+mn-ea"/>
-                  <a:cs typeface="+mn-ea"/>
-                  <a:sym typeface="+mn-lt"/>
-                </a:rPr>
-                <a:t>混合模糊测试发展历程</a:t>
-              </a:r>
-              <a:endParaRPr lang="zh-CN" altLang="en-MY" sz="2800" dirty="0">
-                <a:latin typeface="+mn-ea"/>
-                <a:cs typeface="+mn-ea"/>
-                <a:sym typeface="+mn-lt"/>
-              </a:endParaRPr>
-            </a:p>
-          </p:txBody>
-        </p:sp>
-        <p:grpSp>
-          <p:nvGrpSpPr>
-            <p:cNvPr id="31" name="Group 5"/>
-            <p:cNvGrpSpPr/>
-            <p:nvPr/>
-          </p:nvGrpSpPr>
-          <p:grpSpPr>
-            <a:xfrm>
-              <a:off x="4267200" y="1600200"/>
-              <a:ext cx="864870" cy="739140"/>
-              <a:chOff x="4267199" y="1268631"/>
-              <a:chExt cx="1373976" cy="1174236"/>
-            </a:xfrm>
-          </p:grpSpPr>
-          <p:sp>
-            <p:nvSpPr>
-              <p:cNvPr id="32" name="Rectangle 6"/>
-              <p:cNvSpPr/>
-              <p:nvPr/>
-            </p:nvSpPr>
-            <p:spPr>
-              <a:xfrm>
-                <a:off x="4343867" y="1345299"/>
-                <a:ext cx="1297308" cy="1097568"/>
-              </a:xfrm>
-              <a:prstGeom prst="rect">
-                <a:avLst/>
-              </a:prstGeom>
-              <a:solidFill>
-                <a:srgbClr val="002060"/>
-              </a:solidFill>
-              <a:ln w="57150">
-                <a:solidFill>
-                  <a:srgbClr val="002060"/>
-                </a:solidFill>
-              </a:ln>
-            </p:spPr>
-            <p:style>
-              <a:lnRef idx="2">
-                <a:schemeClr val="accent1">
-                  <a:shade val="50000"/>
-                </a:schemeClr>
-              </a:lnRef>
-              <a:fillRef idx="1">
-                <a:schemeClr val="accent1"/>
-              </a:fillRef>
-              <a:effectRef idx="0">
-                <a:schemeClr val="accent1"/>
-              </a:effectRef>
-              <a:fontRef idx="minor">
-                <a:schemeClr val="lt1"/>
-              </a:fontRef>
-            </p:style>
-            <p:txBody>
-              <a:bodyPr rtlCol="0" anchor="ctr"/>
-              <a:lstStyle/>
-              <a:p>
-                <a:pPr algn="ctr">
-                  <a:lnSpc>
-                    <a:spcPct val="120000"/>
-                  </a:lnSpc>
-                </a:pPr>
-                <a:r>
-                  <a:rPr lang="en-US" sz="3200" b="1" dirty="0" smtClean="0">
-                    <a:cs typeface="+mn-ea"/>
-                    <a:sym typeface="+mn-lt"/>
-                  </a:rPr>
-                  <a:t>0</a:t>
-                </a:r>
-                <a:r>
-                  <a:rPr lang="en-US" sz="3200" b="1" dirty="0">
-                    <a:cs typeface="+mn-ea"/>
-                    <a:sym typeface="+mn-lt"/>
-                  </a:rPr>
-                  <a:t>2</a:t>
-                </a:r>
-                <a:endParaRPr lang="en-MY" sz="3200" b="1" dirty="0">
-                  <a:cs typeface="+mn-ea"/>
-                  <a:sym typeface="+mn-lt"/>
-                </a:endParaRPr>
-              </a:p>
-            </p:txBody>
-          </p:sp>
-          <p:sp>
-            <p:nvSpPr>
-              <p:cNvPr id="33" name="Right Triangle 7"/>
-              <p:cNvSpPr/>
-              <p:nvPr/>
-            </p:nvSpPr>
-            <p:spPr>
-              <a:xfrm rot="5400000">
-                <a:off x="4267199" y="1268631"/>
-                <a:ext cx="455895" cy="455895"/>
-              </a:xfrm>
-              <a:prstGeom prst="rtTriangle">
-                <a:avLst/>
-              </a:prstGeom>
-              <a:solidFill>
-                <a:schemeClr val="accent2"/>
-              </a:solidFill>
-              <a:ln w="38100">
-                <a:solidFill>
-                  <a:schemeClr val="bg1"/>
-                </a:solidFill>
-              </a:ln>
-            </p:spPr>
-            <p:style>
-              <a:lnRef idx="2">
-                <a:schemeClr val="accent1">
-                  <a:shade val="50000"/>
-                </a:schemeClr>
-              </a:lnRef>
-              <a:fillRef idx="1">
-                <a:schemeClr val="accent1"/>
-              </a:fillRef>
-              <a:effectRef idx="0">
-                <a:schemeClr val="accent1"/>
-              </a:effectRef>
-              <a:fontRef idx="minor">
-                <a:schemeClr val="lt1"/>
-              </a:fontRef>
-            </p:style>
-            <p:txBody>
-              <a:bodyPr rtlCol="0" anchor="ctr"/>
-              <a:lstStyle/>
-              <a:p>
-                <a:pPr algn="ctr">
-                  <a:lnSpc>
-                    <a:spcPct val="120000"/>
-                  </a:lnSpc>
-                </a:pPr>
-                <a:endParaRPr lang="en-MY">
-                  <a:cs typeface="+mn-ea"/>
-                  <a:sym typeface="+mn-lt"/>
-                </a:endParaRPr>
-              </a:p>
-            </p:txBody>
-          </p:sp>
-        </p:grpSp>
-      </p:grpSp>
-      <p:grpSp>
-        <p:nvGrpSpPr>
-          <p:cNvPr id="34" name="Group 3"/>
-          <p:cNvGrpSpPr/>
-          <p:nvPr/>
-        </p:nvGrpSpPr>
-        <p:grpSpPr>
-          <a:xfrm>
-            <a:off x="3878938" y="4378826"/>
-            <a:ext cx="6456651" cy="543956"/>
-            <a:chOff x="4267200" y="1600200"/>
-            <a:chExt cx="6963691" cy="739140"/>
-          </a:xfrm>
-        </p:grpSpPr>
-        <p:sp>
-          <p:nvSpPr>
-            <p:cNvPr id="35" name="TextBox 4"/>
-            <p:cNvSpPr txBox="1"/>
-            <p:nvPr/>
-          </p:nvSpPr>
-          <p:spPr>
-            <a:xfrm>
-              <a:off x="5371429" y="1665097"/>
-              <a:ext cx="5859462" cy="609285"/>
-            </a:xfrm>
-            <a:prstGeom prst="rect">
-              <a:avLst/>
-            </a:prstGeom>
-            <a:noFill/>
-          </p:spPr>
-          <p:txBody>
-            <a:bodyPr wrap="square" lIns="0" tIns="0" rIns="0" bIns="0" rtlCol="0">
-              <a:spAutoFit/>
-            </a:bodyPr>
-            <a:lstStyle/>
-            <a:p>
-              <a:pPr>
-                <a:lnSpc>
-                  <a:spcPct val="120000"/>
-                </a:lnSpc>
-              </a:pPr>
-              <a:r>
-                <a:rPr lang="zh-CN" altLang="en-US" sz="2800" dirty="0" smtClean="0">
-                  <a:latin typeface="+mn-ea"/>
-                  <a:cs typeface="+mn-ea"/>
-                  <a:sym typeface="+mn-lt"/>
-                </a:rPr>
-                <a:t>当前面临的瓶颈</a:t>
-              </a:r>
-              <a:endParaRPr lang="zh-CN" altLang="en-MY" sz="2800" dirty="0">
-                <a:latin typeface="+mn-ea"/>
-                <a:cs typeface="+mn-ea"/>
-                <a:sym typeface="+mn-lt"/>
-              </a:endParaRPr>
-            </a:p>
-          </p:txBody>
-        </p:sp>
-        <p:grpSp>
-          <p:nvGrpSpPr>
-            <p:cNvPr id="36" name="Group 5"/>
-            <p:cNvGrpSpPr/>
-            <p:nvPr/>
-          </p:nvGrpSpPr>
-          <p:grpSpPr>
-            <a:xfrm>
-              <a:off x="4267200" y="1600200"/>
-              <a:ext cx="864870" cy="739140"/>
-              <a:chOff x="4267199" y="1268631"/>
-              <a:chExt cx="1373976" cy="1174236"/>
-            </a:xfrm>
-          </p:grpSpPr>
-          <p:sp>
-            <p:nvSpPr>
-              <p:cNvPr id="37" name="Rectangle 6"/>
-              <p:cNvSpPr/>
-              <p:nvPr/>
-            </p:nvSpPr>
-            <p:spPr>
-              <a:xfrm>
-                <a:off x="4343867" y="1345299"/>
-                <a:ext cx="1297308" cy="1097568"/>
-              </a:xfrm>
-              <a:prstGeom prst="rect">
-                <a:avLst/>
-              </a:prstGeom>
-              <a:solidFill>
-                <a:srgbClr val="002060"/>
-              </a:solidFill>
-              <a:ln w="57150">
-                <a:solidFill>
-                  <a:srgbClr val="002060"/>
-                </a:solidFill>
-              </a:ln>
-            </p:spPr>
-            <p:style>
-              <a:lnRef idx="2">
-                <a:schemeClr val="accent1">
-                  <a:shade val="50000"/>
-                </a:schemeClr>
-              </a:lnRef>
-              <a:fillRef idx="1">
-                <a:schemeClr val="accent1"/>
-              </a:fillRef>
-              <a:effectRef idx="0">
-                <a:schemeClr val="accent1"/>
-              </a:effectRef>
-              <a:fontRef idx="minor">
-                <a:schemeClr val="lt1"/>
-              </a:fontRef>
-            </p:style>
-            <p:txBody>
-              <a:bodyPr rtlCol="0" anchor="ctr"/>
-              <a:lstStyle/>
-              <a:p>
-                <a:pPr algn="ctr">
-                  <a:lnSpc>
-                    <a:spcPct val="120000"/>
-                  </a:lnSpc>
-                </a:pPr>
-                <a:r>
-                  <a:rPr lang="en-US" sz="3200" b="1" dirty="0" smtClean="0">
-                    <a:cs typeface="+mn-ea"/>
-                    <a:sym typeface="+mn-lt"/>
-                  </a:rPr>
-                  <a:t>0</a:t>
-                </a:r>
-                <a:r>
-                  <a:rPr lang="en-US" sz="3200" b="1" dirty="0">
-                    <a:cs typeface="+mn-ea"/>
-                    <a:sym typeface="+mn-lt"/>
-                  </a:rPr>
-                  <a:t>3</a:t>
-                </a:r>
-                <a:endParaRPr lang="en-MY" sz="3200" b="1" dirty="0">
-                  <a:cs typeface="+mn-ea"/>
-                  <a:sym typeface="+mn-lt"/>
-                </a:endParaRPr>
-              </a:p>
-            </p:txBody>
-          </p:sp>
-          <p:sp>
-            <p:nvSpPr>
-              <p:cNvPr id="38" name="Right Triangle 7"/>
-              <p:cNvSpPr/>
-              <p:nvPr/>
-            </p:nvSpPr>
-            <p:spPr>
-              <a:xfrm rot="5400000">
-                <a:off x="4267199" y="1268631"/>
-                <a:ext cx="455895" cy="455895"/>
-              </a:xfrm>
-              <a:prstGeom prst="rtTriangle">
-                <a:avLst/>
-              </a:prstGeom>
-              <a:solidFill>
-                <a:schemeClr val="accent2"/>
-              </a:solidFill>
-              <a:ln w="38100">
-                <a:solidFill>
-                  <a:schemeClr val="bg1"/>
-                </a:solidFill>
-              </a:ln>
-            </p:spPr>
-            <p:style>
-              <a:lnRef idx="2">
-                <a:schemeClr val="accent1">
-                  <a:shade val="50000"/>
-                </a:schemeClr>
-              </a:lnRef>
-              <a:fillRef idx="1">
-                <a:schemeClr val="accent1"/>
-              </a:fillRef>
-              <a:effectRef idx="0">
-                <a:schemeClr val="accent1"/>
-              </a:effectRef>
-              <a:fontRef idx="minor">
-                <a:schemeClr val="lt1"/>
-              </a:fontRef>
-            </p:style>
-            <p:txBody>
-              <a:bodyPr rtlCol="0" anchor="ctr"/>
-              <a:lstStyle/>
-              <a:p>
-                <a:pPr algn="ctr">
-                  <a:lnSpc>
-                    <a:spcPct val="120000"/>
-                  </a:lnSpc>
-                </a:pPr>
-                <a:endParaRPr lang="en-MY">
-                  <a:cs typeface="+mn-ea"/>
-                  <a:sym typeface="+mn-lt"/>
-                </a:endParaRPr>
-              </a:p>
-            </p:txBody>
-          </p:sp>
-        </p:grpSp>
-      </p:grpSp>
-    </p:spTree>
-    <p:extLst>
-      <p:ext uri="{BB962C8B-B14F-4D97-AF65-F5344CB8AC3E}">
-        <p14:creationId xmlns:p14="http://schemas.microsoft.com/office/powerpoint/2010/main" val="1442390050"/>
-      </p:ext>
-    </p:extLst>
-  </p:cSld>
-  <p:clrMapOvr>
-    <a:masterClrMapping/>
-  </p:clrMapOvr>
-</p:sld>
+<file path=ppt/tags/tag2.xml><?xml version="1.0" encoding="utf-8"?>
+<p:tagLst xmlns:a="http://schemas.openxmlformats.org/drawingml/2006/main" xmlns:r="http://schemas.openxmlformats.org/officeDocument/2006/relationships" xmlns:p="http://schemas.openxmlformats.org/presentationml/2006/main">
+  <p:tag name="ISLIDE.THEME" val="https://www.islide.cc;"/>
+</p:tagLst>
 </file>
 
-<file path=ppt/slides/slide9.xml><?xml version="1.0" encoding="utf-8"?>
-<p:sld xmlns:a="http://schemas.openxmlformats.org/drawingml/2006/main" xmlns:r="http://schemas.openxmlformats.org/officeDocument/2006/relationships" xmlns:p="http://schemas.openxmlformats.org/presentationml/2006/main">
-  <p:cSld>
-    <p:spTree>
-      <p:nvGrpSpPr>
-        <p:cNvPr id="1" name=""/>
-        <p:cNvGrpSpPr/>
-        <p:nvPr/>
-      </p:nvGrpSpPr>
-      <p:grpSpPr>
-        <a:xfrm>
-          <a:off x="0" y="0"/>
-          <a:ext cx="0" cy="0"/>
-          <a:chOff x="0" y="0"/>
-          <a:chExt cx="0" cy="0"/>
-        </a:xfrm>
-      </p:grpSpPr>
-      <p:sp>
-        <p:nvSpPr>
-          <p:cNvPr id="5" name="标题 1"/>
-          <p:cNvSpPr txBox="1"/>
-          <p:nvPr/>
-        </p:nvSpPr>
-        <p:spPr>
-          <a:xfrm>
-            <a:off x="547687" y="14575"/>
-            <a:ext cx="10850563" cy="1028700"/>
-          </a:xfrm>
-          <a:prstGeom prst="rect">
-            <a:avLst/>
-          </a:prstGeom>
-        </p:spPr>
-        <p:txBody>
-          <a:bodyPr vert="horz" lIns="91440" tIns="45720" rIns="91440" bIns="45720" rtlCol="0" anchor="b" anchorCtr="0">
-            <a:normAutofit/>
-          </a:bodyPr>
-          <a:lstStyle>
-            <a:lvl1pPr algn="l" defTabSz="914400" rtl="0" eaLnBrk="1" latinLnBrk="0" hangingPunct="1">
-              <a:lnSpc>
-                <a:spcPct val="90000"/>
-              </a:lnSpc>
-              <a:spcBef>
-                <a:spcPct val="0"/>
-              </a:spcBef>
-              <a:buNone/>
-              <a:defRPr sz="4000" b="1" kern="1200">
-                <a:solidFill>
-                  <a:srgbClr val="394479"/>
-                </a:solidFill>
-                <a:latin typeface="+mj-lt"/>
-                <a:ea typeface="+mj-ea"/>
-                <a:cs typeface="+mj-cs"/>
-              </a:defRPr>
-            </a:lvl1pPr>
-          </a:lstStyle>
-          <a:p>
-            <a:r>
-              <a:rPr lang="en-US" altLang="zh-CN" sz="2800" dirty="0">
-                <a:latin typeface="+mn-ea"/>
-                <a:ea typeface="+mn-ea"/>
-              </a:rPr>
-              <a:t>4.1</a:t>
-            </a:r>
-            <a:r>
-              <a:rPr lang="zh-CN" altLang="en-US" sz="2800" dirty="0">
-                <a:latin typeface="+mn-ea"/>
-                <a:ea typeface="+mn-ea"/>
-              </a:rPr>
-              <a:t> 总结回顾</a:t>
-            </a:r>
-          </a:p>
-        </p:txBody>
-      </p:sp>
-    </p:spTree>
-    <p:extLst>
-      <p:ext uri="{BB962C8B-B14F-4D97-AF65-F5344CB8AC3E}">
-        <p14:creationId xmlns:p14="http://schemas.microsoft.com/office/powerpoint/2010/main" val="180708204"/>
-      </p:ext>
-    </p:extLst>
-  </p:cSld>
-  <p:clrMapOvr>
-    <a:masterClrMapping/>
-  </p:clrMapOvr>
-</p:sld>
+<file path=ppt/tags/tag3.xml><?xml version="1.0" encoding="utf-8"?>
+<p:tagLst xmlns:a="http://schemas.openxmlformats.org/drawingml/2006/main" xmlns:r="http://schemas.openxmlformats.org/officeDocument/2006/relationships" xmlns:p="http://schemas.openxmlformats.org/presentationml/2006/main">
+  <p:tag name="ISLIDE.THEME" val="https://www.islide.cc;"/>
+  <p:tag name="ISLIDE.ICON" val="#168230;#32371;"/>
+</p:tagLst>
 </file>
 
 <file path=ppt/theme/theme1.xml><?xml version="1.0" encoding="utf-8"?>

--- a/PPT/A Survey of Hybrid Fuzzing based on Symbolic Execution.pptx
+++ b/PPT/A Survey of Hybrid Fuzzing based on Symbolic Execution.pptx
@@ -17,9 +17,9 @@
     <p:sldId id="278" r:id="rId8"/>
     <p:sldId id="291" r:id="rId9"/>
     <p:sldId id="285" r:id="rId10"/>
-    <p:sldId id="292" r:id="rId11"/>
+    <p:sldId id="293" r:id="rId11"/>
     <p:sldId id="286" r:id="rId12"/>
-    <p:sldId id="282" r:id="rId13"/>
+    <p:sldId id="294" r:id="rId13"/>
     <p:sldId id="283" r:id="rId14"/>
   </p:sldIdLst>
   <p:sldSz cx="12192000" cy="6858000"/>
@@ -605,7 +605,26 @@
           <a:bodyPr/>
           <a:lstStyle/>
           <a:p>
-            <a:endParaRPr lang="zh-CN" altLang="en-US" dirty="0"/>
+            <a:pPr marL="0" marR="0" lvl="0" indent="0" algn="l" defTabSz="914400" rtl="0" eaLnBrk="1" fontAlgn="auto" latinLnBrk="0" hangingPunct="1">
+              <a:lnSpc>
+                <a:spcPct val="100000"/>
+              </a:lnSpc>
+              <a:spcBef>
+                <a:spcPts val="0"/>
+              </a:spcBef>
+              <a:spcAft>
+                <a:spcPts val="0"/>
+              </a:spcAft>
+              <a:buClrTx/>
+              <a:buSzTx/>
+              <a:buFontTx/>
+              <a:buNone/>
+              <a:defRPr/>
+            </a:pPr>
+            <a:endParaRPr lang="en-US" altLang="zh-CN" sz="1200" dirty="0">
+              <a:latin typeface="+mn-ea"/>
+              <a:ea typeface="+mn-ea"/>
+            </a:endParaRPr>
           </a:p>
         </p:txBody>
       </p:sp>
@@ -626,7 +645,7 @@
           <a:p>
             <a:fld id="{790F3238-B197-4DD0-8393-B222E6E85519}" type="slidenum">
               <a:rPr lang="zh-CN" altLang="en-US" smtClean="0"/>
-              <a:t>11</a:t>
+              <a:t>10</a:t>
             </a:fld>
             <a:endParaRPr lang="zh-CN" altLang="en-US"/>
           </a:p>
@@ -635,7 +654,7 @@
     </p:spTree>
     <p:extLst>
       <p:ext uri="{BB962C8B-B14F-4D97-AF65-F5344CB8AC3E}">
-        <p14:creationId xmlns:p14="http://schemas.microsoft.com/office/powerpoint/2010/main" val="3769653662"/>
+        <p14:creationId xmlns:p14="http://schemas.microsoft.com/office/powerpoint/2010/main" val="2882774149"/>
       </p:ext>
     </p:extLst>
   </p:cSld>
@@ -689,6 +708,90 @@
           <a:bodyPr/>
           <a:lstStyle/>
           <a:p>
+            <a:endParaRPr lang="zh-CN" altLang="en-US" dirty="0"/>
+          </a:p>
+        </p:txBody>
+      </p:sp>
+      <p:sp>
+        <p:nvSpPr>
+          <p:cNvPr id="4" name="灯片编号占位符 3"/>
+          <p:cNvSpPr>
+            <a:spLocks noGrp="1"/>
+          </p:cNvSpPr>
+          <p:nvPr>
+            <p:ph type="sldNum" sz="quarter" idx="5"/>
+          </p:nvPr>
+        </p:nvSpPr>
+        <p:spPr/>
+        <p:txBody>
+          <a:bodyPr/>
+          <a:lstStyle/>
+          <a:p>
+            <a:fld id="{790F3238-B197-4DD0-8393-B222E6E85519}" type="slidenum">
+              <a:rPr lang="zh-CN" altLang="en-US" smtClean="0"/>
+              <a:t>11</a:t>
+            </a:fld>
+            <a:endParaRPr lang="zh-CN" altLang="en-US"/>
+          </a:p>
+        </p:txBody>
+      </p:sp>
+    </p:spTree>
+    <p:extLst>
+      <p:ext uri="{BB962C8B-B14F-4D97-AF65-F5344CB8AC3E}">
+        <p14:creationId xmlns:p14="http://schemas.microsoft.com/office/powerpoint/2010/main" val="3769653662"/>
+      </p:ext>
+    </p:extLst>
+  </p:cSld>
+  <p:clrMapOvr>
+    <a:masterClrMapping/>
+  </p:clrMapOvr>
+</p:notes>
+</file>
+
+<file path=ppt/notesSlides/notesSlide12.xml><?xml version="1.0" encoding="utf-8"?>
+<p:notes xmlns:a="http://schemas.openxmlformats.org/drawingml/2006/main" xmlns:r="http://schemas.openxmlformats.org/officeDocument/2006/relationships" xmlns:p="http://schemas.openxmlformats.org/presentationml/2006/main">
+  <p:cSld>
+    <p:spTree>
+      <p:nvGrpSpPr>
+        <p:cNvPr id="1" name=""/>
+        <p:cNvGrpSpPr/>
+        <p:nvPr/>
+      </p:nvGrpSpPr>
+      <p:grpSpPr>
+        <a:xfrm>
+          <a:off x="0" y="0"/>
+          <a:ext cx="0" cy="0"/>
+          <a:chOff x="0" y="0"/>
+          <a:chExt cx="0" cy="0"/>
+        </a:xfrm>
+      </p:grpSpPr>
+      <p:sp>
+        <p:nvSpPr>
+          <p:cNvPr id="2" name="幻灯片图像占位符 1"/>
+          <p:cNvSpPr>
+            <a:spLocks noGrp="1" noRot="1" noChangeAspect="1"/>
+          </p:cNvSpPr>
+          <p:nvPr>
+            <p:ph type="sldImg"/>
+          </p:nvPr>
+        </p:nvSpPr>
+        <p:spPr/>
+      </p:sp>
+      <p:sp>
+        <p:nvSpPr>
+          <p:cNvPr id="3" name="备注占位符 2"/>
+          <p:cNvSpPr>
+            <a:spLocks noGrp="1"/>
+          </p:cNvSpPr>
+          <p:nvPr>
+            <p:ph type="body" idx="1"/>
+          </p:nvPr>
+        </p:nvSpPr>
+        <p:spPr/>
+        <p:txBody>
+          <a:bodyPr/>
+          <a:lstStyle/>
+          <a:p>
             <a:pPr marL="0" marR="0" lvl="0" indent="0" algn="l" defTabSz="914400" rtl="0" eaLnBrk="1" fontAlgn="auto" latinLnBrk="0" hangingPunct="1">
               <a:lnSpc>
                 <a:spcPct val="100000"/>
@@ -705,14 +808,9 @@
               <a:buNone/>
               <a:defRPr/>
             </a:pPr>
-            <a:endParaRPr lang="en-US" altLang="zh-CN" sz="1200" kern="1200" dirty="0">
-              <a:solidFill>
-                <a:schemeClr val="tx1"/>
-              </a:solidFill>
-              <a:effectLst/>
-              <a:latin typeface="+mn-lt"/>
+            <a:endParaRPr lang="en-US" altLang="zh-CN" sz="1200" dirty="0">
+              <a:latin typeface="+mn-ea"/>
               <a:ea typeface="+mn-ea"/>
-              <a:cs typeface="+mn-cs"/>
             </a:endParaRPr>
           </a:p>
         </p:txBody>
@@ -743,7 +841,7 @@
     </p:spTree>
     <p:extLst>
       <p:ext uri="{BB962C8B-B14F-4D97-AF65-F5344CB8AC3E}">
-        <p14:creationId xmlns:p14="http://schemas.microsoft.com/office/powerpoint/2010/main" val="1844719841"/>
+        <p14:creationId xmlns:p14="http://schemas.microsoft.com/office/powerpoint/2010/main" val="1351035736"/>
       </p:ext>
     </p:extLst>
   </p:cSld>
@@ -753,7 +851,7 @@
 </p:notes>
 </file>
 
-<file path=ppt/notesSlides/notesSlide12.xml><?xml version="1.0" encoding="utf-8"?>
+<file path=ppt/notesSlides/notesSlide13.xml><?xml version="1.0" encoding="utf-8"?>
 <p:notes xmlns:a="http://schemas.openxmlformats.org/drawingml/2006/main" xmlns:r="http://schemas.openxmlformats.org/officeDocument/2006/relationships" xmlns:p="http://schemas.openxmlformats.org/presentationml/2006/main">
   <p:cSld>
     <p:spTree>
@@ -1356,19 +1454,7 @@
                 <a:ea typeface="+mn-ea"/>
                 <a:cs typeface="+mn-cs"/>
               </a:rPr>
-              <a:t>逐渐成为覆盖导向模糊测试技术的重要发展方向</a:t>
-            </a:r>
-            <a:r>
-              <a:rPr lang="zh-CN" altLang="en-US" sz="1200" b="0" i="0" u="none" strike="noStrike" kern="1200" dirty="0" smtClean="0">
-                <a:solidFill>
-                  <a:schemeClr val="tx1"/>
-                </a:solidFill>
-                <a:effectLst/>
-                <a:latin typeface="+mn-lt"/>
-                <a:ea typeface="+mn-ea"/>
-                <a:cs typeface="+mn-cs"/>
-              </a:rPr>
-              <a:t>之一。</a:t>
+              <a:t>逐渐成为覆盖导向模糊测试技术的重要发展方向之一。</a:t>
             </a:r>
             <a:endParaRPr lang="en-US" altLang="zh-CN" sz="1200" b="0" i="0" u="none" strike="noStrike" kern="1200" dirty="0" smtClean="0">
               <a:solidFill>
@@ -6479,7 +6565,7 @@
     </p:spTree>
     <p:extLst>
       <p:ext uri="{BB962C8B-B14F-4D97-AF65-F5344CB8AC3E}">
-        <p14:creationId xmlns:p14="http://schemas.microsoft.com/office/powerpoint/2010/main" val="3333057909"/>
+        <p14:creationId xmlns:p14="http://schemas.microsoft.com/office/powerpoint/2010/main" val="891980268"/>
       </p:ext>
     </p:extLst>
   </p:cSld>
@@ -7568,58 +7654,719 @@
           <a:chExt cx="0" cy="0"/>
         </a:xfrm>
       </p:grpSpPr>
+      <p:graphicFrame>
+        <p:nvGraphicFramePr>
+          <p:cNvPr id="3" name="表格 2"/>
+          <p:cNvGraphicFramePr>
+            <a:graphicFrameLocks noGrp="1"/>
+          </p:cNvGraphicFramePr>
+          <p:nvPr>
+            <p:extLst>
+              <p:ext uri="{D42A27DB-BD31-4B8C-83A1-F6EECF244321}">
+                <p14:modId xmlns:p14="http://schemas.microsoft.com/office/powerpoint/2010/main" val="309051877"/>
+              </p:ext>
+            </p:extLst>
+          </p:nvPr>
+        </p:nvGraphicFramePr>
+        <p:xfrm>
+          <a:off x="838200" y="1490471"/>
+          <a:ext cx="10105492" cy="5020056"/>
+        </p:xfrm>
+        <a:graphic>
+          <a:graphicData uri="http://schemas.openxmlformats.org/drawingml/2006/table">
+            <a:tbl>
+              <a:tblPr firstRow="1" firstCol="1" bandRow="1">
+                <a:tableStyleId>{5C22544A-7EE6-4342-B048-85BDC9FD1C3A}</a:tableStyleId>
+              </a:tblPr>
+              <a:tblGrid>
+                <a:gridCol w="1784630"/>
+                <a:gridCol w="2971015"/>
+                <a:gridCol w="5349847"/>
+              </a:tblGrid>
+              <a:tr h="494527">
+                <a:tc>
+                  <a:txBody>
+                    <a:bodyPr/>
+                    <a:lstStyle/>
+                    <a:p>
+                      <a:pPr algn="ctr">
+                        <a:lnSpc>
+                          <a:spcPct val="110000"/>
+                        </a:lnSpc>
+                        <a:spcAft>
+                          <a:spcPts val="0"/>
+                        </a:spcAft>
+                      </a:pPr>
+                      <a:r>
+                        <a:rPr lang="en-US" sz="1600" b="1" kern="100" dirty="0">
+                          <a:effectLst/>
+                        </a:rPr>
+                        <a:t>Year</a:t>
+                      </a:r>
+                      <a:endParaRPr lang="zh-CN" sz="2000" b="1" kern="100" dirty="0">
+                        <a:effectLst/>
+                        <a:latin typeface="Calibri" panose="020F0502020204030204" pitchFamily="34" charset="0"/>
+                        <a:ea typeface="MS Mincho" panose="02020609040205080304" pitchFamily="49" charset="-128"/>
+                        <a:cs typeface="Times New Roman" panose="02020603050405020304" pitchFamily="18" charset="0"/>
+                      </a:endParaRPr>
+                    </a:p>
+                  </a:txBody>
+                  <a:tcPr marL="68580" marR="68580" marT="0" marB="0" anchor="ctr"/>
+                </a:tc>
+                <a:tc>
+                  <a:txBody>
+                    <a:bodyPr/>
+                    <a:lstStyle/>
+                    <a:p>
+                      <a:pPr algn="ctr">
+                        <a:lnSpc>
+                          <a:spcPct val="110000"/>
+                        </a:lnSpc>
+                        <a:spcAft>
+                          <a:spcPts val="0"/>
+                        </a:spcAft>
+                      </a:pPr>
+                      <a:r>
+                        <a:rPr lang="en-US" sz="1600" b="1" kern="100">
+                          <a:effectLst/>
+                        </a:rPr>
+                        <a:t>Method</a:t>
+                      </a:r>
+                      <a:endParaRPr lang="zh-CN" sz="2000" b="1" kern="100">
+                        <a:effectLst/>
+                        <a:latin typeface="Calibri" panose="020F0502020204030204" pitchFamily="34" charset="0"/>
+                        <a:ea typeface="MS Mincho" panose="02020609040205080304" pitchFamily="49" charset="-128"/>
+                        <a:cs typeface="Times New Roman" panose="02020603050405020304" pitchFamily="18" charset="0"/>
+                      </a:endParaRPr>
+                    </a:p>
+                  </a:txBody>
+                  <a:tcPr marL="68580" marR="68580" marT="0" marB="0" anchor="ctr"/>
+                </a:tc>
+                <a:tc>
+                  <a:txBody>
+                    <a:bodyPr/>
+                    <a:lstStyle/>
+                    <a:p>
+                      <a:pPr algn="ctr">
+                        <a:lnSpc>
+                          <a:spcPct val="110000"/>
+                        </a:lnSpc>
+                        <a:spcAft>
+                          <a:spcPts val="0"/>
+                        </a:spcAft>
+                      </a:pPr>
+                      <a:r>
+                        <a:rPr lang="en-US" sz="1600" b="1" kern="100">
+                          <a:effectLst/>
+                        </a:rPr>
+                        <a:t>Features</a:t>
+                      </a:r>
+                      <a:endParaRPr lang="zh-CN" sz="2000" b="1" kern="100">
+                        <a:effectLst/>
+                        <a:latin typeface="Calibri" panose="020F0502020204030204" pitchFamily="34" charset="0"/>
+                        <a:ea typeface="MS Mincho" panose="02020609040205080304" pitchFamily="49" charset="-128"/>
+                        <a:cs typeface="Times New Roman" panose="02020603050405020304" pitchFamily="18" charset="0"/>
+                      </a:endParaRPr>
+                    </a:p>
+                  </a:txBody>
+                  <a:tcPr marL="68580" marR="68580" marT="0" marB="0" anchor="ctr"/>
+                </a:tc>
+              </a:tr>
+              <a:tr h="437707">
+                <a:tc>
+                  <a:txBody>
+                    <a:bodyPr/>
+                    <a:lstStyle/>
+                    <a:p>
+                      <a:pPr algn="ctr">
+                        <a:lnSpc>
+                          <a:spcPct val="110000"/>
+                        </a:lnSpc>
+                        <a:spcAft>
+                          <a:spcPts val="0"/>
+                        </a:spcAft>
+                      </a:pPr>
+                      <a:r>
+                        <a:rPr lang="en-US" sz="1600" b="0" kern="100" dirty="0">
+                          <a:effectLst/>
+                        </a:rPr>
+                        <a:t>2007</a:t>
+                      </a:r>
+                      <a:endParaRPr lang="zh-CN" sz="2000" b="0" kern="100" dirty="0">
+                        <a:effectLst/>
+                        <a:latin typeface="Calibri" panose="020F0502020204030204" pitchFamily="34" charset="0"/>
+                        <a:ea typeface="MS Mincho" panose="02020609040205080304" pitchFamily="49" charset="-128"/>
+                        <a:cs typeface="Times New Roman" panose="02020603050405020304" pitchFamily="18" charset="0"/>
+                      </a:endParaRPr>
+                    </a:p>
+                  </a:txBody>
+                  <a:tcPr marL="68580" marR="68580" marT="0" marB="0" anchor="ctr"/>
+                </a:tc>
+                <a:tc>
+                  <a:txBody>
+                    <a:bodyPr/>
+                    <a:lstStyle/>
+                    <a:p>
+                      <a:pPr algn="ctr">
+                        <a:lnSpc>
+                          <a:spcPct val="110000"/>
+                        </a:lnSpc>
+                        <a:spcAft>
+                          <a:spcPts val="0"/>
+                        </a:spcAft>
+                      </a:pPr>
+                      <a:r>
+                        <a:rPr lang="en-US" sz="1600" b="0" kern="100">
+                          <a:effectLst/>
+                        </a:rPr>
+                        <a:t>Hybrid testing</a:t>
+                      </a:r>
+                      <a:endParaRPr lang="zh-CN" sz="2000" b="0" kern="100">
+                        <a:effectLst/>
+                        <a:latin typeface="Calibri" panose="020F0502020204030204" pitchFamily="34" charset="0"/>
+                        <a:ea typeface="MS Mincho" panose="02020609040205080304" pitchFamily="49" charset="-128"/>
+                        <a:cs typeface="Times New Roman" panose="02020603050405020304" pitchFamily="18" charset="0"/>
+                      </a:endParaRPr>
+                    </a:p>
+                  </a:txBody>
+                  <a:tcPr marL="68580" marR="68580" marT="0" marB="0" anchor="ctr"/>
+                </a:tc>
+                <a:tc>
+                  <a:txBody>
+                    <a:bodyPr/>
+                    <a:lstStyle/>
+                    <a:p>
+                      <a:pPr algn="l">
+                        <a:lnSpc>
+                          <a:spcPct val="110000"/>
+                        </a:lnSpc>
+                        <a:spcAft>
+                          <a:spcPts val="0"/>
+                        </a:spcAft>
+                      </a:pPr>
+                      <a:r>
+                        <a:rPr lang="en-US" sz="1600" b="0" kern="100" dirty="0">
+                          <a:effectLst/>
+                        </a:rPr>
+                        <a:t>The concept of hybrid testing was first proposed. </a:t>
+                      </a:r>
+                      <a:endParaRPr lang="zh-CN" sz="2000" b="0" kern="100" dirty="0">
+                        <a:effectLst/>
+                        <a:latin typeface="Calibri" panose="020F0502020204030204" pitchFamily="34" charset="0"/>
+                        <a:ea typeface="MS Mincho" panose="02020609040205080304" pitchFamily="49" charset="-128"/>
+                        <a:cs typeface="Times New Roman" panose="02020603050405020304" pitchFamily="18" charset="0"/>
+                      </a:endParaRPr>
+                    </a:p>
+                  </a:txBody>
+                  <a:tcPr marL="68580" marR="68580" marT="0" marB="0" anchor="ctr"/>
+                </a:tc>
+              </a:tr>
+              <a:tr h="437707">
+                <a:tc>
+                  <a:txBody>
+                    <a:bodyPr/>
+                    <a:lstStyle/>
+                    <a:p>
+                      <a:pPr algn="ctr">
+                        <a:lnSpc>
+                          <a:spcPct val="110000"/>
+                        </a:lnSpc>
+                        <a:spcAft>
+                          <a:spcPts val="0"/>
+                        </a:spcAft>
+                      </a:pPr>
+                      <a:r>
+                        <a:rPr lang="en-US" sz="1600" b="0" kern="100">
+                          <a:effectLst/>
+                        </a:rPr>
+                        <a:t>2012</a:t>
+                      </a:r>
+                      <a:endParaRPr lang="zh-CN" sz="2000" b="0" kern="100">
+                        <a:effectLst/>
+                        <a:latin typeface="Calibri" panose="020F0502020204030204" pitchFamily="34" charset="0"/>
+                        <a:ea typeface="MS Mincho" panose="02020609040205080304" pitchFamily="49" charset="-128"/>
+                        <a:cs typeface="Times New Roman" panose="02020603050405020304" pitchFamily="18" charset="0"/>
+                      </a:endParaRPr>
+                    </a:p>
+                  </a:txBody>
+                  <a:tcPr marL="68580" marR="68580" marT="0" marB="0" anchor="ctr"/>
+                </a:tc>
+                <a:tc>
+                  <a:txBody>
+                    <a:bodyPr/>
+                    <a:lstStyle/>
+                    <a:p>
+                      <a:pPr algn="ctr">
+                        <a:lnSpc>
+                          <a:spcPct val="110000"/>
+                        </a:lnSpc>
+                        <a:spcAft>
+                          <a:spcPts val="0"/>
+                        </a:spcAft>
+                      </a:pPr>
+                      <a:r>
+                        <a:rPr lang="en-US" sz="1600" b="0" kern="100">
+                          <a:effectLst/>
+                        </a:rPr>
+                        <a:t>Hybrid fuzzing</a:t>
+                      </a:r>
+                      <a:endParaRPr lang="zh-CN" sz="2000" b="0" kern="100">
+                        <a:effectLst/>
+                        <a:latin typeface="Calibri" panose="020F0502020204030204" pitchFamily="34" charset="0"/>
+                        <a:ea typeface="MS Mincho" panose="02020609040205080304" pitchFamily="49" charset="-128"/>
+                        <a:cs typeface="Times New Roman" panose="02020603050405020304" pitchFamily="18" charset="0"/>
+                      </a:endParaRPr>
+                    </a:p>
+                  </a:txBody>
+                  <a:tcPr marL="68580" marR="68580" marT="0" marB="0" anchor="ctr"/>
+                </a:tc>
+                <a:tc>
+                  <a:txBody>
+                    <a:bodyPr/>
+                    <a:lstStyle/>
+                    <a:p>
+                      <a:pPr algn="l">
+                        <a:lnSpc>
+                          <a:spcPct val="110000"/>
+                        </a:lnSpc>
+                        <a:spcAft>
+                          <a:spcPts val="0"/>
+                        </a:spcAft>
+                      </a:pPr>
+                      <a:r>
+                        <a:rPr lang="en-US" sz="1600" b="0" kern="100" dirty="0">
+                          <a:effectLst/>
+                        </a:rPr>
+                        <a:t>Hybrid fuzzing is officially proposed for the first time. </a:t>
+                      </a:r>
+                      <a:endParaRPr lang="zh-CN" sz="2000" b="0" kern="100" dirty="0">
+                        <a:effectLst/>
+                        <a:latin typeface="Calibri" panose="020F0502020204030204" pitchFamily="34" charset="0"/>
+                        <a:ea typeface="MS Mincho" panose="02020609040205080304" pitchFamily="49" charset="-128"/>
+                        <a:cs typeface="Times New Roman" panose="02020603050405020304" pitchFamily="18" charset="0"/>
+                      </a:endParaRPr>
+                    </a:p>
+                  </a:txBody>
+                  <a:tcPr marL="68580" marR="68580" marT="0" marB="0" anchor="ctr"/>
+                </a:tc>
+              </a:tr>
+              <a:tr h="1614389">
+                <a:tc>
+                  <a:txBody>
+                    <a:bodyPr/>
+                    <a:lstStyle/>
+                    <a:p>
+                      <a:pPr algn="ctr">
+                        <a:lnSpc>
+                          <a:spcPct val="110000"/>
+                        </a:lnSpc>
+                        <a:spcAft>
+                          <a:spcPts val="0"/>
+                        </a:spcAft>
+                      </a:pPr>
+                      <a:r>
+                        <a:rPr lang="en-US" sz="1600" b="0" kern="100">
+                          <a:effectLst/>
+                        </a:rPr>
+                        <a:t>2016</a:t>
+                      </a:r>
+                      <a:endParaRPr lang="zh-CN" sz="2000" b="0" kern="100">
+                        <a:effectLst/>
+                        <a:latin typeface="Calibri" panose="020F0502020204030204" pitchFamily="34" charset="0"/>
+                        <a:ea typeface="MS Mincho" panose="02020609040205080304" pitchFamily="49" charset="-128"/>
+                        <a:cs typeface="Times New Roman" panose="02020603050405020304" pitchFamily="18" charset="0"/>
+                      </a:endParaRPr>
+                    </a:p>
+                  </a:txBody>
+                  <a:tcPr marL="68580" marR="68580" marT="0" marB="0" anchor="ctr"/>
+                </a:tc>
+                <a:tc>
+                  <a:txBody>
+                    <a:bodyPr/>
+                    <a:lstStyle/>
+                    <a:p>
+                      <a:pPr algn="ctr">
+                        <a:lnSpc>
+                          <a:spcPct val="110000"/>
+                        </a:lnSpc>
+                        <a:spcAft>
+                          <a:spcPts val="0"/>
+                        </a:spcAft>
+                      </a:pPr>
+                      <a:r>
+                        <a:rPr lang="en-US" sz="1600" b="0" kern="100" dirty="0">
+                          <a:effectLst/>
+                        </a:rPr>
+                        <a:t>Driller</a:t>
+                      </a:r>
+                      <a:endParaRPr lang="zh-CN" sz="2000" b="0" kern="100" dirty="0">
+                        <a:effectLst/>
+                        <a:latin typeface="Calibri" panose="020F0502020204030204" pitchFamily="34" charset="0"/>
+                        <a:ea typeface="MS Mincho" panose="02020609040205080304" pitchFamily="49" charset="-128"/>
+                        <a:cs typeface="Times New Roman" panose="02020603050405020304" pitchFamily="18" charset="0"/>
+                      </a:endParaRPr>
+                    </a:p>
+                  </a:txBody>
+                  <a:tcPr marL="68580" marR="68580" marT="0" marB="0" anchor="ctr"/>
+                </a:tc>
+                <a:tc>
+                  <a:txBody>
+                    <a:bodyPr/>
+                    <a:lstStyle/>
+                    <a:p>
+                      <a:pPr algn="l">
+                        <a:lnSpc>
+                          <a:spcPct val="110000"/>
+                        </a:lnSpc>
+                        <a:spcAft>
+                          <a:spcPts val="0"/>
+                        </a:spcAft>
+                      </a:pPr>
+                      <a:r>
+                        <a:rPr lang="en-US" sz="1600" b="0" kern="100" dirty="0">
+                          <a:effectLst/>
+                        </a:rPr>
+                        <a:t>Driller is based on the fuzz tool AFL and the symbolic execution tool </a:t>
+                      </a:r>
+                      <a:r>
+                        <a:rPr lang="en-US" sz="1600" b="0" kern="100" dirty="0" err="1">
+                          <a:effectLst/>
+                        </a:rPr>
+                        <a:t>angr</a:t>
+                      </a:r>
+                      <a:r>
+                        <a:rPr lang="en-US" sz="1600" b="0" kern="100" dirty="0">
+                          <a:effectLst/>
+                        </a:rPr>
+                        <a:t>. When the fuzzy program is stuck, the symbolic execution is called to solve the input that can reach the new path, so that the fuzz can quickly break through the conditional judgment statement.</a:t>
+                      </a:r>
+                      <a:endParaRPr lang="zh-CN" sz="2000" b="0" kern="100" dirty="0">
+                        <a:effectLst/>
+                        <a:latin typeface="Calibri" panose="020F0502020204030204" pitchFamily="34" charset="0"/>
+                        <a:ea typeface="MS Mincho" panose="02020609040205080304" pitchFamily="49" charset="-128"/>
+                        <a:cs typeface="Times New Roman" panose="02020603050405020304" pitchFamily="18" charset="0"/>
+                      </a:endParaRPr>
+                    </a:p>
+                  </a:txBody>
+                  <a:tcPr marL="68580" marR="68580" marT="0" marB="0" anchor="ctr"/>
+                </a:tc>
+              </a:tr>
+              <a:tr h="962085">
+                <a:tc>
+                  <a:txBody>
+                    <a:bodyPr/>
+                    <a:lstStyle/>
+                    <a:p>
+                      <a:pPr algn="ctr">
+                        <a:lnSpc>
+                          <a:spcPct val="110000"/>
+                        </a:lnSpc>
+                        <a:spcAft>
+                          <a:spcPts val="0"/>
+                        </a:spcAft>
+                      </a:pPr>
+                      <a:r>
+                        <a:rPr lang="en-US" sz="1600" b="0" kern="100">
+                          <a:effectLst/>
+                        </a:rPr>
+                        <a:t>2018</a:t>
+                      </a:r>
+                      <a:endParaRPr lang="zh-CN" sz="2000" b="0" kern="100">
+                        <a:effectLst/>
+                        <a:latin typeface="Calibri" panose="020F0502020204030204" pitchFamily="34" charset="0"/>
+                        <a:ea typeface="MS Mincho" panose="02020609040205080304" pitchFamily="49" charset="-128"/>
+                        <a:cs typeface="Times New Roman" panose="02020603050405020304" pitchFamily="18" charset="0"/>
+                      </a:endParaRPr>
+                    </a:p>
+                  </a:txBody>
+                  <a:tcPr marL="68580" marR="68580" marT="0" marB="0" anchor="ctr"/>
+                </a:tc>
+                <a:tc>
+                  <a:txBody>
+                    <a:bodyPr/>
+                    <a:lstStyle/>
+                    <a:p>
+                      <a:pPr algn="ctr">
+                        <a:lnSpc>
+                          <a:spcPct val="110000"/>
+                        </a:lnSpc>
+                        <a:spcAft>
+                          <a:spcPts val="0"/>
+                        </a:spcAft>
+                      </a:pPr>
+                      <a:r>
+                        <a:rPr lang="en-US" sz="1600" b="0" kern="100">
+                          <a:effectLst/>
+                        </a:rPr>
+                        <a:t>QSYM</a:t>
+                      </a:r>
+                      <a:endParaRPr lang="zh-CN" sz="2000" b="0" kern="100">
+                        <a:effectLst/>
+                        <a:latin typeface="Calibri" panose="020F0502020204030204" pitchFamily="34" charset="0"/>
+                        <a:ea typeface="MS Mincho" panose="02020609040205080304" pitchFamily="49" charset="-128"/>
+                        <a:cs typeface="Times New Roman" panose="02020603050405020304" pitchFamily="18" charset="0"/>
+                      </a:endParaRPr>
+                    </a:p>
+                  </a:txBody>
+                  <a:tcPr marL="68580" marR="68580" marT="0" marB="0" anchor="ctr"/>
+                </a:tc>
+                <a:tc>
+                  <a:txBody>
+                    <a:bodyPr/>
+                    <a:lstStyle/>
+                    <a:p>
+                      <a:pPr algn="l">
+                        <a:lnSpc>
+                          <a:spcPct val="110000"/>
+                        </a:lnSpc>
+                        <a:spcAft>
+                          <a:spcPts val="0"/>
+                        </a:spcAft>
+                      </a:pPr>
+                      <a:r>
+                        <a:rPr lang="en-US" sz="1600" b="0" kern="100" dirty="0">
+                          <a:effectLst/>
+                        </a:rPr>
+                        <a:t>A hybrid fuzzing technique that focuses more on symbolic execution. QSYM is a practical </a:t>
+                      </a:r>
+                      <a:r>
+                        <a:rPr lang="en-US" sz="1600" b="0" kern="100" dirty="0" err="1">
+                          <a:effectLst/>
+                        </a:rPr>
+                        <a:t>concolic</a:t>
+                      </a:r>
+                      <a:r>
+                        <a:rPr lang="en-US" sz="1600" b="0" kern="100" dirty="0">
+                          <a:effectLst/>
+                        </a:rPr>
+                        <a:t> execution engine tailored for hybrid fuzzing.</a:t>
+                      </a:r>
+                      <a:endParaRPr lang="zh-CN" sz="2000" b="0" kern="100" dirty="0">
+                        <a:effectLst/>
+                        <a:latin typeface="Calibri" panose="020F0502020204030204" pitchFamily="34" charset="0"/>
+                        <a:ea typeface="MS Mincho" panose="02020609040205080304" pitchFamily="49" charset="-128"/>
+                        <a:cs typeface="Times New Roman" panose="02020603050405020304" pitchFamily="18" charset="0"/>
+                      </a:endParaRPr>
+                    </a:p>
+                  </a:txBody>
+                  <a:tcPr marL="68580" marR="68580" marT="0" marB="0" anchor="ctr"/>
+                </a:tc>
+              </a:tr>
+              <a:tr h="437707">
+                <a:tc>
+                  <a:txBody>
+                    <a:bodyPr/>
+                    <a:lstStyle/>
+                    <a:p>
+                      <a:pPr algn="ctr">
+                        <a:lnSpc>
+                          <a:spcPct val="110000"/>
+                        </a:lnSpc>
+                        <a:spcAft>
+                          <a:spcPts val="0"/>
+                        </a:spcAft>
+                      </a:pPr>
+                      <a:r>
+                        <a:rPr lang="en-US" sz="1600" b="0" kern="100">
+                          <a:effectLst/>
+                        </a:rPr>
+                        <a:t>2019</a:t>
+                      </a:r>
+                      <a:endParaRPr lang="zh-CN" sz="2000" b="0" kern="100">
+                        <a:effectLst/>
+                        <a:latin typeface="Calibri" panose="020F0502020204030204" pitchFamily="34" charset="0"/>
+                        <a:ea typeface="MS Mincho" panose="02020609040205080304" pitchFamily="49" charset="-128"/>
+                        <a:cs typeface="Times New Roman" panose="02020603050405020304" pitchFamily="18" charset="0"/>
+                      </a:endParaRPr>
+                    </a:p>
+                  </a:txBody>
+                  <a:tcPr marL="68580" marR="68580" marT="0" marB="0" anchor="ctr"/>
+                </a:tc>
+                <a:tc>
+                  <a:txBody>
+                    <a:bodyPr/>
+                    <a:lstStyle/>
+                    <a:p>
+                      <a:pPr algn="ctr">
+                        <a:lnSpc>
+                          <a:spcPct val="110000"/>
+                        </a:lnSpc>
+                        <a:spcAft>
+                          <a:spcPts val="0"/>
+                        </a:spcAft>
+                      </a:pPr>
+                      <a:r>
+                        <a:rPr lang="en-US" sz="1600" b="0" kern="100">
+                          <a:effectLst/>
+                        </a:rPr>
+                        <a:t>Afleer</a:t>
+                      </a:r>
+                      <a:endParaRPr lang="zh-CN" sz="2000" b="0" kern="100">
+                        <a:effectLst/>
+                        <a:latin typeface="Calibri" panose="020F0502020204030204" pitchFamily="34" charset="0"/>
+                        <a:ea typeface="MS Mincho" panose="02020609040205080304" pitchFamily="49" charset="-128"/>
+                        <a:cs typeface="Times New Roman" panose="02020603050405020304" pitchFamily="18" charset="0"/>
+                      </a:endParaRPr>
+                    </a:p>
+                  </a:txBody>
+                  <a:tcPr marL="68580" marR="68580" marT="0" marB="0" anchor="ctr"/>
+                </a:tc>
+                <a:tc>
+                  <a:txBody>
+                    <a:bodyPr/>
+                    <a:lstStyle/>
+                    <a:p>
+                      <a:pPr algn="l">
+                        <a:lnSpc>
+                          <a:spcPct val="110000"/>
+                        </a:lnSpc>
+                        <a:spcAft>
+                          <a:spcPts val="0"/>
+                        </a:spcAft>
+                      </a:pPr>
+                      <a:r>
+                        <a:rPr lang="en-US" sz="1600" b="0" kern="100" dirty="0">
+                          <a:effectLst/>
+                        </a:rPr>
+                        <a:t>The trend of domestic research on hybrid fuzzing begins.</a:t>
+                      </a:r>
+                      <a:endParaRPr lang="zh-CN" sz="2000" b="0" kern="100" dirty="0">
+                        <a:effectLst/>
+                        <a:latin typeface="Calibri" panose="020F0502020204030204" pitchFamily="34" charset="0"/>
+                        <a:ea typeface="MS Mincho" panose="02020609040205080304" pitchFamily="49" charset="-128"/>
+                        <a:cs typeface="Times New Roman" panose="02020603050405020304" pitchFamily="18" charset="0"/>
+                      </a:endParaRPr>
+                    </a:p>
+                  </a:txBody>
+                  <a:tcPr marL="68580" marR="68580" marT="0" marB="0" anchor="ctr"/>
+                </a:tc>
+              </a:tr>
+              <a:tr h="635934">
+                <a:tc>
+                  <a:txBody>
+                    <a:bodyPr/>
+                    <a:lstStyle/>
+                    <a:p>
+                      <a:pPr algn="ctr">
+                        <a:lnSpc>
+                          <a:spcPct val="110000"/>
+                        </a:lnSpc>
+                        <a:spcAft>
+                          <a:spcPts val="0"/>
+                        </a:spcAft>
+                      </a:pPr>
+                      <a:r>
+                        <a:rPr lang="en-US" sz="1600" b="0" kern="100">
+                          <a:effectLst/>
+                        </a:rPr>
+                        <a:t>2020</a:t>
+                      </a:r>
+                      <a:endParaRPr lang="zh-CN" sz="2000" b="0" kern="100">
+                        <a:effectLst/>
+                        <a:latin typeface="Calibri" panose="020F0502020204030204" pitchFamily="34" charset="0"/>
+                        <a:ea typeface="MS Mincho" panose="02020609040205080304" pitchFamily="49" charset="-128"/>
+                        <a:cs typeface="Times New Roman" panose="02020603050405020304" pitchFamily="18" charset="0"/>
+                      </a:endParaRPr>
+                    </a:p>
+                  </a:txBody>
+                  <a:tcPr marL="68580" marR="68580" marT="0" marB="0" anchor="ctr"/>
+                </a:tc>
+                <a:tc>
+                  <a:txBody>
+                    <a:bodyPr/>
+                    <a:lstStyle/>
+                    <a:p>
+                      <a:pPr algn="ctr">
+                        <a:lnSpc>
+                          <a:spcPct val="110000"/>
+                        </a:lnSpc>
+                        <a:spcAft>
+                          <a:spcPts val="0"/>
+                        </a:spcAft>
+                      </a:pPr>
+                      <a:r>
+                        <a:rPr lang="en-US" sz="1600" b="0" kern="100">
+                          <a:effectLst/>
+                        </a:rPr>
+                        <a:t>PANGOLIN</a:t>
+                      </a:r>
+                      <a:endParaRPr lang="zh-CN" sz="2000" b="0" kern="100">
+                        <a:effectLst/>
+                        <a:latin typeface="Calibri" panose="020F0502020204030204" pitchFamily="34" charset="0"/>
+                        <a:ea typeface="MS Mincho" panose="02020609040205080304" pitchFamily="49" charset="-128"/>
+                        <a:cs typeface="Times New Roman" panose="02020603050405020304" pitchFamily="18" charset="0"/>
+                      </a:endParaRPr>
+                    </a:p>
+                  </a:txBody>
+                  <a:tcPr marL="68580" marR="68580" marT="0" marB="0" anchor="ctr"/>
+                </a:tc>
+                <a:tc>
+                  <a:txBody>
+                    <a:bodyPr/>
+                    <a:lstStyle/>
+                    <a:p>
+                      <a:pPr algn="l">
+                        <a:lnSpc>
+                          <a:spcPct val="110000"/>
+                        </a:lnSpc>
+                        <a:spcAft>
+                          <a:spcPts val="0"/>
+                        </a:spcAft>
+                      </a:pPr>
+                      <a:r>
+                        <a:rPr lang="en-US" sz="1600" b="0" kern="100" dirty="0">
+                          <a:effectLst/>
+                        </a:rPr>
+                        <a:t>For the first time, it is optimized for symbolic execution in hybrid fuzzing, not fuzzing.</a:t>
+                      </a:r>
+                      <a:endParaRPr lang="zh-CN" sz="2000" b="0" kern="100" dirty="0">
+                        <a:effectLst/>
+                        <a:latin typeface="Calibri" panose="020F0502020204030204" pitchFamily="34" charset="0"/>
+                        <a:ea typeface="MS Mincho" panose="02020609040205080304" pitchFamily="49" charset="-128"/>
+                        <a:cs typeface="Times New Roman" panose="02020603050405020304" pitchFamily="18" charset="0"/>
+                      </a:endParaRPr>
+                    </a:p>
+                  </a:txBody>
+                  <a:tcPr marL="68580" marR="68580" marT="0" marB="0" anchor="ctr"/>
+                </a:tc>
+              </a:tr>
+            </a:tbl>
+          </a:graphicData>
+        </a:graphic>
+      </p:graphicFrame>
       <p:sp>
         <p:nvSpPr>
-          <p:cNvPr id="5" name="标题 1"/>
-          <p:cNvSpPr txBox="1"/>
-          <p:nvPr/>
+          <p:cNvPr id="6" name="íšľîḑê"/>
+          <p:cNvSpPr>
+            <a:spLocks noGrp="1"/>
+          </p:cNvSpPr>
+          <p:nvPr>
+            <p:ph type="title"/>
+          </p:nvPr>
         </p:nvSpPr>
         <p:spPr>
           <a:xfrm>
-            <a:off x="547687" y="14575"/>
-            <a:ext cx="10850563" cy="1028700"/>
+            <a:off x="838200" y="365125"/>
+            <a:ext cx="10515600" cy="1325563"/>
           </a:xfrm>
-          <a:prstGeom prst="rect">
-            <a:avLst/>
-          </a:prstGeom>
         </p:spPr>
         <p:txBody>
-          <a:bodyPr vert="horz" lIns="91440" tIns="45720" rIns="91440" bIns="45720" rtlCol="0" anchor="b" anchorCtr="0">
+          <a:bodyPr>
             <a:normAutofit/>
           </a:bodyPr>
-          <a:lstStyle>
-            <a:lvl1pPr algn="l" defTabSz="914400" rtl="0" eaLnBrk="1" latinLnBrk="0" hangingPunct="1">
-              <a:lnSpc>
-                <a:spcPct val="90000"/>
-              </a:lnSpc>
-              <a:spcBef>
-                <a:spcPct val="0"/>
-              </a:spcBef>
-              <a:buNone/>
-              <a:defRPr sz="4000" b="1" kern="1200">
-                <a:solidFill>
-                  <a:srgbClr val="394479"/>
-                </a:solidFill>
-                <a:latin typeface="+mj-lt"/>
-                <a:ea typeface="+mj-ea"/>
-                <a:cs typeface="+mj-cs"/>
-              </a:defRPr>
-            </a:lvl1pPr>
-          </a:lstStyle>
-          <a:p>
-            <a:r>
-              <a:rPr lang="en-US" altLang="zh-CN" sz="2800" dirty="0">
-                <a:latin typeface="+mn-ea"/>
-                <a:ea typeface="+mn-ea"/>
-              </a:rPr>
-              <a:t>4.1</a:t>
-            </a:r>
-            <a:r>
-              <a:rPr lang="zh-CN" altLang="en-US" sz="2800" dirty="0">
-                <a:latin typeface="+mn-ea"/>
-                <a:ea typeface="+mn-ea"/>
-              </a:rPr>
-              <a:t> 总结回顾</a:t>
+          <a:lstStyle/>
+          <a:p>
+            <a:r>
+              <a:rPr lang="zh-CN" altLang="en-US" sz="3200" dirty="0"/>
+              <a:t>混合模糊测试技术（</a:t>
+            </a:r>
+            <a:r>
+              <a:rPr lang="en-US" altLang="zh-CN" sz="3200" dirty="0"/>
+              <a:t>Hybrid fuzzing</a:t>
+            </a:r>
+            <a:r>
+              <a:rPr lang="zh-CN" altLang="en-US" sz="3200" dirty="0"/>
+              <a:t>）</a:t>
             </a:r>
           </a:p>
         </p:txBody>
@@ -7627,7 +8374,7 @@
     </p:spTree>
     <p:extLst>
       <p:ext uri="{BB962C8B-B14F-4D97-AF65-F5344CB8AC3E}">
-        <p14:creationId xmlns:p14="http://schemas.microsoft.com/office/powerpoint/2010/main" val="180708204"/>
+        <p14:creationId xmlns:p14="http://schemas.microsoft.com/office/powerpoint/2010/main" val="3598443241"/>
       </p:ext>
     </p:extLst>
   </p:cSld>

--- a/PPT/A Survey of Hybrid Fuzzing based on Symbolic Execution.pptx
+++ b/PPT/A Survey of Hybrid Fuzzing based on Symbolic Execution.pptx
@@ -1,26 +1,26 @@
 
 <file path=ppt/presentation.xml><?xml version="1.0" encoding="utf-8"?>
-<p:presentation xmlns:a="http://schemas.openxmlformats.org/drawingml/2006/main" xmlns:r="http://schemas.openxmlformats.org/officeDocument/2006/relationships" xmlns:p="http://schemas.openxmlformats.org/presentationml/2006/main" saveSubsetFonts="1">
+<p:presentation xmlns:a="http://schemas.openxmlformats.org/drawingml/2006/main" xmlns:r="http://schemas.openxmlformats.org/officeDocument/2006/relationships" xmlns:p="http://schemas.openxmlformats.org/presentationml/2006/main">
   <p:sldMasterIdLst>
-    <p:sldMasterId id="2147483675" r:id="rId1"/>
+    <p:sldMasterId id="2147483648" r:id="rId1"/>
   </p:sldMasterIdLst>
   <p:notesMasterIdLst>
-    <p:notesMasterId r:id="rId15"/>
+    <p:notesMasterId r:id="rId4"/>
   </p:notesMasterIdLst>
   <p:sldIdLst>
-    <p:sldId id="257" r:id="rId2"/>
-    <p:sldId id="258" r:id="rId3"/>
-    <p:sldId id="287" r:id="rId4"/>
-    <p:sldId id="288" r:id="rId5"/>
-    <p:sldId id="289" r:id="rId6"/>
-    <p:sldId id="284" r:id="rId7"/>
-    <p:sldId id="278" r:id="rId8"/>
-    <p:sldId id="291" r:id="rId9"/>
-    <p:sldId id="285" r:id="rId10"/>
-    <p:sldId id="293" r:id="rId11"/>
-    <p:sldId id="286" r:id="rId12"/>
-    <p:sldId id="294" r:id="rId13"/>
-    <p:sldId id="283" r:id="rId14"/>
+    <p:sldId id="257" r:id="rId3"/>
+    <p:sldId id="258" r:id="rId5"/>
+    <p:sldId id="287" r:id="rId6"/>
+    <p:sldId id="288" r:id="rId7"/>
+    <p:sldId id="289" r:id="rId8"/>
+    <p:sldId id="284" r:id="rId9"/>
+    <p:sldId id="278" r:id="rId10"/>
+    <p:sldId id="291" r:id="rId11"/>
+    <p:sldId id="285" r:id="rId12"/>
+    <p:sldId id="293" r:id="rId13"/>
+    <p:sldId id="286" r:id="rId14"/>
+    <p:sldId id="294" r:id="rId15"/>
+    <p:sldId id="283" r:id="rId16"/>
   </p:sldIdLst>
   <p:sldSz cx="12192000" cy="6858000"/>
   <p:notesSz cx="6858000" cy="9144000"/>
@@ -119,11 +119,6 @@
       </a:defRPr>
     </a:lvl9pPr>
   </p:defaultTextStyle>
-  <p:extLst>
-    <p:ext uri="{EFAFB233-063F-42B5-8137-9DF3F51BA10A}">
-      <p15:sldGuideLst xmlns:p15="http://schemas.microsoft.com/office/powerpoint/2012/main"/>
-    </p:ext>
-  </p:extLst>
 </p:presentation>
 </file>
 
@@ -209,7 +204,6 @@
           <a:p>
             <a:fld id="{C4B6EFF4-9889-4590-8FDA-C08184AD6D6F}" type="datetimeFigureOut">
               <a:rPr lang="zh-CN" altLang="en-US" smtClean="0"/>
-              <a:t>2020/12/3</a:t>
             </a:fld>
             <a:endParaRPr lang="zh-CN" altLang="en-US"/>
           </a:p>
@@ -276,6 +270,7 @@
               <a:rPr lang="zh-CN" altLang="en-US" smtClean="0"/>
               <a:t>单击此处编辑母版文本样式</a:t>
             </a:r>
+            <a:endParaRPr lang="zh-CN" altLang="en-US" smtClean="0"/>
           </a:p>
           <a:p>
             <a:pPr lvl="1"/>
@@ -283,6 +278,7 @@
               <a:rPr lang="zh-CN" altLang="en-US" smtClean="0"/>
               <a:t>第二级</a:t>
             </a:r>
+            <a:endParaRPr lang="zh-CN" altLang="en-US" smtClean="0"/>
           </a:p>
           <a:p>
             <a:pPr lvl="2"/>
@@ -290,6 +286,7 @@
               <a:rPr lang="zh-CN" altLang="en-US" smtClean="0"/>
               <a:t>第三级</a:t>
             </a:r>
+            <a:endParaRPr lang="zh-CN" altLang="en-US" smtClean="0"/>
           </a:p>
           <a:p>
             <a:pPr lvl="3"/>
@@ -297,6 +294,7 @@
               <a:rPr lang="zh-CN" altLang="en-US" smtClean="0"/>
               <a:t>第四级</a:t>
             </a:r>
+            <a:endParaRPr lang="zh-CN" altLang="en-US" smtClean="0"/>
           </a:p>
           <a:p>
             <a:pPr lvl="4"/>
@@ -368,18 +366,12 @@
           <a:p>
             <a:fld id="{1AACEEBE-C18F-4BCE-A447-8BA2D319AC0F}" type="slidenum">
               <a:rPr lang="zh-CN" altLang="en-US" smtClean="0"/>
-              <a:t>‹#›</a:t>
             </a:fld>
             <a:endParaRPr lang="zh-CN" altLang="en-US"/>
           </a:p>
         </p:txBody>
       </p:sp>
     </p:spTree>
-    <p:extLst>
-      <p:ext uri="{BB962C8B-B14F-4D97-AF65-F5344CB8AC3E}">
-        <p14:creationId xmlns:p14="http://schemas.microsoft.com/office/powerpoint/2010/main" val="1936280591"/>
-      </p:ext>
-    </p:extLst>
   </p:cSld>
   <p:clrMap bg1="lt1" tx1="dk1" bg2="lt2" tx2="dk2" accent1="accent1" accent2="accent2" accent3="accent3" accent4="accent4" accent5="accent5" accent6="accent6" hlink="hlink" folHlink="folHlink"/>
   <p:notesStyle>
@@ -542,18 +534,12 @@
           <a:p>
             <a:fld id="{790F3238-B197-4DD0-8393-B222E6E85519}" type="slidenum">
               <a:rPr lang="zh-CN" altLang="en-US" smtClean="0"/>
-              <a:t>1</a:t>
             </a:fld>
             <a:endParaRPr lang="zh-CN" altLang="en-US"/>
           </a:p>
         </p:txBody>
       </p:sp>
     </p:spTree>
-    <p:extLst>
-      <p:ext uri="{BB962C8B-B14F-4D97-AF65-F5344CB8AC3E}">
-        <p14:creationId xmlns:p14="http://schemas.microsoft.com/office/powerpoint/2010/main" val="107508868"/>
-      </p:ext>
-    </p:extLst>
   </p:cSld>
   <p:clrMapOvr>
     <a:masterClrMapping/>
@@ -645,18 +631,12 @@
           <a:p>
             <a:fld id="{790F3238-B197-4DD0-8393-B222E6E85519}" type="slidenum">
               <a:rPr lang="zh-CN" altLang="en-US" smtClean="0"/>
-              <a:t>10</a:t>
             </a:fld>
             <a:endParaRPr lang="zh-CN" altLang="en-US"/>
           </a:p>
         </p:txBody>
       </p:sp>
     </p:spTree>
-    <p:extLst>
-      <p:ext uri="{BB962C8B-B14F-4D97-AF65-F5344CB8AC3E}">
-        <p14:creationId xmlns:p14="http://schemas.microsoft.com/office/powerpoint/2010/main" val="2882774149"/>
-      </p:ext>
-    </p:extLst>
   </p:cSld>
   <p:clrMapOvr>
     <a:masterClrMapping/>
@@ -729,18 +709,12 @@
           <a:p>
             <a:fld id="{790F3238-B197-4DD0-8393-B222E6E85519}" type="slidenum">
               <a:rPr lang="zh-CN" altLang="en-US" smtClean="0"/>
-              <a:t>11</a:t>
             </a:fld>
             <a:endParaRPr lang="zh-CN" altLang="en-US"/>
           </a:p>
         </p:txBody>
       </p:sp>
     </p:spTree>
-    <p:extLst>
-      <p:ext uri="{BB962C8B-B14F-4D97-AF65-F5344CB8AC3E}">
-        <p14:creationId xmlns:p14="http://schemas.microsoft.com/office/powerpoint/2010/main" val="3769653662"/>
-      </p:ext>
-    </p:extLst>
   </p:cSld>
   <p:clrMapOvr>
     <a:masterClrMapping/>
@@ -832,18 +806,12 @@
           <a:p>
             <a:fld id="{790F3238-B197-4DD0-8393-B222E6E85519}" type="slidenum">
               <a:rPr lang="zh-CN" altLang="en-US" smtClean="0"/>
-              <a:t>12</a:t>
             </a:fld>
             <a:endParaRPr lang="zh-CN" altLang="en-US"/>
           </a:p>
         </p:txBody>
       </p:sp>
     </p:spTree>
-    <p:extLst>
-      <p:ext uri="{BB962C8B-B14F-4D97-AF65-F5344CB8AC3E}">
-        <p14:creationId xmlns:p14="http://schemas.microsoft.com/office/powerpoint/2010/main" val="1351035736"/>
-      </p:ext>
-    </p:extLst>
   </p:cSld>
   <p:clrMapOvr>
     <a:masterClrMapping/>
@@ -916,18 +884,12 @@
           <a:p>
             <a:fld id="{790F3238-B197-4DD0-8393-B222E6E85519}" type="slidenum">
               <a:rPr lang="zh-CN" altLang="en-US" smtClean="0"/>
-              <a:t>13</a:t>
             </a:fld>
             <a:endParaRPr lang="zh-CN" altLang="en-US"/>
           </a:p>
         </p:txBody>
       </p:sp>
     </p:spTree>
-    <p:extLst>
-      <p:ext uri="{BB962C8B-B14F-4D97-AF65-F5344CB8AC3E}">
-        <p14:creationId xmlns:p14="http://schemas.microsoft.com/office/powerpoint/2010/main" val="2795811709"/>
-      </p:ext>
-    </p:extLst>
   </p:cSld>
   <p:clrMapOvr>
     <a:masterClrMapping/>
@@ -1000,18 +962,12 @@
           <a:p>
             <a:fld id="{790F3238-B197-4DD0-8393-B222E6E85519}" type="slidenum">
               <a:rPr lang="zh-CN" altLang="en-US" smtClean="0"/>
-              <a:t>2</a:t>
             </a:fld>
             <a:endParaRPr lang="zh-CN" altLang="en-US"/>
           </a:p>
         </p:txBody>
       </p:sp>
     </p:spTree>
-    <p:extLst>
-      <p:ext uri="{BB962C8B-B14F-4D97-AF65-F5344CB8AC3E}">
-        <p14:creationId xmlns:p14="http://schemas.microsoft.com/office/powerpoint/2010/main" val="2719545106"/>
-      </p:ext>
-    </p:extLst>
   </p:cSld>
   <p:clrMapOvr>
     <a:masterClrMapping/>
@@ -1196,18 +1152,12 @@
           <a:p>
             <a:fld id="{E9E6FDB6-6D2B-46C1-9FA1-D82906A37C3A}" type="slidenum">
               <a:rPr lang="zh-CN" altLang="en-US" smtClean="0"/>
-              <a:t>3</a:t>
             </a:fld>
             <a:endParaRPr lang="zh-CN" altLang="en-US"/>
           </a:p>
         </p:txBody>
       </p:sp>
     </p:spTree>
-    <p:extLst>
-      <p:ext uri="{BB962C8B-B14F-4D97-AF65-F5344CB8AC3E}">
-        <p14:creationId xmlns:p14="http://schemas.microsoft.com/office/powerpoint/2010/main" val="2827903027"/>
-      </p:ext>
-    </p:extLst>
   </p:cSld>
   <p:clrMapOvr>
     <a:masterClrMapping/>
@@ -1303,6 +1253,7 @@
               <a:rPr lang="zh-CN" altLang="en-US" dirty="0" smtClean="0"/>
               <a:t>的逻辑与，它们全都一一映射到右边的符号执行分析图中。我们理解一段程序是靠控制流图，符号执行对代码进行分析更接近计算机的理解，执行的是状态。我们可以看到程序所有的状态都会在根节点出现，显然这样的情况在大程序中很快就深入不下去了，就是常说的路径爆炸，会有一个时间复杂度太高的问题。但是我们会考虑这种面面俱到能不能跟模糊测试的覆盖率结合起来，毕竟覆盖率和符号执行都是对代码空间的表述。</a:t>
             </a:r>
+            <a:endParaRPr lang="zh-CN" altLang="en-US" dirty="0" smtClean="0"/>
           </a:p>
           <a:p>
             <a:endParaRPr lang="en-US" altLang="zh-CN" dirty="0"/>
@@ -1326,18 +1277,12 @@
           <a:p>
             <a:fld id="{E9E6FDB6-6D2B-46C1-9FA1-D82906A37C3A}" type="slidenum">
               <a:rPr lang="zh-CN" altLang="en-US" smtClean="0"/>
-              <a:t>4</a:t>
             </a:fld>
             <a:endParaRPr lang="zh-CN" altLang="en-US"/>
           </a:p>
         </p:txBody>
       </p:sp>
     </p:spTree>
-    <p:extLst>
-      <p:ext uri="{BB962C8B-B14F-4D97-AF65-F5344CB8AC3E}">
-        <p14:creationId xmlns:p14="http://schemas.microsoft.com/office/powerpoint/2010/main" val="527184267"/>
-      </p:ext>
-    </p:extLst>
   </p:cSld>
   <p:clrMapOvr>
     <a:masterClrMapping/>
@@ -1399,6 +1344,7 @@
               <a:rPr lang="zh-CN" altLang="en-US" dirty="0" smtClean="0"/>
               <a:t>一开始我理解的是这样的：</a:t>
             </a:r>
+            <a:endParaRPr lang="zh-CN" altLang="en-US" dirty="0" smtClean="0"/>
           </a:p>
           <a:p>
             <a:r>
@@ -1485,18 +1431,12 @@
           <a:p>
             <a:fld id="{E9E6FDB6-6D2B-46C1-9FA1-D82906A37C3A}" type="slidenum">
               <a:rPr lang="zh-CN" altLang="en-US" smtClean="0"/>
-              <a:t>5</a:t>
             </a:fld>
             <a:endParaRPr lang="zh-CN" altLang="en-US"/>
           </a:p>
         </p:txBody>
       </p:sp>
     </p:spTree>
-    <p:extLst>
-      <p:ext uri="{BB962C8B-B14F-4D97-AF65-F5344CB8AC3E}">
-        <p14:creationId xmlns:p14="http://schemas.microsoft.com/office/powerpoint/2010/main" val="1281385144"/>
-      </p:ext>
-    </p:extLst>
   </p:cSld>
   <p:clrMapOvr>
     <a:masterClrMapping/>
@@ -1569,18 +1509,12 @@
           <a:p>
             <a:fld id="{790F3238-B197-4DD0-8393-B222E6E85519}" type="slidenum">
               <a:rPr lang="zh-CN" altLang="en-US" smtClean="0"/>
-              <a:t>6</a:t>
             </a:fld>
             <a:endParaRPr lang="zh-CN" altLang="en-US"/>
           </a:p>
         </p:txBody>
       </p:sp>
     </p:spTree>
-    <p:extLst>
-      <p:ext uri="{BB962C8B-B14F-4D97-AF65-F5344CB8AC3E}">
-        <p14:creationId xmlns:p14="http://schemas.microsoft.com/office/powerpoint/2010/main" val="223660159"/>
-      </p:ext>
-    </p:extLst>
   </p:cSld>
   <p:clrMapOvr>
     <a:masterClrMapping/>
@@ -1672,18 +1606,12 @@
           <a:p>
             <a:fld id="{790F3238-B197-4DD0-8393-B222E6E85519}" type="slidenum">
               <a:rPr lang="zh-CN" altLang="en-US" smtClean="0"/>
-              <a:t>7</a:t>
             </a:fld>
             <a:endParaRPr lang="zh-CN" altLang="en-US"/>
           </a:p>
         </p:txBody>
       </p:sp>
     </p:spTree>
-    <p:extLst>
-      <p:ext uri="{BB962C8B-B14F-4D97-AF65-F5344CB8AC3E}">
-        <p14:creationId xmlns:p14="http://schemas.microsoft.com/office/powerpoint/2010/main" val="559643286"/>
-      </p:ext>
-    </p:extLst>
   </p:cSld>
   <p:clrMapOvr>
     <a:masterClrMapping/>
@@ -1917,18 +1845,12 @@
           <a:p>
             <a:fld id="{4D554B03-AFA2-46E1-B6D8-B50CBE82BD5E}" type="slidenum">
               <a:rPr lang="zh-CN" altLang="en-US" smtClean="0"/>
-              <a:t>8</a:t>
             </a:fld>
             <a:endParaRPr lang="zh-CN" altLang="en-US"/>
           </a:p>
         </p:txBody>
       </p:sp>
     </p:spTree>
-    <p:extLst>
-      <p:ext uri="{BB962C8B-B14F-4D97-AF65-F5344CB8AC3E}">
-        <p14:creationId xmlns:p14="http://schemas.microsoft.com/office/powerpoint/2010/main" val="3742156325"/>
-      </p:ext>
-    </p:extLst>
   </p:cSld>
   <p:clrMapOvr>
     <a:masterClrMapping/>
@@ -2001,18 +1923,12 @@
           <a:p>
             <a:fld id="{790F3238-B197-4DD0-8393-B222E6E85519}" type="slidenum">
               <a:rPr lang="zh-CN" altLang="en-US" smtClean="0"/>
-              <a:t>9</a:t>
             </a:fld>
             <a:endParaRPr lang="zh-CN" altLang="en-US"/>
           </a:p>
         </p:txBody>
       </p:sp>
     </p:spTree>
-    <p:extLst>
-      <p:ext uri="{BB962C8B-B14F-4D97-AF65-F5344CB8AC3E}">
-        <p14:creationId xmlns:p14="http://schemas.microsoft.com/office/powerpoint/2010/main" val="1823715033"/>
-      </p:ext>
-    </p:extLst>
   </p:cSld>
   <p:clrMapOvr>
     <a:masterClrMapping/>
@@ -2151,7 +2067,6 @@
           <a:p>
             <a:fld id="{731F6634-400D-496D-BD5A-6D0CF8DA8058}" type="datetimeFigureOut">
               <a:rPr lang="zh-CN" altLang="en-US" smtClean="0"/>
-              <a:t>2020/12/3</a:t>
             </a:fld>
             <a:endParaRPr lang="zh-CN" altLang="en-US"/>
           </a:p>
@@ -2193,18 +2108,12 @@
           <a:p>
             <a:fld id="{F63E4543-DC93-4313-A40A-D18C82982DE9}" type="slidenum">
               <a:rPr lang="zh-CN" altLang="en-US" smtClean="0"/>
-              <a:t>‹#›</a:t>
             </a:fld>
             <a:endParaRPr lang="zh-CN" altLang="en-US"/>
           </a:p>
         </p:txBody>
       </p:sp>
     </p:spTree>
-    <p:extLst>
-      <p:ext uri="{BB962C8B-B14F-4D97-AF65-F5344CB8AC3E}">
-        <p14:creationId xmlns:p14="http://schemas.microsoft.com/office/powerpoint/2010/main" val="3249625534"/>
-      </p:ext>
-    </p:extLst>
   </p:cSld>
   <p:clrMapOvr>
     <a:masterClrMapping/>
@@ -2272,6 +2181,7 @@
               <a:rPr lang="zh-CN" altLang="en-US" smtClean="0"/>
               <a:t>单击此处编辑母版文本样式</a:t>
             </a:r>
+            <a:endParaRPr lang="zh-CN" altLang="en-US" smtClean="0"/>
           </a:p>
           <a:p>
             <a:pPr lvl="1"/>
@@ -2279,6 +2189,7 @@
               <a:rPr lang="zh-CN" altLang="en-US" smtClean="0"/>
               <a:t>第二级</a:t>
             </a:r>
+            <a:endParaRPr lang="zh-CN" altLang="en-US" smtClean="0"/>
           </a:p>
           <a:p>
             <a:pPr lvl="2"/>
@@ -2286,6 +2197,7 @@
               <a:rPr lang="zh-CN" altLang="en-US" smtClean="0"/>
               <a:t>第三级</a:t>
             </a:r>
+            <a:endParaRPr lang="zh-CN" altLang="en-US" smtClean="0"/>
           </a:p>
           <a:p>
             <a:pPr lvl="3"/>
@@ -2293,6 +2205,7 @@
               <a:rPr lang="zh-CN" altLang="en-US" smtClean="0"/>
               <a:t>第四级</a:t>
             </a:r>
+            <a:endParaRPr lang="zh-CN" altLang="en-US" smtClean="0"/>
           </a:p>
           <a:p>
             <a:pPr lvl="4"/>
@@ -2321,7 +2234,6 @@
           <a:p>
             <a:fld id="{731F6634-400D-496D-BD5A-6D0CF8DA8058}" type="datetimeFigureOut">
               <a:rPr lang="zh-CN" altLang="en-US" smtClean="0"/>
-              <a:t>2020/12/3</a:t>
             </a:fld>
             <a:endParaRPr lang="zh-CN" altLang="en-US"/>
           </a:p>
@@ -2363,18 +2275,12 @@
           <a:p>
             <a:fld id="{F63E4543-DC93-4313-A40A-D18C82982DE9}" type="slidenum">
               <a:rPr lang="zh-CN" altLang="en-US" smtClean="0"/>
-              <a:t>‹#›</a:t>
             </a:fld>
             <a:endParaRPr lang="zh-CN" altLang="en-US"/>
           </a:p>
         </p:txBody>
       </p:sp>
     </p:spTree>
-    <p:extLst>
-      <p:ext uri="{BB962C8B-B14F-4D97-AF65-F5344CB8AC3E}">
-        <p14:creationId xmlns:p14="http://schemas.microsoft.com/office/powerpoint/2010/main" val="1517358821"/>
-      </p:ext>
-    </p:extLst>
   </p:cSld>
   <p:clrMapOvr>
     <a:masterClrMapping/>
@@ -2452,6 +2358,7 @@
               <a:rPr lang="zh-CN" altLang="en-US" smtClean="0"/>
               <a:t>单击此处编辑母版文本样式</a:t>
             </a:r>
+            <a:endParaRPr lang="zh-CN" altLang="en-US" smtClean="0"/>
           </a:p>
           <a:p>
             <a:pPr lvl="1"/>
@@ -2459,6 +2366,7 @@
               <a:rPr lang="zh-CN" altLang="en-US" smtClean="0"/>
               <a:t>第二级</a:t>
             </a:r>
+            <a:endParaRPr lang="zh-CN" altLang="en-US" smtClean="0"/>
           </a:p>
           <a:p>
             <a:pPr lvl="2"/>
@@ -2466,6 +2374,7 @@
               <a:rPr lang="zh-CN" altLang="en-US" smtClean="0"/>
               <a:t>第三级</a:t>
             </a:r>
+            <a:endParaRPr lang="zh-CN" altLang="en-US" smtClean="0"/>
           </a:p>
           <a:p>
             <a:pPr lvl="3"/>
@@ -2473,6 +2382,7 @@
               <a:rPr lang="zh-CN" altLang="en-US" smtClean="0"/>
               <a:t>第四级</a:t>
             </a:r>
+            <a:endParaRPr lang="zh-CN" altLang="en-US" smtClean="0"/>
           </a:p>
           <a:p>
             <a:pPr lvl="4"/>
@@ -2501,7 +2411,6 @@
           <a:p>
             <a:fld id="{731F6634-400D-496D-BD5A-6D0CF8DA8058}" type="datetimeFigureOut">
               <a:rPr lang="zh-CN" altLang="en-US" smtClean="0"/>
-              <a:t>2020/12/3</a:t>
             </a:fld>
             <a:endParaRPr lang="zh-CN" altLang="en-US"/>
           </a:p>
@@ -2543,18 +2452,12 @@
           <a:p>
             <a:fld id="{F63E4543-DC93-4313-A40A-D18C82982DE9}" type="slidenum">
               <a:rPr lang="zh-CN" altLang="en-US" smtClean="0"/>
-              <a:t>‹#›</a:t>
             </a:fld>
             <a:endParaRPr lang="zh-CN" altLang="en-US"/>
           </a:p>
         </p:txBody>
       </p:sp>
     </p:spTree>
-    <p:extLst>
-      <p:ext uri="{BB962C8B-B14F-4D97-AF65-F5344CB8AC3E}">
-        <p14:creationId xmlns:p14="http://schemas.microsoft.com/office/powerpoint/2010/main" val="1714981864"/>
-      </p:ext>
-    </p:extLst>
   </p:cSld>
   <p:clrMapOvr>
     <a:masterClrMapping/>
@@ -2773,6 +2676,7 @@
               <a:rPr lang="zh-CN" altLang="en-US" dirty="0"/>
               <a:t>署名</a:t>
             </a:r>
+            <a:endParaRPr lang="zh-CN" altLang="en-US" dirty="0"/>
           </a:p>
         </p:txBody>
       </p:sp>
@@ -2831,6 +2735,7 @@
               <a:rPr lang="zh-CN" altLang="en-US" dirty="0"/>
               <a:t>日期</a:t>
             </a:r>
+            <a:endParaRPr lang="zh-CN" altLang="en-US" dirty="0"/>
           </a:p>
         </p:txBody>
       </p:sp>
@@ -3143,11 +3048,6 @@
         </p:spPr>
       </p:pic>
     </p:spTree>
-    <p:extLst>
-      <p:ext uri="{BB962C8B-B14F-4D97-AF65-F5344CB8AC3E}">
-        <p14:creationId xmlns:p14="http://schemas.microsoft.com/office/powerpoint/2010/main" val="910023919"/>
-      </p:ext>
-    </p:extLst>
   </p:cSld>
   <p:clrMapOvr>
     <a:overrideClrMapping bg1="lt1" tx1="dk1" bg2="lt2" tx2="dk2" accent1="accent1" accent2="accent2" accent3="accent3" accent4="accent4" accent5="accent5" accent6="accent6" hlink="hlink" folHlink="folHlink"/>
@@ -3327,11 +3227,6 @@
         </p:txBody>
       </p:sp>
     </p:spTree>
-    <p:extLst>
-      <p:ext uri="{BB962C8B-B14F-4D97-AF65-F5344CB8AC3E}">
-        <p14:creationId xmlns:p14="http://schemas.microsoft.com/office/powerpoint/2010/main" val="1821080904"/>
-      </p:ext>
-    </p:extLst>
   </p:cSld>
   <p:clrMapOvr>
     <a:masterClrMapping/>
@@ -3409,7 +3304,7 @@
           </a:bodyPr>
           <a:lstStyle>
             <a:lvl1pPr marL="0" indent="0" algn="ctr">
-              <a:buFont typeface="Arial" panose="020B0604020202020204" pitchFamily="34" charset="0"/>
+              <a:buFont typeface="Arial" panose="020B0604020202090204" pitchFamily="34" charset="0"/>
               <a:buNone/>
               <a:defRPr sz="3200">
                 <a:solidFill>
@@ -3423,6 +3318,7 @@
               <a:rPr lang="zh-CN" altLang="en-US" dirty="0"/>
               <a:t>结束语</a:t>
             </a:r>
+            <a:endParaRPr lang="zh-CN" altLang="en-US" dirty="0"/>
           </a:p>
         </p:txBody>
       </p:sp>
@@ -3857,11 +3753,6 @@
         </p:spPr>
       </p:pic>
     </p:spTree>
-    <p:extLst>
-      <p:ext uri="{BB962C8B-B14F-4D97-AF65-F5344CB8AC3E}">
-        <p14:creationId xmlns:p14="http://schemas.microsoft.com/office/powerpoint/2010/main" val="84725114"/>
-      </p:ext>
-    </p:extLst>
   </p:cSld>
   <p:clrMapOvr>
     <a:overrideClrMapping bg1="lt1" tx1="dk1" bg2="lt2" tx2="dk2" accent1="accent1" accent2="accent2" accent3="accent3" accent4="accent4" accent5="accent5" accent6="accent6" hlink="hlink" folHlink="folHlink"/>
@@ -3929,6 +3820,7 @@
               <a:rPr lang="zh-CN" altLang="en-US" smtClean="0"/>
               <a:t>单击此处编辑母版文本样式</a:t>
             </a:r>
+            <a:endParaRPr lang="zh-CN" altLang="en-US" smtClean="0"/>
           </a:p>
           <a:p>
             <a:pPr lvl="1"/>
@@ -3936,6 +3828,7 @@
               <a:rPr lang="zh-CN" altLang="en-US" smtClean="0"/>
               <a:t>第二级</a:t>
             </a:r>
+            <a:endParaRPr lang="zh-CN" altLang="en-US" smtClean="0"/>
           </a:p>
           <a:p>
             <a:pPr lvl="2"/>
@@ -3943,6 +3836,7 @@
               <a:rPr lang="zh-CN" altLang="en-US" smtClean="0"/>
               <a:t>第三级</a:t>
             </a:r>
+            <a:endParaRPr lang="zh-CN" altLang="en-US" smtClean="0"/>
           </a:p>
           <a:p>
             <a:pPr lvl="3"/>
@@ -3950,6 +3844,7 @@
               <a:rPr lang="zh-CN" altLang="en-US" smtClean="0"/>
               <a:t>第四级</a:t>
             </a:r>
+            <a:endParaRPr lang="zh-CN" altLang="en-US" smtClean="0"/>
           </a:p>
           <a:p>
             <a:pPr lvl="4"/>
@@ -3978,7 +3873,6 @@
           <a:p>
             <a:fld id="{731F6634-400D-496D-BD5A-6D0CF8DA8058}" type="datetimeFigureOut">
               <a:rPr lang="zh-CN" altLang="en-US" smtClean="0"/>
-              <a:t>2020/12/3</a:t>
             </a:fld>
             <a:endParaRPr lang="zh-CN" altLang="en-US"/>
           </a:p>
@@ -4020,18 +3914,12 @@
           <a:p>
             <a:fld id="{F63E4543-DC93-4313-A40A-D18C82982DE9}" type="slidenum">
               <a:rPr lang="zh-CN" altLang="en-US" smtClean="0"/>
-              <a:t>‹#›</a:t>
             </a:fld>
             <a:endParaRPr lang="zh-CN" altLang="en-US"/>
           </a:p>
         </p:txBody>
       </p:sp>
     </p:spTree>
-    <p:extLst>
-      <p:ext uri="{BB962C8B-B14F-4D97-AF65-F5344CB8AC3E}">
-        <p14:creationId xmlns:p14="http://schemas.microsoft.com/office/powerpoint/2010/main" val="2182503132"/>
-      </p:ext>
-    </p:extLst>
   </p:cSld>
   <p:clrMapOvr>
     <a:masterClrMapping/>
@@ -4204,6 +4092,7 @@
               <a:rPr lang="zh-CN" altLang="en-US" smtClean="0"/>
               <a:t>单击此处编辑母版文本样式</a:t>
             </a:r>
+            <a:endParaRPr lang="zh-CN" altLang="en-US" smtClean="0"/>
           </a:p>
         </p:txBody>
       </p:sp>
@@ -4224,7 +4113,6 @@
           <a:p>
             <a:fld id="{731F6634-400D-496D-BD5A-6D0CF8DA8058}" type="datetimeFigureOut">
               <a:rPr lang="zh-CN" altLang="en-US" smtClean="0"/>
-              <a:t>2020/12/3</a:t>
             </a:fld>
             <a:endParaRPr lang="zh-CN" altLang="en-US"/>
           </a:p>
@@ -4266,18 +4154,12 @@
           <a:p>
             <a:fld id="{F63E4543-DC93-4313-A40A-D18C82982DE9}" type="slidenum">
               <a:rPr lang="zh-CN" altLang="en-US" smtClean="0"/>
-              <a:t>‹#›</a:t>
             </a:fld>
             <a:endParaRPr lang="zh-CN" altLang="en-US"/>
           </a:p>
         </p:txBody>
       </p:sp>
     </p:spTree>
-    <p:extLst>
-      <p:ext uri="{BB962C8B-B14F-4D97-AF65-F5344CB8AC3E}">
-        <p14:creationId xmlns:p14="http://schemas.microsoft.com/office/powerpoint/2010/main" val="3704388360"/>
-      </p:ext>
-    </p:extLst>
   </p:cSld>
   <p:clrMapOvr>
     <a:masterClrMapping/>
@@ -4350,6 +4232,7 @@
               <a:rPr lang="zh-CN" altLang="en-US" smtClean="0"/>
               <a:t>单击此处编辑母版文本样式</a:t>
             </a:r>
+            <a:endParaRPr lang="zh-CN" altLang="en-US" smtClean="0"/>
           </a:p>
           <a:p>
             <a:pPr lvl="1"/>
@@ -4357,6 +4240,7 @@
               <a:rPr lang="zh-CN" altLang="en-US" smtClean="0"/>
               <a:t>第二级</a:t>
             </a:r>
+            <a:endParaRPr lang="zh-CN" altLang="en-US" smtClean="0"/>
           </a:p>
           <a:p>
             <a:pPr lvl="2"/>
@@ -4364,6 +4248,7 @@
               <a:rPr lang="zh-CN" altLang="en-US" smtClean="0"/>
               <a:t>第三级</a:t>
             </a:r>
+            <a:endParaRPr lang="zh-CN" altLang="en-US" smtClean="0"/>
           </a:p>
           <a:p>
             <a:pPr lvl="3"/>
@@ -4371,6 +4256,7 @@
               <a:rPr lang="zh-CN" altLang="en-US" smtClean="0"/>
               <a:t>第四级</a:t>
             </a:r>
+            <a:endParaRPr lang="zh-CN" altLang="en-US" smtClean="0"/>
           </a:p>
           <a:p>
             <a:pPr lvl="4"/>
@@ -4407,6 +4293,7 @@
               <a:rPr lang="zh-CN" altLang="en-US" smtClean="0"/>
               <a:t>单击此处编辑母版文本样式</a:t>
             </a:r>
+            <a:endParaRPr lang="zh-CN" altLang="en-US" smtClean="0"/>
           </a:p>
           <a:p>
             <a:pPr lvl="1"/>
@@ -4414,6 +4301,7 @@
               <a:rPr lang="zh-CN" altLang="en-US" smtClean="0"/>
               <a:t>第二级</a:t>
             </a:r>
+            <a:endParaRPr lang="zh-CN" altLang="en-US" smtClean="0"/>
           </a:p>
           <a:p>
             <a:pPr lvl="2"/>
@@ -4421,6 +4309,7 @@
               <a:rPr lang="zh-CN" altLang="en-US" smtClean="0"/>
               <a:t>第三级</a:t>
             </a:r>
+            <a:endParaRPr lang="zh-CN" altLang="en-US" smtClean="0"/>
           </a:p>
           <a:p>
             <a:pPr lvl="3"/>
@@ -4428,6 +4317,7 @@
               <a:rPr lang="zh-CN" altLang="en-US" smtClean="0"/>
               <a:t>第四级</a:t>
             </a:r>
+            <a:endParaRPr lang="zh-CN" altLang="en-US" smtClean="0"/>
           </a:p>
           <a:p>
             <a:pPr lvl="4"/>
@@ -4456,7 +4346,6 @@
           <a:p>
             <a:fld id="{731F6634-400D-496D-BD5A-6D0CF8DA8058}" type="datetimeFigureOut">
               <a:rPr lang="zh-CN" altLang="en-US" smtClean="0"/>
-              <a:t>2020/12/3</a:t>
             </a:fld>
             <a:endParaRPr lang="zh-CN" altLang="en-US"/>
           </a:p>
@@ -4498,18 +4387,12 @@
           <a:p>
             <a:fld id="{F63E4543-DC93-4313-A40A-D18C82982DE9}" type="slidenum">
               <a:rPr lang="zh-CN" altLang="en-US" smtClean="0"/>
-              <a:t>‹#›</a:t>
             </a:fld>
             <a:endParaRPr lang="zh-CN" altLang="en-US"/>
           </a:p>
         </p:txBody>
       </p:sp>
     </p:spTree>
-    <p:extLst>
-      <p:ext uri="{BB962C8B-B14F-4D97-AF65-F5344CB8AC3E}">
-        <p14:creationId xmlns:p14="http://schemas.microsoft.com/office/powerpoint/2010/main" val="2364438945"/>
-      </p:ext>
-    </p:extLst>
   </p:cSld>
   <p:clrMapOvr>
     <a:masterClrMapping/>
@@ -4624,6 +4507,7 @@
               <a:rPr lang="zh-CN" altLang="en-US" smtClean="0"/>
               <a:t>单击此处编辑母版文本样式</a:t>
             </a:r>
+            <a:endParaRPr lang="zh-CN" altLang="en-US" smtClean="0"/>
           </a:p>
         </p:txBody>
       </p:sp>
@@ -4652,6 +4536,7 @@
               <a:rPr lang="zh-CN" altLang="en-US" smtClean="0"/>
               <a:t>单击此处编辑母版文本样式</a:t>
             </a:r>
+            <a:endParaRPr lang="zh-CN" altLang="en-US" smtClean="0"/>
           </a:p>
           <a:p>
             <a:pPr lvl="1"/>
@@ -4659,6 +4544,7 @@
               <a:rPr lang="zh-CN" altLang="en-US" smtClean="0"/>
               <a:t>第二级</a:t>
             </a:r>
+            <a:endParaRPr lang="zh-CN" altLang="en-US" smtClean="0"/>
           </a:p>
           <a:p>
             <a:pPr lvl="2"/>
@@ -4666,6 +4552,7 @@
               <a:rPr lang="zh-CN" altLang="en-US" smtClean="0"/>
               <a:t>第三级</a:t>
             </a:r>
+            <a:endParaRPr lang="zh-CN" altLang="en-US" smtClean="0"/>
           </a:p>
           <a:p>
             <a:pPr lvl="3"/>
@@ -4673,6 +4560,7 @@
               <a:rPr lang="zh-CN" altLang="en-US" smtClean="0"/>
               <a:t>第四级</a:t>
             </a:r>
+            <a:endParaRPr lang="zh-CN" altLang="en-US" smtClean="0"/>
           </a:p>
           <a:p>
             <a:pPr lvl="4"/>
@@ -4746,6 +4634,7 @@
               <a:rPr lang="zh-CN" altLang="en-US" smtClean="0"/>
               <a:t>单击此处编辑母版文本样式</a:t>
             </a:r>
+            <a:endParaRPr lang="zh-CN" altLang="en-US" smtClean="0"/>
           </a:p>
         </p:txBody>
       </p:sp>
@@ -4774,6 +4663,7 @@
               <a:rPr lang="zh-CN" altLang="en-US" smtClean="0"/>
               <a:t>单击此处编辑母版文本样式</a:t>
             </a:r>
+            <a:endParaRPr lang="zh-CN" altLang="en-US" smtClean="0"/>
           </a:p>
           <a:p>
             <a:pPr lvl="1"/>
@@ -4781,6 +4671,7 @@
               <a:rPr lang="zh-CN" altLang="en-US" smtClean="0"/>
               <a:t>第二级</a:t>
             </a:r>
+            <a:endParaRPr lang="zh-CN" altLang="en-US" smtClean="0"/>
           </a:p>
           <a:p>
             <a:pPr lvl="2"/>
@@ -4788,6 +4679,7 @@
               <a:rPr lang="zh-CN" altLang="en-US" smtClean="0"/>
               <a:t>第三级</a:t>
             </a:r>
+            <a:endParaRPr lang="zh-CN" altLang="en-US" smtClean="0"/>
           </a:p>
           <a:p>
             <a:pPr lvl="3"/>
@@ -4795,6 +4687,7 @@
               <a:rPr lang="zh-CN" altLang="en-US" smtClean="0"/>
               <a:t>第四级</a:t>
             </a:r>
+            <a:endParaRPr lang="zh-CN" altLang="en-US" smtClean="0"/>
           </a:p>
           <a:p>
             <a:pPr lvl="4"/>
@@ -4823,7 +4716,6 @@
           <a:p>
             <a:fld id="{731F6634-400D-496D-BD5A-6D0CF8DA8058}" type="datetimeFigureOut">
               <a:rPr lang="zh-CN" altLang="en-US" smtClean="0"/>
-              <a:t>2020/12/3</a:t>
             </a:fld>
             <a:endParaRPr lang="zh-CN" altLang="en-US"/>
           </a:p>
@@ -4865,18 +4757,12 @@
           <a:p>
             <a:fld id="{F63E4543-DC93-4313-A40A-D18C82982DE9}" type="slidenum">
               <a:rPr lang="zh-CN" altLang="en-US" smtClean="0"/>
-              <a:t>‹#›</a:t>
             </a:fld>
             <a:endParaRPr lang="zh-CN" altLang="en-US"/>
           </a:p>
         </p:txBody>
       </p:sp>
     </p:spTree>
-    <p:extLst>
-      <p:ext uri="{BB962C8B-B14F-4D97-AF65-F5344CB8AC3E}">
-        <p14:creationId xmlns:p14="http://schemas.microsoft.com/office/powerpoint/2010/main" val="3704132484"/>
-      </p:ext>
-    </p:extLst>
   </p:cSld>
   <p:clrMapOvr>
     <a:masterClrMapping/>
@@ -4941,7 +4827,6 @@
           <a:p>
             <a:fld id="{731F6634-400D-496D-BD5A-6D0CF8DA8058}" type="datetimeFigureOut">
               <a:rPr lang="zh-CN" altLang="en-US" smtClean="0"/>
-              <a:t>2020/12/3</a:t>
             </a:fld>
             <a:endParaRPr lang="zh-CN" altLang="en-US"/>
           </a:p>
@@ -4983,18 +4868,12 @@
           <a:p>
             <a:fld id="{F63E4543-DC93-4313-A40A-D18C82982DE9}" type="slidenum">
               <a:rPr lang="zh-CN" altLang="en-US" smtClean="0"/>
-              <a:t>‹#›</a:t>
             </a:fld>
             <a:endParaRPr lang="zh-CN" altLang="en-US"/>
           </a:p>
         </p:txBody>
       </p:sp>
     </p:spTree>
-    <p:extLst>
-      <p:ext uri="{BB962C8B-B14F-4D97-AF65-F5344CB8AC3E}">
-        <p14:creationId xmlns:p14="http://schemas.microsoft.com/office/powerpoint/2010/main" val="2755376867"/>
-      </p:ext>
-    </p:extLst>
   </p:cSld>
   <p:clrMapOvr>
     <a:masterClrMapping/>
@@ -5036,7 +4915,6 @@
           <a:p>
             <a:fld id="{731F6634-400D-496D-BD5A-6D0CF8DA8058}" type="datetimeFigureOut">
               <a:rPr lang="zh-CN" altLang="en-US" smtClean="0"/>
-              <a:t>2020/12/3</a:t>
             </a:fld>
             <a:endParaRPr lang="zh-CN" altLang="en-US"/>
           </a:p>
@@ -5078,18 +4956,12 @@
           <a:p>
             <a:fld id="{F63E4543-DC93-4313-A40A-D18C82982DE9}" type="slidenum">
               <a:rPr lang="zh-CN" altLang="en-US" smtClean="0"/>
-              <a:t>‹#›</a:t>
             </a:fld>
             <a:endParaRPr lang="zh-CN" altLang="en-US"/>
           </a:p>
         </p:txBody>
       </p:sp>
     </p:spTree>
-    <p:extLst>
-      <p:ext uri="{BB962C8B-B14F-4D97-AF65-F5344CB8AC3E}">
-        <p14:creationId xmlns:p14="http://schemas.microsoft.com/office/powerpoint/2010/main" val="416828474"/>
-      </p:ext>
-    </p:extLst>
   </p:cSld>
   <p:clrMapOvr>
     <a:masterClrMapping/>
@@ -5199,6 +5071,7 @@
               <a:rPr lang="zh-CN" altLang="en-US" smtClean="0"/>
               <a:t>单击此处编辑母版文本样式</a:t>
             </a:r>
+            <a:endParaRPr lang="zh-CN" altLang="en-US" smtClean="0"/>
           </a:p>
           <a:p>
             <a:pPr lvl="1"/>
@@ -5206,6 +5079,7 @@
               <a:rPr lang="zh-CN" altLang="en-US" smtClean="0"/>
               <a:t>第二级</a:t>
             </a:r>
+            <a:endParaRPr lang="zh-CN" altLang="en-US" smtClean="0"/>
           </a:p>
           <a:p>
             <a:pPr lvl="2"/>
@@ -5213,6 +5087,7 @@
               <a:rPr lang="zh-CN" altLang="en-US" smtClean="0"/>
               <a:t>第三级</a:t>
             </a:r>
+            <a:endParaRPr lang="zh-CN" altLang="en-US" smtClean="0"/>
           </a:p>
           <a:p>
             <a:pPr lvl="3"/>
@@ -5220,6 +5095,7 @@
               <a:rPr lang="zh-CN" altLang="en-US" smtClean="0"/>
               <a:t>第四级</a:t>
             </a:r>
+            <a:endParaRPr lang="zh-CN" altLang="en-US" smtClean="0"/>
           </a:p>
           <a:p>
             <a:pPr lvl="4"/>
@@ -5293,6 +5169,7 @@
               <a:rPr lang="zh-CN" altLang="en-US" smtClean="0"/>
               <a:t>单击此处编辑母版文本样式</a:t>
             </a:r>
+            <a:endParaRPr lang="zh-CN" altLang="en-US" smtClean="0"/>
           </a:p>
         </p:txBody>
       </p:sp>
@@ -5313,7 +5190,6 @@
           <a:p>
             <a:fld id="{731F6634-400D-496D-BD5A-6D0CF8DA8058}" type="datetimeFigureOut">
               <a:rPr lang="zh-CN" altLang="en-US" smtClean="0"/>
-              <a:t>2020/12/3</a:t>
             </a:fld>
             <a:endParaRPr lang="zh-CN" altLang="en-US"/>
           </a:p>
@@ -5355,18 +5231,12 @@
           <a:p>
             <a:fld id="{F63E4543-DC93-4313-A40A-D18C82982DE9}" type="slidenum">
               <a:rPr lang="zh-CN" altLang="en-US" smtClean="0"/>
-              <a:t>‹#›</a:t>
             </a:fld>
             <a:endParaRPr lang="zh-CN" altLang="en-US"/>
           </a:p>
         </p:txBody>
       </p:sp>
     </p:spTree>
-    <p:extLst>
-      <p:ext uri="{BB962C8B-B14F-4D97-AF65-F5344CB8AC3E}">
-        <p14:creationId xmlns:p14="http://schemas.microsoft.com/office/powerpoint/2010/main" val="2626107290"/>
-      </p:ext>
-    </p:extLst>
   </p:cSld>
   <p:clrMapOvr>
     <a:masterClrMapping/>
@@ -5546,6 +5416,7 @@
               <a:rPr lang="zh-CN" altLang="en-US" smtClean="0"/>
               <a:t>单击此处编辑母版文本样式</a:t>
             </a:r>
+            <a:endParaRPr lang="zh-CN" altLang="en-US" smtClean="0"/>
           </a:p>
         </p:txBody>
       </p:sp>
@@ -5566,7 +5437,6 @@
           <a:p>
             <a:fld id="{731F6634-400D-496D-BD5A-6D0CF8DA8058}" type="datetimeFigureOut">
               <a:rPr lang="zh-CN" altLang="en-US" smtClean="0"/>
-              <a:t>2020/12/3</a:t>
             </a:fld>
             <a:endParaRPr lang="zh-CN" altLang="en-US"/>
           </a:p>
@@ -5608,18 +5478,12 @@
           <a:p>
             <a:fld id="{F63E4543-DC93-4313-A40A-D18C82982DE9}" type="slidenum">
               <a:rPr lang="zh-CN" altLang="en-US" smtClean="0"/>
-              <a:t>‹#›</a:t>
             </a:fld>
             <a:endParaRPr lang="zh-CN" altLang="en-US"/>
           </a:p>
         </p:txBody>
       </p:sp>
     </p:spTree>
-    <p:extLst>
-      <p:ext uri="{BB962C8B-B14F-4D97-AF65-F5344CB8AC3E}">
-        <p14:creationId xmlns:p14="http://schemas.microsoft.com/office/powerpoint/2010/main" val="4211607439"/>
-      </p:ext>
-    </p:extLst>
   </p:cSld>
   <p:clrMapOvr>
     <a:masterClrMapping/>
@@ -5712,6 +5576,7 @@
               <a:rPr lang="zh-CN" altLang="en-US" smtClean="0"/>
               <a:t>单击此处编辑母版文本样式</a:t>
             </a:r>
+            <a:endParaRPr lang="zh-CN" altLang="en-US" smtClean="0"/>
           </a:p>
           <a:p>
             <a:pPr lvl="1"/>
@@ -5719,6 +5584,7 @@
               <a:rPr lang="zh-CN" altLang="en-US" smtClean="0"/>
               <a:t>第二级</a:t>
             </a:r>
+            <a:endParaRPr lang="zh-CN" altLang="en-US" smtClean="0"/>
           </a:p>
           <a:p>
             <a:pPr lvl="2"/>
@@ -5726,6 +5592,7 @@
               <a:rPr lang="zh-CN" altLang="en-US" smtClean="0"/>
               <a:t>第三级</a:t>
             </a:r>
+            <a:endParaRPr lang="zh-CN" altLang="en-US" smtClean="0"/>
           </a:p>
           <a:p>
             <a:pPr lvl="3"/>
@@ -5733,6 +5600,7 @@
               <a:rPr lang="zh-CN" altLang="en-US" smtClean="0"/>
               <a:t>第四级</a:t>
             </a:r>
+            <a:endParaRPr lang="zh-CN" altLang="en-US" smtClean="0"/>
           </a:p>
           <a:p>
             <a:pPr lvl="4"/>
@@ -5779,7 +5647,6 @@
           <a:p>
             <a:fld id="{731F6634-400D-496D-BD5A-6D0CF8DA8058}" type="datetimeFigureOut">
               <a:rPr lang="zh-CN" altLang="en-US" smtClean="0"/>
-              <a:t>2020/12/3</a:t>
             </a:fld>
             <a:endParaRPr lang="zh-CN" altLang="en-US"/>
           </a:p>
@@ -5857,35 +5724,29 @@
           <a:p>
             <a:fld id="{F63E4543-DC93-4313-A40A-D18C82982DE9}" type="slidenum">
               <a:rPr lang="zh-CN" altLang="en-US" smtClean="0"/>
-              <a:t>‹#›</a:t>
             </a:fld>
             <a:endParaRPr lang="zh-CN" altLang="en-US"/>
           </a:p>
         </p:txBody>
       </p:sp>
     </p:spTree>
-    <p:extLst>
-      <p:ext uri="{BB962C8B-B14F-4D97-AF65-F5344CB8AC3E}">
-        <p14:creationId xmlns:p14="http://schemas.microsoft.com/office/powerpoint/2010/main" val="3365306496"/>
-      </p:ext>
-    </p:extLst>
   </p:cSld>
   <p:clrMap bg1="lt1" tx1="dk1" bg2="lt2" tx2="dk2" accent1="accent1" accent2="accent2" accent3="accent3" accent4="accent4" accent5="accent5" accent6="accent6" hlink="hlink" folHlink="folHlink"/>
   <p:sldLayoutIdLst>
-    <p:sldLayoutId id="2147483676" r:id="rId1"/>
-    <p:sldLayoutId id="2147483677" r:id="rId2"/>
-    <p:sldLayoutId id="2147483678" r:id="rId3"/>
-    <p:sldLayoutId id="2147483679" r:id="rId4"/>
-    <p:sldLayoutId id="2147483680" r:id="rId5"/>
-    <p:sldLayoutId id="2147483681" r:id="rId6"/>
-    <p:sldLayoutId id="2147483682" r:id="rId7"/>
-    <p:sldLayoutId id="2147483683" r:id="rId8"/>
-    <p:sldLayoutId id="2147483684" r:id="rId9"/>
-    <p:sldLayoutId id="2147483685" r:id="rId10"/>
-    <p:sldLayoutId id="2147483686" r:id="rId11"/>
-    <p:sldLayoutId id="2147483687" r:id="rId12"/>
-    <p:sldLayoutId id="2147483688" r:id="rId13"/>
-    <p:sldLayoutId id="2147483689" r:id="rId14"/>
+    <p:sldLayoutId id="2147483649" r:id="rId1"/>
+    <p:sldLayoutId id="2147483650" r:id="rId2"/>
+    <p:sldLayoutId id="2147483651" r:id="rId3"/>
+    <p:sldLayoutId id="2147483652" r:id="rId4"/>
+    <p:sldLayoutId id="2147483653" r:id="rId5"/>
+    <p:sldLayoutId id="2147483654" r:id="rId6"/>
+    <p:sldLayoutId id="2147483655" r:id="rId7"/>
+    <p:sldLayoutId id="2147483656" r:id="rId8"/>
+    <p:sldLayoutId id="2147483657" r:id="rId9"/>
+    <p:sldLayoutId id="2147483658" r:id="rId10"/>
+    <p:sldLayoutId id="2147483659" r:id="rId11"/>
+    <p:sldLayoutId id="2147483660" r:id="rId12"/>
+    <p:sldLayoutId id="2147483661" r:id="rId13"/>
+    <p:sldLayoutId id="2147483662" r:id="rId14"/>
   </p:sldLayoutIdLst>
   <p:txStyles>
     <p:titleStyle>
@@ -5915,7 +5776,7 @@
         <a:spcBef>
           <a:spcPts val="1000"/>
         </a:spcBef>
-        <a:buFont typeface="Arial" panose="020B0604020202020204" pitchFamily="34" charset="0"/>
+        <a:buFont typeface="Arial" panose="020B0604020202090204" pitchFamily="34" charset="0"/>
         <a:buChar char="•"/>
         <a:defRPr sz="2800" kern="1200">
           <a:solidFill>
@@ -5933,7 +5794,7 @@
         <a:spcBef>
           <a:spcPts val="500"/>
         </a:spcBef>
-        <a:buFont typeface="Arial" panose="020B0604020202020204" pitchFamily="34" charset="0"/>
+        <a:buFont typeface="Arial" panose="020B0604020202090204" pitchFamily="34" charset="0"/>
         <a:buChar char="•"/>
         <a:defRPr sz="2400" kern="1200">
           <a:solidFill>
@@ -5951,7 +5812,7 @@
         <a:spcBef>
           <a:spcPts val="500"/>
         </a:spcBef>
-        <a:buFont typeface="Arial" panose="020B0604020202020204" pitchFamily="34" charset="0"/>
+        <a:buFont typeface="Arial" panose="020B0604020202090204" pitchFamily="34" charset="0"/>
         <a:buChar char="•"/>
         <a:defRPr sz="2000" kern="1200">
           <a:solidFill>
@@ -5969,7 +5830,7 @@
         <a:spcBef>
           <a:spcPts val="500"/>
         </a:spcBef>
-        <a:buFont typeface="Arial" panose="020B0604020202020204" pitchFamily="34" charset="0"/>
+        <a:buFont typeface="Arial" panose="020B0604020202090204" pitchFamily="34" charset="0"/>
         <a:buChar char="•"/>
         <a:defRPr sz="1800" kern="1200">
           <a:solidFill>
@@ -5987,7 +5848,7 @@
         <a:spcBef>
           <a:spcPts val="500"/>
         </a:spcBef>
-        <a:buFont typeface="Arial" panose="020B0604020202020204" pitchFamily="34" charset="0"/>
+        <a:buFont typeface="Arial" panose="020B0604020202090204" pitchFamily="34" charset="0"/>
         <a:buChar char="•"/>
         <a:defRPr sz="1800" kern="1200">
           <a:solidFill>
@@ -6005,7 +5866,7 @@
         <a:spcBef>
           <a:spcPts val="500"/>
         </a:spcBef>
-        <a:buFont typeface="Arial" panose="020B0604020202020204" pitchFamily="34" charset="0"/>
+        <a:buFont typeface="Arial" panose="020B0604020202090204" pitchFamily="34" charset="0"/>
         <a:buChar char="•"/>
         <a:defRPr sz="1800" kern="1200">
           <a:solidFill>
@@ -6023,7 +5884,7 @@
         <a:spcBef>
           <a:spcPts val="500"/>
         </a:spcBef>
-        <a:buFont typeface="Arial" panose="020B0604020202020204" pitchFamily="34" charset="0"/>
+        <a:buFont typeface="Arial" panose="020B0604020202090204" pitchFamily="34" charset="0"/>
         <a:buChar char="•"/>
         <a:defRPr sz="1800" kern="1200">
           <a:solidFill>
@@ -6041,7 +5902,7 @@
         <a:spcBef>
           <a:spcPts val="500"/>
         </a:spcBef>
-        <a:buFont typeface="Arial" panose="020B0604020202020204" pitchFamily="34" charset="0"/>
+        <a:buFont typeface="Arial" panose="020B0604020202090204" pitchFamily="34" charset="0"/>
         <a:buChar char="•"/>
         <a:defRPr sz="1800" kern="1200">
           <a:solidFill>
@@ -6059,7 +5920,7 @@
         <a:spcBef>
           <a:spcPts val="500"/>
         </a:spcBef>
-        <a:buFont typeface="Arial" panose="020B0604020202020204" pitchFamily="34" charset="0"/>
+        <a:buFont typeface="Arial" panose="020B0604020202090204" pitchFamily="34" charset="0"/>
         <a:buChar char="•"/>
         <a:defRPr sz="1800" kern="1200">
           <a:solidFill>
@@ -6211,16 +6072,16 @@
           <a:p>
             <a:r>
               <a:rPr lang="en-US" altLang="zh-CN" sz="3200" b="1" dirty="0">
-                <a:latin typeface="Arial" panose="020B0604020202020204" pitchFamily="34" charset="0"/>
+                <a:latin typeface="Arial" panose="020B0604020202090204" pitchFamily="34" charset="0"/>
                 <a:ea typeface="华光中圆_CNKI" panose="02000500000000000000" pitchFamily="2" charset="-122"/>
-                <a:cs typeface="Arial" panose="020B0604020202020204" pitchFamily="34" charset="0"/>
+                <a:cs typeface="Arial" panose="020B0604020202090204" pitchFamily="34" charset="0"/>
               </a:rPr>
               <a:t>A Survey of Hybrid Fuzzing based on Symbolic Execution</a:t>
             </a:r>
             <a:endParaRPr lang="zh-CN" altLang="en-US" sz="2800" b="1" dirty="0">
-              <a:latin typeface="Arial" panose="020B0604020202020204" pitchFamily="34" charset="0"/>
+              <a:latin typeface="Arial" panose="020B0604020202090204" pitchFamily="34" charset="0"/>
               <a:ea typeface="华光中圆_CNKI" panose="02000500000000000000" pitchFamily="2" charset="-122"/>
-              <a:cs typeface="Arial" panose="020B0604020202020204" pitchFamily="34" charset="0"/>
+              <a:cs typeface="Arial" panose="020B0604020202090204" pitchFamily="34" charset="0"/>
             </a:endParaRPr>
           </a:p>
         </p:txBody>
@@ -6255,14 +6116,6 @@
               </a:rPr>
               <a:t>Tao Zhang</a:t>
             </a:r>
-            <a:r>
-              <a:rPr lang="en-US" altLang="zh-CN" sz="1800" dirty="0">
-                <a:solidFill>
-                  <a:schemeClr val="tx1"/>
-                </a:solidFill>
-              </a:rPr>
-              <a:t/>
-            </a:r>
             <a:br>
               <a:rPr lang="en-US" altLang="zh-CN" sz="1800" dirty="0">
                 <a:solidFill>
@@ -6331,6 +6184,11 @@
               </a:rPr>
               <a:t>wayne-tao@Outlook.com</a:t>
             </a:r>
+            <a:endParaRPr lang="en-US" altLang="zh-CN" sz="1800" dirty="0" smtClean="0">
+              <a:solidFill>
+                <a:schemeClr val="tx1"/>
+              </a:solidFill>
+            </a:endParaRPr>
           </a:p>
           <a:p>
             <a:r>
@@ -6496,10 +6354,6 @@
               <a:rPr lang="en-US" altLang="zh-CN" sz="1800" baseline="30000" dirty="0"/>
               <a:t>†</a:t>
             </a:r>
-            <a:r>
-              <a:rPr lang="en-US" altLang="zh-CN" sz="1800" dirty="0"/>
-              <a:t/>
-            </a:r>
             <a:br>
               <a:rPr lang="en-US" altLang="zh-CN" sz="1800" dirty="0"/>
             </a:br>
@@ -6533,11 +6387,6 @@
         </p:txBody>
       </p:sp>
     </p:spTree>
-    <p:extLst>
-      <p:ext uri="{BB962C8B-B14F-4D97-AF65-F5344CB8AC3E}">
-        <p14:creationId xmlns:p14="http://schemas.microsoft.com/office/powerpoint/2010/main" val="3478176754"/>
-      </p:ext>
-    </p:extLst>
   </p:cSld>
   <p:clrMapOvr>
     <a:masterClrMapping/>
@@ -6562,12 +6411,351 @@
           <a:chExt cx="0" cy="0"/>
         </a:xfrm>
       </p:grpSpPr>
+      <p:pic>
+        <p:nvPicPr>
+          <p:cNvPr id="7" name="图片 6"/>
+          <p:cNvPicPr>
+            <a:picLocks noChangeAspect="1"/>
+          </p:cNvPicPr>
+          <p:nvPr/>
+        </p:nvPicPr>
+        <p:blipFill>
+          <a:blip r:embed="rId1"/>
+          <a:stretch>
+            <a:fillRect/>
+          </a:stretch>
+        </p:blipFill>
+        <p:spPr>
+          <a:xfrm>
+            <a:off x="1323179" y="1267415"/>
+            <a:ext cx="9544050" cy="3219450"/>
+          </a:xfrm>
+          <a:prstGeom prst="rect">
+            <a:avLst/>
+          </a:prstGeom>
+        </p:spPr>
+      </p:pic>
+      <p:sp>
+        <p:nvSpPr>
+          <p:cNvPr id="2" name="标题 1"/>
+          <p:cNvSpPr>
+            <a:spLocks noGrp="1"/>
+          </p:cNvSpPr>
+          <p:nvPr>
+            <p:ph type="title"/>
+          </p:nvPr>
+        </p:nvSpPr>
+        <p:spPr/>
+        <p:txBody>
+          <a:bodyPr>
+            <a:normAutofit/>
+          </a:bodyPr>
+          <a:p>
+            <a:r>
+              <a:rPr lang="zh-CN" altLang="en-US" sz="3200" dirty="0"/>
+              <a:t>瓶颈</a:t>
+            </a:r>
+            <a:endParaRPr lang="zh-CN" altLang="en-US" sz="3200" dirty="0"/>
+          </a:p>
+        </p:txBody>
+      </p:sp>
+      <p:sp>
+        <p:nvSpPr>
+          <p:cNvPr id="3" name="左大括号 2"/>
+          <p:cNvSpPr/>
+          <p:nvPr/>
+        </p:nvSpPr>
+        <p:spPr>
+          <a:xfrm rot="16200000">
+            <a:off x="5915868" y="1066637"/>
+            <a:ext cx="360000" cy="7200000"/>
+          </a:xfrm>
+          <a:prstGeom prst="leftBrace">
+            <a:avLst/>
+          </a:prstGeom>
+        </p:spPr>
+        <p:style>
+          <a:lnRef idx="3">
+            <a:schemeClr val="accent1"/>
+          </a:lnRef>
+          <a:fillRef idx="0">
+            <a:schemeClr val="accent1"/>
+          </a:fillRef>
+          <a:effectRef idx="2">
+            <a:schemeClr val="accent1"/>
+          </a:effectRef>
+          <a:fontRef idx="minor">
+            <a:schemeClr val="tx1"/>
+          </a:fontRef>
+        </p:style>
+        <p:txBody>
+          <a:bodyPr rtlCol="0" anchor="ctr"/>
+          <a:p>
+            <a:pPr algn="ctr"/>
+            <a:endParaRPr lang="zh-CN" altLang="en-US"/>
+          </a:p>
+        </p:txBody>
+      </p:sp>
+      <p:sp>
+        <p:nvSpPr>
+          <p:cNvPr id="4" name="标题 1"/>
+          <p:cNvSpPr>
+            <a:spLocks noGrp="1"/>
+          </p:cNvSpPr>
+          <p:nvPr/>
+        </p:nvSpPr>
+        <p:spPr>
+          <a:xfrm>
+            <a:off x="4587875" y="4846955"/>
+            <a:ext cx="3014980" cy="837565"/>
+          </a:xfrm>
+          <a:prstGeom prst="roundRect">
+            <a:avLst>
+              <a:gd name="adj" fmla="val 44275"/>
+            </a:avLst>
+          </a:prstGeom>
+        </p:spPr>
+        <p:style>
+          <a:lnRef idx="3">
+            <a:schemeClr val="lt1"/>
+          </a:lnRef>
+          <a:fillRef idx="1">
+            <a:schemeClr val="accent3"/>
+          </a:fillRef>
+          <a:effectRef idx="1">
+            <a:schemeClr val="accent3"/>
+          </a:effectRef>
+          <a:fontRef idx="minor">
+            <a:schemeClr val="lt1"/>
+          </a:fontRef>
+        </p:style>
+        <p:txBody>
+          <a:bodyPr vert="horz" lIns="91440" tIns="45720" rIns="91440" bIns="45720" rtlCol="0" anchor="ctr">
+            <a:normAutofit/>
+          </a:bodyPr>
+          <a:lstStyle>
+            <a:lvl1pPr algn="l" defTabSz="914400" rtl="0" eaLnBrk="1" latinLnBrk="0" hangingPunct="1">
+              <a:lnSpc>
+                <a:spcPct val="90000"/>
+              </a:lnSpc>
+              <a:spcBef>
+                <a:spcPct val="0"/>
+              </a:spcBef>
+              <a:buNone/>
+              <a:defRPr sz="4400" kern="1200">
+                <a:solidFill>
+                  <a:schemeClr val="tx1"/>
+                </a:solidFill>
+                <a:latin typeface="+mj-lt"/>
+                <a:ea typeface="+mj-ea"/>
+                <a:cs typeface="+mj-cs"/>
+              </a:defRPr>
+            </a:lvl1pPr>
+          </a:lstStyle>
+          <a:p>
+            <a:pPr algn="ctr"/>
+            <a:r>
+              <a:rPr lang="zh-CN" altLang="en-US" sz="3200" dirty="0">
+                <a:latin typeface="Hiragino Sans GB W3" panose="020B0300000000000000" charset="-122"/>
+                <a:ea typeface="Hiragino Sans GB W3" panose="020B0300000000000000" charset="-122"/>
+              </a:rPr>
+              <a:t>符合执行</a:t>
+            </a:r>
+            <a:endParaRPr lang="zh-CN" altLang="en-US" sz="3200" dirty="0">
+              <a:latin typeface="Hiragino Sans GB W3" panose="020B0300000000000000" charset="-122"/>
+              <a:ea typeface="Hiragino Sans GB W3" panose="020B0300000000000000" charset="-122"/>
+            </a:endParaRPr>
+          </a:p>
+        </p:txBody>
+      </p:sp>
+      <p:sp>
+        <p:nvSpPr>
+          <p:cNvPr id="5" name="下箭头 4"/>
+          <p:cNvSpPr/>
+          <p:nvPr/>
+        </p:nvSpPr>
+        <p:spPr>
+          <a:xfrm rot="8455856">
+            <a:off x="3851986" y="3326753"/>
+            <a:ext cx="355960" cy="1685580"/>
+          </a:xfrm>
+          <a:prstGeom prst="downArrow">
+            <a:avLst/>
+          </a:prstGeom>
+        </p:spPr>
+        <p:style>
+          <a:lnRef idx="2">
+            <a:schemeClr val="accent1">
+              <a:shade val="50000"/>
+            </a:schemeClr>
+          </a:lnRef>
+          <a:fillRef idx="1">
+            <a:schemeClr val="accent1"/>
+          </a:fillRef>
+          <a:effectRef idx="0">
+            <a:schemeClr val="accent1"/>
+          </a:effectRef>
+          <a:fontRef idx="minor">
+            <a:schemeClr val="lt1"/>
+          </a:fontRef>
+        </p:style>
+        <p:txBody>
+          <a:bodyPr rtlCol="0" anchor="ctr"/>
+          <a:p>
+            <a:pPr algn="ctr"/>
+            <a:endParaRPr lang="zh-CN" altLang="en-US"/>
+          </a:p>
+        </p:txBody>
+      </p:sp>
+      <p:sp>
+        <p:nvSpPr>
+          <p:cNvPr id="6" name="下箭头 5"/>
+          <p:cNvSpPr/>
+          <p:nvPr/>
+        </p:nvSpPr>
+        <p:spPr>
+          <a:xfrm rot="12835856">
+            <a:off x="7465771" y="3294368"/>
+            <a:ext cx="355960" cy="1685580"/>
+          </a:xfrm>
+          <a:prstGeom prst="downArrow">
+            <a:avLst/>
+          </a:prstGeom>
+        </p:spPr>
+        <p:style>
+          <a:lnRef idx="2">
+            <a:schemeClr val="accent1">
+              <a:shade val="50000"/>
+            </a:schemeClr>
+          </a:lnRef>
+          <a:fillRef idx="1">
+            <a:schemeClr val="accent1"/>
+          </a:fillRef>
+          <a:effectRef idx="0">
+            <a:schemeClr val="accent1"/>
+          </a:effectRef>
+          <a:fontRef idx="minor">
+            <a:schemeClr val="lt1"/>
+          </a:fontRef>
+        </p:style>
+        <p:txBody>
+          <a:bodyPr rtlCol="0" anchor="ctr"/>
+          <a:p>
+            <a:pPr algn="ctr"/>
+            <a:endParaRPr lang="zh-CN" altLang="en-US"/>
+          </a:p>
+        </p:txBody>
+      </p:sp>
+      <p:sp>
+        <p:nvSpPr>
+          <p:cNvPr id="8" name="下箭头 7"/>
+          <p:cNvSpPr/>
+          <p:nvPr/>
+        </p:nvSpPr>
+        <p:spPr>
+          <a:xfrm rot="10800000">
+            <a:off x="5955665" y="3990975"/>
+            <a:ext cx="280670" cy="624205"/>
+          </a:xfrm>
+          <a:prstGeom prst="downArrow">
+            <a:avLst/>
+          </a:prstGeom>
+        </p:spPr>
+        <p:style>
+          <a:lnRef idx="2">
+            <a:schemeClr val="accent1">
+              <a:shade val="50000"/>
+            </a:schemeClr>
+          </a:lnRef>
+          <a:fillRef idx="1">
+            <a:schemeClr val="accent1"/>
+          </a:fillRef>
+          <a:effectRef idx="0">
+            <a:schemeClr val="accent1"/>
+          </a:effectRef>
+          <a:fontRef idx="minor">
+            <a:schemeClr val="lt1"/>
+          </a:fontRef>
+        </p:style>
+        <p:txBody>
+          <a:bodyPr rtlCol="0" anchor="ctr"/>
+          <a:p>
+            <a:pPr algn="ctr"/>
+            <a:endParaRPr lang="zh-CN" altLang="en-US"/>
+          </a:p>
+        </p:txBody>
+      </p:sp>
+      <p:sp>
+        <p:nvSpPr>
+          <p:cNvPr id="9" name="文本框 8"/>
+          <p:cNvSpPr txBox="1"/>
+          <p:nvPr/>
+        </p:nvSpPr>
+        <p:spPr>
+          <a:xfrm>
+            <a:off x="2314088" y="5837873"/>
+            <a:ext cx="7312025" cy="521970"/>
+          </a:xfrm>
+          <a:prstGeom prst="rect">
+            <a:avLst/>
+          </a:prstGeom>
+          <a:noFill/>
+        </p:spPr>
+        <p:txBody>
+          <a:bodyPr wrap="none" rtlCol="0" anchor="t">
+            <a:spAutoFit/>
+          </a:bodyPr>
+          <a:p>
+            <a:pPr algn="ctr"/>
+            <a:r>
+              <a:rPr lang="zh-CN" altLang="en-US" sz="2800" b="1" dirty="0" smtClean="0">
+                <a:sym typeface="+mn-ea"/>
+              </a:rPr>
+              <a:t>路径爆炸 </a:t>
+            </a:r>
+            <a:r>
+              <a:rPr lang="en-US" altLang="zh-CN" sz="2800" b="1" dirty="0" smtClean="0">
+                <a:sym typeface="+mn-ea"/>
+              </a:rPr>
+              <a:t>-&gt; </a:t>
+            </a:r>
+            <a:r>
+              <a:rPr lang="zh-CN" altLang="en-US" sz="2800" b="1" dirty="0" smtClean="0">
+                <a:sym typeface="+mn-ea"/>
+              </a:rPr>
+              <a:t>中、大型软件（</a:t>
+            </a:r>
+            <a:r>
+              <a:rPr lang="en-US" altLang="zh-CN" sz="2800" b="1" dirty="0" smtClean="0">
+                <a:sym typeface="+mn-ea"/>
+              </a:rPr>
+              <a:t>opencv</a:t>
+            </a:r>
+            <a:r>
+              <a:rPr lang="zh-CN" altLang="en-US" sz="2800" b="1" dirty="0" smtClean="0">
+                <a:sym typeface="+mn-ea"/>
+              </a:rPr>
+              <a:t>、</a:t>
+            </a:r>
+            <a:r>
+              <a:rPr lang="en-US" altLang="zh-CN" sz="2800" b="1" dirty="0" smtClean="0">
+                <a:sym typeface="+mn-ea"/>
+              </a:rPr>
+              <a:t>unix</a:t>
+            </a:r>
+            <a:r>
+              <a:rPr lang="zh-CN" altLang="en-US" sz="2800" b="1" dirty="0" smtClean="0">
+                <a:sym typeface="+mn-ea"/>
+              </a:rPr>
+              <a:t>）</a:t>
+            </a:r>
+            <a:endParaRPr lang="zh-CN" altLang="en-US" sz="2800" b="1" dirty="0" smtClean="0">
+              <a:sym typeface="+mn-ea"/>
+            </a:endParaRPr>
+          </a:p>
+        </p:txBody>
+      </p:sp>
     </p:spTree>
-    <p:extLst>
-      <p:ext uri="{BB962C8B-B14F-4D97-AF65-F5344CB8AC3E}">
-        <p14:creationId xmlns:p14="http://schemas.microsoft.com/office/powerpoint/2010/main" val="891980268"/>
-      </p:ext>
-    </p:extLst>
   </p:cSld>
   <p:clrMapOvr>
     <a:masterClrMapping/>
@@ -6601,7 +6789,7 @@
           <p:nvPr/>
         </p:nvPicPr>
         <p:blipFill rotWithShape="1">
-          <a:blip r:embed="rId3">
+          <a:blip r:embed="rId1">
             <a:duotone>
               <a:schemeClr val="bg2">
                 <a:shade val="45000"/>
@@ -6796,6 +6984,23 @@
                 </a:rPr>
                 <a:t>目   录</a:t>
               </a:r>
+              <a:endParaRPr kumimoji="0" lang="zh-CN" altLang="en-US" sz="3600" b="1" i="0" u="none" strike="noStrike" kern="0" cap="none" spc="0" normalizeH="0" baseline="0" noProof="0" dirty="0">
+                <a:ln>
+                  <a:noFill/>
+                </a:ln>
+                <a:solidFill>
+                  <a:prstClr val="white">
+                    <a:lumMod val="100000"/>
+                  </a:prstClr>
+                </a:solidFill>
+                <a:effectLst/>
+                <a:uLnTx/>
+                <a:uFillTx/>
+                <a:latin typeface="方正正中黑简体" panose="02000000000000000000" pitchFamily="2" charset="-122"/>
+                <a:ea typeface="方正正中黑简体" panose="02000000000000000000" pitchFamily="2" charset="-122"/>
+                <a:cs typeface="+mn-ea"/>
+                <a:sym typeface="+mn-lt"/>
+              </a:endParaRPr>
             </a:p>
           </p:txBody>
         </p:sp>
@@ -7625,11 +7830,6 @@
         </p:grpSp>
       </p:grpSp>
     </p:spTree>
-    <p:extLst>
-      <p:ext uri="{BB962C8B-B14F-4D97-AF65-F5344CB8AC3E}">
-        <p14:creationId xmlns:p14="http://schemas.microsoft.com/office/powerpoint/2010/main" val="1442390050"/>
-      </p:ext>
-    </p:extLst>
   </p:cSld>
   <p:clrMapOvr>
     <a:masterClrMapping/>
@@ -7654,686 +7854,6 @@
           <a:chExt cx="0" cy="0"/>
         </a:xfrm>
       </p:grpSpPr>
-      <p:graphicFrame>
-        <p:nvGraphicFramePr>
-          <p:cNvPr id="3" name="表格 2"/>
-          <p:cNvGraphicFramePr>
-            <a:graphicFrameLocks noGrp="1"/>
-          </p:cNvGraphicFramePr>
-          <p:nvPr>
-            <p:extLst>
-              <p:ext uri="{D42A27DB-BD31-4B8C-83A1-F6EECF244321}">
-                <p14:modId xmlns:p14="http://schemas.microsoft.com/office/powerpoint/2010/main" val="309051877"/>
-              </p:ext>
-            </p:extLst>
-          </p:nvPr>
-        </p:nvGraphicFramePr>
-        <p:xfrm>
-          <a:off x="838200" y="1490471"/>
-          <a:ext cx="10105492" cy="5020056"/>
-        </p:xfrm>
-        <a:graphic>
-          <a:graphicData uri="http://schemas.openxmlformats.org/drawingml/2006/table">
-            <a:tbl>
-              <a:tblPr firstRow="1" firstCol="1" bandRow="1">
-                <a:tableStyleId>{5C22544A-7EE6-4342-B048-85BDC9FD1C3A}</a:tableStyleId>
-              </a:tblPr>
-              <a:tblGrid>
-                <a:gridCol w="1784630"/>
-                <a:gridCol w="2971015"/>
-                <a:gridCol w="5349847"/>
-              </a:tblGrid>
-              <a:tr h="494527">
-                <a:tc>
-                  <a:txBody>
-                    <a:bodyPr/>
-                    <a:lstStyle/>
-                    <a:p>
-                      <a:pPr algn="ctr">
-                        <a:lnSpc>
-                          <a:spcPct val="110000"/>
-                        </a:lnSpc>
-                        <a:spcAft>
-                          <a:spcPts val="0"/>
-                        </a:spcAft>
-                      </a:pPr>
-                      <a:r>
-                        <a:rPr lang="en-US" sz="1600" b="1" kern="100" dirty="0">
-                          <a:effectLst/>
-                        </a:rPr>
-                        <a:t>Year</a:t>
-                      </a:r>
-                      <a:endParaRPr lang="zh-CN" sz="2000" b="1" kern="100" dirty="0">
-                        <a:effectLst/>
-                        <a:latin typeface="Calibri" panose="020F0502020204030204" pitchFamily="34" charset="0"/>
-                        <a:ea typeface="MS Mincho" panose="02020609040205080304" pitchFamily="49" charset="-128"/>
-                        <a:cs typeface="Times New Roman" panose="02020603050405020304" pitchFamily="18" charset="0"/>
-                      </a:endParaRPr>
-                    </a:p>
-                  </a:txBody>
-                  <a:tcPr marL="68580" marR="68580" marT="0" marB="0" anchor="ctr"/>
-                </a:tc>
-                <a:tc>
-                  <a:txBody>
-                    <a:bodyPr/>
-                    <a:lstStyle/>
-                    <a:p>
-                      <a:pPr algn="ctr">
-                        <a:lnSpc>
-                          <a:spcPct val="110000"/>
-                        </a:lnSpc>
-                        <a:spcAft>
-                          <a:spcPts val="0"/>
-                        </a:spcAft>
-                      </a:pPr>
-                      <a:r>
-                        <a:rPr lang="en-US" sz="1600" b="1" kern="100">
-                          <a:effectLst/>
-                        </a:rPr>
-                        <a:t>Method</a:t>
-                      </a:r>
-                      <a:endParaRPr lang="zh-CN" sz="2000" b="1" kern="100">
-                        <a:effectLst/>
-                        <a:latin typeface="Calibri" panose="020F0502020204030204" pitchFamily="34" charset="0"/>
-                        <a:ea typeface="MS Mincho" panose="02020609040205080304" pitchFamily="49" charset="-128"/>
-                        <a:cs typeface="Times New Roman" panose="02020603050405020304" pitchFamily="18" charset="0"/>
-                      </a:endParaRPr>
-                    </a:p>
-                  </a:txBody>
-                  <a:tcPr marL="68580" marR="68580" marT="0" marB="0" anchor="ctr"/>
-                </a:tc>
-                <a:tc>
-                  <a:txBody>
-                    <a:bodyPr/>
-                    <a:lstStyle/>
-                    <a:p>
-                      <a:pPr algn="ctr">
-                        <a:lnSpc>
-                          <a:spcPct val="110000"/>
-                        </a:lnSpc>
-                        <a:spcAft>
-                          <a:spcPts val="0"/>
-                        </a:spcAft>
-                      </a:pPr>
-                      <a:r>
-                        <a:rPr lang="en-US" sz="1600" b="1" kern="100">
-                          <a:effectLst/>
-                        </a:rPr>
-                        <a:t>Features</a:t>
-                      </a:r>
-                      <a:endParaRPr lang="zh-CN" sz="2000" b="1" kern="100">
-                        <a:effectLst/>
-                        <a:latin typeface="Calibri" panose="020F0502020204030204" pitchFamily="34" charset="0"/>
-                        <a:ea typeface="MS Mincho" panose="02020609040205080304" pitchFamily="49" charset="-128"/>
-                        <a:cs typeface="Times New Roman" panose="02020603050405020304" pitchFamily="18" charset="0"/>
-                      </a:endParaRPr>
-                    </a:p>
-                  </a:txBody>
-                  <a:tcPr marL="68580" marR="68580" marT="0" marB="0" anchor="ctr"/>
-                </a:tc>
-              </a:tr>
-              <a:tr h="437707">
-                <a:tc>
-                  <a:txBody>
-                    <a:bodyPr/>
-                    <a:lstStyle/>
-                    <a:p>
-                      <a:pPr algn="ctr">
-                        <a:lnSpc>
-                          <a:spcPct val="110000"/>
-                        </a:lnSpc>
-                        <a:spcAft>
-                          <a:spcPts val="0"/>
-                        </a:spcAft>
-                      </a:pPr>
-                      <a:r>
-                        <a:rPr lang="en-US" sz="1600" b="0" kern="100" dirty="0">
-                          <a:effectLst/>
-                        </a:rPr>
-                        <a:t>2007</a:t>
-                      </a:r>
-                      <a:endParaRPr lang="zh-CN" sz="2000" b="0" kern="100" dirty="0">
-                        <a:effectLst/>
-                        <a:latin typeface="Calibri" panose="020F0502020204030204" pitchFamily="34" charset="0"/>
-                        <a:ea typeface="MS Mincho" panose="02020609040205080304" pitchFamily="49" charset="-128"/>
-                        <a:cs typeface="Times New Roman" panose="02020603050405020304" pitchFamily="18" charset="0"/>
-                      </a:endParaRPr>
-                    </a:p>
-                  </a:txBody>
-                  <a:tcPr marL="68580" marR="68580" marT="0" marB="0" anchor="ctr"/>
-                </a:tc>
-                <a:tc>
-                  <a:txBody>
-                    <a:bodyPr/>
-                    <a:lstStyle/>
-                    <a:p>
-                      <a:pPr algn="ctr">
-                        <a:lnSpc>
-                          <a:spcPct val="110000"/>
-                        </a:lnSpc>
-                        <a:spcAft>
-                          <a:spcPts val="0"/>
-                        </a:spcAft>
-                      </a:pPr>
-                      <a:r>
-                        <a:rPr lang="en-US" sz="1600" b="0" kern="100">
-                          <a:effectLst/>
-                        </a:rPr>
-                        <a:t>Hybrid testing</a:t>
-                      </a:r>
-                      <a:endParaRPr lang="zh-CN" sz="2000" b="0" kern="100">
-                        <a:effectLst/>
-                        <a:latin typeface="Calibri" panose="020F0502020204030204" pitchFamily="34" charset="0"/>
-                        <a:ea typeface="MS Mincho" panose="02020609040205080304" pitchFamily="49" charset="-128"/>
-                        <a:cs typeface="Times New Roman" panose="02020603050405020304" pitchFamily="18" charset="0"/>
-                      </a:endParaRPr>
-                    </a:p>
-                  </a:txBody>
-                  <a:tcPr marL="68580" marR="68580" marT="0" marB="0" anchor="ctr"/>
-                </a:tc>
-                <a:tc>
-                  <a:txBody>
-                    <a:bodyPr/>
-                    <a:lstStyle/>
-                    <a:p>
-                      <a:pPr algn="l">
-                        <a:lnSpc>
-                          <a:spcPct val="110000"/>
-                        </a:lnSpc>
-                        <a:spcAft>
-                          <a:spcPts val="0"/>
-                        </a:spcAft>
-                      </a:pPr>
-                      <a:r>
-                        <a:rPr lang="en-US" sz="1600" b="0" kern="100" dirty="0">
-                          <a:effectLst/>
-                        </a:rPr>
-                        <a:t>The concept of hybrid testing was first proposed. </a:t>
-                      </a:r>
-                      <a:endParaRPr lang="zh-CN" sz="2000" b="0" kern="100" dirty="0">
-                        <a:effectLst/>
-                        <a:latin typeface="Calibri" panose="020F0502020204030204" pitchFamily="34" charset="0"/>
-                        <a:ea typeface="MS Mincho" panose="02020609040205080304" pitchFamily="49" charset="-128"/>
-                        <a:cs typeface="Times New Roman" panose="02020603050405020304" pitchFamily="18" charset="0"/>
-                      </a:endParaRPr>
-                    </a:p>
-                  </a:txBody>
-                  <a:tcPr marL="68580" marR="68580" marT="0" marB="0" anchor="ctr"/>
-                </a:tc>
-              </a:tr>
-              <a:tr h="437707">
-                <a:tc>
-                  <a:txBody>
-                    <a:bodyPr/>
-                    <a:lstStyle/>
-                    <a:p>
-                      <a:pPr algn="ctr">
-                        <a:lnSpc>
-                          <a:spcPct val="110000"/>
-                        </a:lnSpc>
-                        <a:spcAft>
-                          <a:spcPts val="0"/>
-                        </a:spcAft>
-                      </a:pPr>
-                      <a:r>
-                        <a:rPr lang="en-US" sz="1600" b="0" kern="100">
-                          <a:effectLst/>
-                        </a:rPr>
-                        <a:t>2012</a:t>
-                      </a:r>
-                      <a:endParaRPr lang="zh-CN" sz="2000" b="0" kern="100">
-                        <a:effectLst/>
-                        <a:latin typeface="Calibri" panose="020F0502020204030204" pitchFamily="34" charset="0"/>
-                        <a:ea typeface="MS Mincho" panose="02020609040205080304" pitchFamily="49" charset="-128"/>
-                        <a:cs typeface="Times New Roman" panose="02020603050405020304" pitchFamily="18" charset="0"/>
-                      </a:endParaRPr>
-                    </a:p>
-                  </a:txBody>
-                  <a:tcPr marL="68580" marR="68580" marT="0" marB="0" anchor="ctr"/>
-                </a:tc>
-                <a:tc>
-                  <a:txBody>
-                    <a:bodyPr/>
-                    <a:lstStyle/>
-                    <a:p>
-                      <a:pPr algn="ctr">
-                        <a:lnSpc>
-                          <a:spcPct val="110000"/>
-                        </a:lnSpc>
-                        <a:spcAft>
-                          <a:spcPts val="0"/>
-                        </a:spcAft>
-                      </a:pPr>
-                      <a:r>
-                        <a:rPr lang="en-US" sz="1600" b="0" kern="100">
-                          <a:effectLst/>
-                        </a:rPr>
-                        <a:t>Hybrid fuzzing</a:t>
-                      </a:r>
-                      <a:endParaRPr lang="zh-CN" sz="2000" b="0" kern="100">
-                        <a:effectLst/>
-                        <a:latin typeface="Calibri" panose="020F0502020204030204" pitchFamily="34" charset="0"/>
-                        <a:ea typeface="MS Mincho" panose="02020609040205080304" pitchFamily="49" charset="-128"/>
-                        <a:cs typeface="Times New Roman" panose="02020603050405020304" pitchFamily="18" charset="0"/>
-                      </a:endParaRPr>
-                    </a:p>
-                  </a:txBody>
-                  <a:tcPr marL="68580" marR="68580" marT="0" marB="0" anchor="ctr"/>
-                </a:tc>
-                <a:tc>
-                  <a:txBody>
-                    <a:bodyPr/>
-                    <a:lstStyle/>
-                    <a:p>
-                      <a:pPr algn="l">
-                        <a:lnSpc>
-                          <a:spcPct val="110000"/>
-                        </a:lnSpc>
-                        <a:spcAft>
-                          <a:spcPts val="0"/>
-                        </a:spcAft>
-                      </a:pPr>
-                      <a:r>
-                        <a:rPr lang="en-US" sz="1600" b="0" kern="100" dirty="0">
-                          <a:effectLst/>
-                        </a:rPr>
-                        <a:t>Hybrid fuzzing is officially proposed for the first time. </a:t>
-                      </a:r>
-                      <a:endParaRPr lang="zh-CN" sz="2000" b="0" kern="100" dirty="0">
-                        <a:effectLst/>
-                        <a:latin typeface="Calibri" panose="020F0502020204030204" pitchFamily="34" charset="0"/>
-                        <a:ea typeface="MS Mincho" panose="02020609040205080304" pitchFamily="49" charset="-128"/>
-                        <a:cs typeface="Times New Roman" panose="02020603050405020304" pitchFamily="18" charset="0"/>
-                      </a:endParaRPr>
-                    </a:p>
-                  </a:txBody>
-                  <a:tcPr marL="68580" marR="68580" marT="0" marB="0" anchor="ctr"/>
-                </a:tc>
-              </a:tr>
-              <a:tr h="1614389">
-                <a:tc>
-                  <a:txBody>
-                    <a:bodyPr/>
-                    <a:lstStyle/>
-                    <a:p>
-                      <a:pPr algn="ctr">
-                        <a:lnSpc>
-                          <a:spcPct val="110000"/>
-                        </a:lnSpc>
-                        <a:spcAft>
-                          <a:spcPts val="0"/>
-                        </a:spcAft>
-                      </a:pPr>
-                      <a:r>
-                        <a:rPr lang="en-US" sz="1600" b="0" kern="100">
-                          <a:effectLst/>
-                        </a:rPr>
-                        <a:t>2016</a:t>
-                      </a:r>
-                      <a:endParaRPr lang="zh-CN" sz="2000" b="0" kern="100">
-                        <a:effectLst/>
-                        <a:latin typeface="Calibri" panose="020F0502020204030204" pitchFamily="34" charset="0"/>
-                        <a:ea typeface="MS Mincho" panose="02020609040205080304" pitchFamily="49" charset="-128"/>
-                        <a:cs typeface="Times New Roman" panose="02020603050405020304" pitchFamily="18" charset="0"/>
-                      </a:endParaRPr>
-                    </a:p>
-                  </a:txBody>
-                  <a:tcPr marL="68580" marR="68580" marT="0" marB="0" anchor="ctr"/>
-                </a:tc>
-                <a:tc>
-                  <a:txBody>
-                    <a:bodyPr/>
-                    <a:lstStyle/>
-                    <a:p>
-                      <a:pPr algn="ctr">
-                        <a:lnSpc>
-                          <a:spcPct val="110000"/>
-                        </a:lnSpc>
-                        <a:spcAft>
-                          <a:spcPts val="0"/>
-                        </a:spcAft>
-                      </a:pPr>
-                      <a:r>
-                        <a:rPr lang="en-US" sz="1600" b="0" kern="100" dirty="0">
-                          <a:effectLst/>
-                        </a:rPr>
-                        <a:t>Driller</a:t>
-                      </a:r>
-                      <a:endParaRPr lang="zh-CN" sz="2000" b="0" kern="100" dirty="0">
-                        <a:effectLst/>
-                        <a:latin typeface="Calibri" panose="020F0502020204030204" pitchFamily="34" charset="0"/>
-                        <a:ea typeface="MS Mincho" panose="02020609040205080304" pitchFamily="49" charset="-128"/>
-                        <a:cs typeface="Times New Roman" panose="02020603050405020304" pitchFamily="18" charset="0"/>
-                      </a:endParaRPr>
-                    </a:p>
-                  </a:txBody>
-                  <a:tcPr marL="68580" marR="68580" marT="0" marB="0" anchor="ctr"/>
-                </a:tc>
-                <a:tc>
-                  <a:txBody>
-                    <a:bodyPr/>
-                    <a:lstStyle/>
-                    <a:p>
-                      <a:pPr algn="l">
-                        <a:lnSpc>
-                          <a:spcPct val="110000"/>
-                        </a:lnSpc>
-                        <a:spcAft>
-                          <a:spcPts val="0"/>
-                        </a:spcAft>
-                      </a:pPr>
-                      <a:r>
-                        <a:rPr lang="en-US" sz="1600" b="0" kern="100" dirty="0">
-                          <a:effectLst/>
-                        </a:rPr>
-                        <a:t>Driller is based on the fuzz tool AFL and the symbolic execution tool </a:t>
-                      </a:r>
-                      <a:r>
-                        <a:rPr lang="en-US" sz="1600" b="0" kern="100" dirty="0" err="1">
-                          <a:effectLst/>
-                        </a:rPr>
-                        <a:t>angr</a:t>
-                      </a:r>
-                      <a:r>
-                        <a:rPr lang="en-US" sz="1600" b="0" kern="100" dirty="0">
-                          <a:effectLst/>
-                        </a:rPr>
-                        <a:t>. When the fuzzy program is stuck, the symbolic execution is called to solve the input that can reach the new path, so that the fuzz can quickly break through the conditional judgment statement.</a:t>
-                      </a:r>
-                      <a:endParaRPr lang="zh-CN" sz="2000" b="0" kern="100" dirty="0">
-                        <a:effectLst/>
-                        <a:latin typeface="Calibri" panose="020F0502020204030204" pitchFamily="34" charset="0"/>
-                        <a:ea typeface="MS Mincho" panose="02020609040205080304" pitchFamily="49" charset="-128"/>
-                        <a:cs typeface="Times New Roman" panose="02020603050405020304" pitchFamily="18" charset="0"/>
-                      </a:endParaRPr>
-                    </a:p>
-                  </a:txBody>
-                  <a:tcPr marL="68580" marR="68580" marT="0" marB="0" anchor="ctr"/>
-                </a:tc>
-              </a:tr>
-              <a:tr h="962085">
-                <a:tc>
-                  <a:txBody>
-                    <a:bodyPr/>
-                    <a:lstStyle/>
-                    <a:p>
-                      <a:pPr algn="ctr">
-                        <a:lnSpc>
-                          <a:spcPct val="110000"/>
-                        </a:lnSpc>
-                        <a:spcAft>
-                          <a:spcPts val="0"/>
-                        </a:spcAft>
-                      </a:pPr>
-                      <a:r>
-                        <a:rPr lang="en-US" sz="1600" b="0" kern="100">
-                          <a:effectLst/>
-                        </a:rPr>
-                        <a:t>2018</a:t>
-                      </a:r>
-                      <a:endParaRPr lang="zh-CN" sz="2000" b="0" kern="100">
-                        <a:effectLst/>
-                        <a:latin typeface="Calibri" panose="020F0502020204030204" pitchFamily="34" charset="0"/>
-                        <a:ea typeface="MS Mincho" panose="02020609040205080304" pitchFamily="49" charset="-128"/>
-                        <a:cs typeface="Times New Roman" panose="02020603050405020304" pitchFamily="18" charset="0"/>
-                      </a:endParaRPr>
-                    </a:p>
-                  </a:txBody>
-                  <a:tcPr marL="68580" marR="68580" marT="0" marB="0" anchor="ctr"/>
-                </a:tc>
-                <a:tc>
-                  <a:txBody>
-                    <a:bodyPr/>
-                    <a:lstStyle/>
-                    <a:p>
-                      <a:pPr algn="ctr">
-                        <a:lnSpc>
-                          <a:spcPct val="110000"/>
-                        </a:lnSpc>
-                        <a:spcAft>
-                          <a:spcPts val="0"/>
-                        </a:spcAft>
-                      </a:pPr>
-                      <a:r>
-                        <a:rPr lang="en-US" sz="1600" b="0" kern="100">
-                          <a:effectLst/>
-                        </a:rPr>
-                        <a:t>QSYM</a:t>
-                      </a:r>
-                      <a:endParaRPr lang="zh-CN" sz="2000" b="0" kern="100">
-                        <a:effectLst/>
-                        <a:latin typeface="Calibri" panose="020F0502020204030204" pitchFamily="34" charset="0"/>
-                        <a:ea typeface="MS Mincho" panose="02020609040205080304" pitchFamily="49" charset="-128"/>
-                        <a:cs typeface="Times New Roman" panose="02020603050405020304" pitchFamily="18" charset="0"/>
-                      </a:endParaRPr>
-                    </a:p>
-                  </a:txBody>
-                  <a:tcPr marL="68580" marR="68580" marT="0" marB="0" anchor="ctr"/>
-                </a:tc>
-                <a:tc>
-                  <a:txBody>
-                    <a:bodyPr/>
-                    <a:lstStyle/>
-                    <a:p>
-                      <a:pPr algn="l">
-                        <a:lnSpc>
-                          <a:spcPct val="110000"/>
-                        </a:lnSpc>
-                        <a:spcAft>
-                          <a:spcPts val="0"/>
-                        </a:spcAft>
-                      </a:pPr>
-                      <a:r>
-                        <a:rPr lang="en-US" sz="1600" b="0" kern="100" dirty="0">
-                          <a:effectLst/>
-                        </a:rPr>
-                        <a:t>A hybrid fuzzing technique that focuses more on symbolic execution. QSYM is a practical </a:t>
-                      </a:r>
-                      <a:r>
-                        <a:rPr lang="en-US" sz="1600" b="0" kern="100" dirty="0" err="1">
-                          <a:effectLst/>
-                        </a:rPr>
-                        <a:t>concolic</a:t>
-                      </a:r>
-                      <a:r>
-                        <a:rPr lang="en-US" sz="1600" b="0" kern="100" dirty="0">
-                          <a:effectLst/>
-                        </a:rPr>
-                        <a:t> execution engine tailored for hybrid fuzzing.</a:t>
-                      </a:r>
-                      <a:endParaRPr lang="zh-CN" sz="2000" b="0" kern="100" dirty="0">
-                        <a:effectLst/>
-                        <a:latin typeface="Calibri" panose="020F0502020204030204" pitchFamily="34" charset="0"/>
-                        <a:ea typeface="MS Mincho" panose="02020609040205080304" pitchFamily="49" charset="-128"/>
-                        <a:cs typeface="Times New Roman" panose="02020603050405020304" pitchFamily="18" charset="0"/>
-                      </a:endParaRPr>
-                    </a:p>
-                  </a:txBody>
-                  <a:tcPr marL="68580" marR="68580" marT="0" marB="0" anchor="ctr"/>
-                </a:tc>
-              </a:tr>
-              <a:tr h="437707">
-                <a:tc>
-                  <a:txBody>
-                    <a:bodyPr/>
-                    <a:lstStyle/>
-                    <a:p>
-                      <a:pPr algn="ctr">
-                        <a:lnSpc>
-                          <a:spcPct val="110000"/>
-                        </a:lnSpc>
-                        <a:spcAft>
-                          <a:spcPts val="0"/>
-                        </a:spcAft>
-                      </a:pPr>
-                      <a:r>
-                        <a:rPr lang="en-US" sz="1600" b="0" kern="100">
-                          <a:effectLst/>
-                        </a:rPr>
-                        <a:t>2019</a:t>
-                      </a:r>
-                      <a:endParaRPr lang="zh-CN" sz="2000" b="0" kern="100">
-                        <a:effectLst/>
-                        <a:latin typeface="Calibri" panose="020F0502020204030204" pitchFamily="34" charset="0"/>
-                        <a:ea typeface="MS Mincho" panose="02020609040205080304" pitchFamily="49" charset="-128"/>
-                        <a:cs typeface="Times New Roman" panose="02020603050405020304" pitchFamily="18" charset="0"/>
-                      </a:endParaRPr>
-                    </a:p>
-                  </a:txBody>
-                  <a:tcPr marL="68580" marR="68580" marT="0" marB="0" anchor="ctr"/>
-                </a:tc>
-                <a:tc>
-                  <a:txBody>
-                    <a:bodyPr/>
-                    <a:lstStyle/>
-                    <a:p>
-                      <a:pPr algn="ctr">
-                        <a:lnSpc>
-                          <a:spcPct val="110000"/>
-                        </a:lnSpc>
-                        <a:spcAft>
-                          <a:spcPts val="0"/>
-                        </a:spcAft>
-                      </a:pPr>
-                      <a:r>
-                        <a:rPr lang="en-US" sz="1600" b="0" kern="100">
-                          <a:effectLst/>
-                        </a:rPr>
-                        <a:t>Afleer</a:t>
-                      </a:r>
-                      <a:endParaRPr lang="zh-CN" sz="2000" b="0" kern="100">
-                        <a:effectLst/>
-                        <a:latin typeface="Calibri" panose="020F0502020204030204" pitchFamily="34" charset="0"/>
-                        <a:ea typeface="MS Mincho" panose="02020609040205080304" pitchFamily="49" charset="-128"/>
-                        <a:cs typeface="Times New Roman" panose="02020603050405020304" pitchFamily="18" charset="0"/>
-                      </a:endParaRPr>
-                    </a:p>
-                  </a:txBody>
-                  <a:tcPr marL="68580" marR="68580" marT="0" marB="0" anchor="ctr"/>
-                </a:tc>
-                <a:tc>
-                  <a:txBody>
-                    <a:bodyPr/>
-                    <a:lstStyle/>
-                    <a:p>
-                      <a:pPr algn="l">
-                        <a:lnSpc>
-                          <a:spcPct val="110000"/>
-                        </a:lnSpc>
-                        <a:spcAft>
-                          <a:spcPts val="0"/>
-                        </a:spcAft>
-                      </a:pPr>
-                      <a:r>
-                        <a:rPr lang="en-US" sz="1600" b="0" kern="100" dirty="0">
-                          <a:effectLst/>
-                        </a:rPr>
-                        <a:t>The trend of domestic research on hybrid fuzzing begins.</a:t>
-                      </a:r>
-                      <a:endParaRPr lang="zh-CN" sz="2000" b="0" kern="100" dirty="0">
-                        <a:effectLst/>
-                        <a:latin typeface="Calibri" panose="020F0502020204030204" pitchFamily="34" charset="0"/>
-                        <a:ea typeface="MS Mincho" panose="02020609040205080304" pitchFamily="49" charset="-128"/>
-                        <a:cs typeface="Times New Roman" panose="02020603050405020304" pitchFamily="18" charset="0"/>
-                      </a:endParaRPr>
-                    </a:p>
-                  </a:txBody>
-                  <a:tcPr marL="68580" marR="68580" marT="0" marB="0" anchor="ctr"/>
-                </a:tc>
-              </a:tr>
-              <a:tr h="635934">
-                <a:tc>
-                  <a:txBody>
-                    <a:bodyPr/>
-                    <a:lstStyle/>
-                    <a:p>
-                      <a:pPr algn="ctr">
-                        <a:lnSpc>
-                          <a:spcPct val="110000"/>
-                        </a:lnSpc>
-                        <a:spcAft>
-                          <a:spcPts val="0"/>
-                        </a:spcAft>
-                      </a:pPr>
-                      <a:r>
-                        <a:rPr lang="en-US" sz="1600" b="0" kern="100">
-                          <a:effectLst/>
-                        </a:rPr>
-                        <a:t>2020</a:t>
-                      </a:r>
-                      <a:endParaRPr lang="zh-CN" sz="2000" b="0" kern="100">
-                        <a:effectLst/>
-                        <a:latin typeface="Calibri" panose="020F0502020204030204" pitchFamily="34" charset="0"/>
-                        <a:ea typeface="MS Mincho" panose="02020609040205080304" pitchFamily="49" charset="-128"/>
-                        <a:cs typeface="Times New Roman" panose="02020603050405020304" pitchFamily="18" charset="0"/>
-                      </a:endParaRPr>
-                    </a:p>
-                  </a:txBody>
-                  <a:tcPr marL="68580" marR="68580" marT="0" marB="0" anchor="ctr"/>
-                </a:tc>
-                <a:tc>
-                  <a:txBody>
-                    <a:bodyPr/>
-                    <a:lstStyle/>
-                    <a:p>
-                      <a:pPr algn="ctr">
-                        <a:lnSpc>
-                          <a:spcPct val="110000"/>
-                        </a:lnSpc>
-                        <a:spcAft>
-                          <a:spcPts val="0"/>
-                        </a:spcAft>
-                      </a:pPr>
-                      <a:r>
-                        <a:rPr lang="en-US" sz="1600" b="0" kern="100">
-                          <a:effectLst/>
-                        </a:rPr>
-                        <a:t>PANGOLIN</a:t>
-                      </a:r>
-                      <a:endParaRPr lang="zh-CN" sz="2000" b="0" kern="100">
-                        <a:effectLst/>
-                        <a:latin typeface="Calibri" panose="020F0502020204030204" pitchFamily="34" charset="0"/>
-                        <a:ea typeface="MS Mincho" panose="02020609040205080304" pitchFamily="49" charset="-128"/>
-                        <a:cs typeface="Times New Roman" panose="02020603050405020304" pitchFamily="18" charset="0"/>
-                      </a:endParaRPr>
-                    </a:p>
-                  </a:txBody>
-                  <a:tcPr marL="68580" marR="68580" marT="0" marB="0" anchor="ctr"/>
-                </a:tc>
-                <a:tc>
-                  <a:txBody>
-                    <a:bodyPr/>
-                    <a:lstStyle/>
-                    <a:p>
-                      <a:pPr algn="l">
-                        <a:lnSpc>
-                          <a:spcPct val="110000"/>
-                        </a:lnSpc>
-                        <a:spcAft>
-                          <a:spcPts val="0"/>
-                        </a:spcAft>
-                      </a:pPr>
-                      <a:r>
-                        <a:rPr lang="en-US" sz="1600" b="0" kern="100" dirty="0">
-                          <a:effectLst/>
-                        </a:rPr>
-                        <a:t>For the first time, it is optimized for symbolic execution in hybrid fuzzing, not fuzzing.</a:t>
-                      </a:r>
-                      <a:endParaRPr lang="zh-CN" sz="2000" b="0" kern="100" dirty="0">
-                        <a:effectLst/>
-                        <a:latin typeface="Calibri" panose="020F0502020204030204" pitchFamily="34" charset="0"/>
-                        <a:ea typeface="MS Mincho" panose="02020609040205080304" pitchFamily="49" charset="-128"/>
-                        <a:cs typeface="Times New Roman" panose="02020603050405020304" pitchFamily="18" charset="0"/>
-                      </a:endParaRPr>
-                    </a:p>
-                  </a:txBody>
-                  <a:tcPr marL="68580" marR="68580" marT="0" marB="0" anchor="ctr"/>
-                </a:tc>
-              </a:tr>
-            </a:tbl>
-          </a:graphicData>
-        </a:graphic>
-      </p:graphicFrame>
       <p:sp>
         <p:nvSpPr>
           <p:cNvPr id="6" name="íšľîḑê"/>
@@ -8368,15 +7888,11 @@
               <a:rPr lang="zh-CN" altLang="en-US" sz="3200" dirty="0"/>
               <a:t>）</a:t>
             </a:r>
+            <a:endParaRPr lang="zh-CN" altLang="en-US" sz="3200" dirty="0"/>
           </a:p>
         </p:txBody>
       </p:sp>
     </p:spTree>
-    <p:extLst>
-      <p:ext uri="{BB962C8B-B14F-4D97-AF65-F5344CB8AC3E}">
-        <p14:creationId xmlns:p14="http://schemas.microsoft.com/office/powerpoint/2010/main" val="3598443241"/>
-      </p:ext>
-    </p:extLst>
   </p:cSld>
   <p:clrMapOvr>
     <a:masterClrMapping/>
@@ -8427,24 +7943,19 @@
               <a:rPr lang="zh-CN" altLang="en-US" sz="6000" b="1" dirty="0" smtClean="0">
                 <a:latin typeface="仿宋" panose="02010609060101010101" pitchFamily="49" charset="-122"/>
                 <a:ea typeface="仿宋" panose="02010609060101010101" pitchFamily="49" charset="-122"/>
-                <a:cs typeface="Arial" panose="020B0604020202020204" pitchFamily="34" charset="0"/>
+                <a:cs typeface="Arial" panose="020B0604020202090204" pitchFamily="34" charset="0"/>
               </a:rPr>
               <a:t>谢谢聆听</a:t>
             </a:r>
             <a:endParaRPr lang="zh-CN" altLang="en-US" sz="5400" b="1" dirty="0">
               <a:latin typeface="仿宋" panose="02010609060101010101" pitchFamily="49" charset="-122"/>
               <a:ea typeface="仿宋" panose="02010609060101010101" pitchFamily="49" charset="-122"/>
-              <a:cs typeface="Arial" panose="020B0604020202020204" pitchFamily="34" charset="0"/>
+              <a:cs typeface="Arial" panose="020B0604020202090204" pitchFamily="34" charset="0"/>
             </a:endParaRPr>
           </a:p>
         </p:txBody>
       </p:sp>
     </p:spTree>
-    <p:extLst>
-      <p:ext uri="{BB962C8B-B14F-4D97-AF65-F5344CB8AC3E}">
-        <p14:creationId xmlns:p14="http://schemas.microsoft.com/office/powerpoint/2010/main" val="561617648"/>
-      </p:ext>
-    </p:extLst>
   </p:cSld>
   <p:clrMapOvr>
     <a:masterClrMapping/>
@@ -8478,7 +7989,7 @@
           <p:nvPr/>
         </p:nvPicPr>
         <p:blipFill rotWithShape="1">
-          <a:blip r:embed="rId3">
+          <a:blip r:embed="rId1">
             <a:duotone>
               <a:schemeClr val="bg2">
                 <a:shade val="45000"/>
@@ -8673,6 +8184,23 @@
                 </a:rPr>
                 <a:t>目   录</a:t>
               </a:r>
+              <a:endParaRPr kumimoji="0" lang="zh-CN" altLang="en-US" sz="3600" b="1" i="0" u="none" strike="noStrike" kern="0" cap="none" spc="0" normalizeH="0" baseline="0" noProof="0" dirty="0">
+                <a:ln>
+                  <a:noFill/>
+                </a:ln>
+                <a:solidFill>
+                  <a:prstClr val="white">
+                    <a:lumMod val="100000"/>
+                  </a:prstClr>
+                </a:solidFill>
+                <a:effectLst/>
+                <a:uLnTx/>
+                <a:uFillTx/>
+                <a:latin typeface="方正正中黑简体" panose="02000000000000000000" pitchFamily="2" charset="-122"/>
+                <a:ea typeface="方正正中黑简体" panose="02000000000000000000" pitchFamily="2" charset="-122"/>
+                <a:cs typeface="+mn-ea"/>
+                <a:sym typeface="+mn-lt"/>
+              </a:endParaRPr>
             </a:p>
           </p:txBody>
         </p:sp>
@@ -9499,11 +9027,6 @@
         </p:grpSp>
       </p:grpSp>
     </p:spTree>
-    <p:extLst>
-      <p:ext uri="{BB962C8B-B14F-4D97-AF65-F5344CB8AC3E}">
-        <p14:creationId xmlns:p14="http://schemas.microsoft.com/office/powerpoint/2010/main" val="1388136114"/>
-      </p:ext>
-    </p:extLst>
   </p:cSld>
   <p:clrMapOvr>
     <a:masterClrMapping/>
@@ -9557,6 +9080,7 @@
               <a:rPr lang="zh-CN" altLang="en-US" sz="3200" dirty="0"/>
               <a:t>）</a:t>
             </a:r>
+            <a:endParaRPr lang="zh-CN" altLang="en-US" sz="3200" dirty="0"/>
           </a:p>
         </p:txBody>
       </p:sp>
@@ -9675,7 +9199,7 @@
           <p:nvPr/>
         </p:nvPicPr>
         <p:blipFill>
-          <a:blip r:embed="rId4"/>
+          <a:blip r:embed="rId1"/>
           <a:stretch>
             <a:fillRect/>
           </a:stretch>
@@ -9692,13 +9216,8 @@
       </p:pic>
     </p:spTree>
     <p:custDataLst>
-      <p:tags r:id="rId1"/>
+      <p:tags r:id="rId2"/>
     </p:custDataLst>
-    <p:extLst>
-      <p:ext uri="{BB962C8B-B14F-4D97-AF65-F5344CB8AC3E}">
-        <p14:creationId xmlns:p14="http://schemas.microsoft.com/office/powerpoint/2010/main" val="1569359495"/>
-      </p:ext>
-    </p:extLst>
   </p:cSld>
   <p:clrMapOvr>
     <a:masterClrMapping/>
@@ -9762,6 +9281,7 @@
               <a:rPr lang="zh-CN" altLang="en-US" sz="3200" dirty="0"/>
               <a:t>）</a:t>
             </a:r>
+            <a:endParaRPr lang="zh-CN" altLang="en-US" sz="3200" dirty="0"/>
           </a:p>
         </p:txBody>
       </p:sp>
@@ -9774,7 +9294,7 @@
           <p:nvPr/>
         </p:nvPicPr>
         <p:blipFill>
-          <a:blip r:embed="rId4"/>
+          <a:blip r:embed="rId1"/>
           <a:stretch>
             <a:fillRect/>
           </a:stretch>
@@ -9798,7 +9318,7 @@
           <p:nvPr/>
         </p:nvPicPr>
         <p:blipFill>
-          <a:blip r:embed="rId5">
+          <a:blip r:embed="rId2">
             <a:extLst>
               <a:ext uri="{28A0092B-C50C-407E-A947-70E740481C1C}">
                 <a14:useLocalDpi xmlns:a14="http://schemas.microsoft.com/office/drawing/2010/main" val="0"/>
@@ -9946,18 +9466,14 @@
               <a:rPr lang="zh-CN" altLang="en-US" sz="1400" dirty="0"/>
               <a:t>https://www.jianshu.com/p/2ba973c4b0cc</a:t>
             </a:r>
+            <a:endParaRPr lang="zh-CN" altLang="en-US" sz="1400" dirty="0"/>
           </a:p>
         </p:txBody>
       </p:sp>
     </p:spTree>
     <p:custDataLst>
-      <p:tags r:id="rId1"/>
+      <p:tags r:id="rId3"/>
     </p:custDataLst>
-    <p:extLst>
-      <p:ext uri="{BB962C8B-B14F-4D97-AF65-F5344CB8AC3E}">
-        <p14:creationId xmlns:p14="http://schemas.microsoft.com/office/powerpoint/2010/main" val="1160932153"/>
-      </p:ext>
-    </p:extLst>
   </p:cSld>
   <p:clrMapOvr>
     <a:masterClrMapping/>
@@ -10021,6 +9537,7 @@
               <a:rPr lang="zh-CN" altLang="en-US" sz="3200" dirty="0"/>
               <a:t>）</a:t>
             </a:r>
+            <a:endParaRPr lang="zh-CN" altLang="en-US" sz="3200" dirty="0"/>
           </a:p>
         </p:txBody>
       </p:sp>
@@ -10030,7 +9547,11 @@
           <p:cNvGraphicFramePr>
             <a:graphicFrameLocks noGrp="1"/>
           </p:cNvGraphicFramePr>
-          <p:nvPr/>
+          <p:nvPr>
+            <p:custDataLst>
+              <p:tags r:id="rId1"/>
+            </p:custDataLst>
+          </p:nvPr>
         </p:nvGraphicFramePr>
         <p:xfrm>
           <a:off x="1274019" y="2416034"/>
@@ -10837,6 +10358,9 @@
               </a:rPr>
               <a:t>符号执行</a:t>
             </a:r>
+            <a:endParaRPr lang="zh-CN" altLang="en-US" sz="2800" b="1" dirty="0" smtClean="0">
+              <a:sym typeface="+mn-ea"/>
+            </a:endParaRPr>
           </a:p>
         </p:txBody>
       </p:sp>
@@ -10883,13 +10407,8 @@
       </p:sp>
     </p:spTree>
     <p:custDataLst>
-      <p:tags r:id="rId1"/>
+      <p:tags r:id="rId2"/>
     </p:custDataLst>
-    <p:extLst>
-      <p:ext uri="{BB962C8B-B14F-4D97-AF65-F5344CB8AC3E}">
-        <p14:creationId xmlns:p14="http://schemas.microsoft.com/office/powerpoint/2010/main" val="2445593080"/>
-      </p:ext>
-    </p:extLst>
   </p:cSld>
   <p:clrMapOvr>
     <a:masterClrMapping/>
@@ -10933,7 +10452,7 @@
           <p:nvPr/>
         </p:nvPicPr>
         <p:blipFill rotWithShape="1">
-          <a:blip r:embed="rId3">
+          <a:blip r:embed="rId1">
             <a:duotone>
               <a:schemeClr val="bg2">
                 <a:shade val="45000"/>
@@ -11128,6 +10647,23 @@
                 </a:rPr>
                 <a:t>目   录</a:t>
               </a:r>
+              <a:endParaRPr kumimoji="0" lang="zh-CN" altLang="en-US" sz="3600" b="1" i="0" u="none" strike="noStrike" kern="0" cap="none" spc="0" normalizeH="0" baseline="0" noProof="0" dirty="0">
+                <a:ln>
+                  <a:noFill/>
+                </a:ln>
+                <a:solidFill>
+                  <a:prstClr val="white">
+                    <a:lumMod val="100000"/>
+                  </a:prstClr>
+                </a:solidFill>
+                <a:effectLst/>
+                <a:uLnTx/>
+                <a:uFillTx/>
+                <a:latin typeface="方正正中黑简体" panose="02000000000000000000" pitchFamily="2" charset="-122"/>
+                <a:ea typeface="方正正中黑简体" panose="02000000000000000000" pitchFamily="2" charset="-122"/>
+                <a:cs typeface="+mn-ea"/>
+                <a:sym typeface="+mn-lt"/>
+              </a:endParaRPr>
             </a:p>
           </p:txBody>
         </p:sp>
@@ -11951,11 +11487,6 @@
         </p:grpSp>
       </p:grpSp>
     </p:spTree>
-    <p:extLst>
-      <p:ext uri="{BB962C8B-B14F-4D97-AF65-F5344CB8AC3E}">
-        <p14:creationId xmlns:p14="http://schemas.microsoft.com/office/powerpoint/2010/main" val="2582391123"/>
-      </p:ext>
-    </p:extLst>
   </p:cSld>
   <p:clrMapOvr>
     <a:masterClrMapping/>
@@ -11986,13 +11517,7 @@
           <p:cNvGraphicFramePr>
             <a:graphicFrameLocks noGrp="1"/>
           </p:cNvGraphicFramePr>
-          <p:nvPr>
-            <p:extLst>
-              <p:ext uri="{D42A27DB-BD31-4B8C-83A1-F6EECF244321}">
-                <p14:modId xmlns:p14="http://schemas.microsoft.com/office/powerpoint/2010/main" val="1737375307"/>
-              </p:ext>
-            </p:extLst>
-          </p:nvPr>
+          <p:nvPr/>
         </p:nvGraphicFramePr>
         <p:xfrm>
           <a:off x="1043254" y="1490471"/>
@@ -12033,7 +11558,7 @@
                         <a:effectLst/>
                         <a:latin typeface="Calibri" panose="020F0502020204030204" pitchFamily="34" charset="0"/>
                         <a:ea typeface="MS Mincho" panose="02020609040205080304" pitchFamily="49" charset="-128"/>
-                        <a:cs typeface="Times New Roman" panose="02020603050405020304" pitchFamily="18" charset="0"/>
+                        <a:cs typeface="Times New Roman" panose="02020503050405090304" pitchFamily="18" charset="0"/>
                       </a:endParaRPr>
                     </a:p>
                   </a:txBody>
@@ -12062,7 +11587,7 @@
                         <a:effectLst/>
                         <a:latin typeface="Calibri" panose="020F0502020204030204" pitchFamily="34" charset="0"/>
                         <a:ea typeface="MS Mincho" panose="02020609040205080304" pitchFamily="49" charset="-128"/>
-                        <a:cs typeface="Times New Roman" panose="02020603050405020304" pitchFamily="18" charset="0"/>
+                        <a:cs typeface="Times New Roman" panose="02020503050405090304" pitchFamily="18" charset="0"/>
                       </a:endParaRPr>
                     </a:p>
                   </a:txBody>
@@ -12091,7 +11616,7 @@
                         <a:effectLst/>
                         <a:latin typeface="Calibri" panose="020F0502020204030204" pitchFamily="34" charset="0"/>
                         <a:ea typeface="MS Mincho" panose="02020609040205080304" pitchFamily="49" charset="-128"/>
-                        <a:cs typeface="Times New Roman" panose="02020603050405020304" pitchFamily="18" charset="0"/>
+                        <a:cs typeface="Times New Roman" panose="02020503050405090304" pitchFamily="18" charset="0"/>
                       </a:endParaRPr>
                     </a:p>
                   </a:txBody>
@@ -12122,7 +11647,7 @@
                         <a:effectLst/>
                         <a:latin typeface="Calibri" panose="020F0502020204030204" pitchFamily="34" charset="0"/>
                         <a:ea typeface="MS Mincho" panose="02020609040205080304" pitchFamily="49" charset="-128"/>
-                        <a:cs typeface="Times New Roman" panose="02020603050405020304" pitchFamily="18" charset="0"/>
+                        <a:cs typeface="Times New Roman" panose="02020503050405090304" pitchFamily="18" charset="0"/>
                       </a:endParaRPr>
                     </a:p>
                   </a:txBody>
@@ -12151,7 +11676,7 @@
                         <a:effectLst/>
                         <a:latin typeface="Calibri" panose="020F0502020204030204" pitchFamily="34" charset="0"/>
                         <a:ea typeface="MS Mincho" panose="02020609040205080304" pitchFamily="49" charset="-128"/>
-                        <a:cs typeface="Times New Roman" panose="02020603050405020304" pitchFamily="18" charset="0"/>
+                        <a:cs typeface="Times New Roman" panose="02020503050405090304" pitchFamily="18" charset="0"/>
                       </a:endParaRPr>
                     </a:p>
                   </a:txBody>
@@ -12180,7 +11705,7 @@
                         <a:effectLst/>
                         <a:latin typeface="Calibri" panose="020F0502020204030204" pitchFamily="34" charset="0"/>
                         <a:ea typeface="MS Mincho" panose="02020609040205080304" pitchFamily="49" charset="-128"/>
-                        <a:cs typeface="Times New Roman" panose="02020603050405020304" pitchFamily="18" charset="0"/>
+                        <a:cs typeface="Times New Roman" panose="02020503050405090304" pitchFamily="18" charset="0"/>
                       </a:endParaRPr>
                     </a:p>
                   </a:txBody>
@@ -12211,7 +11736,7 @@
                         <a:effectLst/>
                         <a:latin typeface="Calibri" panose="020F0502020204030204" pitchFamily="34" charset="0"/>
                         <a:ea typeface="MS Mincho" panose="02020609040205080304" pitchFamily="49" charset="-128"/>
-                        <a:cs typeface="Times New Roman" panose="02020603050405020304" pitchFamily="18" charset="0"/>
+                        <a:cs typeface="Times New Roman" panose="02020503050405090304" pitchFamily="18" charset="0"/>
                       </a:endParaRPr>
                     </a:p>
                   </a:txBody>
@@ -12240,7 +11765,7 @@
                         <a:effectLst/>
                         <a:latin typeface="Calibri" panose="020F0502020204030204" pitchFamily="34" charset="0"/>
                         <a:ea typeface="MS Mincho" panose="02020609040205080304" pitchFamily="49" charset="-128"/>
-                        <a:cs typeface="Times New Roman" panose="02020603050405020304" pitchFamily="18" charset="0"/>
+                        <a:cs typeface="Times New Roman" panose="02020503050405090304" pitchFamily="18" charset="0"/>
                       </a:endParaRPr>
                     </a:p>
                   </a:txBody>
@@ -12269,7 +11794,7 @@
                         <a:effectLst/>
                         <a:latin typeface="Calibri" panose="020F0502020204030204" pitchFamily="34" charset="0"/>
                         <a:ea typeface="MS Mincho" panose="02020609040205080304" pitchFamily="49" charset="-128"/>
-                        <a:cs typeface="Times New Roman" panose="02020603050405020304" pitchFamily="18" charset="0"/>
+                        <a:cs typeface="Times New Roman" panose="02020503050405090304" pitchFamily="18" charset="0"/>
                       </a:endParaRPr>
                     </a:p>
                   </a:txBody>
@@ -12300,7 +11825,7 @@
                         <a:effectLst/>
                         <a:latin typeface="Calibri" panose="020F0502020204030204" pitchFamily="34" charset="0"/>
                         <a:ea typeface="MS Mincho" panose="02020609040205080304" pitchFamily="49" charset="-128"/>
-                        <a:cs typeface="Times New Roman" panose="02020603050405020304" pitchFamily="18" charset="0"/>
+                        <a:cs typeface="Times New Roman" panose="02020503050405090304" pitchFamily="18" charset="0"/>
                       </a:endParaRPr>
                     </a:p>
                   </a:txBody>
@@ -12329,7 +11854,7 @@
                         <a:effectLst/>
                         <a:latin typeface="Calibri" panose="020F0502020204030204" pitchFamily="34" charset="0"/>
                         <a:ea typeface="MS Mincho" panose="02020609040205080304" pitchFamily="49" charset="-128"/>
-                        <a:cs typeface="Times New Roman" panose="02020603050405020304" pitchFamily="18" charset="0"/>
+                        <a:cs typeface="Times New Roman" panose="02020503050405090304" pitchFamily="18" charset="0"/>
                       </a:endParaRPr>
                     </a:p>
                   </a:txBody>
@@ -12370,7 +11895,7 @@
                         <a:effectLst/>
                         <a:latin typeface="Calibri" panose="020F0502020204030204" pitchFamily="34" charset="0"/>
                         <a:ea typeface="MS Mincho" panose="02020609040205080304" pitchFamily="49" charset="-128"/>
-                        <a:cs typeface="Times New Roman" panose="02020603050405020304" pitchFamily="18" charset="0"/>
+                        <a:cs typeface="Times New Roman" panose="02020503050405090304" pitchFamily="18" charset="0"/>
                       </a:endParaRPr>
                     </a:p>
                   </a:txBody>
@@ -12401,7 +11926,7 @@
                         <a:effectLst/>
                         <a:latin typeface="Calibri" panose="020F0502020204030204" pitchFamily="34" charset="0"/>
                         <a:ea typeface="MS Mincho" panose="02020609040205080304" pitchFamily="49" charset="-128"/>
-                        <a:cs typeface="Times New Roman" panose="02020603050405020304" pitchFamily="18" charset="0"/>
+                        <a:cs typeface="Times New Roman" panose="02020503050405090304" pitchFamily="18" charset="0"/>
                       </a:endParaRPr>
                     </a:p>
                   </a:txBody>
@@ -12430,7 +11955,7 @@
                         <a:effectLst/>
                         <a:latin typeface="Calibri" panose="020F0502020204030204" pitchFamily="34" charset="0"/>
                         <a:ea typeface="MS Mincho" panose="02020609040205080304" pitchFamily="49" charset="-128"/>
-                        <a:cs typeface="Times New Roman" panose="02020603050405020304" pitchFamily="18" charset="0"/>
+                        <a:cs typeface="Times New Roman" panose="02020503050405090304" pitchFamily="18" charset="0"/>
                       </a:endParaRPr>
                     </a:p>
                   </a:txBody>
@@ -12471,7 +11996,7 @@
                         <a:effectLst/>
                         <a:latin typeface="Calibri" panose="020F0502020204030204" pitchFamily="34" charset="0"/>
                         <a:ea typeface="MS Mincho" panose="02020609040205080304" pitchFamily="49" charset="-128"/>
-                        <a:cs typeface="Times New Roman" panose="02020603050405020304" pitchFamily="18" charset="0"/>
+                        <a:cs typeface="Times New Roman" panose="02020503050405090304" pitchFamily="18" charset="0"/>
                       </a:endParaRPr>
                     </a:p>
                   </a:txBody>
@@ -12502,7 +12027,7 @@
                         <a:effectLst/>
                         <a:latin typeface="Calibri" panose="020F0502020204030204" pitchFamily="34" charset="0"/>
                         <a:ea typeface="MS Mincho" panose="02020609040205080304" pitchFamily="49" charset="-128"/>
-                        <a:cs typeface="Times New Roman" panose="02020603050405020304" pitchFamily="18" charset="0"/>
+                        <a:cs typeface="Times New Roman" panose="02020503050405090304" pitchFamily="18" charset="0"/>
                       </a:endParaRPr>
                     </a:p>
                   </a:txBody>
@@ -12531,7 +12056,7 @@
                         <a:effectLst/>
                         <a:latin typeface="Calibri" panose="020F0502020204030204" pitchFamily="34" charset="0"/>
                         <a:ea typeface="MS Mincho" panose="02020609040205080304" pitchFamily="49" charset="-128"/>
-                        <a:cs typeface="Times New Roman" panose="02020603050405020304" pitchFamily="18" charset="0"/>
+                        <a:cs typeface="Times New Roman" panose="02020503050405090304" pitchFamily="18" charset="0"/>
                       </a:endParaRPr>
                     </a:p>
                   </a:txBody>
@@ -12560,7 +12085,7 @@
                         <a:effectLst/>
                         <a:latin typeface="Calibri" panose="020F0502020204030204" pitchFamily="34" charset="0"/>
                         <a:ea typeface="MS Mincho" panose="02020609040205080304" pitchFamily="49" charset="-128"/>
-                        <a:cs typeface="Times New Roman" panose="02020603050405020304" pitchFamily="18" charset="0"/>
+                        <a:cs typeface="Times New Roman" panose="02020503050405090304" pitchFamily="18" charset="0"/>
                       </a:endParaRPr>
                     </a:p>
                   </a:txBody>
@@ -12591,7 +12116,7 @@
                         <a:effectLst/>
                         <a:latin typeface="Calibri" panose="020F0502020204030204" pitchFamily="34" charset="0"/>
                         <a:ea typeface="MS Mincho" panose="02020609040205080304" pitchFamily="49" charset="-128"/>
-                        <a:cs typeface="Times New Roman" panose="02020603050405020304" pitchFamily="18" charset="0"/>
+                        <a:cs typeface="Times New Roman" panose="02020503050405090304" pitchFamily="18" charset="0"/>
                       </a:endParaRPr>
                     </a:p>
                   </a:txBody>
@@ -12620,7 +12145,7 @@
                         <a:effectLst/>
                         <a:latin typeface="Calibri" panose="020F0502020204030204" pitchFamily="34" charset="0"/>
                         <a:ea typeface="MS Mincho" panose="02020609040205080304" pitchFamily="49" charset="-128"/>
-                        <a:cs typeface="Times New Roman" panose="02020603050405020304" pitchFamily="18" charset="0"/>
+                        <a:cs typeface="Times New Roman" panose="02020503050405090304" pitchFamily="18" charset="0"/>
                       </a:endParaRPr>
                     </a:p>
                   </a:txBody>
@@ -12649,7 +12174,7 @@
                         <a:effectLst/>
                         <a:latin typeface="Calibri" panose="020F0502020204030204" pitchFamily="34" charset="0"/>
                         <a:ea typeface="MS Mincho" panose="02020609040205080304" pitchFamily="49" charset="-128"/>
-                        <a:cs typeface="Times New Roman" panose="02020603050405020304" pitchFamily="18" charset="0"/>
+                        <a:cs typeface="Times New Roman" panose="02020503050405090304" pitchFamily="18" charset="0"/>
                       </a:endParaRPr>
                     </a:p>
                   </a:txBody>
@@ -12694,15 +12219,11 @@
               <a:rPr lang="zh-CN" altLang="en-US" sz="3200" dirty="0"/>
               <a:t>）</a:t>
             </a:r>
+            <a:endParaRPr lang="zh-CN" altLang="en-US" sz="3200" dirty="0"/>
           </a:p>
         </p:txBody>
       </p:sp>
     </p:spTree>
-    <p:extLst>
-      <p:ext uri="{BB962C8B-B14F-4D97-AF65-F5344CB8AC3E}">
-        <p14:creationId xmlns:p14="http://schemas.microsoft.com/office/powerpoint/2010/main" val="616123212"/>
-      </p:ext>
-    </p:extLst>
   </p:cSld>
   <p:clrMapOvr>
     <a:masterClrMapping/>
@@ -12769,7 +12290,7 @@
           <p:nvPr/>
         </p:nvPicPr>
         <p:blipFill>
-          <a:blip r:embed="rId3"/>
+          <a:blip r:embed="rId1"/>
           <a:srcRect t="4458" b="5576"/>
           <a:stretch>
             <a:fillRect/>
@@ -12830,6 +12351,13 @@
               </a:rPr>
               <a:t>渐进求解</a:t>
             </a:r>
+            <a:endParaRPr lang="zh-CN" altLang="en-US" sz="2800" b="1" dirty="0" smtClean="0">
+              <a:solidFill>
+                <a:schemeClr val="accent1"/>
+              </a:solidFill>
+              <a:cs typeface="+mn-ea"/>
+              <a:sym typeface="+mn-lt"/>
+            </a:endParaRPr>
           </a:p>
           <a:p>
             <a:pPr algn="l"/>
@@ -12863,6 +12391,13 @@
               </a:rPr>
               <a:t>的问题。</a:t>
             </a:r>
+            <a:endParaRPr lang="zh-CN" altLang="en-US" dirty="0">
+              <a:solidFill>
+                <a:schemeClr val="accent1"/>
+              </a:solidFill>
+              <a:cs typeface="+mn-ea"/>
+              <a:sym typeface="+mn-lt"/>
+            </a:endParaRPr>
           </a:p>
         </p:txBody>
       </p:sp>
@@ -12911,6 +12446,13 @@
               </a:rPr>
               <a:t>提取求解前缀 </a:t>
             </a:r>
+            <a:endParaRPr lang="zh-CN" altLang="en-US" sz="2800" b="1" dirty="0" smtClean="0">
+              <a:solidFill>
+                <a:schemeClr val="accent1"/>
+              </a:solidFill>
+              <a:cs typeface="+mn-ea"/>
+              <a:sym typeface="+mn-lt"/>
+            </a:endParaRPr>
           </a:p>
           <a:p>
             <a:pPr algn="l"/>
@@ -12924,6 +12466,13 @@
               </a:rPr>
               <a:t>利用多面体路径方式将解空间提取成一般解的简洁记忆，实现重复利用的思路，同时为指导变异扩展了思路。</a:t>
             </a:r>
+            <a:endParaRPr lang="zh-CN" altLang="en-US" dirty="0" smtClean="0">
+              <a:solidFill>
+                <a:schemeClr val="accent1"/>
+              </a:solidFill>
+              <a:cs typeface="+mn-ea"/>
+              <a:sym typeface="+mn-lt"/>
+            </a:endParaRPr>
           </a:p>
         </p:txBody>
       </p:sp>
@@ -12972,6 +12521,13 @@
               </a:rPr>
               <a:t>指导变异</a:t>
             </a:r>
+            <a:endParaRPr lang="zh-CN" altLang="en-US" sz="2800" b="1" dirty="0" smtClean="0">
+              <a:solidFill>
+                <a:schemeClr val="accent1"/>
+              </a:solidFill>
+              <a:cs typeface="+mn-ea"/>
+              <a:sym typeface="+mn-lt"/>
+            </a:endParaRPr>
           </a:p>
           <a:p>
             <a:pPr algn="l"/>
@@ -13005,6 +12561,13 @@
               </a:rPr>
               <a:t>问题。</a:t>
             </a:r>
+            <a:endParaRPr lang="zh-CN" altLang="en-US" dirty="0">
+              <a:solidFill>
+                <a:schemeClr val="accent1"/>
+              </a:solidFill>
+              <a:cs typeface="+mn-ea"/>
+              <a:sym typeface="+mn-lt"/>
+            </a:endParaRPr>
           </a:p>
         </p:txBody>
       </p:sp>
@@ -13214,11 +12777,6 @@
         </p:txBody>
       </p:sp>
     </p:spTree>
-    <p:extLst>
-      <p:ext uri="{BB962C8B-B14F-4D97-AF65-F5344CB8AC3E}">
-        <p14:creationId xmlns:p14="http://schemas.microsoft.com/office/powerpoint/2010/main" val="1012614669"/>
-      </p:ext>
-    </p:extLst>
   </p:cSld>
   <p:clrMapOvr>
     <a:masterClrMapping/>
@@ -13262,7 +12820,7 @@
           <p:nvPr/>
         </p:nvPicPr>
         <p:blipFill rotWithShape="1">
-          <a:blip r:embed="rId3">
+          <a:blip r:embed="rId1">
             <a:duotone>
               <a:schemeClr val="bg2">
                 <a:shade val="45000"/>
@@ -13457,6 +13015,23 @@
                 </a:rPr>
                 <a:t>目   录</a:t>
               </a:r>
+              <a:endParaRPr kumimoji="0" lang="zh-CN" altLang="en-US" sz="3600" b="1" i="0" u="none" strike="noStrike" kern="0" cap="none" spc="0" normalizeH="0" baseline="0" noProof="0" dirty="0">
+                <a:ln>
+                  <a:noFill/>
+                </a:ln>
+                <a:solidFill>
+                  <a:prstClr val="white">
+                    <a:lumMod val="100000"/>
+                  </a:prstClr>
+                </a:solidFill>
+                <a:effectLst/>
+                <a:uLnTx/>
+                <a:uFillTx/>
+                <a:latin typeface="方正正中黑简体" panose="02000000000000000000" pitchFamily="2" charset="-122"/>
+                <a:ea typeface="方正正中黑简体" panose="02000000000000000000" pitchFamily="2" charset="-122"/>
+                <a:cs typeface="+mn-ea"/>
+                <a:sym typeface="+mn-lt"/>
+              </a:endParaRPr>
             </a:p>
           </p:txBody>
         </p:sp>
@@ -14280,11 +13855,6 @@
         </p:grpSp>
       </p:grpSp>
     </p:spTree>
-    <p:extLst>
-      <p:ext uri="{BB962C8B-B14F-4D97-AF65-F5344CB8AC3E}">
-        <p14:creationId xmlns:p14="http://schemas.microsoft.com/office/powerpoint/2010/main" val="3073746613"/>
-      </p:ext>
-    </p:extLst>
   </p:cSld>
   <p:clrMapOvr>
     <a:masterClrMapping/>
@@ -14293,19 +13863,25 @@
 </file>
 
 <file path=ppt/tags/tag1.xml><?xml version="1.0" encoding="utf-8"?>
-<p:tagLst xmlns:a="http://schemas.openxmlformats.org/drawingml/2006/main" xmlns:r="http://schemas.openxmlformats.org/officeDocument/2006/relationships" xmlns:p="http://schemas.openxmlformats.org/presentationml/2006/main">
+<p:tagLst xmlns:p="http://schemas.openxmlformats.org/presentationml/2006/main">
   <p:tag name="ISLIDE.THEME" val="https://www.islide.cc;"/>
 </p:tagLst>
 </file>
 
 <file path=ppt/tags/tag2.xml><?xml version="1.0" encoding="utf-8"?>
-<p:tagLst xmlns:a="http://schemas.openxmlformats.org/drawingml/2006/main" xmlns:r="http://schemas.openxmlformats.org/officeDocument/2006/relationships" xmlns:p="http://schemas.openxmlformats.org/presentationml/2006/main">
+<p:tagLst xmlns:p="http://schemas.openxmlformats.org/presentationml/2006/main">
   <p:tag name="ISLIDE.THEME" val="https://www.islide.cc;"/>
 </p:tagLst>
 </file>
 
 <file path=ppt/tags/tag3.xml><?xml version="1.0" encoding="utf-8"?>
-<p:tagLst xmlns:a="http://schemas.openxmlformats.org/drawingml/2006/main" xmlns:r="http://schemas.openxmlformats.org/officeDocument/2006/relationships" xmlns:p="http://schemas.openxmlformats.org/presentationml/2006/main">
+<p:tagLst xmlns:p="http://schemas.openxmlformats.org/presentationml/2006/main">
+  <p:tag name="KSO_WM_UNIT_TABLE_BEAUTIFY" val="smartTable{c80d14ff-63e3-406b-9d9e-35755ee6b1e0}"/>
+</p:tagLst>
+</file>
+
+<file path=ppt/tags/tag4.xml><?xml version="1.0" encoding="utf-8"?>
+<p:tagLst xmlns:p="http://schemas.openxmlformats.org/presentationml/2006/main">
   <p:tag name="ISLIDE.THEME" val="https://www.islide.cc;"/>
   <p:tag name="ISLIDE.ICON" val="#168230;#32371;"/>
 </p:tagLst>
@@ -14354,7 +13930,7 @@
     </a:clrScheme>
     <a:fontScheme name="Office">
       <a:majorFont>
-        <a:latin typeface="Calibri Light" panose="020F0302020204030204"/>
+        <a:latin typeface="Calibri Light"/>
         <a:ea typeface=""/>
         <a:cs typeface=""/>
         <a:font script="Jpan" typeface="ＭＳ Ｐゴシック"/>
@@ -14389,7 +13965,7 @@
         <a:font script="Geor" typeface="Sylfaen"/>
       </a:majorFont>
       <a:minorFont>
-        <a:latin typeface="Calibri" panose="020F0502020204030204"/>
+        <a:latin typeface="Calibri"/>
         <a:ea typeface=""/>
         <a:cs typeface=""/>
         <a:font script="Jpan" typeface="ＭＳ Ｐゴシック"/>
@@ -14562,8 +14138,6 @@
       </a:bgFillStyleLst>
     </a:fmtScheme>
   </a:themeElements>
-  <a:objectDefaults/>
-  <a:extraClrSchemeLst/>
   <a:extLst>
     <a:ext uri="{05A4C25C-085E-4340-85A3-A5531E510DB2}">
       <thm15:themeFamily xmlns:thm15="http://schemas.microsoft.com/office/thememl/2012/main" name="Office Theme" id="{62F939B6-93AF-4DB8-9C6B-D6C7DFDC589F}" vid="{4A3C46E8-61CC-4603-A589-7422A47A8E4A}"/>
@@ -14615,7 +14189,7 @@
     </a:clrScheme>
     <a:fontScheme name="Office">
       <a:majorFont>
-        <a:latin typeface="Calibri Light" panose="020F0302020204030204"/>
+        <a:latin typeface="Calibri Light"/>
         <a:ea typeface=""/>
         <a:cs typeface=""/>
         <a:font script="Jpan" typeface="ＭＳ Ｐゴシック"/>
@@ -14650,7 +14224,7 @@
         <a:font script="Geor" typeface="Sylfaen"/>
       </a:majorFont>
       <a:minorFont>
-        <a:latin typeface="Calibri" panose="020F0502020204030204"/>
+        <a:latin typeface="Calibri"/>
         <a:ea typeface=""/>
         <a:cs typeface=""/>
         <a:font script="Jpan" typeface="ＭＳ Ｐゴシック"/>
@@ -14823,8 +14397,6 @@
       </a:bgFillStyleLst>
     </a:fmtScheme>
   </a:themeElements>
-  <a:objectDefaults/>
-  <a:extraClrSchemeLst/>
   <a:extLst>
     <a:ext uri="{05A4C25C-085E-4340-85A3-A5531E510DB2}">
       <thm15:themeFamily xmlns:thm15="http://schemas.microsoft.com/office/thememl/2012/main" name="Office Theme" id="{62F939B6-93AF-4DB8-9C6B-D6C7DFDC589F}" vid="{4A3C46E8-61CC-4603-A589-7422A47A8E4A}"/>

--- a/PPT/A Survey of Hybrid Fuzzing based on Symbolic Execution.pptx
+++ b/PPT/A Survey of Hybrid Fuzzing based on Symbolic Execution.pptx
@@ -5,22 +5,22 @@
     <p:sldMasterId id="2147483648" r:id="rId1"/>
   </p:sldMasterIdLst>
   <p:notesMasterIdLst>
-    <p:notesMasterId r:id="rId4"/>
+    <p:notesMasterId r:id="rId15"/>
   </p:notesMasterIdLst>
   <p:sldIdLst>
-    <p:sldId id="257" r:id="rId3"/>
-    <p:sldId id="258" r:id="rId5"/>
-    <p:sldId id="287" r:id="rId6"/>
-    <p:sldId id="288" r:id="rId7"/>
-    <p:sldId id="289" r:id="rId8"/>
-    <p:sldId id="284" r:id="rId9"/>
-    <p:sldId id="278" r:id="rId10"/>
-    <p:sldId id="291" r:id="rId11"/>
-    <p:sldId id="285" r:id="rId12"/>
-    <p:sldId id="293" r:id="rId13"/>
-    <p:sldId id="286" r:id="rId14"/>
-    <p:sldId id="294" r:id="rId15"/>
-    <p:sldId id="283" r:id="rId16"/>
+    <p:sldId id="257" r:id="rId2"/>
+    <p:sldId id="258" r:id="rId3"/>
+    <p:sldId id="287" r:id="rId4"/>
+    <p:sldId id="288" r:id="rId5"/>
+    <p:sldId id="289" r:id="rId6"/>
+    <p:sldId id="284" r:id="rId7"/>
+    <p:sldId id="278" r:id="rId8"/>
+    <p:sldId id="291" r:id="rId9"/>
+    <p:sldId id="285" r:id="rId10"/>
+    <p:sldId id="293" r:id="rId11"/>
+    <p:sldId id="286" r:id="rId12"/>
+    <p:sldId id="294" r:id="rId13"/>
+    <p:sldId id="283" r:id="rId14"/>
   </p:sldIdLst>
   <p:sldSz cx="12192000" cy="6858000"/>
   <p:notesSz cx="6858000" cy="9144000"/>
@@ -119,6 +119,11 @@
       </a:defRPr>
     </a:lvl9pPr>
   </p:defaultTextStyle>
+  <p:extLst>
+    <p:ext uri="{EFAFB233-063F-42B5-8137-9DF3F51BA10A}">
+      <p15:sldGuideLst xmlns:p15="http://schemas.microsoft.com/office/powerpoint/2012/main"/>
+    </p:ext>
+  </p:extLst>
 </p:presentation>
 </file>
 
@@ -204,6 +209,7 @@
           <a:p>
             <a:fld id="{C4B6EFF4-9889-4590-8FDA-C08184AD6D6F}" type="datetimeFigureOut">
               <a:rPr lang="zh-CN" altLang="en-US" smtClean="0"/>
+              <a:t>2020/12/4</a:t>
             </a:fld>
             <a:endParaRPr lang="zh-CN" altLang="en-US"/>
           </a:p>
@@ -270,7 +276,6 @@
               <a:rPr lang="zh-CN" altLang="en-US" smtClean="0"/>
               <a:t>单击此处编辑母版文本样式</a:t>
             </a:r>
-            <a:endParaRPr lang="zh-CN" altLang="en-US" smtClean="0"/>
           </a:p>
           <a:p>
             <a:pPr lvl="1"/>
@@ -278,7 +283,6 @@
               <a:rPr lang="zh-CN" altLang="en-US" smtClean="0"/>
               <a:t>第二级</a:t>
             </a:r>
-            <a:endParaRPr lang="zh-CN" altLang="en-US" smtClean="0"/>
           </a:p>
           <a:p>
             <a:pPr lvl="2"/>
@@ -286,7 +290,6 @@
               <a:rPr lang="zh-CN" altLang="en-US" smtClean="0"/>
               <a:t>第三级</a:t>
             </a:r>
-            <a:endParaRPr lang="zh-CN" altLang="en-US" smtClean="0"/>
           </a:p>
           <a:p>
             <a:pPr lvl="3"/>
@@ -294,7 +297,6 @@
               <a:rPr lang="zh-CN" altLang="en-US" smtClean="0"/>
               <a:t>第四级</a:t>
             </a:r>
-            <a:endParaRPr lang="zh-CN" altLang="en-US" smtClean="0"/>
           </a:p>
           <a:p>
             <a:pPr lvl="4"/>
@@ -366,12 +368,18 @@
           <a:p>
             <a:fld id="{1AACEEBE-C18F-4BCE-A447-8BA2D319AC0F}" type="slidenum">
               <a:rPr lang="zh-CN" altLang="en-US" smtClean="0"/>
+              <a:t>‹#›</a:t>
             </a:fld>
             <a:endParaRPr lang="zh-CN" altLang="en-US"/>
           </a:p>
         </p:txBody>
       </p:sp>
     </p:spTree>
+    <p:extLst>
+      <p:ext uri="{BB962C8B-B14F-4D97-AF65-F5344CB8AC3E}">
+        <p14:creationId xmlns:p14="http://schemas.microsoft.com/office/powerpoint/2010/main" val="2641150145"/>
+      </p:ext>
+    </p:extLst>
   </p:cSld>
   <p:clrMap bg1="lt1" tx1="dk1" bg2="lt2" tx2="dk2" accent1="accent1" accent2="accent2" accent3="accent3" accent4="accent4" accent5="accent5" accent6="accent6" hlink="hlink" folHlink="folHlink"/>
   <p:notesStyle>
@@ -513,6 +521,10 @@
           <a:bodyPr/>
           <a:lstStyle/>
           <a:p>
+            <a:r>
+              <a:rPr lang="zh-CN" altLang="en-US" dirty="0" smtClean="0"/>
+              <a:t>大家好，我是汇报人张涛，今天我汇报的主题是关于混合模糊测试的综述</a:t>
+            </a:r>
             <a:endParaRPr lang="zh-CN" altLang="en-US" dirty="0"/>
           </a:p>
         </p:txBody>
@@ -534,12 +546,18 @@
           <a:p>
             <a:fld id="{790F3238-B197-4DD0-8393-B222E6E85519}" type="slidenum">
               <a:rPr lang="zh-CN" altLang="en-US" smtClean="0"/>
+              <a:t>1</a:t>
             </a:fld>
             <a:endParaRPr lang="zh-CN" altLang="en-US"/>
           </a:p>
         </p:txBody>
       </p:sp>
     </p:spTree>
+    <p:extLst>
+      <p:ext uri="{BB962C8B-B14F-4D97-AF65-F5344CB8AC3E}">
+        <p14:creationId xmlns:p14="http://schemas.microsoft.com/office/powerpoint/2010/main" val="2113161442"/>
+      </p:ext>
+    </p:extLst>
   </p:cSld>
   <p:clrMapOvr>
     <a:masterClrMapping/>
@@ -631,12 +649,18 @@
           <a:p>
             <a:fld id="{790F3238-B197-4DD0-8393-B222E6E85519}" type="slidenum">
               <a:rPr lang="zh-CN" altLang="en-US" smtClean="0"/>
+              <a:t>10</a:t>
             </a:fld>
             <a:endParaRPr lang="zh-CN" altLang="en-US"/>
           </a:p>
         </p:txBody>
       </p:sp>
     </p:spTree>
+    <p:extLst>
+      <p:ext uri="{BB962C8B-B14F-4D97-AF65-F5344CB8AC3E}">
+        <p14:creationId xmlns:p14="http://schemas.microsoft.com/office/powerpoint/2010/main" val="2161833456"/>
+      </p:ext>
+    </p:extLst>
   </p:cSld>
   <p:clrMapOvr>
     <a:masterClrMapping/>
@@ -709,12 +733,18 @@
           <a:p>
             <a:fld id="{790F3238-B197-4DD0-8393-B222E6E85519}" type="slidenum">
               <a:rPr lang="zh-CN" altLang="en-US" smtClean="0"/>
+              <a:t>11</a:t>
             </a:fld>
             <a:endParaRPr lang="zh-CN" altLang="en-US"/>
           </a:p>
         </p:txBody>
       </p:sp>
     </p:spTree>
+    <p:extLst>
+      <p:ext uri="{BB962C8B-B14F-4D97-AF65-F5344CB8AC3E}">
+        <p14:creationId xmlns:p14="http://schemas.microsoft.com/office/powerpoint/2010/main" val="3733148732"/>
+      </p:ext>
+    </p:extLst>
   </p:cSld>
   <p:clrMapOvr>
     <a:masterClrMapping/>
@@ -806,12 +836,18 @@
           <a:p>
             <a:fld id="{790F3238-B197-4DD0-8393-B222E6E85519}" type="slidenum">
               <a:rPr lang="zh-CN" altLang="en-US" smtClean="0"/>
+              <a:t>12</a:t>
             </a:fld>
             <a:endParaRPr lang="zh-CN" altLang="en-US"/>
           </a:p>
         </p:txBody>
       </p:sp>
     </p:spTree>
+    <p:extLst>
+      <p:ext uri="{BB962C8B-B14F-4D97-AF65-F5344CB8AC3E}">
+        <p14:creationId xmlns:p14="http://schemas.microsoft.com/office/powerpoint/2010/main" val="2978111838"/>
+      </p:ext>
+    </p:extLst>
   </p:cSld>
   <p:clrMapOvr>
     <a:masterClrMapping/>
@@ -884,12 +920,18 @@
           <a:p>
             <a:fld id="{790F3238-B197-4DD0-8393-B222E6E85519}" type="slidenum">
               <a:rPr lang="zh-CN" altLang="en-US" smtClean="0"/>
+              <a:t>13</a:t>
             </a:fld>
             <a:endParaRPr lang="zh-CN" altLang="en-US"/>
           </a:p>
         </p:txBody>
       </p:sp>
     </p:spTree>
+    <p:extLst>
+      <p:ext uri="{BB962C8B-B14F-4D97-AF65-F5344CB8AC3E}">
+        <p14:creationId xmlns:p14="http://schemas.microsoft.com/office/powerpoint/2010/main" val="2602822225"/>
+      </p:ext>
+    </p:extLst>
   </p:cSld>
   <p:clrMapOvr>
     <a:masterClrMapping/>
@@ -941,6 +983,10 @@
           <a:bodyPr/>
           <a:lstStyle/>
           <a:p>
+            <a:r>
+              <a:rPr lang="zh-CN" altLang="en-US" dirty="0" smtClean="0"/>
+              <a:t>今天我将分四个部分进行解释，首先来说一下什么是混合模糊测试</a:t>
+            </a:r>
             <a:endParaRPr lang="zh-CN" altLang="en-US" dirty="0"/>
           </a:p>
         </p:txBody>
@@ -962,12 +1008,18 @@
           <a:p>
             <a:fld id="{790F3238-B197-4DD0-8393-B222E6E85519}" type="slidenum">
               <a:rPr lang="zh-CN" altLang="en-US" smtClean="0"/>
+              <a:t>2</a:t>
             </a:fld>
             <a:endParaRPr lang="zh-CN" altLang="en-US"/>
           </a:p>
         </p:txBody>
       </p:sp>
     </p:spTree>
+    <p:extLst>
+      <p:ext uri="{BB962C8B-B14F-4D97-AF65-F5344CB8AC3E}">
+        <p14:creationId xmlns:p14="http://schemas.microsoft.com/office/powerpoint/2010/main" val="1076109506"/>
+      </p:ext>
+    </p:extLst>
   </p:cSld>
   <p:clrMapOvr>
     <a:masterClrMapping/>
@@ -1021,7 +1073,27 @@
           <a:p>
             <a:r>
               <a:rPr lang="zh-CN" altLang="en-US" sz="1200" dirty="0" smtClean="0"/>
-              <a:t>首先，按照惯例我们先来讲一下模糊测试技术，已经有很多同学讲过，我们这里将其核心简化，就是说：通过不断生成种子</a:t>
+              <a:t>要想说清楚混合模糊测试就要从模糊</a:t>
+            </a:r>
+            <a:r>
+              <a:rPr lang="zh-CN" altLang="en-US" sz="1200" dirty="0" smtClean="0"/>
+              <a:t>测试</a:t>
+            </a:r>
+            <a:r>
+              <a:rPr lang="zh-CN" altLang="en-US" sz="1200" dirty="0" smtClean="0"/>
+              <a:t>技术谈起，我们</a:t>
+            </a:r>
+            <a:r>
+              <a:rPr lang="zh-CN" altLang="en-US" sz="1200" dirty="0" smtClean="0"/>
+              <a:t>这里</a:t>
+            </a:r>
+            <a:r>
+              <a:rPr lang="zh-CN" altLang="en-US" sz="1200" dirty="0" smtClean="0"/>
+              <a:t>将模糊测试核心简化，就是如图所示，</a:t>
+            </a:r>
+            <a:r>
+              <a:rPr lang="zh-CN" altLang="en-US" sz="1200" dirty="0" smtClean="0"/>
+              <a:t>就是说：通过不断生成种子</a:t>
             </a:r>
             <a:r>
               <a:rPr lang="en-US" altLang="zh-CN" sz="1200" dirty="0" smtClean="0"/>
@@ -1037,7 +1109,15 @@
             </a:r>
             <a:r>
               <a:rPr lang="zh-CN" altLang="en-US" sz="1200" dirty="0" smtClean="0"/>
-              <a:t>，而后将输入给已经插桩编译程序执行，并进行追踪，来到一个叫做覆盖率的数据，这个数据代表已经跑过了多少空间，再利用反馈的覆盖率作为新一轮种子的生成依据，这样循环往复，直到遇到</a:t>
+              <a:t>，而后将输入给已经插桩</a:t>
+            </a:r>
+            <a:r>
+              <a:rPr lang="zh-CN" altLang="en-US" sz="1200" dirty="0" smtClean="0"/>
+              <a:t>编译的程序进行执行</a:t>
+            </a:r>
+            <a:r>
+              <a:rPr lang="zh-CN" altLang="en-US" sz="1200" dirty="0" smtClean="0"/>
+              <a:t>，并进行追踪，来到一个叫做覆盖率的数据，这个数据代表已经跑过了多少空间，再利用反馈的覆盖率作为新一轮种子的生成依据，这样循环往复，直到遇到</a:t>
             </a:r>
             <a:r>
               <a:rPr lang="en-US" altLang="zh-CN" sz="1200" dirty="0" smtClean="0"/>
@@ -1060,7 +1140,23 @@
           <a:p>
             <a:r>
               <a:rPr lang="zh-CN" altLang="en-US" sz="1200" dirty="0" smtClean="0"/>
-              <a:t>在关于模糊测试的理解上这段学习时间我总结了以下两点：</a:t>
+              <a:t>在</a:t>
+            </a:r>
+            <a:r>
+              <a:rPr lang="zh-CN" altLang="en-US" sz="1200" dirty="0" smtClean="0"/>
+              <a:t>关于目前模糊测试研究现状的</a:t>
+            </a:r>
+            <a:r>
+              <a:rPr lang="zh-CN" altLang="en-US" sz="1200" dirty="0" smtClean="0"/>
+              <a:t>理解</a:t>
+            </a:r>
+            <a:r>
+              <a:rPr lang="zh-CN" altLang="en-US" sz="1200" dirty="0" smtClean="0"/>
+              <a:t>上我</a:t>
+            </a:r>
+            <a:r>
+              <a:rPr lang="zh-CN" altLang="en-US" sz="1200" dirty="0" smtClean="0"/>
+              <a:t>总结了以下两点：</a:t>
             </a:r>
             <a:endParaRPr lang="en-US" altLang="zh-CN" sz="1200" dirty="0" smtClean="0"/>
           </a:p>
@@ -1098,7 +1194,15 @@
           <a:p>
             <a:r>
               <a:rPr lang="zh-CN" altLang="en-US" sz="1200" dirty="0" smtClean="0"/>
-              <a:t>第二、这张图里，每一部分都有优化空间，实际上很多论文也是在这个结构上进行的改进；（</a:t>
+              <a:t>第二</a:t>
+            </a:r>
+            <a:r>
+              <a:rPr lang="zh-CN" altLang="en-US" sz="1200" dirty="0" smtClean="0"/>
+              <a:t>、在这</a:t>
+            </a:r>
+            <a:r>
+              <a:rPr lang="zh-CN" altLang="en-US" sz="1200" dirty="0" smtClean="0"/>
+              <a:t>张图里，每一部分都有优化空间，实际上很多论文也是在这个结构上进行的改进；（</a:t>
             </a:r>
             <a:r>
               <a:rPr lang="en-US" altLang="zh-CN" sz="1200" dirty="0" err="1" smtClean="0"/>
@@ -1121,7 +1225,19 @@
           <a:p>
             <a:r>
               <a:rPr lang="zh-CN" altLang="en-US" sz="1200" dirty="0" smtClean="0"/>
-              <a:t>现在我们说完了模糊测试技术，但我们今天的主角是 混合模糊测试技术：</a:t>
+              <a:t>现在说</a:t>
+            </a:r>
+            <a:r>
+              <a:rPr lang="zh-CN" altLang="en-US" sz="1200" dirty="0" smtClean="0"/>
+              <a:t>完了模糊测试技术，</a:t>
+            </a:r>
+            <a:r>
+              <a:rPr lang="zh-CN" altLang="en-US" sz="1200" dirty="0" smtClean="0"/>
+              <a:t>但今天</a:t>
+            </a:r>
+            <a:r>
+              <a:rPr lang="zh-CN" altLang="en-US" sz="1200" dirty="0" smtClean="0"/>
+              <a:t>的主角是 混合模糊测试技术：</a:t>
             </a:r>
             <a:r>
               <a:rPr lang="en-US" altLang="zh-CN" sz="1200" dirty="0" smtClean="0"/>
@@ -1152,12 +1268,18 @@
           <a:p>
             <a:fld id="{E9E6FDB6-6D2B-46C1-9FA1-D82906A37C3A}" type="slidenum">
               <a:rPr lang="zh-CN" altLang="en-US" smtClean="0"/>
+              <a:t>3</a:t>
             </a:fld>
             <a:endParaRPr lang="zh-CN" altLang="en-US"/>
           </a:p>
         </p:txBody>
       </p:sp>
     </p:spTree>
+    <p:extLst>
+      <p:ext uri="{BB962C8B-B14F-4D97-AF65-F5344CB8AC3E}">
+        <p14:creationId xmlns:p14="http://schemas.microsoft.com/office/powerpoint/2010/main" val="741274167"/>
+      </p:ext>
+    </p:extLst>
   </p:cSld>
   <p:clrMapOvr>
     <a:masterClrMapping/>
@@ -1251,7 +1373,51 @@
             </a:r>
             <a:r>
               <a:rPr lang="zh-CN" altLang="en-US" dirty="0" smtClean="0"/>
-              <a:t>的逻辑与，它们全都一一映射到右边的符号执行分析图中。我们理解一段程序是靠控制流图，符号执行对代码进行分析更接近计算机的理解，执行的是状态。我们可以看到程序所有的状态都会在根节点出现，显然这样的情况在大程序中很快就深入不下去了，就是常说的路径爆炸，会有一个时间复杂度太高的问题。但是我们会考虑这种面面俱到能不能跟模糊测试的覆盖率结合起来，毕竟覆盖率和符号执行都是对代码空间的表述。</a:t>
+              <a:t>的逻辑与，它们全都一一映射到右边的符号执行分析图中</a:t>
+            </a:r>
+            <a:r>
+              <a:rPr lang="zh-CN" altLang="en-US" dirty="0" smtClean="0"/>
+              <a:t>。我们理解</a:t>
+            </a:r>
+            <a:r>
+              <a:rPr lang="zh-CN" altLang="en-US" dirty="0" smtClean="0"/>
+              <a:t>一段程序是靠控制流图</a:t>
+            </a:r>
+            <a:r>
+              <a:rPr lang="zh-CN" altLang="en-US" dirty="0" smtClean="0"/>
+              <a:t>，而符号执行</a:t>
+            </a:r>
+            <a:r>
+              <a:rPr lang="zh-CN" altLang="en-US" dirty="0" smtClean="0"/>
+              <a:t>对</a:t>
+            </a:r>
+            <a:r>
+              <a:rPr lang="zh-CN" altLang="en-US" dirty="0" smtClean="0"/>
+              <a:t>代码的解释靠的是符号，进行程序分析</a:t>
+            </a:r>
+            <a:r>
+              <a:rPr lang="zh-CN" altLang="en-US" dirty="0" smtClean="0"/>
+              <a:t>更接近计算机的理解，执行的是状态。我们可以看到程序所有的状态都会在根节点出现，显然这样的情况</a:t>
+            </a:r>
+            <a:r>
+              <a:rPr lang="zh-CN" altLang="en-US" dirty="0" smtClean="0"/>
+              <a:t>在分支数量多的大</a:t>
+            </a:r>
+            <a:r>
+              <a:rPr lang="zh-CN" altLang="en-US" dirty="0" smtClean="0"/>
+              <a:t>程序中很快就深入不下去了，就是常说的路径爆炸，会有一个时间复杂度太高的问题。</a:t>
+            </a:r>
+            <a:r>
+              <a:rPr lang="zh-CN" altLang="en-US" dirty="0" smtClean="0"/>
+              <a:t>但是有些研究人员会</a:t>
+            </a:r>
+            <a:r>
+              <a:rPr lang="zh-CN" altLang="en-US" dirty="0" smtClean="0"/>
+              <a:t>考虑这种面面俱到能不能跟模糊测试的覆盖率结合</a:t>
+            </a:r>
+            <a:r>
+              <a:rPr lang="zh-CN" altLang="en-US" dirty="0" smtClean="0"/>
+              <a:t>起来。</a:t>
             </a:r>
             <a:endParaRPr lang="zh-CN" altLang="en-US" dirty="0" smtClean="0"/>
           </a:p>
@@ -1277,12 +1443,18 @@
           <a:p>
             <a:fld id="{E9E6FDB6-6D2B-46C1-9FA1-D82906A37C3A}" type="slidenum">
               <a:rPr lang="zh-CN" altLang="en-US" smtClean="0"/>
+              <a:t>4</a:t>
             </a:fld>
             <a:endParaRPr lang="zh-CN" altLang="en-US"/>
           </a:p>
         </p:txBody>
       </p:sp>
     </p:spTree>
+    <p:extLst>
+      <p:ext uri="{BB962C8B-B14F-4D97-AF65-F5344CB8AC3E}">
+        <p14:creationId xmlns:p14="http://schemas.microsoft.com/office/powerpoint/2010/main" val="1612992"/>
+      </p:ext>
+    </p:extLst>
   </p:cSld>
   <p:clrMapOvr>
     <a:masterClrMapping/>
@@ -1338,25 +1510,100 @@
               <a:rPr lang="zh-CN" altLang="en-US" dirty="0" smtClean="0">
                 <a:sym typeface="+mn-ea"/>
               </a:rPr>
-              <a:t>很快就有人提出将两者结合，实现一种叫做混合模糊测试的技术。</a:t>
-            </a:r>
+              <a:t>很快啊，就</a:t>
+            </a:r>
+            <a:r>
+              <a:rPr lang="zh-CN" altLang="en-US" dirty="0" smtClean="0">
+                <a:sym typeface="+mn-ea"/>
+              </a:rPr>
+              <a:t>有人提出将两者结合，实现一种叫做混合模糊测试的</a:t>
+            </a:r>
+            <a:r>
+              <a:rPr lang="zh-CN" altLang="en-US" dirty="0" smtClean="0">
+                <a:sym typeface="+mn-ea"/>
+              </a:rPr>
+              <a:t>技术，后来慢慢成熟，也就发展成现在的 混合模糊测试 </a:t>
+            </a:r>
+            <a:r>
+              <a:rPr lang="en-US" altLang="zh-CN" dirty="0" smtClean="0">
+                <a:sym typeface="+mn-ea"/>
+              </a:rPr>
+              <a:t>= </a:t>
+            </a:r>
+            <a:r>
+              <a:rPr lang="zh-CN" altLang="en-US" dirty="0" smtClean="0">
+                <a:sym typeface="+mn-ea"/>
+              </a:rPr>
+              <a:t>模糊测试 </a:t>
+            </a:r>
+            <a:r>
+              <a:rPr lang="en-US" altLang="zh-CN" dirty="0" smtClean="0">
+                <a:sym typeface="+mn-ea"/>
+              </a:rPr>
+              <a:t>+ </a:t>
+            </a:r>
+            <a:r>
+              <a:rPr lang="zh-CN" altLang="en-US" dirty="0" smtClean="0">
+                <a:sym typeface="+mn-ea"/>
+              </a:rPr>
+              <a:t>符号执行。</a:t>
+            </a:r>
+            <a:endParaRPr lang="en-US" altLang="zh-CN" dirty="0" smtClean="0"/>
+          </a:p>
+          <a:p>
             <a:r>
               <a:rPr lang="zh-CN" altLang="en-US" dirty="0" smtClean="0"/>
-              <a:t>一开始我理解的是这样的：</a:t>
-            </a:r>
-            <a:endParaRPr lang="zh-CN" altLang="en-US" dirty="0" smtClean="0"/>
-          </a:p>
-          <a:p>
+              <a:t>首先要承认，这两者都有缺陷，模糊</a:t>
+            </a:r>
             <a:r>
               <a:rPr lang="zh-CN" altLang="en-US" dirty="0" smtClean="0"/>
-              <a:t>模糊测试的缺点是路径不全面，容易漏掉重要信息，只得靠反馈来调整，所有加上符号执行的面面俱到提高覆盖率，但是这样也有的缺点，就是路径爆炸，什么都考虑的情况下计算炸裂。</a:t>
+              <a:t>测试的缺点是路径不全面，容易漏掉重要信息，只得靠反馈来调整</a:t>
+            </a:r>
+            <a:r>
+              <a:rPr lang="zh-CN" altLang="en-US" dirty="0" smtClean="0"/>
+              <a:t>，所以加上</a:t>
+            </a:r>
+            <a:r>
+              <a:rPr lang="zh-CN" altLang="en-US" dirty="0" smtClean="0"/>
+              <a:t>符号执行的</a:t>
+            </a:r>
+            <a:r>
+              <a:rPr lang="zh-CN" altLang="en-US" dirty="0" smtClean="0"/>
+              <a:t>面面俱到，可以提高</a:t>
+            </a:r>
+            <a:r>
+              <a:rPr lang="zh-CN" altLang="en-US" dirty="0" smtClean="0"/>
+              <a:t>覆盖率，但是</a:t>
+            </a:r>
+            <a:r>
+              <a:rPr lang="zh-CN" altLang="en-US" dirty="0" smtClean="0"/>
+              <a:t>这样加上符号执行的也是有缺点的，</a:t>
+            </a:r>
+            <a:r>
+              <a:rPr lang="zh-CN" altLang="en-US" dirty="0" smtClean="0"/>
+              <a:t>就是路径爆炸，什么都考虑的情况</a:t>
+            </a:r>
+            <a:r>
+              <a:rPr lang="zh-CN" altLang="en-US" dirty="0" smtClean="0"/>
+              <a:t>下肯定会计算</a:t>
+            </a:r>
+            <a:r>
+              <a:rPr lang="zh-CN" altLang="en-US" dirty="0" smtClean="0"/>
+              <a:t>炸裂。</a:t>
             </a:r>
             <a:endParaRPr lang="en-US" altLang="zh-CN" dirty="0" smtClean="0"/>
           </a:p>
           <a:p>
+            <a:endParaRPr lang="en-US" altLang="zh-CN" dirty="0" smtClean="0"/>
+          </a:p>
+          <a:p>
             <a:r>
               <a:rPr lang="zh-CN" altLang="en-US" dirty="0" smtClean="0"/>
-              <a:t>这么理解的话这条路看来不好走啊，加在一起不会更棘手吗？但是像</a:t>
+              <a:t>这么</a:t>
+            </a:r>
+            <a:r>
+              <a:rPr lang="zh-CN" altLang="en-US" dirty="0" smtClean="0"/>
+              <a:t>理解的话这条路看来不好走啊，加在一起不会更棘手吗？但是像</a:t>
             </a:r>
             <a:r>
               <a:rPr lang="en-US" altLang="zh-CN" dirty="0" smtClean="0"/>
@@ -1364,7 +1611,15 @@
             </a:r>
             <a:r>
               <a:rPr lang="zh-CN" altLang="en-US" dirty="0" smtClean="0"/>
-              <a:t>就证实这样做的效果是不错的，所以我之前的理解是有误的，不应该是两个缺点将其结合起来，而是优点将他们结合起来，所以混合模糊测试技术是在</a:t>
+              <a:t>就证实这样做的效果是不错的，</a:t>
+            </a:r>
+            <a:r>
+              <a:rPr lang="zh-CN" altLang="en-US" dirty="0" smtClean="0"/>
+              <a:t>所以混合模糊测试的出路不</a:t>
+            </a:r>
+            <a:r>
+              <a:rPr lang="zh-CN" altLang="en-US" dirty="0" smtClean="0"/>
+              <a:t>应该是两个缺点将其结合起来，而是优点将他们结合起来，所以混合模糊测试技术是在</a:t>
             </a:r>
             <a:r>
               <a:rPr lang="zh-CN" altLang="en-US" sz="1200" b="0" i="0" u="none" strike="noStrike" kern="1200" dirty="0" smtClean="0">
@@ -1376,7 +1631,19 @@
                 <a:ea typeface="+mn-ea"/>
                 <a:cs typeface="+mn-cs"/>
               </a:rPr>
-              <a:t>模糊测试变异过程快速多变的优点基础上，加入符号执行能提高覆盖率的优点，而这</a:t>
+              <a:t>模糊测试变异过程快速多变的优点基础上，加入符号执行能提高覆盖率的优点，而</a:t>
+            </a:r>
+            <a:r>
+              <a:rPr lang="zh-CN" altLang="en-US" sz="1200" b="0" i="0" u="none" strike="noStrike" kern="1200" dirty="0" smtClean="0">
+                <a:solidFill>
+                  <a:schemeClr val="tx1"/>
+                </a:solidFill>
+                <a:effectLst/>
+                <a:latin typeface="+mn-lt"/>
+                <a:ea typeface="+mn-ea"/>
+                <a:cs typeface="+mn-cs"/>
+              </a:rPr>
+              <a:t>这也就使得</a:t>
             </a:r>
             <a:r>
               <a:rPr lang="en-US" altLang="zh-CN" sz="1200" b="0" i="0" u="none" strike="noStrike" kern="1200" dirty="0" smtClean="0">
@@ -1388,7 +1655,19 @@
                 <a:ea typeface="+mn-ea"/>
                 <a:cs typeface="+mn-cs"/>
               </a:rPr>
-              <a:t>hybrid fuzzing</a:t>
+              <a:t>hybrid </a:t>
+            </a:r>
+            <a:r>
+              <a:rPr lang="en-US" altLang="zh-CN" sz="1200" b="0" i="0" u="none" strike="noStrike" kern="1200" dirty="0" smtClean="0">
+                <a:solidFill>
+                  <a:schemeClr val="tx1"/>
+                </a:solidFill>
+                <a:effectLst/>
+                <a:latin typeface="+mn-lt"/>
+                <a:ea typeface="+mn-ea"/>
+                <a:cs typeface="+mn-cs"/>
+              </a:rPr>
+              <a:t>fuzzing</a:t>
             </a:r>
             <a:r>
               <a:rPr lang="zh-CN" altLang="en-US" sz="1200" b="0" i="0" u="none" strike="noStrike" kern="1200" dirty="0" smtClean="0">
@@ -1431,12 +1710,18 @@
           <a:p>
             <a:fld id="{E9E6FDB6-6D2B-46C1-9FA1-D82906A37C3A}" type="slidenum">
               <a:rPr lang="zh-CN" altLang="en-US" smtClean="0"/>
+              <a:t>5</a:t>
             </a:fld>
             <a:endParaRPr lang="zh-CN" altLang="en-US"/>
           </a:p>
         </p:txBody>
       </p:sp>
     </p:spTree>
+    <p:extLst>
+      <p:ext uri="{BB962C8B-B14F-4D97-AF65-F5344CB8AC3E}">
+        <p14:creationId xmlns:p14="http://schemas.microsoft.com/office/powerpoint/2010/main" val="635760967"/>
+      </p:ext>
+    </p:extLst>
   </p:cSld>
   <p:clrMapOvr>
     <a:masterClrMapping/>
@@ -1488,6 +1773,40 @@
           <a:bodyPr/>
           <a:lstStyle/>
           <a:p>
+            <a:r>
+              <a:rPr lang="zh-CN" altLang="en-US" dirty="0" smtClean="0"/>
+              <a:t>现在来看 </a:t>
+            </a:r>
+            <a:r>
+              <a:rPr lang="zh-CN" altLang="en-US" dirty="0" smtClean="0">
+                <a:sym typeface="+mn-ea"/>
+              </a:rPr>
+              <a:t>混合模糊测试 是</a:t>
+            </a:r>
+            <a:r>
+              <a:rPr lang="en-US" altLang="zh-CN" dirty="0" smtClean="0">
+                <a:sym typeface="+mn-ea"/>
+              </a:rPr>
+              <a:t> </a:t>
+            </a:r>
+            <a:r>
+              <a:rPr lang="zh-CN" altLang="en-US" dirty="0" smtClean="0">
+                <a:sym typeface="+mn-ea"/>
+              </a:rPr>
+              <a:t>模糊测试 </a:t>
+            </a:r>
+            <a:r>
+              <a:rPr lang="en-US" altLang="zh-CN" dirty="0" smtClean="0">
+                <a:sym typeface="+mn-ea"/>
+              </a:rPr>
+              <a:t>+ </a:t>
+            </a:r>
+            <a:r>
+              <a:rPr lang="zh-CN" altLang="en-US" dirty="0" smtClean="0">
+                <a:sym typeface="+mn-ea"/>
+              </a:rPr>
+              <a:t>符号执行 结合的产物，但是一开始并不是这样的，接下来看一下混合模糊测试的发展历程是怎样的</a:t>
+            </a:r>
             <a:endParaRPr lang="zh-CN" altLang="en-US" dirty="0"/>
           </a:p>
         </p:txBody>
@@ -1509,12 +1828,18 @@
           <a:p>
             <a:fld id="{790F3238-B197-4DD0-8393-B222E6E85519}" type="slidenum">
               <a:rPr lang="zh-CN" altLang="en-US" smtClean="0"/>
+              <a:t>6</a:t>
             </a:fld>
             <a:endParaRPr lang="zh-CN" altLang="en-US"/>
           </a:p>
         </p:txBody>
       </p:sp>
     </p:spTree>
+    <p:extLst>
+      <p:ext uri="{BB962C8B-B14F-4D97-AF65-F5344CB8AC3E}">
+        <p14:creationId xmlns:p14="http://schemas.microsoft.com/office/powerpoint/2010/main" val="1648374982"/>
+      </p:ext>
+    </p:extLst>
   </p:cSld>
   <p:clrMapOvr>
     <a:masterClrMapping/>
@@ -1606,12 +1931,18 @@
           <a:p>
             <a:fld id="{790F3238-B197-4DD0-8393-B222E6E85519}" type="slidenum">
               <a:rPr lang="zh-CN" altLang="en-US" smtClean="0"/>
+              <a:t>7</a:t>
             </a:fld>
             <a:endParaRPr lang="zh-CN" altLang="en-US"/>
           </a:p>
         </p:txBody>
       </p:sp>
     </p:spTree>
+    <p:extLst>
+      <p:ext uri="{BB962C8B-B14F-4D97-AF65-F5344CB8AC3E}">
+        <p14:creationId xmlns:p14="http://schemas.microsoft.com/office/powerpoint/2010/main" val="1160478857"/>
+      </p:ext>
+    </p:extLst>
   </p:cSld>
   <p:clrMapOvr>
     <a:masterClrMapping/>
@@ -1845,12 +2176,18 @@
           <a:p>
             <a:fld id="{4D554B03-AFA2-46E1-B6D8-B50CBE82BD5E}" type="slidenum">
               <a:rPr lang="zh-CN" altLang="en-US" smtClean="0"/>
+              <a:t>8</a:t>
             </a:fld>
             <a:endParaRPr lang="zh-CN" altLang="en-US"/>
           </a:p>
         </p:txBody>
       </p:sp>
     </p:spTree>
+    <p:extLst>
+      <p:ext uri="{BB962C8B-B14F-4D97-AF65-F5344CB8AC3E}">
+        <p14:creationId xmlns:p14="http://schemas.microsoft.com/office/powerpoint/2010/main" val="3259265424"/>
+      </p:ext>
+    </p:extLst>
   </p:cSld>
   <p:clrMapOvr>
     <a:masterClrMapping/>
@@ -1923,12 +2260,18 @@
           <a:p>
             <a:fld id="{790F3238-B197-4DD0-8393-B222E6E85519}" type="slidenum">
               <a:rPr lang="zh-CN" altLang="en-US" smtClean="0"/>
+              <a:t>9</a:t>
             </a:fld>
             <a:endParaRPr lang="zh-CN" altLang="en-US"/>
           </a:p>
         </p:txBody>
       </p:sp>
     </p:spTree>
+    <p:extLst>
+      <p:ext uri="{BB962C8B-B14F-4D97-AF65-F5344CB8AC3E}">
+        <p14:creationId xmlns:p14="http://schemas.microsoft.com/office/powerpoint/2010/main" val="301824619"/>
+      </p:ext>
+    </p:extLst>
   </p:cSld>
   <p:clrMapOvr>
     <a:masterClrMapping/>
@@ -2067,6 +2410,7 @@
           <a:p>
             <a:fld id="{731F6634-400D-496D-BD5A-6D0CF8DA8058}" type="datetimeFigureOut">
               <a:rPr lang="zh-CN" altLang="en-US" smtClean="0"/>
+              <a:t>2020/12/4</a:t>
             </a:fld>
             <a:endParaRPr lang="zh-CN" altLang="en-US"/>
           </a:p>
@@ -2108,6 +2452,7 @@
           <a:p>
             <a:fld id="{F63E4543-DC93-4313-A40A-D18C82982DE9}" type="slidenum">
               <a:rPr lang="zh-CN" altLang="en-US" smtClean="0"/>
+              <a:t>‹#›</a:t>
             </a:fld>
             <a:endParaRPr lang="zh-CN" altLang="en-US"/>
           </a:p>
@@ -2181,7 +2526,6 @@
               <a:rPr lang="zh-CN" altLang="en-US" smtClean="0"/>
               <a:t>单击此处编辑母版文本样式</a:t>
             </a:r>
-            <a:endParaRPr lang="zh-CN" altLang="en-US" smtClean="0"/>
           </a:p>
           <a:p>
             <a:pPr lvl="1"/>
@@ -2189,7 +2533,6 @@
               <a:rPr lang="zh-CN" altLang="en-US" smtClean="0"/>
               <a:t>第二级</a:t>
             </a:r>
-            <a:endParaRPr lang="zh-CN" altLang="en-US" smtClean="0"/>
           </a:p>
           <a:p>
             <a:pPr lvl="2"/>
@@ -2197,7 +2540,6 @@
               <a:rPr lang="zh-CN" altLang="en-US" smtClean="0"/>
               <a:t>第三级</a:t>
             </a:r>
-            <a:endParaRPr lang="zh-CN" altLang="en-US" smtClean="0"/>
           </a:p>
           <a:p>
             <a:pPr lvl="3"/>
@@ -2205,7 +2547,6 @@
               <a:rPr lang="zh-CN" altLang="en-US" smtClean="0"/>
               <a:t>第四级</a:t>
             </a:r>
-            <a:endParaRPr lang="zh-CN" altLang="en-US" smtClean="0"/>
           </a:p>
           <a:p>
             <a:pPr lvl="4"/>
@@ -2234,6 +2575,7 @@
           <a:p>
             <a:fld id="{731F6634-400D-496D-BD5A-6D0CF8DA8058}" type="datetimeFigureOut">
               <a:rPr lang="zh-CN" altLang="en-US" smtClean="0"/>
+              <a:t>2020/12/4</a:t>
             </a:fld>
             <a:endParaRPr lang="zh-CN" altLang="en-US"/>
           </a:p>
@@ -2275,6 +2617,7 @@
           <a:p>
             <a:fld id="{F63E4543-DC93-4313-A40A-D18C82982DE9}" type="slidenum">
               <a:rPr lang="zh-CN" altLang="en-US" smtClean="0"/>
+              <a:t>‹#›</a:t>
             </a:fld>
             <a:endParaRPr lang="zh-CN" altLang="en-US"/>
           </a:p>
@@ -2358,7 +2701,6 @@
               <a:rPr lang="zh-CN" altLang="en-US" smtClean="0"/>
               <a:t>单击此处编辑母版文本样式</a:t>
             </a:r>
-            <a:endParaRPr lang="zh-CN" altLang="en-US" smtClean="0"/>
           </a:p>
           <a:p>
             <a:pPr lvl="1"/>
@@ -2366,7 +2708,6 @@
               <a:rPr lang="zh-CN" altLang="en-US" smtClean="0"/>
               <a:t>第二级</a:t>
             </a:r>
-            <a:endParaRPr lang="zh-CN" altLang="en-US" smtClean="0"/>
           </a:p>
           <a:p>
             <a:pPr lvl="2"/>
@@ -2374,7 +2715,6 @@
               <a:rPr lang="zh-CN" altLang="en-US" smtClean="0"/>
               <a:t>第三级</a:t>
             </a:r>
-            <a:endParaRPr lang="zh-CN" altLang="en-US" smtClean="0"/>
           </a:p>
           <a:p>
             <a:pPr lvl="3"/>
@@ -2382,7 +2722,6 @@
               <a:rPr lang="zh-CN" altLang="en-US" smtClean="0"/>
               <a:t>第四级</a:t>
             </a:r>
-            <a:endParaRPr lang="zh-CN" altLang="en-US" smtClean="0"/>
           </a:p>
           <a:p>
             <a:pPr lvl="4"/>
@@ -2411,6 +2750,7 @@
           <a:p>
             <a:fld id="{731F6634-400D-496D-BD5A-6D0CF8DA8058}" type="datetimeFigureOut">
               <a:rPr lang="zh-CN" altLang="en-US" smtClean="0"/>
+              <a:t>2020/12/4</a:t>
             </a:fld>
             <a:endParaRPr lang="zh-CN" altLang="en-US"/>
           </a:p>
@@ -2452,6 +2792,7 @@
           <a:p>
             <a:fld id="{F63E4543-DC93-4313-A40A-D18C82982DE9}" type="slidenum">
               <a:rPr lang="zh-CN" altLang="en-US" smtClean="0"/>
+              <a:t>‹#›</a:t>
             </a:fld>
             <a:endParaRPr lang="zh-CN" altLang="en-US"/>
           </a:p>
@@ -2676,7 +3017,6 @@
               <a:rPr lang="zh-CN" altLang="en-US" dirty="0"/>
               <a:t>署名</a:t>
             </a:r>
-            <a:endParaRPr lang="zh-CN" altLang="en-US" dirty="0"/>
           </a:p>
         </p:txBody>
       </p:sp>
@@ -2735,7 +3075,6 @@
               <a:rPr lang="zh-CN" altLang="en-US" dirty="0"/>
               <a:t>日期</a:t>
             </a:r>
-            <a:endParaRPr lang="zh-CN" altLang="en-US" dirty="0"/>
           </a:p>
         </p:txBody>
       </p:sp>
@@ -3318,7 +3657,6 @@
               <a:rPr lang="zh-CN" altLang="en-US" dirty="0"/>
               <a:t>结束语</a:t>
             </a:r>
-            <a:endParaRPr lang="zh-CN" altLang="en-US" dirty="0"/>
           </a:p>
         </p:txBody>
       </p:sp>
@@ -3820,7 +4158,6 @@
               <a:rPr lang="zh-CN" altLang="en-US" smtClean="0"/>
               <a:t>单击此处编辑母版文本样式</a:t>
             </a:r>
-            <a:endParaRPr lang="zh-CN" altLang="en-US" smtClean="0"/>
           </a:p>
           <a:p>
             <a:pPr lvl="1"/>
@@ -3828,7 +4165,6 @@
               <a:rPr lang="zh-CN" altLang="en-US" smtClean="0"/>
               <a:t>第二级</a:t>
             </a:r>
-            <a:endParaRPr lang="zh-CN" altLang="en-US" smtClean="0"/>
           </a:p>
           <a:p>
             <a:pPr lvl="2"/>
@@ -3836,7 +4172,6 @@
               <a:rPr lang="zh-CN" altLang="en-US" smtClean="0"/>
               <a:t>第三级</a:t>
             </a:r>
-            <a:endParaRPr lang="zh-CN" altLang="en-US" smtClean="0"/>
           </a:p>
           <a:p>
             <a:pPr lvl="3"/>
@@ -3844,7 +4179,6 @@
               <a:rPr lang="zh-CN" altLang="en-US" smtClean="0"/>
               <a:t>第四级</a:t>
             </a:r>
-            <a:endParaRPr lang="zh-CN" altLang="en-US" smtClean="0"/>
           </a:p>
           <a:p>
             <a:pPr lvl="4"/>
@@ -3873,6 +4207,7 @@
           <a:p>
             <a:fld id="{731F6634-400D-496D-BD5A-6D0CF8DA8058}" type="datetimeFigureOut">
               <a:rPr lang="zh-CN" altLang="en-US" smtClean="0"/>
+              <a:t>2020/12/4</a:t>
             </a:fld>
             <a:endParaRPr lang="zh-CN" altLang="en-US"/>
           </a:p>
@@ -3914,6 +4249,7 @@
           <a:p>
             <a:fld id="{F63E4543-DC93-4313-A40A-D18C82982DE9}" type="slidenum">
               <a:rPr lang="zh-CN" altLang="en-US" smtClean="0"/>
+              <a:t>‹#›</a:t>
             </a:fld>
             <a:endParaRPr lang="zh-CN" altLang="en-US"/>
           </a:p>
@@ -4092,7 +4428,6 @@
               <a:rPr lang="zh-CN" altLang="en-US" smtClean="0"/>
               <a:t>单击此处编辑母版文本样式</a:t>
             </a:r>
-            <a:endParaRPr lang="zh-CN" altLang="en-US" smtClean="0"/>
           </a:p>
         </p:txBody>
       </p:sp>
@@ -4113,6 +4448,7 @@
           <a:p>
             <a:fld id="{731F6634-400D-496D-BD5A-6D0CF8DA8058}" type="datetimeFigureOut">
               <a:rPr lang="zh-CN" altLang="en-US" smtClean="0"/>
+              <a:t>2020/12/4</a:t>
             </a:fld>
             <a:endParaRPr lang="zh-CN" altLang="en-US"/>
           </a:p>
@@ -4154,6 +4490,7 @@
           <a:p>
             <a:fld id="{F63E4543-DC93-4313-A40A-D18C82982DE9}" type="slidenum">
               <a:rPr lang="zh-CN" altLang="en-US" smtClean="0"/>
+              <a:t>‹#›</a:t>
             </a:fld>
             <a:endParaRPr lang="zh-CN" altLang="en-US"/>
           </a:p>
@@ -4232,7 +4569,6 @@
               <a:rPr lang="zh-CN" altLang="en-US" smtClean="0"/>
               <a:t>单击此处编辑母版文本样式</a:t>
             </a:r>
-            <a:endParaRPr lang="zh-CN" altLang="en-US" smtClean="0"/>
           </a:p>
           <a:p>
             <a:pPr lvl="1"/>
@@ -4240,7 +4576,6 @@
               <a:rPr lang="zh-CN" altLang="en-US" smtClean="0"/>
               <a:t>第二级</a:t>
             </a:r>
-            <a:endParaRPr lang="zh-CN" altLang="en-US" smtClean="0"/>
           </a:p>
           <a:p>
             <a:pPr lvl="2"/>
@@ -4248,7 +4583,6 @@
               <a:rPr lang="zh-CN" altLang="en-US" smtClean="0"/>
               <a:t>第三级</a:t>
             </a:r>
-            <a:endParaRPr lang="zh-CN" altLang="en-US" smtClean="0"/>
           </a:p>
           <a:p>
             <a:pPr lvl="3"/>
@@ -4256,7 +4590,6 @@
               <a:rPr lang="zh-CN" altLang="en-US" smtClean="0"/>
               <a:t>第四级</a:t>
             </a:r>
-            <a:endParaRPr lang="zh-CN" altLang="en-US" smtClean="0"/>
           </a:p>
           <a:p>
             <a:pPr lvl="4"/>
@@ -4293,7 +4626,6 @@
               <a:rPr lang="zh-CN" altLang="en-US" smtClean="0"/>
               <a:t>单击此处编辑母版文本样式</a:t>
             </a:r>
-            <a:endParaRPr lang="zh-CN" altLang="en-US" smtClean="0"/>
           </a:p>
           <a:p>
             <a:pPr lvl="1"/>
@@ -4301,7 +4633,6 @@
               <a:rPr lang="zh-CN" altLang="en-US" smtClean="0"/>
               <a:t>第二级</a:t>
             </a:r>
-            <a:endParaRPr lang="zh-CN" altLang="en-US" smtClean="0"/>
           </a:p>
           <a:p>
             <a:pPr lvl="2"/>
@@ -4309,7 +4640,6 @@
               <a:rPr lang="zh-CN" altLang="en-US" smtClean="0"/>
               <a:t>第三级</a:t>
             </a:r>
-            <a:endParaRPr lang="zh-CN" altLang="en-US" smtClean="0"/>
           </a:p>
           <a:p>
             <a:pPr lvl="3"/>
@@ -4317,7 +4647,6 @@
               <a:rPr lang="zh-CN" altLang="en-US" smtClean="0"/>
               <a:t>第四级</a:t>
             </a:r>
-            <a:endParaRPr lang="zh-CN" altLang="en-US" smtClean="0"/>
           </a:p>
           <a:p>
             <a:pPr lvl="4"/>
@@ -4346,6 +4675,7 @@
           <a:p>
             <a:fld id="{731F6634-400D-496D-BD5A-6D0CF8DA8058}" type="datetimeFigureOut">
               <a:rPr lang="zh-CN" altLang="en-US" smtClean="0"/>
+              <a:t>2020/12/4</a:t>
             </a:fld>
             <a:endParaRPr lang="zh-CN" altLang="en-US"/>
           </a:p>
@@ -4387,6 +4717,7 @@
           <a:p>
             <a:fld id="{F63E4543-DC93-4313-A40A-D18C82982DE9}" type="slidenum">
               <a:rPr lang="zh-CN" altLang="en-US" smtClean="0"/>
+              <a:t>‹#›</a:t>
             </a:fld>
             <a:endParaRPr lang="zh-CN" altLang="en-US"/>
           </a:p>
@@ -4507,7 +4838,6 @@
               <a:rPr lang="zh-CN" altLang="en-US" smtClean="0"/>
               <a:t>单击此处编辑母版文本样式</a:t>
             </a:r>
-            <a:endParaRPr lang="zh-CN" altLang="en-US" smtClean="0"/>
           </a:p>
         </p:txBody>
       </p:sp>
@@ -4536,7 +4866,6 @@
               <a:rPr lang="zh-CN" altLang="en-US" smtClean="0"/>
               <a:t>单击此处编辑母版文本样式</a:t>
             </a:r>
-            <a:endParaRPr lang="zh-CN" altLang="en-US" smtClean="0"/>
           </a:p>
           <a:p>
             <a:pPr lvl="1"/>
@@ -4544,7 +4873,6 @@
               <a:rPr lang="zh-CN" altLang="en-US" smtClean="0"/>
               <a:t>第二级</a:t>
             </a:r>
-            <a:endParaRPr lang="zh-CN" altLang="en-US" smtClean="0"/>
           </a:p>
           <a:p>
             <a:pPr lvl="2"/>
@@ -4552,7 +4880,6 @@
               <a:rPr lang="zh-CN" altLang="en-US" smtClean="0"/>
               <a:t>第三级</a:t>
             </a:r>
-            <a:endParaRPr lang="zh-CN" altLang="en-US" smtClean="0"/>
           </a:p>
           <a:p>
             <a:pPr lvl="3"/>
@@ -4560,7 +4887,6 @@
               <a:rPr lang="zh-CN" altLang="en-US" smtClean="0"/>
               <a:t>第四级</a:t>
             </a:r>
-            <a:endParaRPr lang="zh-CN" altLang="en-US" smtClean="0"/>
           </a:p>
           <a:p>
             <a:pPr lvl="4"/>
@@ -4634,7 +4960,6 @@
               <a:rPr lang="zh-CN" altLang="en-US" smtClean="0"/>
               <a:t>单击此处编辑母版文本样式</a:t>
             </a:r>
-            <a:endParaRPr lang="zh-CN" altLang="en-US" smtClean="0"/>
           </a:p>
         </p:txBody>
       </p:sp>
@@ -4663,7 +4988,6 @@
               <a:rPr lang="zh-CN" altLang="en-US" smtClean="0"/>
               <a:t>单击此处编辑母版文本样式</a:t>
             </a:r>
-            <a:endParaRPr lang="zh-CN" altLang="en-US" smtClean="0"/>
           </a:p>
           <a:p>
             <a:pPr lvl="1"/>
@@ -4671,7 +4995,6 @@
               <a:rPr lang="zh-CN" altLang="en-US" smtClean="0"/>
               <a:t>第二级</a:t>
             </a:r>
-            <a:endParaRPr lang="zh-CN" altLang="en-US" smtClean="0"/>
           </a:p>
           <a:p>
             <a:pPr lvl="2"/>
@@ -4679,7 +5002,6 @@
               <a:rPr lang="zh-CN" altLang="en-US" smtClean="0"/>
               <a:t>第三级</a:t>
             </a:r>
-            <a:endParaRPr lang="zh-CN" altLang="en-US" smtClean="0"/>
           </a:p>
           <a:p>
             <a:pPr lvl="3"/>
@@ -4687,7 +5009,6 @@
               <a:rPr lang="zh-CN" altLang="en-US" smtClean="0"/>
               <a:t>第四级</a:t>
             </a:r>
-            <a:endParaRPr lang="zh-CN" altLang="en-US" smtClean="0"/>
           </a:p>
           <a:p>
             <a:pPr lvl="4"/>
@@ -4716,6 +5037,7 @@
           <a:p>
             <a:fld id="{731F6634-400D-496D-BD5A-6D0CF8DA8058}" type="datetimeFigureOut">
               <a:rPr lang="zh-CN" altLang="en-US" smtClean="0"/>
+              <a:t>2020/12/4</a:t>
             </a:fld>
             <a:endParaRPr lang="zh-CN" altLang="en-US"/>
           </a:p>
@@ -4757,6 +5079,7 @@
           <a:p>
             <a:fld id="{F63E4543-DC93-4313-A40A-D18C82982DE9}" type="slidenum">
               <a:rPr lang="zh-CN" altLang="en-US" smtClean="0"/>
+              <a:t>‹#›</a:t>
             </a:fld>
             <a:endParaRPr lang="zh-CN" altLang="en-US"/>
           </a:p>
@@ -4827,6 +5150,7 @@
           <a:p>
             <a:fld id="{731F6634-400D-496D-BD5A-6D0CF8DA8058}" type="datetimeFigureOut">
               <a:rPr lang="zh-CN" altLang="en-US" smtClean="0"/>
+              <a:t>2020/12/4</a:t>
             </a:fld>
             <a:endParaRPr lang="zh-CN" altLang="en-US"/>
           </a:p>
@@ -4868,6 +5192,7 @@
           <a:p>
             <a:fld id="{F63E4543-DC93-4313-A40A-D18C82982DE9}" type="slidenum">
               <a:rPr lang="zh-CN" altLang="en-US" smtClean="0"/>
+              <a:t>‹#›</a:t>
             </a:fld>
             <a:endParaRPr lang="zh-CN" altLang="en-US"/>
           </a:p>
@@ -4915,6 +5240,7 @@
           <a:p>
             <a:fld id="{731F6634-400D-496D-BD5A-6D0CF8DA8058}" type="datetimeFigureOut">
               <a:rPr lang="zh-CN" altLang="en-US" smtClean="0"/>
+              <a:t>2020/12/4</a:t>
             </a:fld>
             <a:endParaRPr lang="zh-CN" altLang="en-US"/>
           </a:p>
@@ -4956,6 +5282,7 @@
           <a:p>
             <a:fld id="{F63E4543-DC93-4313-A40A-D18C82982DE9}" type="slidenum">
               <a:rPr lang="zh-CN" altLang="en-US" smtClean="0"/>
+              <a:t>‹#›</a:t>
             </a:fld>
             <a:endParaRPr lang="zh-CN" altLang="en-US"/>
           </a:p>
@@ -5071,7 +5398,6 @@
               <a:rPr lang="zh-CN" altLang="en-US" smtClean="0"/>
               <a:t>单击此处编辑母版文本样式</a:t>
             </a:r>
-            <a:endParaRPr lang="zh-CN" altLang="en-US" smtClean="0"/>
           </a:p>
           <a:p>
             <a:pPr lvl="1"/>
@@ -5079,7 +5405,6 @@
               <a:rPr lang="zh-CN" altLang="en-US" smtClean="0"/>
               <a:t>第二级</a:t>
             </a:r>
-            <a:endParaRPr lang="zh-CN" altLang="en-US" smtClean="0"/>
           </a:p>
           <a:p>
             <a:pPr lvl="2"/>
@@ -5087,7 +5412,6 @@
               <a:rPr lang="zh-CN" altLang="en-US" smtClean="0"/>
               <a:t>第三级</a:t>
             </a:r>
-            <a:endParaRPr lang="zh-CN" altLang="en-US" smtClean="0"/>
           </a:p>
           <a:p>
             <a:pPr lvl="3"/>
@@ -5095,7 +5419,6 @@
               <a:rPr lang="zh-CN" altLang="en-US" smtClean="0"/>
               <a:t>第四级</a:t>
             </a:r>
-            <a:endParaRPr lang="zh-CN" altLang="en-US" smtClean="0"/>
           </a:p>
           <a:p>
             <a:pPr lvl="4"/>
@@ -5169,7 +5492,6 @@
               <a:rPr lang="zh-CN" altLang="en-US" smtClean="0"/>
               <a:t>单击此处编辑母版文本样式</a:t>
             </a:r>
-            <a:endParaRPr lang="zh-CN" altLang="en-US" smtClean="0"/>
           </a:p>
         </p:txBody>
       </p:sp>
@@ -5190,6 +5512,7 @@
           <a:p>
             <a:fld id="{731F6634-400D-496D-BD5A-6D0CF8DA8058}" type="datetimeFigureOut">
               <a:rPr lang="zh-CN" altLang="en-US" smtClean="0"/>
+              <a:t>2020/12/4</a:t>
             </a:fld>
             <a:endParaRPr lang="zh-CN" altLang="en-US"/>
           </a:p>
@@ -5231,6 +5554,7 @@
           <a:p>
             <a:fld id="{F63E4543-DC93-4313-A40A-D18C82982DE9}" type="slidenum">
               <a:rPr lang="zh-CN" altLang="en-US" smtClean="0"/>
+              <a:t>‹#›</a:t>
             </a:fld>
             <a:endParaRPr lang="zh-CN" altLang="en-US"/>
           </a:p>
@@ -5416,7 +5740,6 @@
               <a:rPr lang="zh-CN" altLang="en-US" smtClean="0"/>
               <a:t>单击此处编辑母版文本样式</a:t>
             </a:r>
-            <a:endParaRPr lang="zh-CN" altLang="en-US" smtClean="0"/>
           </a:p>
         </p:txBody>
       </p:sp>
@@ -5437,6 +5760,7 @@
           <a:p>
             <a:fld id="{731F6634-400D-496D-BD5A-6D0CF8DA8058}" type="datetimeFigureOut">
               <a:rPr lang="zh-CN" altLang="en-US" smtClean="0"/>
+              <a:t>2020/12/4</a:t>
             </a:fld>
             <a:endParaRPr lang="zh-CN" altLang="en-US"/>
           </a:p>
@@ -5478,6 +5802,7 @@
           <a:p>
             <a:fld id="{F63E4543-DC93-4313-A40A-D18C82982DE9}" type="slidenum">
               <a:rPr lang="zh-CN" altLang="en-US" smtClean="0"/>
+              <a:t>‹#›</a:t>
             </a:fld>
             <a:endParaRPr lang="zh-CN" altLang="en-US"/>
           </a:p>
@@ -5576,7 +5901,6 @@
               <a:rPr lang="zh-CN" altLang="en-US" smtClean="0"/>
               <a:t>单击此处编辑母版文本样式</a:t>
             </a:r>
-            <a:endParaRPr lang="zh-CN" altLang="en-US" smtClean="0"/>
           </a:p>
           <a:p>
             <a:pPr lvl="1"/>
@@ -5584,7 +5908,6 @@
               <a:rPr lang="zh-CN" altLang="en-US" smtClean="0"/>
               <a:t>第二级</a:t>
             </a:r>
-            <a:endParaRPr lang="zh-CN" altLang="en-US" smtClean="0"/>
           </a:p>
           <a:p>
             <a:pPr lvl="2"/>
@@ -5592,7 +5915,6 @@
               <a:rPr lang="zh-CN" altLang="en-US" smtClean="0"/>
               <a:t>第三级</a:t>
             </a:r>
-            <a:endParaRPr lang="zh-CN" altLang="en-US" smtClean="0"/>
           </a:p>
           <a:p>
             <a:pPr lvl="3"/>
@@ -5600,7 +5922,6 @@
               <a:rPr lang="zh-CN" altLang="en-US" smtClean="0"/>
               <a:t>第四级</a:t>
             </a:r>
-            <a:endParaRPr lang="zh-CN" altLang="en-US" smtClean="0"/>
           </a:p>
           <a:p>
             <a:pPr lvl="4"/>
@@ -5647,6 +5968,7 @@
           <a:p>
             <a:fld id="{731F6634-400D-496D-BD5A-6D0CF8DA8058}" type="datetimeFigureOut">
               <a:rPr lang="zh-CN" altLang="en-US" smtClean="0"/>
+              <a:t>2020/12/4</a:t>
             </a:fld>
             <a:endParaRPr lang="zh-CN" altLang="en-US"/>
           </a:p>
@@ -5724,6 +6046,7 @@
           <a:p>
             <a:fld id="{F63E4543-DC93-4313-A40A-D18C82982DE9}" type="slidenum">
               <a:rPr lang="zh-CN" altLang="en-US" smtClean="0"/>
+              <a:t>‹#›</a:t>
             </a:fld>
             <a:endParaRPr lang="zh-CN" altLang="en-US"/>
           </a:p>
@@ -6116,6 +6439,14 @@
               </a:rPr>
               <a:t>Tao Zhang</a:t>
             </a:r>
+            <a:r>
+              <a:rPr lang="en-US" altLang="zh-CN" sz="1800" dirty="0">
+                <a:solidFill>
+                  <a:schemeClr val="tx1"/>
+                </a:solidFill>
+              </a:rPr>
+              <a:t/>
+            </a:r>
             <a:br>
               <a:rPr lang="en-US" altLang="zh-CN" sz="1800" dirty="0">
                 <a:solidFill>
@@ -6184,11 +6515,6 @@
               </a:rPr>
               <a:t>wayne-tao@Outlook.com</a:t>
             </a:r>
-            <a:endParaRPr lang="en-US" altLang="zh-CN" sz="1800" dirty="0" smtClean="0">
-              <a:solidFill>
-                <a:schemeClr val="tx1"/>
-              </a:solidFill>
-            </a:endParaRPr>
           </a:p>
           <a:p>
             <a:r>
@@ -6353,6 +6679,10 @@
             <a:r>
               <a:rPr lang="en-US" altLang="zh-CN" sz="1800" baseline="30000" dirty="0"/>
               <a:t>†</a:t>
+            </a:r>
+            <a:r>
+              <a:rPr lang="en-US" altLang="zh-CN" sz="1800" dirty="0"/>
+              <a:t/>
             </a:r>
             <a:br>
               <a:rPr lang="en-US" altLang="zh-CN" sz="1800" dirty="0"/>
@@ -6420,7 +6750,7 @@
           <p:nvPr/>
         </p:nvPicPr>
         <p:blipFill>
-          <a:blip r:embed="rId1"/>
+          <a:blip r:embed="rId3"/>
           <a:stretch>
             <a:fillRect/>
           </a:stretch>
@@ -6450,12 +6780,12 @@
           <a:bodyPr>
             <a:normAutofit/>
           </a:bodyPr>
+          <a:lstStyle/>
           <a:p>
             <a:r>
               <a:rPr lang="zh-CN" altLang="en-US" sz="3200" dirty="0"/>
               <a:t>瓶颈</a:t>
             </a:r>
-            <a:endParaRPr lang="zh-CN" altLang="en-US" sz="3200" dirty="0"/>
           </a:p>
         </p:txBody>
       </p:sp>
@@ -6490,6 +6820,7 @@
         </p:style>
         <p:txBody>
           <a:bodyPr rtlCol="0" anchor="ctr"/>
+          <a:lstStyle/>
           <a:p>
             <a:pPr algn="ctr"/>
             <a:endParaRPr lang="zh-CN" altLang="en-US"/>
@@ -6561,10 +6892,6 @@
               </a:rPr>
               <a:t>符合执行</a:t>
             </a:r>
-            <a:endParaRPr lang="zh-CN" altLang="en-US" sz="3200" dirty="0">
-              <a:latin typeface="Hiragino Sans GB W3" panose="020B0300000000000000" charset="-122"/>
-              <a:ea typeface="Hiragino Sans GB W3" panose="020B0300000000000000" charset="-122"/>
-            </a:endParaRPr>
           </a:p>
         </p:txBody>
       </p:sp>
@@ -6601,6 +6928,7 @@
         </p:style>
         <p:txBody>
           <a:bodyPr rtlCol="0" anchor="ctr"/>
+          <a:lstStyle/>
           <a:p>
             <a:pPr algn="ctr"/>
             <a:endParaRPr lang="zh-CN" altLang="en-US"/>
@@ -6640,6 +6968,7 @@
         </p:style>
         <p:txBody>
           <a:bodyPr rtlCol="0" anchor="ctr"/>
+          <a:lstStyle/>
           <a:p>
             <a:pPr algn="ctr"/>
             <a:endParaRPr lang="zh-CN" altLang="en-US"/>
@@ -6679,6 +7008,7 @@
         </p:style>
         <p:txBody>
           <a:bodyPr rtlCol="0" anchor="ctr"/>
+          <a:lstStyle/>
           <a:p>
             <a:pPr algn="ctr"/>
             <a:endParaRPr lang="zh-CN" altLang="en-US"/>
@@ -6705,6 +7035,7 @@
           <a:bodyPr wrap="none" rtlCol="0" anchor="t">
             <a:spAutoFit/>
           </a:bodyPr>
+          <a:lstStyle/>
           <a:p>
             <a:pPr algn="ctr"/>
             <a:r>
@@ -6749,9 +7080,6 @@
               </a:rPr>
               <a:t>）</a:t>
             </a:r>
-            <a:endParaRPr lang="zh-CN" altLang="en-US" sz="2800" b="1" dirty="0" smtClean="0">
-              <a:sym typeface="+mn-ea"/>
-            </a:endParaRPr>
           </a:p>
         </p:txBody>
       </p:sp>
@@ -6789,7 +7117,7 @@
           <p:nvPr/>
         </p:nvPicPr>
         <p:blipFill rotWithShape="1">
-          <a:blip r:embed="rId1">
+          <a:blip r:embed="rId3">
             <a:duotone>
               <a:schemeClr val="bg2">
                 <a:shade val="45000"/>
@@ -6984,23 +7312,6 @@
                 </a:rPr>
                 <a:t>目   录</a:t>
               </a:r>
-              <a:endParaRPr kumimoji="0" lang="zh-CN" altLang="en-US" sz="3600" b="1" i="0" u="none" strike="noStrike" kern="0" cap="none" spc="0" normalizeH="0" baseline="0" noProof="0" dirty="0">
-                <a:ln>
-                  <a:noFill/>
-                </a:ln>
-                <a:solidFill>
-                  <a:prstClr val="white">
-                    <a:lumMod val="100000"/>
-                  </a:prstClr>
-                </a:solidFill>
-                <a:effectLst/>
-                <a:uLnTx/>
-                <a:uFillTx/>
-                <a:latin typeface="方正正中黑简体" panose="02000000000000000000" pitchFamily="2" charset="-122"/>
-                <a:ea typeface="方正正中黑简体" panose="02000000000000000000" pitchFamily="2" charset="-122"/>
-                <a:cs typeface="+mn-ea"/>
-                <a:sym typeface="+mn-lt"/>
-              </a:endParaRPr>
             </a:p>
           </p:txBody>
         </p:sp>
@@ -7888,7 +8199,6 @@
               <a:rPr lang="zh-CN" altLang="en-US" sz="3200" dirty="0"/>
               <a:t>）</a:t>
             </a:r>
-            <a:endParaRPr lang="zh-CN" altLang="en-US" sz="3200" dirty="0"/>
           </a:p>
         </p:txBody>
       </p:sp>
@@ -7989,7 +8299,7 @@
           <p:nvPr/>
         </p:nvPicPr>
         <p:blipFill rotWithShape="1">
-          <a:blip r:embed="rId1">
+          <a:blip r:embed="rId3">
             <a:duotone>
               <a:schemeClr val="bg2">
                 <a:shade val="45000"/>
@@ -8184,23 +8494,6 @@
                 </a:rPr>
                 <a:t>目   录</a:t>
               </a:r>
-              <a:endParaRPr kumimoji="0" lang="zh-CN" altLang="en-US" sz="3600" b="1" i="0" u="none" strike="noStrike" kern="0" cap="none" spc="0" normalizeH="0" baseline="0" noProof="0" dirty="0">
-                <a:ln>
-                  <a:noFill/>
-                </a:ln>
-                <a:solidFill>
-                  <a:prstClr val="white">
-                    <a:lumMod val="100000"/>
-                  </a:prstClr>
-                </a:solidFill>
-                <a:effectLst/>
-                <a:uLnTx/>
-                <a:uFillTx/>
-                <a:latin typeface="方正正中黑简体" panose="02000000000000000000" pitchFamily="2" charset="-122"/>
-                <a:ea typeface="方正正中黑简体" panose="02000000000000000000" pitchFamily="2" charset="-122"/>
-                <a:cs typeface="+mn-ea"/>
-                <a:sym typeface="+mn-lt"/>
-              </a:endParaRPr>
             </a:p>
           </p:txBody>
         </p:sp>
@@ -9080,7 +9373,6 @@
               <a:rPr lang="zh-CN" altLang="en-US" sz="3200" dirty="0"/>
               <a:t>）</a:t>
             </a:r>
-            <a:endParaRPr lang="zh-CN" altLang="en-US" sz="3200" dirty="0"/>
           </a:p>
         </p:txBody>
       </p:sp>
@@ -9199,7 +9491,7 @@
           <p:nvPr/>
         </p:nvPicPr>
         <p:blipFill>
-          <a:blip r:embed="rId1"/>
+          <a:blip r:embed="rId4"/>
           <a:stretch>
             <a:fillRect/>
           </a:stretch>
@@ -9216,7 +9508,7 @@
       </p:pic>
     </p:spTree>
     <p:custDataLst>
-      <p:tags r:id="rId2"/>
+      <p:tags r:id="rId1"/>
     </p:custDataLst>
   </p:cSld>
   <p:clrMapOvr>
@@ -9281,7 +9573,6 @@
               <a:rPr lang="zh-CN" altLang="en-US" sz="3200" dirty="0"/>
               <a:t>）</a:t>
             </a:r>
-            <a:endParaRPr lang="zh-CN" altLang="en-US" sz="3200" dirty="0"/>
           </a:p>
         </p:txBody>
       </p:sp>
@@ -9294,7 +9585,7 @@
           <p:nvPr/>
         </p:nvPicPr>
         <p:blipFill>
-          <a:blip r:embed="rId1"/>
+          <a:blip r:embed="rId4"/>
           <a:stretch>
             <a:fillRect/>
           </a:stretch>
@@ -9318,7 +9609,7 @@
           <p:nvPr/>
         </p:nvPicPr>
         <p:blipFill>
-          <a:blip r:embed="rId2">
+          <a:blip r:embed="rId5">
             <a:extLst>
               <a:ext uri="{28A0092B-C50C-407E-A947-70E740481C1C}">
                 <a14:useLocalDpi xmlns:a14="http://schemas.microsoft.com/office/drawing/2010/main" val="0"/>
@@ -9466,13 +9757,12 @@
               <a:rPr lang="zh-CN" altLang="en-US" sz="1400" dirty="0"/>
               <a:t>https://www.jianshu.com/p/2ba973c4b0cc</a:t>
             </a:r>
-            <a:endParaRPr lang="zh-CN" altLang="en-US" sz="1400" dirty="0"/>
           </a:p>
         </p:txBody>
       </p:sp>
     </p:spTree>
     <p:custDataLst>
-      <p:tags r:id="rId3"/>
+      <p:tags r:id="rId1"/>
     </p:custDataLst>
   </p:cSld>
   <p:clrMapOvr>
@@ -9537,7 +9827,6 @@
               <a:rPr lang="zh-CN" altLang="en-US" sz="3200" dirty="0"/>
               <a:t>）</a:t>
             </a:r>
-            <a:endParaRPr lang="zh-CN" altLang="en-US" sz="3200" dirty="0"/>
           </a:p>
         </p:txBody>
       </p:sp>
@@ -9549,7 +9838,7 @@
           </p:cNvGraphicFramePr>
           <p:nvPr>
             <p:custDataLst>
-              <p:tags r:id="rId1"/>
+              <p:tags r:id="rId2"/>
             </p:custDataLst>
           </p:nvPr>
         </p:nvGraphicFramePr>
@@ -10358,9 +10647,6 @@
               </a:rPr>
               <a:t>符号执行</a:t>
             </a:r>
-            <a:endParaRPr lang="zh-CN" altLang="en-US" sz="2800" b="1" dirty="0" smtClean="0">
-              <a:sym typeface="+mn-ea"/>
-            </a:endParaRPr>
           </a:p>
         </p:txBody>
       </p:sp>
@@ -10407,7 +10693,7 @@
       </p:sp>
     </p:spTree>
     <p:custDataLst>
-      <p:tags r:id="rId2"/>
+      <p:tags r:id="rId1"/>
     </p:custDataLst>
   </p:cSld>
   <p:clrMapOvr>
@@ -10452,7 +10738,7 @@
           <p:nvPr/>
         </p:nvPicPr>
         <p:blipFill rotWithShape="1">
-          <a:blip r:embed="rId1">
+          <a:blip r:embed="rId3">
             <a:duotone>
               <a:schemeClr val="bg2">
                 <a:shade val="45000"/>
@@ -10647,23 +10933,6 @@
                 </a:rPr>
                 <a:t>目   录</a:t>
               </a:r>
-              <a:endParaRPr kumimoji="0" lang="zh-CN" altLang="en-US" sz="3600" b="1" i="0" u="none" strike="noStrike" kern="0" cap="none" spc="0" normalizeH="0" baseline="0" noProof="0" dirty="0">
-                <a:ln>
-                  <a:noFill/>
-                </a:ln>
-                <a:solidFill>
-                  <a:prstClr val="white">
-                    <a:lumMod val="100000"/>
-                  </a:prstClr>
-                </a:solidFill>
-                <a:effectLst/>
-                <a:uLnTx/>
-                <a:uFillTx/>
-                <a:latin typeface="方正正中黑简体" panose="02000000000000000000" pitchFamily="2" charset="-122"/>
-                <a:ea typeface="方正正中黑简体" panose="02000000000000000000" pitchFamily="2" charset="-122"/>
-                <a:cs typeface="+mn-ea"/>
-                <a:sym typeface="+mn-lt"/>
-              </a:endParaRPr>
             </a:p>
           </p:txBody>
         </p:sp>
@@ -11517,7 +11786,13 @@
           <p:cNvGraphicFramePr>
             <a:graphicFrameLocks noGrp="1"/>
           </p:cNvGraphicFramePr>
-          <p:nvPr/>
+          <p:nvPr>
+            <p:extLst>
+              <p:ext uri="{D42A27DB-BD31-4B8C-83A1-F6EECF244321}">
+                <p14:modId xmlns:p14="http://schemas.microsoft.com/office/powerpoint/2010/main" val="1025666174"/>
+              </p:ext>
+            </p:extLst>
+          </p:nvPr>
         </p:nvGraphicFramePr>
         <p:xfrm>
           <a:off x="1043254" y="1490471"/>
@@ -11639,11 +11914,17 @@
                       </a:pPr>
                       <a:r>
                         <a:rPr lang="en-US" sz="1600" b="0" kern="100" dirty="0">
+                          <a:solidFill>
+                            <a:srgbClr val="FF0000"/>
+                          </a:solidFill>
                           <a:effectLst/>
                         </a:rPr>
                         <a:t>2007</a:t>
                       </a:r>
                       <a:endParaRPr lang="zh-CN" sz="2000" b="0" kern="100" dirty="0">
+                        <a:solidFill>
+                          <a:srgbClr val="FF0000"/>
+                        </a:solidFill>
                         <a:effectLst/>
                         <a:latin typeface="Calibri" panose="020F0502020204030204" pitchFamily="34" charset="0"/>
                         <a:ea typeface="MS Mincho" panose="02020609040205080304" pitchFamily="49" charset="-128"/>
@@ -11667,12 +11948,18 @@
                         </a:spcAft>
                       </a:pPr>
                       <a:r>
-                        <a:rPr lang="en-US" sz="1600" b="0" kern="100">
+                        <a:rPr lang="en-US" sz="1600" b="0" kern="100" dirty="0">
+                          <a:solidFill>
+                            <a:srgbClr val="FF0000"/>
+                          </a:solidFill>
                           <a:effectLst/>
                         </a:rPr>
                         <a:t>Hybrid testing</a:t>
                       </a:r>
-                      <a:endParaRPr lang="zh-CN" sz="2000" b="0" kern="100">
+                      <a:endParaRPr lang="zh-CN" sz="2000" b="0" kern="100" dirty="0">
+                        <a:solidFill>
+                          <a:srgbClr val="FF0000"/>
+                        </a:solidFill>
                         <a:effectLst/>
                         <a:latin typeface="Calibri" panose="020F0502020204030204" pitchFamily="34" charset="0"/>
                         <a:ea typeface="MS Mincho" panose="02020609040205080304" pitchFamily="49" charset="-128"/>
@@ -11697,11 +11984,17 @@
                       </a:pPr>
                       <a:r>
                         <a:rPr lang="en-US" sz="1600" b="0" kern="100" dirty="0">
+                          <a:solidFill>
+                            <a:srgbClr val="FF0000"/>
+                          </a:solidFill>
                           <a:effectLst/>
                         </a:rPr>
                         <a:t>The concept of hybrid testing was first proposed. </a:t>
                       </a:r>
                       <a:endParaRPr lang="zh-CN" sz="2000" b="0" kern="100" dirty="0">
+                        <a:solidFill>
+                          <a:srgbClr val="FF0000"/>
+                        </a:solidFill>
                         <a:effectLst/>
                         <a:latin typeface="Calibri" panose="020F0502020204030204" pitchFamily="34" charset="0"/>
                         <a:ea typeface="MS Mincho" panose="02020609040205080304" pitchFamily="49" charset="-128"/>
@@ -11727,12 +12020,18 @@
                         </a:spcAft>
                       </a:pPr>
                       <a:r>
-                        <a:rPr lang="en-US" sz="1600" b="0" kern="100">
+                        <a:rPr lang="en-US" sz="1600" b="0" kern="100" dirty="0">
+                          <a:solidFill>
+                            <a:srgbClr val="FF0000"/>
+                          </a:solidFill>
                           <a:effectLst/>
                         </a:rPr>
                         <a:t>2012</a:t>
                       </a:r>
-                      <a:endParaRPr lang="zh-CN" sz="2000" b="0" kern="100">
+                      <a:endParaRPr lang="zh-CN" sz="2000" b="0" kern="100" dirty="0">
+                        <a:solidFill>
+                          <a:srgbClr val="FF0000"/>
+                        </a:solidFill>
                         <a:effectLst/>
                         <a:latin typeface="Calibri" panose="020F0502020204030204" pitchFamily="34" charset="0"/>
                         <a:ea typeface="MS Mincho" panose="02020609040205080304" pitchFamily="49" charset="-128"/>
@@ -11756,12 +12055,18 @@
                         </a:spcAft>
                       </a:pPr>
                       <a:r>
-                        <a:rPr lang="en-US" sz="1600" b="0" kern="100">
+                        <a:rPr lang="en-US" sz="1600" b="0" kern="100" dirty="0">
+                          <a:solidFill>
+                            <a:srgbClr val="FF0000"/>
+                          </a:solidFill>
                           <a:effectLst/>
                         </a:rPr>
                         <a:t>Hybrid fuzzing</a:t>
                       </a:r>
-                      <a:endParaRPr lang="zh-CN" sz="2000" b="0" kern="100">
+                      <a:endParaRPr lang="zh-CN" sz="2000" b="0" kern="100" dirty="0">
+                        <a:solidFill>
+                          <a:srgbClr val="FF0000"/>
+                        </a:solidFill>
                         <a:effectLst/>
                         <a:latin typeface="Calibri" panose="020F0502020204030204" pitchFamily="34" charset="0"/>
                         <a:ea typeface="MS Mincho" panose="02020609040205080304" pitchFamily="49" charset="-128"/>
@@ -11786,11 +12091,17 @@
                       </a:pPr>
                       <a:r>
                         <a:rPr lang="en-US" sz="1600" b="0" kern="100" dirty="0">
+                          <a:solidFill>
+                            <a:srgbClr val="FF0000"/>
+                          </a:solidFill>
                           <a:effectLst/>
                         </a:rPr>
                         <a:t>Hybrid fuzzing is officially proposed for the first time. </a:t>
                       </a:r>
                       <a:endParaRPr lang="zh-CN" sz="2000" b="0" kern="100" dirty="0">
+                        <a:solidFill>
+                          <a:srgbClr val="FF0000"/>
+                        </a:solidFill>
                         <a:effectLst/>
                         <a:latin typeface="Calibri" panose="020F0502020204030204" pitchFamily="34" charset="0"/>
                         <a:ea typeface="MS Mincho" panose="02020609040205080304" pitchFamily="49" charset="-128"/>
@@ -11816,12 +12127,18 @@
                         </a:spcAft>
                       </a:pPr>
                       <a:r>
-                        <a:rPr lang="en-US" sz="1600" b="0" kern="100">
+                        <a:rPr lang="en-US" sz="1600" b="0" kern="100" dirty="0">
+                          <a:solidFill>
+                            <a:srgbClr val="FF0000"/>
+                          </a:solidFill>
                           <a:effectLst/>
                         </a:rPr>
                         <a:t>2016</a:t>
                       </a:r>
-                      <a:endParaRPr lang="zh-CN" sz="2000" b="0" kern="100">
+                      <a:endParaRPr lang="zh-CN" sz="2000" b="0" kern="100" dirty="0">
+                        <a:solidFill>
+                          <a:srgbClr val="FF0000"/>
+                        </a:solidFill>
                         <a:effectLst/>
                         <a:latin typeface="Calibri" panose="020F0502020204030204" pitchFamily="34" charset="0"/>
                         <a:ea typeface="MS Mincho" panose="02020609040205080304" pitchFamily="49" charset="-128"/>
@@ -11846,11 +12163,17 @@
                       </a:pPr>
                       <a:r>
                         <a:rPr lang="en-US" sz="1600" b="0" kern="100" dirty="0">
+                          <a:solidFill>
+                            <a:srgbClr val="FF0000"/>
+                          </a:solidFill>
                           <a:effectLst/>
                         </a:rPr>
                         <a:t>Driller</a:t>
                       </a:r>
                       <a:endParaRPr lang="zh-CN" sz="2000" b="0" kern="100" dirty="0">
+                        <a:solidFill>
+                          <a:srgbClr val="FF0000"/>
+                        </a:solidFill>
                         <a:effectLst/>
                         <a:latin typeface="Calibri" panose="020F0502020204030204" pitchFamily="34" charset="0"/>
                         <a:ea typeface="MS Mincho" panose="02020609040205080304" pitchFamily="49" charset="-128"/>
@@ -11875,23 +12198,35 @@
                       </a:pPr>
                       <a:r>
                         <a:rPr lang="en-US" sz="1600" b="0" kern="100" dirty="0">
+                          <a:solidFill>
+                            <a:srgbClr val="FF0000"/>
+                          </a:solidFill>
                           <a:effectLst/>
                         </a:rPr>
                         <a:t>Driller is based on the fuzz tool AFL and the symbolic execution tool </a:t>
                       </a:r>
                       <a:r>
                         <a:rPr lang="en-US" sz="1600" b="0" kern="100" dirty="0" err="1">
+                          <a:solidFill>
+                            <a:srgbClr val="FF0000"/>
+                          </a:solidFill>
                           <a:effectLst/>
                         </a:rPr>
                         <a:t>angr</a:t>
                       </a:r>
                       <a:r>
                         <a:rPr lang="en-US" sz="1600" b="0" kern="100" dirty="0">
+                          <a:solidFill>
+                            <a:srgbClr val="FF0000"/>
+                          </a:solidFill>
                           <a:effectLst/>
                         </a:rPr>
                         <a:t>. When the fuzzy program is stuck, the symbolic execution is called to solve the input that can reach the new path, so that the fuzz can quickly break through the conditional judgment statement.</a:t>
                       </a:r>
                       <a:endParaRPr lang="zh-CN" sz="2000" b="0" kern="100" dirty="0">
+                        <a:solidFill>
+                          <a:srgbClr val="FF0000"/>
+                        </a:solidFill>
                         <a:effectLst/>
                         <a:latin typeface="Calibri" panose="020F0502020204030204" pitchFamily="34" charset="0"/>
                         <a:ea typeface="MS Mincho" panose="02020609040205080304" pitchFamily="49" charset="-128"/>
@@ -12219,7 +12554,6 @@
               <a:rPr lang="zh-CN" altLang="en-US" sz="3200" dirty="0"/>
               <a:t>）</a:t>
             </a:r>
-            <a:endParaRPr lang="zh-CN" altLang="en-US" sz="3200" dirty="0"/>
           </a:p>
         </p:txBody>
       </p:sp>
@@ -12290,7 +12624,7 @@
           <p:nvPr/>
         </p:nvPicPr>
         <p:blipFill>
-          <a:blip r:embed="rId1"/>
+          <a:blip r:embed="rId3"/>
           <a:srcRect t="4458" b="5576"/>
           <a:stretch>
             <a:fillRect/>
@@ -12351,13 +12685,6 @@
               </a:rPr>
               <a:t>渐进求解</a:t>
             </a:r>
-            <a:endParaRPr lang="zh-CN" altLang="en-US" sz="2800" b="1" dirty="0" smtClean="0">
-              <a:solidFill>
-                <a:schemeClr val="accent1"/>
-              </a:solidFill>
-              <a:cs typeface="+mn-ea"/>
-              <a:sym typeface="+mn-lt"/>
-            </a:endParaRPr>
           </a:p>
           <a:p>
             <a:pPr algn="l"/>
@@ -12391,13 +12718,6 @@
               </a:rPr>
               <a:t>的问题。</a:t>
             </a:r>
-            <a:endParaRPr lang="zh-CN" altLang="en-US" dirty="0">
-              <a:solidFill>
-                <a:schemeClr val="accent1"/>
-              </a:solidFill>
-              <a:cs typeface="+mn-ea"/>
-              <a:sym typeface="+mn-lt"/>
-            </a:endParaRPr>
           </a:p>
         </p:txBody>
       </p:sp>
@@ -12446,13 +12766,6 @@
               </a:rPr>
               <a:t>提取求解前缀 </a:t>
             </a:r>
-            <a:endParaRPr lang="zh-CN" altLang="en-US" sz="2800" b="1" dirty="0" smtClean="0">
-              <a:solidFill>
-                <a:schemeClr val="accent1"/>
-              </a:solidFill>
-              <a:cs typeface="+mn-ea"/>
-              <a:sym typeface="+mn-lt"/>
-            </a:endParaRPr>
           </a:p>
           <a:p>
             <a:pPr algn="l"/>
@@ -12466,13 +12779,6 @@
               </a:rPr>
               <a:t>利用多面体路径方式将解空间提取成一般解的简洁记忆，实现重复利用的思路，同时为指导变异扩展了思路。</a:t>
             </a:r>
-            <a:endParaRPr lang="zh-CN" altLang="en-US" dirty="0" smtClean="0">
-              <a:solidFill>
-                <a:schemeClr val="accent1"/>
-              </a:solidFill>
-              <a:cs typeface="+mn-ea"/>
-              <a:sym typeface="+mn-lt"/>
-            </a:endParaRPr>
           </a:p>
         </p:txBody>
       </p:sp>
@@ -12521,13 +12827,6 @@
               </a:rPr>
               <a:t>指导变异</a:t>
             </a:r>
-            <a:endParaRPr lang="zh-CN" altLang="en-US" sz="2800" b="1" dirty="0" smtClean="0">
-              <a:solidFill>
-                <a:schemeClr val="accent1"/>
-              </a:solidFill>
-              <a:cs typeface="+mn-ea"/>
-              <a:sym typeface="+mn-lt"/>
-            </a:endParaRPr>
           </a:p>
           <a:p>
             <a:pPr algn="l"/>
@@ -12561,13 +12860,6 @@
               </a:rPr>
               <a:t>问题。</a:t>
             </a:r>
-            <a:endParaRPr lang="zh-CN" altLang="en-US" dirty="0">
-              <a:solidFill>
-                <a:schemeClr val="accent1"/>
-              </a:solidFill>
-              <a:cs typeface="+mn-ea"/>
-              <a:sym typeface="+mn-lt"/>
-            </a:endParaRPr>
           </a:p>
         </p:txBody>
       </p:sp>
@@ -12820,7 +13112,7 @@
           <p:nvPr/>
         </p:nvPicPr>
         <p:blipFill rotWithShape="1">
-          <a:blip r:embed="rId1">
+          <a:blip r:embed="rId3">
             <a:duotone>
               <a:schemeClr val="bg2">
                 <a:shade val="45000"/>
@@ -13015,23 +13307,6 @@
                 </a:rPr>
                 <a:t>目   录</a:t>
               </a:r>
-              <a:endParaRPr kumimoji="0" lang="zh-CN" altLang="en-US" sz="3600" b="1" i="0" u="none" strike="noStrike" kern="0" cap="none" spc="0" normalizeH="0" baseline="0" noProof="0" dirty="0">
-                <a:ln>
-                  <a:noFill/>
-                </a:ln>
-                <a:solidFill>
-                  <a:prstClr val="white">
-                    <a:lumMod val="100000"/>
-                  </a:prstClr>
-                </a:solidFill>
-                <a:effectLst/>
-                <a:uLnTx/>
-                <a:uFillTx/>
-                <a:latin typeface="方正正中黑简体" panose="02000000000000000000" pitchFamily="2" charset="-122"/>
-                <a:ea typeface="方正正中黑简体" panose="02000000000000000000" pitchFamily="2" charset="-122"/>
-                <a:cs typeface="+mn-ea"/>
-                <a:sym typeface="+mn-lt"/>
-              </a:endParaRPr>
             </a:p>
           </p:txBody>
         </p:sp>
@@ -13863,27 +14138,27 @@
 </file>
 
 <file path=ppt/tags/tag1.xml><?xml version="1.0" encoding="utf-8"?>
-<p:tagLst xmlns:p="http://schemas.openxmlformats.org/presentationml/2006/main">
+<p:tagLst xmlns:a="http://schemas.openxmlformats.org/drawingml/2006/main" xmlns:r="http://schemas.openxmlformats.org/officeDocument/2006/relationships" xmlns:p="http://schemas.openxmlformats.org/presentationml/2006/main">
   <p:tag name="ISLIDE.THEME" val="https://www.islide.cc;"/>
 </p:tagLst>
 </file>
 
 <file path=ppt/tags/tag2.xml><?xml version="1.0" encoding="utf-8"?>
-<p:tagLst xmlns:p="http://schemas.openxmlformats.org/presentationml/2006/main">
+<p:tagLst xmlns:a="http://schemas.openxmlformats.org/drawingml/2006/main" xmlns:r="http://schemas.openxmlformats.org/officeDocument/2006/relationships" xmlns:p="http://schemas.openxmlformats.org/presentationml/2006/main">
   <p:tag name="ISLIDE.THEME" val="https://www.islide.cc;"/>
 </p:tagLst>
 </file>
 
 <file path=ppt/tags/tag3.xml><?xml version="1.0" encoding="utf-8"?>
-<p:tagLst xmlns:p="http://schemas.openxmlformats.org/presentationml/2006/main">
-  <p:tag name="KSO_WM_UNIT_TABLE_BEAUTIFY" val="smartTable{c80d14ff-63e3-406b-9d9e-35755ee6b1e0}"/>
+<p:tagLst xmlns:a="http://schemas.openxmlformats.org/drawingml/2006/main" xmlns:r="http://schemas.openxmlformats.org/officeDocument/2006/relationships" xmlns:p="http://schemas.openxmlformats.org/presentationml/2006/main">
+  <p:tag name="ISLIDE.THEME" val="https://www.islide.cc;"/>
+  <p:tag name="ISLIDE.ICON" val="#168230;#32371;"/>
 </p:tagLst>
 </file>
 
 <file path=ppt/tags/tag4.xml><?xml version="1.0" encoding="utf-8"?>
-<p:tagLst xmlns:p="http://schemas.openxmlformats.org/presentationml/2006/main">
-  <p:tag name="ISLIDE.THEME" val="https://www.islide.cc;"/>
-  <p:tag name="ISLIDE.ICON" val="#168230;#32371;"/>
+<p:tagLst xmlns:a="http://schemas.openxmlformats.org/drawingml/2006/main" xmlns:r="http://schemas.openxmlformats.org/officeDocument/2006/relationships" xmlns:p="http://schemas.openxmlformats.org/presentationml/2006/main">
+  <p:tag name="KSO_WM_UNIT_TABLE_BEAUTIFY" val="smartTable{c80d14ff-63e3-406b-9d9e-35755ee6b1e0}"/>
 </p:tagLst>
 </file>
 
@@ -14138,6 +14413,8 @@
       </a:bgFillStyleLst>
     </a:fmtScheme>
   </a:themeElements>
+  <a:objectDefaults/>
+  <a:extraClrSchemeLst/>
   <a:extLst>
     <a:ext uri="{05A4C25C-085E-4340-85A3-A5531E510DB2}">
       <thm15:themeFamily xmlns:thm15="http://schemas.microsoft.com/office/thememl/2012/main" name="Office Theme" id="{62F939B6-93AF-4DB8-9C6B-D6C7DFDC589F}" vid="{4A3C46E8-61CC-4603-A589-7422A47A8E4A}"/>
@@ -14397,6 +14674,8 @@
       </a:bgFillStyleLst>
     </a:fmtScheme>
   </a:themeElements>
+  <a:objectDefaults/>
+  <a:extraClrSchemeLst/>
   <a:extLst>
     <a:ext uri="{05A4C25C-085E-4340-85A3-A5531E510DB2}">
       <thm15:themeFamily xmlns:thm15="http://schemas.microsoft.com/office/thememl/2012/main" name="Office Theme" id="{62F939B6-93AF-4DB8-9C6B-D6C7DFDC589F}" vid="{4A3C46E8-61CC-4603-A589-7422A47A8E4A}"/>

--- a/PPT/A Survey of Hybrid Fuzzing based on Symbolic Execution.pptx
+++ b/PPT/A Survey of Hybrid Fuzzing based on Symbolic Execution.pptx
@@ -5,22 +5,22 @@
     <p:sldMasterId id="2147483648" r:id="rId1"/>
   </p:sldMasterIdLst>
   <p:notesMasterIdLst>
-    <p:notesMasterId r:id="rId15"/>
+    <p:notesMasterId r:id="rId4"/>
   </p:notesMasterIdLst>
   <p:sldIdLst>
-    <p:sldId id="257" r:id="rId2"/>
-    <p:sldId id="258" r:id="rId3"/>
-    <p:sldId id="287" r:id="rId4"/>
-    <p:sldId id="288" r:id="rId5"/>
-    <p:sldId id="289" r:id="rId6"/>
-    <p:sldId id="284" r:id="rId7"/>
-    <p:sldId id="278" r:id="rId8"/>
-    <p:sldId id="291" r:id="rId9"/>
-    <p:sldId id="285" r:id="rId10"/>
-    <p:sldId id="293" r:id="rId11"/>
-    <p:sldId id="286" r:id="rId12"/>
-    <p:sldId id="294" r:id="rId13"/>
-    <p:sldId id="283" r:id="rId14"/>
+    <p:sldId id="257" r:id="rId3"/>
+    <p:sldId id="258" r:id="rId5"/>
+    <p:sldId id="287" r:id="rId6"/>
+    <p:sldId id="288" r:id="rId7"/>
+    <p:sldId id="289" r:id="rId8"/>
+    <p:sldId id="284" r:id="rId9"/>
+    <p:sldId id="278" r:id="rId10"/>
+    <p:sldId id="291" r:id="rId11"/>
+    <p:sldId id="285" r:id="rId12"/>
+    <p:sldId id="293" r:id="rId13"/>
+    <p:sldId id="286" r:id="rId14"/>
+    <p:sldId id="294" r:id="rId15"/>
+    <p:sldId id="283" r:id="rId16"/>
   </p:sldIdLst>
   <p:sldSz cx="12192000" cy="6858000"/>
   <p:notesSz cx="6858000" cy="9144000"/>
@@ -119,11 +119,6 @@
       </a:defRPr>
     </a:lvl9pPr>
   </p:defaultTextStyle>
-  <p:extLst>
-    <p:ext uri="{EFAFB233-063F-42B5-8137-9DF3F51BA10A}">
-      <p15:sldGuideLst xmlns:p15="http://schemas.microsoft.com/office/powerpoint/2012/main"/>
-    </p:ext>
-  </p:extLst>
 </p:presentation>
 </file>
 
@@ -209,7 +204,6 @@
           <a:p>
             <a:fld id="{C4B6EFF4-9889-4590-8FDA-C08184AD6D6F}" type="datetimeFigureOut">
               <a:rPr lang="zh-CN" altLang="en-US" smtClean="0"/>
-              <a:t>2020/12/4</a:t>
             </a:fld>
             <a:endParaRPr lang="zh-CN" altLang="en-US"/>
           </a:p>
@@ -276,6 +270,7 @@
               <a:rPr lang="zh-CN" altLang="en-US" smtClean="0"/>
               <a:t>单击此处编辑母版文本样式</a:t>
             </a:r>
+            <a:endParaRPr lang="zh-CN" altLang="en-US" smtClean="0"/>
           </a:p>
           <a:p>
             <a:pPr lvl="1"/>
@@ -283,6 +278,7 @@
               <a:rPr lang="zh-CN" altLang="en-US" smtClean="0"/>
               <a:t>第二级</a:t>
             </a:r>
+            <a:endParaRPr lang="zh-CN" altLang="en-US" smtClean="0"/>
           </a:p>
           <a:p>
             <a:pPr lvl="2"/>
@@ -290,6 +286,7 @@
               <a:rPr lang="zh-CN" altLang="en-US" smtClean="0"/>
               <a:t>第三级</a:t>
             </a:r>
+            <a:endParaRPr lang="zh-CN" altLang="en-US" smtClean="0"/>
           </a:p>
           <a:p>
             <a:pPr lvl="3"/>
@@ -297,6 +294,7 @@
               <a:rPr lang="zh-CN" altLang="en-US" smtClean="0"/>
               <a:t>第四级</a:t>
             </a:r>
+            <a:endParaRPr lang="zh-CN" altLang="en-US" smtClean="0"/>
           </a:p>
           <a:p>
             <a:pPr lvl="4"/>
@@ -368,18 +366,12 @@
           <a:p>
             <a:fld id="{1AACEEBE-C18F-4BCE-A447-8BA2D319AC0F}" type="slidenum">
               <a:rPr lang="zh-CN" altLang="en-US" smtClean="0"/>
-              <a:t>‹#›</a:t>
             </a:fld>
             <a:endParaRPr lang="zh-CN" altLang="en-US"/>
           </a:p>
         </p:txBody>
       </p:sp>
     </p:spTree>
-    <p:extLst>
-      <p:ext uri="{BB962C8B-B14F-4D97-AF65-F5344CB8AC3E}">
-        <p14:creationId xmlns:p14="http://schemas.microsoft.com/office/powerpoint/2010/main" val="2641150145"/>
-      </p:ext>
-    </p:extLst>
   </p:cSld>
   <p:clrMap bg1="lt1" tx1="dk1" bg2="lt2" tx2="dk2" accent1="accent1" accent2="accent2" accent3="accent3" accent4="accent4" accent5="accent5" accent6="accent6" hlink="hlink" folHlink="folHlink"/>
   <p:notesStyle>
@@ -546,18 +538,12 @@
           <a:p>
             <a:fld id="{790F3238-B197-4DD0-8393-B222E6E85519}" type="slidenum">
               <a:rPr lang="zh-CN" altLang="en-US" smtClean="0"/>
-              <a:t>1</a:t>
             </a:fld>
             <a:endParaRPr lang="zh-CN" altLang="en-US"/>
           </a:p>
         </p:txBody>
       </p:sp>
     </p:spTree>
-    <p:extLst>
-      <p:ext uri="{BB962C8B-B14F-4D97-AF65-F5344CB8AC3E}">
-        <p14:creationId xmlns:p14="http://schemas.microsoft.com/office/powerpoint/2010/main" val="2113161442"/>
-      </p:ext>
-    </p:extLst>
   </p:cSld>
   <p:clrMapOvr>
     <a:masterClrMapping/>
@@ -625,7 +611,113 @@
               <a:buNone/>
               <a:defRPr/>
             </a:pPr>
-            <a:endParaRPr lang="en-US" altLang="zh-CN" sz="1200" dirty="0">
+            <a:r>
+              <a:rPr lang="zh-CN" altLang="en-US" sz="1200" dirty="0">
+                <a:latin typeface="+mn-ea"/>
+                <a:ea typeface="+mn-ea"/>
+              </a:rPr>
+              <a:t>还要回到模糊测试这个过程中，可以看到符合执行是可以用到各个阶段的，而且也有很多论文验证了这样做是有效的，但是符合执行本身的问题还是受限制的。当对中大型软件进行模糊测试的时候，加入符合执行的混合模糊测试是吃不消的。比如针对</a:t>
+            </a:r>
+            <a:r>
+              <a:rPr lang="en-US" altLang="zh-CN" sz="1200" dirty="0">
+                <a:latin typeface="+mn-ea"/>
+                <a:ea typeface="+mn-ea"/>
+              </a:rPr>
+              <a:t>opencv</a:t>
+            </a:r>
+            <a:r>
+              <a:rPr lang="zh-CN" altLang="en-US" sz="1200" dirty="0">
+                <a:latin typeface="+mn-ea"/>
+                <a:ea typeface="+mn-ea"/>
+              </a:rPr>
+              <a:t>的整体模糊测试，针对</a:t>
+            </a:r>
+            <a:r>
+              <a:rPr lang="en-US" altLang="zh-CN" sz="1200" dirty="0">
+                <a:latin typeface="+mn-ea"/>
+                <a:ea typeface="+mn-ea"/>
+              </a:rPr>
+              <a:t>unix</a:t>
+            </a:r>
+            <a:r>
+              <a:rPr lang="zh-CN" altLang="en-US" sz="1200" dirty="0">
+                <a:latin typeface="+mn-ea"/>
+                <a:ea typeface="+mn-ea"/>
+              </a:rPr>
+              <a:t>系统的模糊测试。都会面临路径爆炸问题，这也是到目前为止还没解决的问题。</a:t>
+            </a:r>
+            <a:endParaRPr lang="zh-CN" altLang="en-US" sz="1200" dirty="0">
+              <a:latin typeface="+mn-ea"/>
+              <a:ea typeface="+mn-ea"/>
+            </a:endParaRPr>
+          </a:p>
+          <a:p>
+            <a:pPr marL="0" marR="0" lvl="0" indent="0" algn="l" defTabSz="914400" rtl="0" eaLnBrk="1" fontAlgn="auto" latinLnBrk="0" hangingPunct="1">
+              <a:lnSpc>
+                <a:spcPct val="100000"/>
+              </a:lnSpc>
+              <a:spcBef>
+                <a:spcPts val="0"/>
+              </a:spcBef>
+              <a:spcAft>
+                <a:spcPts val="0"/>
+              </a:spcAft>
+              <a:buClrTx/>
+              <a:buSzTx/>
+              <a:buFontTx/>
+              <a:buNone/>
+              <a:defRPr/>
+            </a:pPr>
+            <a:r>
+              <a:rPr lang="zh-CN" altLang="en-US" sz="1200" dirty="0">
+                <a:latin typeface="+mn-ea"/>
+                <a:ea typeface="+mn-ea"/>
+              </a:rPr>
+              <a:t>当然还有一方面的瓶颈，来自于结合方法，</a:t>
+            </a:r>
+            <a:r>
+              <a:rPr lang="en-US" altLang="zh-CN" sz="1200" dirty="0">
+                <a:latin typeface="+mn-ea"/>
+                <a:ea typeface="+mn-ea"/>
+              </a:rPr>
+              <a:t>driller</a:t>
+            </a:r>
+            <a:r>
+              <a:rPr lang="zh-CN" altLang="en-US" sz="1200" dirty="0">
+                <a:latin typeface="+mn-ea"/>
+                <a:ea typeface="+mn-ea"/>
+              </a:rPr>
+              <a:t>是利用了</a:t>
+            </a:r>
+            <a:r>
+              <a:rPr lang="en-US" altLang="zh-CN" sz="1200" dirty="0">
+                <a:latin typeface="+mn-ea"/>
+                <a:ea typeface="+mn-ea"/>
+              </a:rPr>
+              <a:t>afl</a:t>
+            </a:r>
+            <a:r>
+              <a:rPr lang="zh-CN" altLang="en-US" sz="1200" dirty="0">
+                <a:latin typeface="+mn-ea"/>
+                <a:ea typeface="+mn-ea"/>
+              </a:rPr>
+              <a:t>原生的</a:t>
+            </a:r>
+            <a:r>
+              <a:rPr lang="en-US" altLang="zh-CN" sz="1200" dirty="0">
+                <a:latin typeface="+mn-ea"/>
+                <a:ea typeface="+mn-ea"/>
+              </a:rPr>
+              <a:t>fork</a:t>
+            </a:r>
+            <a:r>
+              <a:rPr lang="zh-CN" altLang="en-US" sz="1200" dirty="0">
+                <a:latin typeface="+mn-ea"/>
+                <a:ea typeface="+mn-ea"/>
+              </a:rPr>
+              <a:t>机制，其实还有很多结合方式、更高效的方式等待探索。</a:t>
+            </a:r>
+            <a:endParaRPr lang="zh-CN" altLang="en-US" sz="1200" dirty="0">
               <a:latin typeface="+mn-ea"/>
               <a:ea typeface="+mn-ea"/>
             </a:endParaRPr>
@@ -649,18 +741,12 @@
           <a:p>
             <a:fld id="{790F3238-B197-4DD0-8393-B222E6E85519}" type="slidenum">
               <a:rPr lang="zh-CN" altLang="en-US" smtClean="0"/>
-              <a:t>10</a:t>
             </a:fld>
             <a:endParaRPr lang="zh-CN" altLang="en-US"/>
           </a:p>
         </p:txBody>
       </p:sp>
     </p:spTree>
-    <p:extLst>
-      <p:ext uri="{BB962C8B-B14F-4D97-AF65-F5344CB8AC3E}">
-        <p14:creationId xmlns:p14="http://schemas.microsoft.com/office/powerpoint/2010/main" val="2161833456"/>
-      </p:ext>
-    </p:extLst>
   </p:cSld>
   <p:clrMapOvr>
     <a:masterClrMapping/>
@@ -712,6 +798,10 @@
           <a:bodyPr/>
           <a:lstStyle/>
           <a:p>
+            <a:r>
+              <a:rPr lang="zh-CN" altLang="en-US" dirty="0"/>
+              <a:t>最后来说一下发展总结</a:t>
+            </a:r>
             <a:endParaRPr lang="zh-CN" altLang="en-US" dirty="0"/>
           </a:p>
         </p:txBody>
@@ -733,18 +823,12 @@
           <a:p>
             <a:fld id="{790F3238-B197-4DD0-8393-B222E6E85519}" type="slidenum">
               <a:rPr lang="zh-CN" altLang="en-US" smtClean="0"/>
-              <a:t>11</a:t>
             </a:fld>
             <a:endParaRPr lang="zh-CN" altLang="en-US"/>
           </a:p>
         </p:txBody>
       </p:sp>
     </p:spTree>
-    <p:extLst>
-      <p:ext uri="{BB962C8B-B14F-4D97-AF65-F5344CB8AC3E}">
-        <p14:creationId xmlns:p14="http://schemas.microsoft.com/office/powerpoint/2010/main" val="3733148732"/>
-      </p:ext>
-    </p:extLst>
   </p:cSld>
   <p:clrMapOvr>
     <a:masterClrMapping/>
@@ -812,7 +896,78 @@
               <a:buNone/>
               <a:defRPr/>
             </a:pPr>
-            <a:endParaRPr lang="en-US" altLang="zh-CN" sz="1200" dirty="0">
+            <a:r>
+              <a:rPr lang="zh-CN" altLang="en-US" sz="1200" dirty="0">
+                <a:latin typeface="+mn-ea"/>
+                <a:ea typeface="+mn-ea"/>
+              </a:rPr>
+              <a:t>关于对混合模糊测试技术发展的展望，最核心的两个思路就是：</a:t>
+            </a:r>
+            <a:r>
+              <a:rPr lang="en-US" altLang="zh-CN" sz="1200" dirty="0">
+                <a:latin typeface="+mn-ea"/>
+                <a:ea typeface="+mn-ea"/>
+              </a:rPr>
+              <a:t>1</a:t>
+            </a:r>
+            <a:r>
+              <a:rPr lang="zh-CN" altLang="en-US" sz="1200" dirty="0">
+                <a:latin typeface="+mn-ea"/>
+                <a:ea typeface="+mn-ea"/>
+              </a:rPr>
+              <a:t>、节约：节约在测试过程中符合执行所消耗的计算资源，这个是可以依靠结合方法、改进算法解决的；</a:t>
+            </a:r>
+            <a:r>
+              <a:rPr lang="en-US" altLang="zh-CN" sz="1200" dirty="0">
+                <a:latin typeface="+mn-ea"/>
+                <a:ea typeface="+mn-ea"/>
+              </a:rPr>
+              <a:t>2</a:t>
+            </a:r>
+            <a:r>
+              <a:rPr lang="zh-CN" altLang="en-US" sz="1200" dirty="0">
+                <a:latin typeface="+mn-ea"/>
+                <a:ea typeface="+mn-ea"/>
+              </a:rPr>
+              <a:t>、提升：提升模糊测试本身的效率，混合模糊测试的核心思想和模糊测试是一致的，都是尽可能的利用非预期输入得到崩溃信息。</a:t>
+            </a:r>
+            <a:endParaRPr lang="zh-CN" altLang="en-US" sz="1200" dirty="0">
+              <a:latin typeface="+mn-ea"/>
+              <a:ea typeface="+mn-ea"/>
+            </a:endParaRPr>
+          </a:p>
+          <a:p>
+            <a:pPr marL="0" marR="0" lvl="0" indent="0" algn="l" defTabSz="914400" rtl="0" eaLnBrk="1" fontAlgn="auto" latinLnBrk="0" hangingPunct="1">
+              <a:lnSpc>
+                <a:spcPct val="100000"/>
+              </a:lnSpc>
+              <a:spcBef>
+                <a:spcPts val="0"/>
+              </a:spcBef>
+              <a:spcAft>
+                <a:spcPts val="0"/>
+              </a:spcAft>
+              <a:buClrTx/>
+              <a:buSzTx/>
+              <a:buFontTx/>
+              <a:buNone/>
+              <a:defRPr/>
+            </a:pPr>
+            <a:r>
+              <a:rPr lang="zh-CN" altLang="en-US" sz="1200" dirty="0">
+                <a:latin typeface="+mn-ea"/>
+                <a:ea typeface="+mn-ea"/>
+              </a:rPr>
+              <a:t>也可以看到近几年关于混合模糊测试的相关论文都是从这两点出发的。说到底</a:t>
+            </a:r>
+            <a:r>
+              <a:rPr lang="zh-CN" altLang="en-US" dirty="0">
+                <a:latin typeface="+mn-ea"/>
+                <a:sym typeface="+mn-ea"/>
+              </a:rPr>
+              <a:t>混合模糊测试技术是一个从模糊测试延伸出来的技术，其发展从根本上来说还是依靠 模糊测试 和 符号执行 的发展。</a:t>
+            </a:r>
+            <a:endParaRPr lang="zh-CN" altLang="en-US" sz="1200" dirty="0">
               <a:latin typeface="+mn-ea"/>
               <a:ea typeface="+mn-ea"/>
             </a:endParaRPr>
@@ -836,18 +991,12 @@
           <a:p>
             <a:fld id="{790F3238-B197-4DD0-8393-B222E6E85519}" type="slidenum">
               <a:rPr lang="zh-CN" altLang="en-US" smtClean="0"/>
-              <a:t>12</a:t>
             </a:fld>
             <a:endParaRPr lang="zh-CN" altLang="en-US"/>
           </a:p>
         </p:txBody>
       </p:sp>
     </p:spTree>
-    <p:extLst>
-      <p:ext uri="{BB962C8B-B14F-4D97-AF65-F5344CB8AC3E}">
-        <p14:creationId xmlns:p14="http://schemas.microsoft.com/office/powerpoint/2010/main" val="2978111838"/>
-      </p:ext>
-    </p:extLst>
   </p:cSld>
   <p:clrMapOvr>
     <a:masterClrMapping/>
@@ -899,6 +1048,10 @@
           <a:bodyPr/>
           <a:lstStyle/>
           <a:p>
+            <a:r>
+              <a:rPr kumimoji="1" lang="zh-CN" altLang="en-US" dirty="0"/>
+              <a:t>我今天关于混合模糊测试的综述汇报到这里就结束了，谢谢大家的聆听。</a:t>
+            </a:r>
             <a:endParaRPr kumimoji="1" lang="zh-CN" altLang="en-US" dirty="0"/>
           </a:p>
         </p:txBody>
@@ -920,18 +1073,12 @@
           <a:p>
             <a:fld id="{790F3238-B197-4DD0-8393-B222E6E85519}" type="slidenum">
               <a:rPr lang="zh-CN" altLang="en-US" smtClean="0"/>
-              <a:t>13</a:t>
             </a:fld>
             <a:endParaRPr lang="zh-CN" altLang="en-US"/>
           </a:p>
         </p:txBody>
       </p:sp>
     </p:spTree>
-    <p:extLst>
-      <p:ext uri="{BB962C8B-B14F-4D97-AF65-F5344CB8AC3E}">
-        <p14:creationId xmlns:p14="http://schemas.microsoft.com/office/powerpoint/2010/main" val="2602822225"/>
-      </p:ext>
-    </p:extLst>
   </p:cSld>
   <p:clrMapOvr>
     <a:masterClrMapping/>
@@ -1008,18 +1155,12 @@
           <a:p>
             <a:fld id="{790F3238-B197-4DD0-8393-B222E6E85519}" type="slidenum">
               <a:rPr lang="zh-CN" altLang="en-US" smtClean="0"/>
-              <a:t>2</a:t>
             </a:fld>
             <a:endParaRPr lang="zh-CN" altLang="en-US"/>
           </a:p>
         </p:txBody>
       </p:sp>
     </p:spTree>
-    <p:extLst>
-      <p:ext uri="{BB962C8B-B14F-4D97-AF65-F5344CB8AC3E}">
-        <p14:creationId xmlns:p14="http://schemas.microsoft.com/office/powerpoint/2010/main" val="1076109506"/>
-      </p:ext>
-    </p:extLst>
   </p:cSld>
   <p:clrMapOvr>
     <a:masterClrMapping/>
@@ -1073,27 +1214,7 @@
           <a:p>
             <a:r>
               <a:rPr lang="zh-CN" altLang="en-US" sz="1200" dirty="0" smtClean="0"/>
-              <a:t>要想说清楚混合模糊测试就要从模糊</a:t>
-            </a:r>
-            <a:r>
-              <a:rPr lang="zh-CN" altLang="en-US" sz="1200" dirty="0" smtClean="0"/>
-              <a:t>测试</a:t>
-            </a:r>
-            <a:r>
-              <a:rPr lang="zh-CN" altLang="en-US" sz="1200" dirty="0" smtClean="0"/>
-              <a:t>技术谈起，我们</a:t>
-            </a:r>
-            <a:r>
-              <a:rPr lang="zh-CN" altLang="en-US" sz="1200" dirty="0" smtClean="0"/>
-              <a:t>这里</a:t>
-            </a:r>
-            <a:r>
-              <a:rPr lang="zh-CN" altLang="en-US" sz="1200" dirty="0" smtClean="0"/>
-              <a:t>将模糊测试核心简化，就是如图所示，</a:t>
-            </a:r>
-            <a:r>
-              <a:rPr lang="zh-CN" altLang="en-US" sz="1200" dirty="0" smtClean="0"/>
-              <a:t>就是说：通过不断生成种子</a:t>
+              <a:t>要想说清楚混合模糊测试就要从模糊测试技术谈起，我们这里将模糊测试核心简化，就是如图所示，就是说：通过不断生成种子</a:t>
             </a:r>
             <a:r>
               <a:rPr lang="en-US" altLang="zh-CN" sz="1200" dirty="0" smtClean="0"/>
@@ -1109,15 +1230,7 @@
             </a:r>
             <a:r>
               <a:rPr lang="zh-CN" altLang="en-US" sz="1200" dirty="0" smtClean="0"/>
-              <a:t>，而后将输入给已经插桩</a:t>
-            </a:r>
-            <a:r>
-              <a:rPr lang="zh-CN" altLang="en-US" sz="1200" dirty="0" smtClean="0"/>
-              <a:t>编译的程序进行执行</a:t>
-            </a:r>
-            <a:r>
-              <a:rPr lang="zh-CN" altLang="en-US" sz="1200" dirty="0" smtClean="0"/>
-              <a:t>，并进行追踪，来到一个叫做覆盖率的数据，这个数据代表已经跑过了多少空间，再利用反馈的覆盖率作为新一轮种子的生成依据，这样循环往复，直到遇到</a:t>
+              <a:t>，而后将输入给已经插桩编译的程序进行执行，并进行追踪，来到一个叫做覆盖率的数据，这个数据代表已经跑过了多少空间，再利用反馈的覆盖率作为新一轮种子的生成依据，这样循环往复，直到遇到</a:t>
             </a:r>
             <a:r>
               <a:rPr lang="en-US" altLang="zh-CN" sz="1200" dirty="0" smtClean="0"/>
@@ -1140,23 +1253,7 @@
           <a:p>
             <a:r>
               <a:rPr lang="zh-CN" altLang="en-US" sz="1200" dirty="0" smtClean="0"/>
-              <a:t>在</a:t>
-            </a:r>
-            <a:r>
-              <a:rPr lang="zh-CN" altLang="en-US" sz="1200" dirty="0" smtClean="0"/>
-              <a:t>关于目前模糊测试研究现状的</a:t>
-            </a:r>
-            <a:r>
-              <a:rPr lang="zh-CN" altLang="en-US" sz="1200" dirty="0" smtClean="0"/>
-              <a:t>理解</a:t>
-            </a:r>
-            <a:r>
-              <a:rPr lang="zh-CN" altLang="en-US" sz="1200" dirty="0" smtClean="0"/>
-              <a:t>上我</a:t>
-            </a:r>
-            <a:r>
-              <a:rPr lang="zh-CN" altLang="en-US" sz="1200" dirty="0" smtClean="0"/>
-              <a:t>总结了以下两点：</a:t>
+              <a:t>在关于目前模糊测试研究现状的理解上我总结了以下两点：</a:t>
             </a:r>
             <a:endParaRPr lang="en-US" altLang="zh-CN" sz="1200" dirty="0" smtClean="0"/>
           </a:p>
@@ -1194,15 +1291,7 @@
           <a:p>
             <a:r>
               <a:rPr lang="zh-CN" altLang="en-US" sz="1200" dirty="0" smtClean="0"/>
-              <a:t>第二</a:t>
-            </a:r>
-            <a:r>
-              <a:rPr lang="zh-CN" altLang="en-US" sz="1200" dirty="0" smtClean="0"/>
-              <a:t>、在这</a:t>
-            </a:r>
-            <a:r>
-              <a:rPr lang="zh-CN" altLang="en-US" sz="1200" dirty="0" smtClean="0"/>
-              <a:t>张图里，每一部分都有优化空间，实际上很多论文也是在这个结构上进行的改进；（</a:t>
+              <a:t>第二、在这张图里，每一部分都有优化空间，实际上很多论文也是在这个结构上进行的改进；（</a:t>
             </a:r>
             <a:r>
               <a:rPr lang="en-US" altLang="zh-CN" sz="1200" dirty="0" err="1" smtClean="0"/>
@@ -1225,19 +1314,7 @@
           <a:p>
             <a:r>
               <a:rPr lang="zh-CN" altLang="en-US" sz="1200" dirty="0" smtClean="0"/>
-              <a:t>现在说</a:t>
-            </a:r>
-            <a:r>
-              <a:rPr lang="zh-CN" altLang="en-US" sz="1200" dirty="0" smtClean="0"/>
-              <a:t>完了模糊测试技术，</a:t>
-            </a:r>
-            <a:r>
-              <a:rPr lang="zh-CN" altLang="en-US" sz="1200" dirty="0" smtClean="0"/>
-              <a:t>但今天</a:t>
-            </a:r>
-            <a:r>
-              <a:rPr lang="zh-CN" altLang="en-US" sz="1200" dirty="0" smtClean="0"/>
-              <a:t>的主角是 混合模糊测试技术：</a:t>
+              <a:t>现在说完了模糊测试技术，但今天的主角是 混合模糊测试技术：</a:t>
             </a:r>
             <a:r>
               <a:rPr lang="en-US" altLang="zh-CN" sz="1200" dirty="0" smtClean="0"/>
@@ -1268,18 +1345,12 @@
           <a:p>
             <a:fld id="{E9E6FDB6-6D2B-46C1-9FA1-D82906A37C3A}" type="slidenum">
               <a:rPr lang="zh-CN" altLang="en-US" smtClean="0"/>
-              <a:t>3</a:t>
             </a:fld>
             <a:endParaRPr lang="zh-CN" altLang="en-US"/>
           </a:p>
         </p:txBody>
       </p:sp>
     </p:spTree>
-    <p:extLst>
-      <p:ext uri="{BB962C8B-B14F-4D97-AF65-F5344CB8AC3E}">
-        <p14:creationId xmlns:p14="http://schemas.microsoft.com/office/powerpoint/2010/main" val="741274167"/>
-      </p:ext>
-    </p:extLst>
   </p:cSld>
   <p:clrMapOvr>
     <a:masterClrMapping/>
@@ -1373,51 +1444,7 @@
             </a:r>
             <a:r>
               <a:rPr lang="zh-CN" altLang="en-US" dirty="0" smtClean="0"/>
-              <a:t>的逻辑与，它们全都一一映射到右边的符号执行分析图中</a:t>
-            </a:r>
-            <a:r>
-              <a:rPr lang="zh-CN" altLang="en-US" dirty="0" smtClean="0"/>
-              <a:t>。我们理解</a:t>
-            </a:r>
-            <a:r>
-              <a:rPr lang="zh-CN" altLang="en-US" dirty="0" smtClean="0"/>
-              <a:t>一段程序是靠控制流图</a:t>
-            </a:r>
-            <a:r>
-              <a:rPr lang="zh-CN" altLang="en-US" dirty="0" smtClean="0"/>
-              <a:t>，而符号执行</a:t>
-            </a:r>
-            <a:r>
-              <a:rPr lang="zh-CN" altLang="en-US" dirty="0" smtClean="0"/>
-              <a:t>对</a:t>
-            </a:r>
-            <a:r>
-              <a:rPr lang="zh-CN" altLang="en-US" dirty="0" smtClean="0"/>
-              <a:t>代码的解释靠的是符号，进行程序分析</a:t>
-            </a:r>
-            <a:r>
-              <a:rPr lang="zh-CN" altLang="en-US" dirty="0" smtClean="0"/>
-              <a:t>更接近计算机的理解，执行的是状态。我们可以看到程序所有的状态都会在根节点出现，显然这样的情况</a:t>
-            </a:r>
-            <a:r>
-              <a:rPr lang="zh-CN" altLang="en-US" dirty="0" smtClean="0"/>
-              <a:t>在分支数量多的大</a:t>
-            </a:r>
-            <a:r>
-              <a:rPr lang="zh-CN" altLang="en-US" dirty="0" smtClean="0"/>
-              <a:t>程序中很快就深入不下去了，就是常说的路径爆炸，会有一个时间复杂度太高的问题。</a:t>
-            </a:r>
-            <a:r>
-              <a:rPr lang="zh-CN" altLang="en-US" dirty="0" smtClean="0"/>
-              <a:t>但是有些研究人员会</a:t>
-            </a:r>
-            <a:r>
-              <a:rPr lang="zh-CN" altLang="en-US" dirty="0" smtClean="0"/>
-              <a:t>考虑这种面面俱到能不能跟模糊测试的覆盖率结合</a:t>
-            </a:r>
-            <a:r>
-              <a:rPr lang="zh-CN" altLang="en-US" dirty="0" smtClean="0"/>
-              <a:t>起来。</a:t>
+              <a:t>的逻辑与，它们全都一一映射到右边的符号执行分析图中。我们理解一段程序是靠控制流图，而符号执行对代码的解释靠的是符号，进行程序分析更接近计算机的理解，执行的是状态。我们可以看到程序所有的状态都会在根节点出现，显然这样的情况在分支数量多的大程序中很快就深入不下去了，就是常说的路径爆炸，会有一个时间复杂度太高的问题。但是有些研究人员会考虑这种面面俱到能不能跟模糊测试的覆盖率结合起来。</a:t>
             </a:r>
             <a:endParaRPr lang="zh-CN" altLang="en-US" dirty="0" smtClean="0"/>
           </a:p>
@@ -1443,18 +1470,12 @@
           <a:p>
             <a:fld id="{E9E6FDB6-6D2B-46C1-9FA1-D82906A37C3A}" type="slidenum">
               <a:rPr lang="zh-CN" altLang="en-US" smtClean="0"/>
-              <a:t>4</a:t>
             </a:fld>
             <a:endParaRPr lang="zh-CN" altLang="en-US"/>
           </a:p>
         </p:txBody>
       </p:sp>
     </p:spTree>
-    <p:extLst>
-      <p:ext uri="{BB962C8B-B14F-4D97-AF65-F5344CB8AC3E}">
-        <p14:creationId xmlns:p14="http://schemas.microsoft.com/office/powerpoint/2010/main" val="1612992"/>
-      </p:ext>
-    </p:extLst>
   </p:cSld>
   <p:clrMapOvr>
     <a:masterClrMapping/>
@@ -1510,19 +1531,7 @@
               <a:rPr lang="zh-CN" altLang="en-US" dirty="0" smtClean="0">
                 <a:sym typeface="+mn-ea"/>
               </a:rPr>
-              <a:t>很快啊，就</a:t>
-            </a:r>
-            <a:r>
-              <a:rPr lang="zh-CN" altLang="en-US" dirty="0" smtClean="0">
-                <a:sym typeface="+mn-ea"/>
-              </a:rPr>
-              <a:t>有人提出将两者结合，实现一种叫做混合模糊测试的</a:t>
-            </a:r>
-            <a:r>
-              <a:rPr lang="zh-CN" altLang="en-US" dirty="0" smtClean="0">
-                <a:sym typeface="+mn-ea"/>
-              </a:rPr>
-              <a:t>技术，后来慢慢成熟，也就发展成现在的 混合模糊测试 </a:t>
+              <a:t>很快啊，就有人提出将两者结合，实现一种叫做混合模糊测试的技术，后来慢慢成熟，也就发展成现在的 混合模糊测试 </a:t>
             </a:r>
             <a:r>
               <a:rPr lang="en-US" altLang="zh-CN" dirty="0" smtClean="0">
@@ -1553,57 +1562,17 @@
           <a:p>
             <a:r>
               <a:rPr lang="zh-CN" altLang="en-US" dirty="0" smtClean="0"/>
-              <a:t>首先要承认，这两者都有缺陷，模糊</a:t>
-            </a:r>
+              <a:t>首先要承认，这两者都有缺陷，模糊测试的缺点是路径不全面，容易漏掉重要信息，只得靠反馈来调整，所以加上符号执行的面面俱到，可以提高覆盖率，但是这样加上符号执行的也是有缺点的，就是路径爆炸，什么都考虑的情况下肯定会计算炸裂。</a:t>
+            </a:r>
+            <a:endParaRPr lang="en-US" altLang="zh-CN" dirty="0" smtClean="0"/>
+          </a:p>
+          <a:p>
+            <a:endParaRPr lang="en-US" altLang="zh-CN" dirty="0" smtClean="0"/>
+          </a:p>
+          <a:p>
             <a:r>
               <a:rPr lang="zh-CN" altLang="en-US" dirty="0" smtClean="0"/>
-              <a:t>测试的缺点是路径不全面，容易漏掉重要信息，只得靠反馈来调整</a:t>
-            </a:r>
-            <a:r>
-              <a:rPr lang="zh-CN" altLang="en-US" dirty="0" smtClean="0"/>
-              <a:t>，所以加上</a:t>
-            </a:r>
-            <a:r>
-              <a:rPr lang="zh-CN" altLang="en-US" dirty="0" smtClean="0"/>
-              <a:t>符号执行的</a:t>
-            </a:r>
-            <a:r>
-              <a:rPr lang="zh-CN" altLang="en-US" dirty="0" smtClean="0"/>
-              <a:t>面面俱到，可以提高</a:t>
-            </a:r>
-            <a:r>
-              <a:rPr lang="zh-CN" altLang="en-US" dirty="0" smtClean="0"/>
-              <a:t>覆盖率，但是</a:t>
-            </a:r>
-            <a:r>
-              <a:rPr lang="zh-CN" altLang="en-US" dirty="0" smtClean="0"/>
-              <a:t>这样加上符号执行的也是有缺点的，</a:t>
-            </a:r>
-            <a:r>
-              <a:rPr lang="zh-CN" altLang="en-US" dirty="0" smtClean="0"/>
-              <a:t>就是路径爆炸，什么都考虑的情况</a:t>
-            </a:r>
-            <a:r>
-              <a:rPr lang="zh-CN" altLang="en-US" dirty="0" smtClean="0"/>
-              <a:t>下肯定会计算</a:t>
-            </a:r>
-            <a:r>
-              <a:rPr lang="zh-CN" altLang="en-US" dirty="0" smtClean="0"/>
-              <a:t>炸裂。</a:t>
-            </a:r>
-            <a:endParaRPr lang="en-US" altLang="zh-CN" dirty="0" smtClean="0"/>
-          </a:p>
-          <a:p>
-            <a:endParaRPr lang="en-US" altLang="zh-CN" dirty="0" smtClean="0"/>
-          </a:p>
-          <a:p>
-            <a:r>
-              <a:rPr lang="zh-CN" altLang="en-US" dirty="0" smtClean="0"/>
-              <a:t>这么</a:t>
-            </a:r>
-            <a:r>
-              <a:rPr lang="zh-CN" altLang="en-US" dirty="0" smtClean="0"/>
-              <a:t>理解的话这条路看来不好走啊，加在一起不会更棘手吗？但是像</a:t>
+              <a:t>这么理解的话这条路看来不好走啊，加在一起不会更棘手吗？但是像</a:t>
             </a:r>
             <a:r>
               <a:rPr lang="en-US" altLang="zh-CN" dirty="0" smtClean="0"/>
@@ -1611,15 +1580,7 @@
             </a:r>
             <a:r>
               <a:rPr lang="zh-CN" altLang="en-US" dirty="0" smtClean="0"/>
-              <a:t>就证实这样做的效果是不错的，</a:t>
-            </a:r>
-            <a:r>
-              <a:rPr lang="zh-CN" altLang="en-US" dirty="0" smtClean="0"/>
-              <a:t>所以混合模糊测试的出路不</a:t>
-            </a:r>
-            <a:r>
-              <a:rPr lang="zh-CN" altLang="en-US" dirty="0" smtClean="0"/>
-              <a:t>应该是两个缺点将其结合起来，而是优点将他们结合起来，所以混合模糊测试技术是在</a:t>
+              <a:t>就证实这样做的效果是不错的，所以混合模糊测试的出现不应该是两个缺点将其结合起来，而是优点将他们结合起来，所以混合模糊测试技术是在</a:t>
             </a:r>
             <a:r>
               <a:rPr lang="zh-CN" altLang="en-US" sz="1200" b="0" i="0" u="none" strike="noStrike" kern="1200" dirty="0" smtClean="0">
@@ -1631,19 +1592,7 @@
                 <a:ea typeface="+mn-ea"/>
                 <a:cs typeface="+mn-cs"/>
               </a:rPr>
-              <a:t>模糊测试变异过程快速多变的优点基础上，加入符号执行能提高覆盖率的优点，而</a:t>
-            </a:r>
-            <a:r>
-              <a:rPr lang="zh-CN" altLang="en-US" sz="1200" b="0" i="0" u="none" strike="noStrike" kern="1200" dirty="0" smtClean="0">
-                <a:solidFill>
-                  <a:schemeClr val="tx1"/>
-                </a:solidFill>
-                <a:effectLst/>
-                <a:latin typeface="+mn-lt"/>
-                <a:ea typeface="+mn-ea"/>
-                <a:cs typeface="+mn-cs"/>
-              </a:rPr>
-              <a:t>这也就使得</a:t>
+              <a:t>模糊测试变异过程快速多变的优点基础上，加入符号执行能提高覆盖率的优点，而这也就使得</a:t>
             </a:r>
             <a:r>
               <a:rPr lang="en-US" altLang="zh-CN" sz="1200" b="0" i="0" u="none" strike="noStrike" kern="1200" dirty="0" smtClean="0">
@@ -1655,19 +1604,7 @@
                 <a:ea typeface="+mn-ea"/>
                 <a:cs typeface="+mn-cs"/>
               </a:rPr>
-              <a:t>hybrid </a:t>
-            </a:r>
-            <a:r>
-              <a:rPr lang="en-US" altLang="zh-CN" sz="1200" b="0" i="0" u="none" strike="noStrike" kern="1200" dirty="0" smtClean="0">
-                <a:solidFill>
-                  <a:schemeClr val="tx1"/>
-                </a:solidFill>
-                <a:effectLst/>
-                <a:latin typeface="+mn-lt"/>
-                <a:ea typeface="+mn-ea"/>
-                <a:cs typeface="+mn-cs"/>
-              </a:rPr>
-              <a:t>fuzzing</a:t>
+              <a:t>hybrid fuzzing</a:t>
             </a:r>
             <a:r>
               <a:rPr lang="zh-CN" altLang="en-US" sz="1200" b="0" i="0" u="none" strike="noStrike" kern="1200" dirty="0" smtClean="0">
@@ -1710,18 +1647,12 @@
           <a:p>
             <a:fld id="{E9E6FDB6-6D2B-46C1-9FA1-D82906A37C3A}" type="slidenum">
               <a:rPr lang="zh-CN" altLang="en-US" smtClean="0"/>
-              <a:t>5</a:t>
             </a:fld>
             <a:endParaRPr lang="zh-CN" altLang="en-US"/>
           </a:p>
         </p:txBody>
       </p:sp>
     </p:spTree>
-    <p:extLst>
-      <p:ext uri="{BB962C8B-B14F-4D97-AF65-F5344CB8AC3E}">
-        <p14:creationId xmlns:p14="http://schemas.microsoft.com/office/powerpoint/2010/main" val="635760967"/>
-      </p:ext>
-    </p:extLst>
   </p:cSld>
   <p:clrMapOvr>
     <a:masterClrMapping/>
@@ -1828,18 +1759,12 @@
           <a:p>
             <a:fld id="{790F3238-B197-4DD0-8393-B222E6E85519}" type="slidenum">
               <a:rPr lang="zh-CN" altLang="en-US" smtClean="0"/>
-              <a:t>6</a:t>
             </a:fld>
             <a:endParaRPr lang="zh-CN" altLang="en-US"/>
           </a:p>
         </p:txBody>
       </p:sp>
     </p:spTree>
-    <p:extLst>
-      <p:ext uri="{BB962C8B-B14F-4D97-AF65-F5344CB8AC3E}">
-        <p14:creationId xmlns:p14="http://schemas.microsoft.com/office/powerpoint/2010/main" val="1648374982"/>
-      </p:ext>
-    </p:extLst>
   </p:cSld>
   <p:clrMapOvr>
     <a:masterClrMapping/>
@@ -1907,7 +1832,303 @@
               <a:buNone/>
               <a:defRPr/>
             </a:pPr>
-            <a:endParaRPr lang="en-US" altLang="zh-CN" sz="1200" dirty="0">
+            <a:r>
+              <a:rPr lang="zh-CN" altLang="en-US" sz="1200" dirty="0">
+                <a:latin typeface="+mn-ea"/>
+                <a:ea typeface="+mn-ea"/>
+              </a:rPr>
+              <a:t>在</a:t>
+            </a:r>
+            <a:r>
+              <a:rPr lang="en-US" altLang="zh-CN" sz="1200" dirty="0">
+                <a:latin typeface="+mn-ea"/>
+                <a:ea typeface="+mn-ea"/>
+              </a:rPr>
+              <a:t>2007</a:t>
+            </a:r>
+            <a:r>
+              <a:rPr lang="zh-CN" altLang="en-US" sz="1200" dirty="0">
+                <a:latin typeface="+mn-ea"/>
+                <a:ea typeface="+mn-ea"/>
+              </a:rPr>
+              <a:t>年，第一次有人提出 </a:t>
+            </a:r>
+            <a:r>
+              <a:rPr lang="en-US" altLang="zh-CN" sz="1200" dirty="0">
+                <a:latin typeface="+mn-ea"/>
+                <a:ea typeface="+mn-ea"/>
+              </a:rPr>
+              <a:t>hybrid testing </a:t>
+            </a:r>
+            <a:r>
+              <a:rPr lang="zh-CN" altLang="en-US" sz="1200" dirty="0">
+                <a:latin typeface="+mn-ea"/>
+                <a:ea typeface="+mn-ea"/>
+              </a:rPr>
+              <a:t>混合测试 的概念，这可以说是最早提出混合测试的了，其测试方法是在</a:t>
+            </a:r>
+            <a:r>
+              <a:rPr lang="en-US" altLang="zh-CN" sz="1200" dirty="0">
+                <a:latin typeface="+mn-ea"/>
+                <a:ea typeface="+mn-ea"/>
+              </a:rPr>
+              <a:t>unix</a:t>
+            </a:r>
+            <a:r>
+              <a:rPr lang="zh-CN" altLang="en-US" sz="1200" dirty="0">
+                <a:latin typeface="+mn-ea"/>
+                <a:ea typeface="+mn-ea"/>
+              </a:rPr>
+              <a:t>系统上进行，但是那时候并没有明确说要加入模糊测试概念。直到</a:t>
+            </a:r>
+            <a:r>
+              <a:rPr lang="en-US" altLang="zh-CN" sz="1200" dirty="0">
+                <a:latin typeface="+mn-ea"/>
+                <a:ea typeface="+mn-ea"/>
+              </a:rPr>
+              <a:t>2012</a:t>
+            </a:r>
+            <a:r>
+              <a:rPr lang="zh-CN" altLang="en-US" sz="1200" dirty="0">
+                <a:latin typeface="+mn-ea"/>
+                <a:ea typeface="+mn-ea"/>
+              </a:rPr>
+              <a:t>年，混合模糊测试 </a:t>
+            </a:r>
+            <a:r>
+              <a:rPr lang="en-US" altLang="zh-CN" sz="1200" dirty="0">
+                <a:latin typeface="+mn-ea"/>
+                <a:ea typeface="+mn-ea"/>
+              </a:rPr>
+              <a:t>hybrid fuzzing </a:t>
+            </a:r>
+            <a:r>
+              <a:rPr lang="zh-CN" altLang="en-US" sz="1200" dirty="0">
+                <a:latin typeface="+mn-ea"/>
+                <a:ea typeface="+mn-ea"/>
+              </a:rPr>
+              <a:t>才被正式提出，之后的研究人员就把这一细分领域称为</a:t>
+            </a:r>
+            <a:r>
+              <a:rPr lang="en-US" altLang="zh-CN" sz="1200" dirty="0">
+                <a:latin typeface="+mn-ea"/>
+                <a:ea typeface="+mn-ea"/>
+              </a:rPr>
+              <a:t>hybrid fuzzing</a:t>
+            </a:r>
+            <a:r>
+              <a:rPr lang="zh-CN" altLang="en-US" sz="1200" dirty="0">
+                <a:latin typeface="+mn-ea"/>
+                <a:ea typeface="+mn-ea"/>
+              </a:rPr>
+              <a:t>，不过此时也只是一个小的研究点，直到</a:t>
+            </a:r>
+            <a:r>
+              <a:rPr lang="en-US" altLang="zh-CN" sz="1200" dirty="0">
+                <a:latin typeface="+mn-ea"/>
+                <a:ea typeface="+mn-ea"/>
+              </a:rPr>
+              <a:t>2016</a:t>
+            </a:r>
+            <a:r>
+              <a:rPr lang="zh-CN" altLang="en-US" sz="1200" dirty="0">
+                <a:latin typeface="+mn-ea"/>
+                <a:ea typeface="+mn-ea"/>
+              </a:rPr>
+              <a:t>年</a:t>
+            </a:r>
+            <a:r>
+              <a:rPr lang="en-US" altLang="zh-CN" sz="1200" dirty="0">
+                <a:latin typeface="+mn-ea"/>
+                <a:ea typeface="+mn-ea"/>
+              </a:rPr>
+              <a:t>driller</a:t>
+            </a:r>
+            <a:r>
+              <a:rPr lang="zh-CN" altLang="en-US" sz="1200" dirty="0">
+                <a:latin typeface="+mn-ea"/>
+                <a:ea typeface="+mn-ea"/>
+              </a:rPr>
+              <a:t>的出现，才使得混合模糊测试正式称为模糊测试一个重要分支。</a:t>
+            </a:r>
+            <a:endParaRPr lang="zh-CN" altLang="en-US" sz="1200" dirty="0">
+              <a:latin typeface="+mn-ea"/>
+              <a:ea typeface="+mn-ea"/>
+            </a:endParaRPr>
+          </a:p>
+          <a:p>
+            <a:pPr marL="0" marR="0" lvl="0" indent="0" algn="l" defTabSz="914400" rtl="0" eaLnBrk="1" fontAlgn="auto" latinLnBrk="0" hangingPunct="1">
+              <a:lnSpc>
+                <a:spcPct val="100000"/>
+              </a:lnSpc>
+              <a:spcBef>
+                <a:spcPts val="0"/>
+              </a:spcBef>
+              <a:spcAft>
+                <a:spcPts val="0"/>
+              </a:spcAft>
+              <a:buClrTx/>
+              <a:buSzTx/>
+              <a:buFontTx/>
+              <a:buNone/>
+              <a:defRPr/>
+            </a:pPr>
+            <a:r>
+              <a:rPr lang="zh-CN" altLang="en-US" sz="1200" dirty="0">
+                <a:latin typeface="+mn-ea"/>
+                <a:ea typeface="+mn-ea"/>
+              </a:rPr>
+              <a:t>这里不得不说的是，</a:t>
+            </a:r>
+            <a:r>
+              <a:rPr lang="en-US" altLang="zh-CN" sz="1200" dirty="0">
+                <a:latin typeface="+mn-ea"/>
+                <a:ea typeface="+mn-ea"/>
+              </a:rPr>
+              <a:t>2015</a:t>
+            </a:r>
+            <a:r>
+              <a:rPr lang="zh-CN" altLang="en-US" sz="1200" dirty="0">
+                <a:latin typeface="+mn-ea"/>
+                <a:ea typeface="+mn-ea"/>
+              </a:rPr>
+              <a:t>年，</a:t>
+            </a:r>
+            <a:r>
+              <a:rPr lang="en-US" altLang="zh-CN" sz="1200" dirty="0">
+                <a:latin typeface="+mn-ea"/>
+                <a:ea typeface="+mn-ea"/>
+              </a:rPr>
+              <a:t>afl</a:t>
+            </a:r>
+            <a:r>
+              <a:rPr lang="zh-CN" altLang="en-US" sz="1200" dirty="0">
+                <a:latin typeface="+mn-ea"/>
+                <a:ea typeface="+mn-ea"/>
+              </a:rPr>
+              <a:t>出现了，然后大量的研究开始涌入覆盖率为导向的模糊测试中，而</a:t>
+            </a:r>
+            <a:r>
+              <a:rPr lang="en-US" altLang="zh-CN" sz="1200" dirty="0">
+                <a:latin typeface="+mn-ea"/>
+                <a:ea typeface="+mn-ea"/>
+              </a:rPr>
+              <a:t>driller</a:t>
+            </a:r>
+            <a:r>
+              <a:rPr lang="zh-CN" altLang="en-US" sz="1200" dirty="0">
+                <a:latin typeface="+mn-ea"/>
+                <a:ea typeface="+mn-ea"/>
+              </a:rPr>
+              <a:t>也是受其思想启发，将符合执行融入到</a:t>
+            </a:r>
+            <a:r>
+              <a:rPr lang="en-US" altLang="zh-CN" sz="1200" dirty="0">
+                <a:latin typeface="+mn-ea"/>
+                <a:ea typeface="+mn-ea"/>
+              </a:rPr>
+              <a:t>afl</a:t>
+            </a:r>
+            <a:r>
+              <a:rPr lang="zh-CN" altLang="en-US" sz="1200" dirty="0">
+                <a:latin typeface="+mn-ea"/>
+                <a:ea typeface="+mn-ea"/>
+              </a:rPr>
+              <a:t>中，并且沿用了</a:t>
+            </a:r>
+            <a:r>
+              <a:rPr lang="en-US" altLang="zh-CN" sz="1200" dirty="0">
+                <a:latin typeface="+mn-ea"/>
+                <a:ea typeface="+mn-ea"/>
+              </a:rPr>
+              <a:t>forksever</a:t>
+            </a:r>
+            <a:r>
+              <a:rPr lang="zh-CN" altLang="en-US" sz="1200" dirty="0">
+                <a:latin typeface="+mn-ea"/>
+                <a:ea typeface="+mn-ea"/>
+              </a:rPr>
+              <a:t>机制，在加入约束求解的同时还保持了模糊测试高效的效率。</a:t>
+            </a:r>
+            <a:endParaRPr lang="zh-CN" altLang="en-US" sz="1200" dirty="0">
+              <a:latin typeface="+mn-ea"/>
+              <a:ea typeface="+mn-ea"/>
+            </a:endParaRPr>
+          </a:p>
+          <a:p>
+            <a:pPr marL="0" marR="0" lvl="0" indent="0" algn="l" defTabSz="914400" rtl="0" eaLnBrk="1" fontAlgn="auto" latinLnBrk="0" hangingPunct="1">
+              <a:lnSpc>
+                <a:spcPct val="100000"/>
+              </a:lnSpc>
+              <a:spcBef>
+                <a:spcPts val="0"/>
+              </a:spcBef>
+              <a:spcAft>
+                <a:spcPts val="0"/>
+              </a:spcAft>
+              <a:buClrTx/>
+              <a:buSzTx/>
+              <a:buFontTx/>
+              <a:buNone/>
+              <a:defRPr/>
+            </a:pPr>
+            <a:r>
+              <a:rPr lang="en-US" altLang="zh-CN" sz="1200" dirty="0">
+                <a:latin typeface="+mn-ea"/>
+                <a:ea typeface="+mn-ea"/>
+              </a:rPr>
+              <a:t>Driller</a:t>
+            </a:r>
+            <a:r>
+              <a:rPr lang="zh-CN" altLang="en-US" sz="1200" dirty="0">
+                <a:latin typeface="+mn-ea"/>
+                <a:ea typeface="+mn-ea"/>
+              </a:rPr>
+              <a:t>的贡献是奠定了一条路线，混合模糊测试</a:t>
+            </a:r>
+            <a:r>
+              <a:rPr lang="en-US" altLang="zh-CN" sz="1200" dirty="0">
+                <a:latin typeface="+mn-ea"/>
+                <a:ea typeface="+mn-ea"/>
+              </a:rPr>
+              <a:t>=</a:t>
+            </a:r>
+            <a:r>
+              <a:rPr lang="zh-CN" altLang="en-US" sz="1200" dirty="0">
+                <a:latin typeface="+mn-ea"/>
+                <a:ea typeface="+mn-ea"/>
+              </a:rPr>
+              <a:t>模糊测试</a:t>
+            </a:r>
+            <a:r>
+              <a:rPr lang="en-US" altLang="zh-CN" sz="1200" dirty="0">
+                <a:latin typeface="+mn-ea"/>
+                <a:ea typeface="+mn-ea"/>
+              </a:rPr>
+              <a:t>+</a:t>
+            </a:r>
+            <a:r>
+              <a:rPr lang="zh-CN" altLang="en-US" sz="1200" dirty="0">
+                <a:latin typeface="+mn-ea"/>
+                <a:ea typeface="+mn-ea"/>
+              </a:rPr>
+              <a:t>符号执行，</a:t>
+            </a:r>
+            <a:r>
+              <a:rPr lang="en-US" altLang="zh-CN" sz="1200" dirty="0">
+                <a:latin typeface="+mn-ea"/>
+                <a:ea typeface="+mn-ea"/>
+              </a:rPr>
+              <a:t>2016</a:t>
+            </a:r>
+            <a:r>
+              <a:rPr lang="zh-CN" altLang="en-US" sz="1200" dirty="0">
+                <a:latin typeface="+mn-ea"/>
+                <a:ea typeface="+mn-ea"/>
+              </a:rPr>
+              <a:t>年之后每年在这方面都有优秀的研究，接下来据最近的一个例子说一下混合模糊测试是怎么把符合执行和模糊测试结合起来的。</a:t>
+            </a:r>
+            <a:endParaRPr lang="zh-CN" altLang="en-US" sz="1200" dirty="0">
               <a:latin typeface="+mn-ea"/>
               <a:ea typeface="+mn-ea"/>
             </a:endParaRPr>
@@ -1931,18 +2152,12 @@
           <a:p>
             <a:fld id="{790F3238-B197-4DD0-8393-B222E6E85519}" type="slidenum">
               <a:rPr lang="zh-CN" altLang="en-US" smtClean="0"/>
-              <a:t>7</a:t>
             </a:fld>
             <a:endParaRPr lang="zh-CN" altLang="en-US"/>
           </a:p>
         </p:txBody>
       </p:sp>
     </p:spTree>
-    <p:extLst>
-      <p:ext uri="{BB962C8B-B14F-4D97-AF65-F5344CB8AC3E}">
-        <p14:creationId xmlns:p14="http://schemas.microsoft.com/office/powerpoint/2010/main" val="1160478857"/>
-      </p:ext>
-    </p:extLst>
   </p:cSld>
   <p:clrMapOvr>
     <a:masterClrMapping/>
@@ -1995,45 +2210,30 @@
           <a:lstStyle/>
           <a:p>
             <a:r>
-              <a:rPr lang="zh-CN" altLang="en-US" dirty="0"/>
-              <a:t>首先我们</a:t>
-            </a:r>
-            <a:r>
               <a:rPr lang="zh-CN" altLang="en-US" dirty="0" smtClean="0"/>
-              <a:t>以前的</a:t>
-            </a:r>
-            <a:r>
-              <a:rPr lang="zh-CN" altLang="en-US" dirty="0"/>
-              <a:t>报告已经讲过变异的多个阶段，一直到</a:t>
-            </a:r>
-            <a:r>
-              <a:rPr lang="en-US" altLang="zh-CN" dirty="0"/>
-              <a:t>havoc</a:t>
-            </a:r>
-            <a:r>
-              <a:rPr lang="zh-CN" altLang="en-US" dirty="0"/>
-              <a:t>阶段开始不断变化，我们取这一阶段的一个例子，对应之前的那个代码段</a:t>
+              <a:t>这是今年的一篇顶会文章提出的方法：</a:t>
+            </a:r>
+            <a:r>
+              <a:rPr lang="en-US" altLang="zh-CN" dirty="0" smtClean="0"/>
+              <a:t>pangolin</a:t>
             </a:r>
             <a:r>
               <a:rPr lang="zh-CN" altLang="en-US" dirty="0" smtClean="0"/>
-              <a:t>，</a:t>
+              <a:t>。</a:t>
+            </a:r>
+            <a:endParaRPr lang="zh-CN" altLang="en-US" dirty="0" smtClean="0"/>
+          </a:p>
+          <a:p>
+            <a:r>
+              <a:rPr lang="zh-CN" altLang="en-US" dirty="0" smtClean="0"/>
+              <a:t>它的整体思路是这样的，现在说模糊测试效率高，是因为覆盖率为导向，如果加上符号执行可以提高覆盖率，好，那我们就加上符号执行；</a:t>
             </a:r>
             <a:endParaRPr lang="en-US" altLang="zh-CN" dirty="0" smtClean="0"/>
           </a:p>
           <a:p>
-            <a:endParaRPr lang="en-US" altLang="zh-CN" dirty="0" smtClean="0"/>
-          </a:p>
-          <a:p>
             <a:r>
               <a:rPr lang="zh-CN" altLang="en-US" dirty="0" smtClean="0"/>
-              <a:t>下面对之前的做一个总结，就是，最初的模糊测试效率高，但是如果加上符号执行可以提高覆盖率，好我们加上符号执行；</a:t>
-            </a:r>
-            <a:endParaRPr lang="en-US" altLang="zh-CN" dirty="0" smtClean="0"/>
-          </a:p>
-          <a:p>
-            <a:r>
-              <a:rPr lang="zh-CN" altLang="en-US" dirty="0" smtClean="0"/>
-              <a:t>加上符号执行变成 “混合模糊测试”，这时候又面临新的问题，这个约束求解就用一次太贵了，能不能有效利用，想办法重复利用每一步之前的解空间，这一步是很容易想到的；</a:t>
+              <a:t>加上符号执行之后变成了 “混合模糊测试”，这时候又面临新的问题，这个约束求解就用一次太贵了，一次约束求解占用的资源几乎等价于执行程序占用的资源，能不能对其有效利用，想办法重复利用每一步之前的解空间，于是作者加上了一种渐进求解法，利用本次结果提高下一次的求解效率；</a:t>
             </a:r>
             <a:endParaRPr lang="en-US" altLang="zh-CN" dirty="0" smtClean="0"/>
           </a:p>
@@ -2048,7 +2248,7 @@
             </a:r>
             <a:r>
               <a:rPr lang="zh-CN" altLang="en-US" dirty="0" smtClean="0"/>
-              <a:t>上，于是把这个求解空间过程抽象出来，使用一种叫做多面体路径的方式抽象出路径约束，这种约束可以用于变异；</a:t>
+              <a:t>上，于是提取求解前缀把这个求解空间过程抽象出来，使用一种叫做多面体路径的方式抽象出路径约束，这种约束可以用于变异；</a:t>
             </a:r>
             <a:endParaRPr lang="en-US" altLang="zh-CN" dirty="0" smtClean="0"/>
           </a:p>
@@ -2105,53 +2305,6 @@
               </a:rPr>
               <a:t>能够快速生成大量仍然满足该路径约束的新输入，同时，探索共享相同路径前缀的后续路径，提高生成有效变异的效率。</a:t>
             </a:r>
-            <a:endParaRPr lang="en-US" altLang="zh-CN" sz="1200" b="0" i="0" u="none" strike="noStrike" kern="1200" dirty="0" smtClean="0">
-              <a:solidFill>
-                <a:schemeClr val="tx1"/>
-              </a:solidFill>
-              <a:effectLst/>
-              <a:latin typeface="+mn-lt"/>
-              <a:ea typeface="+mn-ea"/>
-              <a:cs typeface="+mn-cs"/>
-            </a:endParaRPr>
-          </a:p>
-          <a:p>
-            <a:r>
-              <a:rPr lang="zh-CN" altLang="en-US" sz="1200" b="0" i="0" u="none" strike="noStrike" kern="1200" dirty="0" smtClean="0">
-                <a:solidFill>
-                  <a:schemeClr val="tx1"/>
-                </a:solidFill>
-                <a:effectLst/>
-                <a:latin typeface="+mn-lt"/>
-                <a:ea typeface="+mn-ea"/>
-                <a:cs typeface="+mn-cs"/>
-              </a:rPr>
-              <a:t>这就是论文提出的</a:t>
-            </a:r>
-            <a:r>
-              <a:rPr lang="en-US" altLang="zh-CN" sz="1200" b="0" i="0" u="none" strike="noStrike" kern="1200" dirty="0" smtClean="0">
-                <a:solidFill>
-                  <a:schemeClr val="tx1"/>
-                </a:solidFill>
-                <a:effectLst/>
-                <a:latin typeface="+mn-lt"/>
-                <a:ea typeface="+mn-ea"/>
-                <a:cs typeface="+mn-cs"/>
-              </a:rPr>
-              <a:t>pangolin</a:t>
-            </a:r>
-            <a:r>
-              <a:rPr lang="zh-CN" altLang="en-US" sz="1200" b="0" i="0" u="none" strike="noStrike" kern="1200" dirty="0" smtClean="0">
-                <a:solidFill>
-                  <a:schemeClr val="tx1"/>
-                </a:solidFill>
-                <a:effectLst/>
-                <a:latin typeface="+mn-lt"/>
-                <a:ea typeface="+mn-ea"/>
-                <a:cs typeface="+mn-cs"/>
-              </a:rPr>
-              <a:t>的整体思路，至于效果好不好，还是要看疗效。</a:t>
-            </a:r>
             <a:endParaRPr lang="zh-CN" altLang="en-US" dirty="0" smtClean="0"/>
           </a:p>
           <a:p>
@@ -2176,18 +2329,12 @@
           <a:p>
             <a:fld id="{4D554B03-AFA2-46E1-B6D8-B50CBE82BD5E}" type="slidenum">
               <a:rPr lang="zh-CN" altLang="en-US" smtClean="0"/>
-              <a:t>8</a:t>
             </a:fld>
             <a:endParaRPr lang="zh-CN" altLang="en-US"/>
           </a:p>
         </p:txBody>
       </p:sp>
     </p:spTree>
-    <p:extLst>
-      <p:ext uri="{BB962C8B-B14F-4D97-AF65-F5344CB8AC3E}">
-        <p14:creationId xmlns:p14="http://schemas.microsoft.com/office/powerpoint/2010/main" val="3259265424"/>
-      </p:ext>
-    </p:extLst>
   </p:cSld>
   <p:clrMapOvr>
     <a:masterClrMapping/>
@@ -2239,6 +2386,10 @@
           <a:bodyPr/>
           <a:lstStyle/>
           <a:p>
+            <a:r>
+              <a:rPr lang="zh-CN" altLang="en-US" dirty="0"/>
+              <a:t>到现在依旧有很多论文在讨论混合模糊测试，也有很多研究人员在做相关研究，那么现阶段有什么瓶颈呢</a:t>
+            </a:r>
             <a:endParaRPr lang="zh-CN" altLang="en-US" dirty="0"/>
           </a:p>
         </p:txBody>
@@ -2260,18 +2411,12 @@
           <a:p>
             <a:fld id="{790F3238-B197-4DD0-8393-B222E6E85519}" type="slidenum">
               <a:rPr lang="zh-CN" altLang="en-US" smtClean="0"/>
-              <a:t>9</a:t>
             </a:fld>
             <a:endParaRPr lang="zh-CN" altLang="en-US"/>
           </a:p>
         </p:txBody>
       </p:sp>
     </p:spTree>
-    <p:extLst>
-      <p:ext uri="{BB962C8B-B14F-4D97-AF65-F5344CB8AC3E}">
-        <p14:creationId xmlns:p14="http://schemas.microsoft.com/office/powerpoint/2010/main" val="301824619"/>
-      </p:ext>
-    </p:extLst>
   </p:cSld>
   <p:clrMapOvr>
     <a:masterClrMapping/>
@@ -2410,7 +2555,6 @@
           <a:p>
             <a:fld id="{731F6634-400D-496D-BD5A-6D0CF8DA8058}" type="datetimeFigureOut">
               <a:rPr lang="zh-CN" altLang="en-US" smtClean="0"/>
-              <a:t>2020/12/4</a:t>
             </a:fld>
             <a:endParaRPr lang="zh-CN" altLang="en-US"/>
           </a:p>
@@ -2452,7 +2596,6 @@
           <a:p>
             <a:fld id="{F63E4543-DC93-4313-A40A-D18C82982DE9}" type="slidenum">
               <a:rPr lang="zh-CN" altLang="en-US" smtClean="0"/>
-              <a:t>‹#›</a:t>
             </a:fld>
             <a:endParaRPr lang="zh-CN" altLang="en-US"/>
           </a:p>
@@ -2526,6 +2669,7 @@
               <a:rPr lang="zh-CN" altLang="en-US" smtClean="0"/>
               <a:t>单击此处编辑母版文本样式</a:t>
             </a:r>
+            <a:endParaRPr lang="zh-CN" altLang="en-US" smtClean="0"/>
           </a:p>
           <a:p>
             <a:pPr lvl="1"/>
@@ -2533,6 +2677,7 @@
               <a:rPr lang="zh-CN" altLang="en-US" smtClean="0"/>
               <a:t>第二级</a:t>
             </a:r>
+            <a:endParaRPr lang="zh-CN" altLang="en-US" smtClean="0"/>
           </a:p>
           <a:p>
             <a:pPr lvl="2"/>
@@ -2540,6 +2685,7 @@
               <a:rPr lang="zh-CN" altLang="en-US" smtClean="0"/>
               <a:t>第三级</a:t>
             </a:r>
+            <a:endParaRPr lang="zh-CN" altLang="en-US" smtClean="0"/>
           </a:p>
           <a:p>
             <a:pPr lvl="3"/>
@@ -2547,6 +2693,7 @@
               <a:rPr lang="zh-CN" altLang="en-US" smtClean="0"/>
               <a:t>第四级</a:t>
             </a:r>
+            <a:endParaRPr lang="zh-CN" altLang="en-US" smtClean="0"/>
           </a:p>
           <a:p>
             <a:pPr lvl="4"/>
@@ -2575,7 +2722,6 @@
           <a:p>
             <a:fld id="{731F6634-400D-496D-BD5A-6D0CF8DA8058}" type="datetimeFigureOut">
               <a:rPr lang="zh-CN" altLang="en-US" smtClean="0"/>
-              <a:t>2020/12/4</a:t>
             </a:fld>
             <a:endParaRPr lang="zh-CN" altLang="en-US"/>
           </a:p>
@@ -2617,7 +2763,6 @@
           <a:p>
             <a:fld id="{F63E4543-DC93-4313-A40A-D18C82982DE9}" type="slidenum">
               <a:rPr lang="zh-CN" altLang="en-US" smtClean="0"/>
-              <a:t>‹#›</a:t>
             </a:fld>
             <a:endParaRPr lang="zh-CN" altLang="en-US"/>
           </a:p>
@@ -2701,6 +2846,7 @@
               <a:rPr lang="zh-CN" altLang="en-US" smtClean="0"/>
               <a:t>单击此处编辑母版文本样式</a:t>
             </a:r>
+            <a:endParaRPr lang="zh-CN" altLang="en-US" smtClean="0"/>
           </a:p>
           <a:p>
             <a:pPr lvl="1"/>
@@ -2708,6 +2854,7 @@
               <a:rPr lang="zh-CN" altLang="en-US" smtClean="0"/>
               <a:t>第二级</a:t>
             </a:r>
+            <a:endParaRPr lang="zh-CN" altLang="en-US" smtClean="0"/>
           </a:p>
           <a:p>
             <a:pPr lvl="2"/>
@@ -2715,6 +2862,7 @@
               <a:rPr lang="zh-CN" altLang="en-US" smtClean="0"/>
               <a:t>第三级</a:t>
             </a:r>
+            <a:endParaRPr lang="zh-CN" altLang="en-US" smtClean="0"/>
           </a:p>
           <a:p>
             <a:pPr lvl="3"/>
@@ -2722,6 +2870,7 @@
               <a:rPr lang="zh-CN" altLang="en-US" smtClean="0"/>
               <a:t>第四级</a:t>
             </a:r>
+            <a:endParaRPr lang="zh-CN" altLang="en-US" smtClean="0"/>
           </a:p>
           <a:p>
             <a:pPr lvl="4"/>
@@ -2750,7 +2899,6 @@
           <a:p>
             <a:fld id="{731F6634-400D-496D-BD5A-6D0CF8DA8058}" type="datetimeFigureOut">
               <a:rPr lang="zh-CN" altLang="en-US" smtClean="0"/>
-              <a:t>2020/12/4</a:t>
             </a:fld>
             <a:endParaRPr lang="zh-CN" altLang="en-US"/>
           </a:p>
@@ -2792,7 +2940,6 @@
           <a:p>
             <a:fld id="{F63E4543-DC93-4313-A40A-D18C82982DE9}" type="slidenum">
               <a:rPr lang="zh-CN" altLang="en-US" smtClean="0"/>
-              <a:t>‹#›</a:t>
             </a:fld>
             <a:endParaRPr lang="zh-CN" altLang="en-US"/>
           </a:p>
@@ -3017,6 +3164,7 @@
               <a:rPr lang="zh-CN" altLang="en-US" dirty="0"/>
               <a:t>署名</a:t>
             </a:r>
+            <a:endParaRPr lang="zh-CN" altLang="en-US" dirty="0"/>
           </a:p>
         </p:txBody>
       </p:sp>
@@ -3075,6 +3223,7 @@
               <a:rPr lang="zh-CN" altLang="en-US" dirty="0"/>
               <a:t>日期</a:t>
             </a:r>
+            <a:endParaRPr lang="zh-CN" altLang="en-US" dirty="0"/>
           </a:p>
         </p:txBody>
       </p:sp>
@@ -3657,6 +3806,7 @@
               <a:rPr lang="zh-CN" altLang="en-US" dirty="0"/>
               <a:t>结束语</a:t>
             </a:r>
+            <a:endParaRPr lang="zh-CN" altLang="en-US" dirty="0"/>
           </a:p>
         </p:txBody>
       </p:sp>
@@ -4158,6 +4308,7 @@
               <a:rPr lang="zh-CN" altLang="en-US" smtClean="0"/>
               <a:t>单击此处编辑母版文本样式</a:t>
             </a:r>
+            <a:endParaRPr lang="zh-CN" altLang="en-US" smtClean="0"/>
           </a:p>
           <a:p>
             <a:pPr lvl="1"/>
@@ -4165,6 +4316,7 @@
               <a:rPr lang="zh-CN" altLang="en-US" smtClean="0"/>
               <a:t>第二级</a:t>
             </a:r>
+            <a:endParaRPr lang="zh-CN" altLang="en-US" smtClean="0"/>
           </a:p>
           <a:p>
             <a:pPr lvl="2"/>
@@ -4172,6 +4324,7 @@
               <a:rPr lang="zh-CN" altLang="en-US" smtClean="0"/>
               <a:t>第三级</a:t>
             </a:r>
+            <a:endParaRPr lang="zh-CN" altLang="en-US" smtClean="0"/>
           </a:p>
           <a:p>
             <a:pPr lvl="3"/>
@@ -4179,6 +4332,7 @@
               <a:rPr lang="zh-CN" altLang="en-US" smtClean="0"/>
               <a:t>第四级</a:t>
             </a:r>
+            <a:endParaRPr lang="zh-CN" altLang="en-US" smtClean="0"/>
           </a:p>
           <a:p>
             <a:pPr lvl="4"/>
@@ -4207,7 +4361,6 @@
           <a:p>
             <a:fld id="{731F6634-400D-496D-BD5A-6D0CF8DA8058}" type="datetimeFigureOut">
               <a:rPr lang="zh-CN" altLang="en-US" smtClean="0"/>
-              <a:t>2020/12/4</a:t>
             </a:fld>
             <a:endParaRPr lang="zh-CN" altLang="en-US"/>
           </a:p>
@@ -4249,7 +4402,6 @@
           <a:p>
             <a:fld id="{F63E4543-DC93-4313-A40A-D18C82982DE9}" type="slidenum">
               <a:rPr lang="zh-CN" altLang="en-US" smtClean="0"/>
-              <a:t>‹#›</a:t>
             </a:fld>
             <a:endParaRPr lang="zh-CN" altLang="en-US"/>
           </a:p>
@@ -4428,6 +4580,7 @@
               <a:rPr lang="zh-CN" altLang="en-US" smtClean="0"/>
               <a:t>单击此处编辑母版文本样式</a:t>
             </a:r>
+            <a:endParaRPr lang="zh-CN" altLang="en-US" smtClean="0"/>
           </a:p>
         </p:txBody>
       </p:sp>
@@ -4448,7 +4601,6 @@
           <a:p>
             <a:fld id="{731F6634-400D-496D-BD5A-6D0CF8DA8058}" type="datetimeFigureOut">
               <a:rPr lang="zh-CN" altLang="en-US" smtClean="0"/>
-              <a:t>2020/12/4</a:t>
             </a:fld>
             <a:endParaRPr lang="zh-CN" altLang="en-US"/>
           </a:p>
@@ -4490,7 +4642,6 @@
           <a:p>
             <a:fld id="{F63E4543-DC93-4313-A40A-D18C82982DE9}" type="slidenum">
               <a:rPr lang="zh-CN" altLang="en-US" smtClean="0"/>
-              <a:t>‹#›</a:t>
             </a:fld>
             <a:endParaRPr lang="zh-CN" altLang="en-US"/>
           </a:p>
@@ -4569,6 +4720,7 @@
               <a:rPr lang="zh-CN" altLang="en-US" smtClean="0"/>
               <a:t>单击此处编辑母版文本样式</a:t>
             </a:r>
+            <a:endParaRPr lang="zh-CN" altLang="en-US" smtClean="0"/>
           </a:p>
           <a:p>
             <a:pPr lvl="1"/>
@@ -4576,6 +4728,7 @@
               <a:rPr lang="zh-CN" altLang="en-US" smtClean="0"/>
               <a:t>第二级</a:t>
             </a:r>
+            <a:endParaRPr lang="zh-CN" altLang="en-US" smtClean="0"/>
           </a:p>
           <a:p>
             <a:pPr lvl="2"/>
@@ -4583,6 +4736,7 @@
               <a:rPr lang="zh-CN" altLang="en-US" smtClean="0"/>
               <a:t>第三级</a:t>
             </a:r>
+            <a:endParaRPr lang="zh-CN" altLang="en-US" smtClean="0"/>
           </a:p>
           <a:p>
             <a:pPr lvl="3"/>
@@ -4590,6 +4744,7 @@
               <a:rPr lang="zh-CN" altLang="en-US" smtClean="0"/>
               <a:t>第四级</a:t>
             </a:r>
+            <a:endParaRPr lang="zh-CN" altLang="en-US" smtClean="0"/>
           </a:p>
           <a:p>
             <a:pPr lvl="4"/>
@@ -4626,6 +4781,7 @@
               <a:rPr lang="zh-CN" altLang="en-US" smtClean="0"/>
               <a:t>单击此处编辑母版文本样式</a:t>
             </a:r>
+            <a:endParaRPr lang="zh-CN" altLang="en-US" smtClean="0"/>
           </a:p>
           <a:p>
             <a:pPr lvl="1"/>
@@ -4633,6 +4789,7 @@
               <a:rPr lang="zh-CN" altLang="en-US" smtClean="0"/>
               <a:t>第二级</a:t>
             </a:r>
+            <a:endParaRPr lang="zh-CN" altLang="en-US" smtClean="0"/>
           </a:p>
           <a:p>
             <a:pPr lvl="2"/>
@@ -4640,6 +4797,7 @@
               <a:rPr lang="zh-CN" altLang="en-US" smtClean="0"/>
               <a:t>第三级</a:t>
             </a:r>
+            <a:endParaRPr lang="zh-CN" altLang="en-US" smtClean="0"/>
           </a:p>
           <a:p>
             <a:pPr lvl="3"/>
@@ -4647,6 +4805,7 @@
               <a:rPr lang="zh-CN" altLang="en-US" smtClean="0"/>
               <a:t>第四级</a:t>
             </a:r>
+            <a:endParaRPr lang="zh-CN" altLang="en-US" smtClean="0"/>
           </a:p>
           <a:p>
             <a:pPr lvl="4"/>
@@ -4675,7 +4834,6 @@
           <a:p>
             <a:fld id="{731F6634-400D-496D-BD5A-6D0CF8DA8058}" type="datetimeFigureOut">
               <a:rPr lang="zh-CN" altLang="en-US" smtClean="0"/>
-              <a:t>2020/12/4</a:t>
             </a:fld>
             <a:endParaRPr lang="zh-CN" altLang="en-US"/>
           </a:p>
@@ -4717,7 +4875,6 @@
           <a:p>
             <a:fld id="{F63E4543-DC93-4313-A40A-D18C82982DE9}" type="slidenum">
               <a:rPr lang="zh-CN" altLang="en-US" smtClean="0"/>
-              <a:t>‹#›</a:t>
             </a:fld>
             <a:endParaRPr lang="zh-CN" altLang="en-US"/>
           </a:p>
@@ -4838,6 +4995,7 @@
               <a:rPr lang="zh-CN" altLang="en-US" smtClean="0"/>
               <a:t>单击此处编辑母版文本样式</a:t>
             </a:r>
+            <a:endParaRPr lang="zh-CN" altLang="en-US" smtClean="0"/>
           </a:p>
         </p:txBody>
       </p:sp>
@@ -4866,6 +5024,7 @@
               <a:rPr lang="zh-CN" altLang="en-US" smtClean="0"/>
               <a:t>单击此处编辑母版文本样式</a:t>
             </a:r>
+            <a:endParaRPr lang="zh-CN" altLang="en-US" smtClean="0"/>
           </a:p>
           <a:p>
             <a:pPr lvl="1"/>
@@ -4873,6 +5032,7 @@
               <a:rPr lang="zh-CN" altLang="en-US" smtClean="0"/>
               <a:t>第二级</a:t>
             </a:r>
+            <a:endParaRPr lang="zh-CN" altLang="en-US" smtClean="0"/>
           </a:p>
           <a:p>
             <a:pPr lvl="2"/>
@@ -4880,6 +5040,7 @@
               <a:rPr lang="zh-CN" altLang="en-US" smtClean="0"/>
               <a:t>第三级</a:t>
             </a:r>
+            <a:endParaRPr lang="zh-CN" altLang="en-US" smtClean="0"/>
           </a:p>
           <a:p>
             <a:pPr lvl="3"/>
@@ -4887,6 +5048,7 @@
               <a:rPr lang="zh-CN" altLang="en-US" smtClean="0"/>
               <a:t>第四级</a:t>
             </a:r>
+            <a:endParaRPr lang="zh-CN" altLang="en-US" smtClean="0"/>
           </a:p>
           <a:p>
             <a:pPr lvl="4"/>
@@ -4960,6 +5122,7 @@
               <a:rPr lang="zh-CN" altLang="en-US" smtClean="0"/>
               <a:t>单击此处编辑母版文本样式</a:t>
             </a:r>
+            <a:endParaRPr lang="zh-CN" altLang="en-US" smtClean="0"/>
           </a:p>
         </p:txBody>
       </p:sp>
@@ -4988,6 +5151,7 @@
               <a:rPr lang="zh-CN" altLang="en-US" smtClean="0"/>
               <a:t>单击此处编辑母版文本样式</a:t>
             </a:r>
+            <a:endParaRPr lang="zh-CN" altLang="en-US" smtClean="0"/>
           </a:p>
           <a:p>
             <a:pPr lvl="1"/>
@@ -4995,6 +5159,7 @@
               <a:rPr lang="zh-CN" altLang="en-US" smtClean="0"/>
               <a:t>第二级</a:t>
             </a:r>
+            <a:endParaRPr lang="zh-CN" altLang="en-US" smtClean="0"/>
           </a:p>
           <a:p>
             <a:pPr lvl="2"/>
@@ -5002,6 +5167,7 @@
               <a:rPr lang="zh-CN" altLang="en-US" smtClean="0"/>
               <a:t>第三级</a:t>
             </a:r>
+            <a:endParaRPr lang="zh-CN" altLang="en-US" smtClean="0"/>
           </a:p>
           <a:p>
             <a:pPr lvl="3"/>
@@ -5009,6 +5175,7 @@
               <a:rPr lang="zh-CN" altLang="en-US" smtClean="0"/>
               <a:t>第四级</a:t>
             </a:r>
+            <a:endParaRPr lang="zh-CN" altLang="en-US" smtClean="0"/>
           </a:p>
           <a:p>
             <a:pPr lvl="4"/>
@@ -5037,7 +5204,6 @@
           <a:p>
             <a:fld id="{731F6634-400D-496D-BD5A-6D0CF8DA8058}" type="datetimeFigureOut">
               <a:rPr lang="zh-CN" altLang="en-US" smtClean="0"/>
-              <a:t>2020/12/4</a:t>
             </a:fld>
             <a:endParaRPr lang="zh-CN" altLang="en-US"/>
           </a:p>
@@ -5079,7 +5245,6 @@
           <a:p>
             <a:fld id="{F63E4543-DC93-4313-A40A-D18C82982DE9}" type="slidenum">
               <a:rPr lang="zh-CN" altLang="en-US" smtClean="0"/>
-              <a:t>‹#›</a:t>
             </a:fld>
             <a:endParaRPr lang="zh-CN" altLang="en-US"/>
           </a:p>
@@ -5150,7 +5315,6 @@
           <a:p>
             <a:fld id="{731F6634-400D-496D-BD5A-6D0CF8DA8058}" type="datetimeFigureOut">
               <a:rPr lang="zh-CN" altLang="en-US" smtClean="0"/>
-              <a:t>2020/12/4</a:t>
             </a:fld>
             <a:endParaRPr lang="zh-CN" altLang="en-US"/>
           </a:p>
@@ -5192,7 +5356,6 @@
           <a:p>
             <a:fld id="{F63E4543-DC93-4313-A40A-D18C82982DE9}" type="slidenum">
               <a:rPr lang="zh-CN" altLang="en-US" smtClean="0"/>
-              <a:t>‹#›</a:t>
             </a:fld>
             <a:endParaRPr lang="zh-CN" altLang="en-US"/>
           </a:p>
@@ -5240,7 +5403,6 @@
           <a:p>
             <a:fld id="{731F6634-400D-496D-BD5A-6D0CF8DA8058}" type="datetimeFigureOut">
               <a:rPr lang="zh-CN" altLang="en-US" smtClean="0"/>
-              <a:t>2020/12/4</a:t>
             </a:fld>
             <a:endParaRPr lang="zh-CN" altLang="en-US"/>
           </a:p>
@@ -5282,7 +5444,6 @@
           <a:p>
             <a:fld id="{F63E4543-DC93-4313-A40A-D18C82982DE9}" type="slidenum">
               <a:rPr lang="zh-CN" altLang="en-US" smtClean="0"/>
-              <a:t>‹#›</a:t>
             </a:fld>
             <a:endParaRPr lang="zh-CN" altLang="en-US"/>
           </a:p>
@@ -5398,6 +5559,7 @@
               <a:rPr lang="zh-CN" altLang="en-US" smtClean="0"/>
               <a:t>单击此处编辑母版文本样式</a:t>
             </a:r>
+            <a:endParaRPr lang="zh-CN" altLang="en-US" smtClean="0"/>
           </a:p>
           <a:p>
             <a:pPr lvl="1"/>
@@ -5405,6 +5567,7 @@
               <a:rPr lang="zh-CN" altLang="en-US" smtClean="0"/>
               <a:t>第二级</a:t>
             </a:r>
+            <a:endParaRPr lang="zh-CN" altLang="en-US" smtClean="0"/>
           </a:p>
           <a:p>
             <a:pPr lvl="2"/>
@@ -5412,6 +5575,7 @@
               <a:rPr lang="zh-CN" altLang="en-US" smtClean="0"/>
               <a:t>第三级</a:t>
             </a:r>
+            <a:endParaRPr lang="zh-CN" altLang="en-US" smtClean="0"/>
           </a:p>
           <a:p>
             <a:pPr lvl="3"/>
@@ -5419,6 +5583,7 @@
               <a:rPr lang="zh-CN" altLang="en-US" smtClean="0"/>
               <a:t>第四级</a:t>
             </a:r>
+            <a:endParaRPr lang="zh-CN" altLang="en-US" smtClean="0"/>
           </a:p>
           <a:p>
             <a:pPr lvl="4"/>
@@ -5492,6 +5657,7 @@
               <a:rPr lang="zh-CN" altLang="en-US" smtClean="0"/>
               <a:t>单击此处编辑母版文本样式</a:t>
             </a:r>
+            <a:endParaRPr lang="zh-CN" altLang="en-US" smtClean="0"/>
           </a:p>
         </p:txBody>
       </p:sp>
@@ -5512,7 +5678,6 @@
           <a:p>
             <a:fld id="{731F6634-400D-496D-BD5A-6D0CF8DA8058}" type="datetimeFigureOut">
               <a:rPr lang="zh-CN" altLang="en-US" smtClean="0"/>
-              <a:t>2020/12/4</a:t>
             </a:fld>
             <a:endParaRPr lang="zh-CN" altLang="en-US"/>
           </a:p>
@@ -5554,7 +5719,6 @@
           <a:p>
             <a:fld id="{F63E4543-DC93-4313-A40A-D18C82982DE9}" type="slidenum">
               <a:rPr lang="zh-CN" altLang="en-US" smtClean="0"/>
-              <a:t>‹#›</a:t>
             </a:fld>
             <a:endParaRPr lang="zh-CN" altLang="en-US"/>
           </a:p>
@@ -5740,6 +5904,7 @@
               <a:rPr lang="zh-CN" altLang="en-US" smtClean="0"/>
               <a:t>单击此处编辑母版文本样式</a:t>
             </a:r>
+            <a:endParaRPr lang="zh-CN" altLang="en-US" smtClean="0"/>
           </a:p>
         </p:txBody>
       </p:sp>
@@ -5760,7 +5925,6 @@
           <a:p>
             <a:fld id="{731F6634-400D-496D-BD5A-6D0CF8DA8058}" type="datetimeFigureOut">
               <a:rPr lang="zh-CN" altLang="en-US" smtClean="0"/>
-              <a:t>2020/12/4</a:t>
             </a:fld>
             <a:endParaRPr lang="zh-CN" altLang="en-US"/>
           </a:p>
@@ -5802,7 +5966,6 @@
           <a:p>
             <a:fld id="{F63E4543-DC93-4313-A40A-D18C82982DE9}" type="slidenum">
               <a:rPr lang="zh-CN" altLang="en-US" smtClean="0"/>
-              <a:t>‹#›</a:t>
             </a:fld>
             <a:endParaRPr lang="zh-CN" altLang="en-US"/>
           </a:p>
@@ -5901,6 +6064,7 @@
               <a:rPr lang="zh-CN" altLang="en-US" smtClean="0"/>
               <a:t>单击此处编辑母版文本样式</a:t>
             </a:r>
+            <a:endParaRPr lang="zh-CN" altLang="en-US" smtClean="0"/>
           </a:p>
           <a:p>
             <a:pPr lvl="1"/>
@@ -5908,6 +6072,7 @@
               <a:rPr lang="zh-CN" altLang="en-US" smtClean="0"/>
               <a:t>第二级</a:t>
             </a:r>
+            <a:endParaRPr lang="zh-CN" altLang="en-US" smtClean="0"/>
           </a:p>
           <a:p>
             <a:pPr lvl="2"/>
@@ -5915,6 +6080,7 @@
               <a:rPr lang="zh-CN" altLang="en-US" smtClean="0"/>
               <a:t>第三级</a:t>
             </a:r>
+            <a:endParaRPr lang="zh-CN" altLang="en-US" smtClean="0"/>
           </a:p>
           <a:p>
             <a:pPr lvl="3"/>
@@ -5922,6 +6088,7 @@
               <a:rPr lang="zh-CN" altLang="en-US" smtClean="0"/>
               <a:t>第四级</a:t>
             </a:r>
+            <a:endParaRPr lang="zh-CN" altLang="en-US" smtClean="0"/>
           </a:p>
           <a:p>
             <a:pPr lvl="4"/>
@@ -5968,7 +6135,6 @@
           <a:p>
             <a:fld id="{731F6634-400D-496D-BD5A-6D0CF8DA8058}" type="datetimeFigureOut">
               <a:rPr lang="zh-CN" altLang="en-US" smtClean="0"/>
-              <a:t>2020/12/4</a:t>
             </a:fld>
             <a:endParaRPr lang="zh-CN" altLang="en-US"/>
           </a:p>
@@ -6046,7 +6212,6 @@
           <a:p>
             <a:fld id="{F63E4543-DC93-4313-A40A-D18C82982DE9}" type="slidenum">
               <a:rPr lang="zh-CN" altLang="en-US" smtClean="0"/>
-              <a:t>‹#›</a:t>
             </a:fld>
             <a:endParaRPr lang="zh-CN" altLang="en-US"/>
           </a:p>
@@ -6439,14 +6604,6 @@
               </a:rPr>
               <a:t>Tao Zhang</a:t>
             </a:r>
-            <a:r>
-              <a:rPr lang="en-US" altLang="zh-CN" sz="1800" dirty="0">
-                <a:solidFill>
-                  <a:schemeClr val="tx1"/>
-                </a:solidFill>
-              </a:rPr>
-              <a:t/>
-            </a:r>
             <a:br>
               <a:rPr lang="en-US" altLang="zh-CN" sz="1800" dirty="0">
                 <a:solidFill>
@@ -6515,6 +6672,11 @@
               </a:rPr>
               <a:t>wayne-tao@Outlook.com</a:t>
             </a:r>
+            <a:endParaRPr lang="en-US" altLang="zh-CN" sz="1800" dirty="0" smtClean="0">
+              <a:solidFill>
+                <a:schemeClr val="tx1"/>
+              </a:solidFill>
+            </a:endParaRPr>
           </a:p>
           <a:p>
             <a:r>
@@ -6679,10 +6841,6 @@
             <a:r>
               <a:rPr lang="en-US" altLang="zh-CN" sz="1800" baseline="30000" dirty="0"/>
               <a:t>†</a:t>
-            </a:r>
-            <a:r>
-              <a:rPr lang="en-US" altLang="zh-CN" sz="1800" dirty="0"/>
-              <a:t/>
             </a:r>
             <a:br>
               <a:rPr lang="en-US" altLang="zh-CN" sz="1800" dirty="0"/>
@@ -6750,7 +6908,7 @@
           <p:nvPr/>
         </p:nvPicPr>
         <p:blipFill>
-          <a:blip r:embed="rId3"/>
+          <a:blip r:embed="rId1"/>
           <a:stretch>
             <a:fillRect/>
           </a:stretch>
@@ -6786,6 +6944,7 @@
               <a:rPr lang="zh-CN" altLang="en-US" sz="3200" dirty="0"/>
               <a:t>瓶颈</a:t>
             </a:r>
+            <a:endParaRPr lang="zh-CN" altLang="en-US" sz="3200" dirty="0"/>
           </a:p>
         </p:txBody>
       </p:sp>
@@ -6892,6 +7051,10 @@
               </a:rPr>
               <a:t>符合执行</a:t>
             </a:r>
+            <a:endParaRPr lang="zh-CN" altLang="en-US" sz="3200" dirty="0">
+              <a:latin typeface="Hiragino Sans GB W3" panose="020B0300000000000000" charset="-122"/>
+              <a:ea typeface="Hiragino Sans GB W3" panose="020B0300000000000000" charset="-122"/>
+            </a:endParaRPr>
           </a:p>
         </p:txBody>
       </p:sp>
@@ -7080,6 +7243,9 @@
               </a:rPr>
               <a:t>）</a:t>
             </a:r>
+            <a:endParaRPr lang="zh-CN" altLang="en-US" sz="2800" b="1" dirty="0" smtClean="0">
+              <a:sym typeface="+mn-ea"/>
+            </a:endParaRPr>
           </a:p>
         </p:txBody>
       </p:sp>
@@ -7117,7 +7283,7 @@
           <p:nvPr/>
         </p:nvPicPr>
         <p:blipFill rotWithShape="1">
-          <a:blip r:embed="rId3">
+          <a:blip r:embed="rId1">
             <a:duotone>
               <a:schemeClr val="bg2">
                 <a:shade val="45000"/>
@@ -7312,6 +7478,23 @@
                 </a:rPr>
                 <a:t>目   录</a:t>
               </a:r>
+              <a:endParaRPr kumimoji="0" lang="zh-CN" altLang="en-US" sz="3600" b="1" i="0" u="none" strike="noStrike" kern="0" cap="none" spc="0" normalizeH="0" baseline="0" noProof="0" dirty="0">
+                <a:ln>
+                  <a:noFill/>
+                </a:ln>
+                <a:solidFill>
+                  <a:prstClr val="white">
+                    <a:lumMod val="100000"/>
+                  </a:prstClr>
+                </a:solidFill>
+                <a:effectLst/>
+                <a:uLnTx/>
+                <a:uFillTx/>
+                <a:latin typeface="方正正中黑简体" panose="02000000000000000000" pitchFamily="2" charset="-122"/>
+                <a:ea typeface="方正正中黑简体" panose="02000000000000000000" pitchFamily="2" charset="-122"/>
+                <a:cs typeface="+mn-ea"/>
+                <a:sym typeface="+mn-lt"/>
+              </a:endParaRPr>
             </a:p>
           </p:txBody>
         </p:sp>
@@ -8199,6 +8382,81 @@
               <a:rPr lang="zh-CN" altLang="en-US" sz="3200" dirty="0"/>
               <a:t>）</a:t>
             </a:r>
+            <a:endParaRPr lang="zh-CN" altLang="en-US" sz="3200" dirty="0"/>
+          </a:p>
+        </p:txBody>
+      </p:sp>
+      <p:sp>
+        <p:nvSpPr>
+          <p:cNvPr id="2" name="文本框 1"/>
+          <p:cNvSpPr txBox="1"/>
+          <p:nvPr/>
+        </p:nvSpPr>
+        <p:spPr>
+          <a:xfrm>
+            <a:off x="838200" y="2072640"/>
+            <a:ext cx="10392410" cy="2306955"/>
+          </a:xfrm>
+          <a:prstGeom prst="rect">
+            <a:avLst/>
+          </a:prstGeom>
+          <a:noFill/>
+        </p:spPr>
+        <p:txBody>
+          <a:bodyPr wrap="square" rtlCol="0" anchor="t">
+            <a:spAutoFit/>
+          </a:bodyPr>
+          <a:p>
+            <a:r>
+              <a:rPr lang="en-US" altLang="zh-CN" sz="2400" dirty="0">
+                <a:latin typeface="+mn-ea"/>
+                <a:sym typeface="+mn-ea"/>
+              </a:rPr>
+              <a:t>1</a:t>
+            </a:r>
+            <a:r>
+              <a:rPr lang="zh-CN" altLang="en-US" sz="2400" dirty="0">
+                <a:latin typeface="+mn-ea"/>
+                <a:sym typeface="+mn-ea"/>
+              </a:rPr>
+              <a:t>、节约：节约在测试过程中符合执行所消耗的计算资源，这个是可以依靠结合方法、改进算法解决的。</a:t>
+            </a:r>
+            <a:endParaRPr lang="zh-CN" altLang="en-US" sz="2400" dirty="0">
+              <a:latin typeface="+mn-ea"/>
+              <a:sym typeface="+mn-ea"/>
+            </a:endParaRPr>
+          </a:p>
+          <a:p>
+            <a:endParaRPr lang="zh-CN" altLang="en-US" sz="2400" dirty="0">
+              <a:latin typeface="+mn-ea"/>
+              <a:sym typeface="+mn-ea"/>
+            </a:endParaRPr>
+          </a:p>
+          <a:p>
+            <a:endParaRPr lang="zh-CN" altLang="en-US" sz="2400" dirty="0">
+              <a:latin typeface="+mn-ea"/>
+              <a:sym typeface="+mn-ea"/>
+            </a:endParaRPr>
+          </a:p>
+          <a:p>
+            <a:r>
+              <a:rPr lang="en-US" altLang="zh-CN" sz="2400" dirty="0">
+                <a:latin typeface="+mn-ea"/>
+                <a:sym typeface="+mn-ea"/>
+              </a:rPr>
+              <a:t>2</a:t>
+            </a:r>
+            <a:r>
+              <a:rPr lang="zh-CN" altLang="en-US" sz="2400" dirty="0">
+                <a:latin typeface="+mn-ea"/>
+                <a:sym typeface="+mn-ea"/>
+              </a:rPr>
+              <a:t>、提升：提升模糊测试本身的效率，混合模糊测试的核心思想和模糊测试是一致的，都是尽可能的利用非预期输入得到崩溃信息。</a:t>
+            </a:r>
+            <a:endParaRPr lang="zh-CN" altLang="en-US" sz="2400" dirty="0">
+              <a:latin typeface="+mn-ea"/>
+              <a:sym typeface="+mn-ea"/>
+            </a:endParaRPr>
           </a:p>
         </p:txBody>
       </p:sp>
@@ -8299,7 +8557,7 @@
           <p:nvPr/>
         </p:nvPicPr>
         <p:blipFill rotWithShape="1">
-          <a:blip r:embed="rId3">
+          <a:blip r:embed="rId1">
             <a:duotone>
               <a:schemeClr val="bg2">
                 <a:shade val="45000"/>
@@ -8494,6 +8752,23 @@
                 </a:rPr>
                 <a:t>目   录</a:t>
               </a:r>
+              <a:endParaRPr kumimoji="0" lang="zh-CN" altLang="en-US" sz="3600" b="1" i="0" u="none" strike="noStrike" kern="0" cap="none" spc="0" normalizeH="0" baseline="0" noProof="0" dirty="0">
+                <a:ln>
+                  <a:noFill/>
+                </a:ln>
+                <a:solidFill>
+                  <a:prstClr val="white">
+                    <a:lumMod val="100000"/>
+                  </a:prstClr>
+                </a:solidFill>
+                <a:effectLst/>
+                <a:uLnTx/>
+                <a:uFillTx/>
+                <a:latin typeface="方正正中黑简体" panose="02000000000000000000" pitchFamily="2" charset="-122"/>
+                <a:ea typeface="方正正中黑简体" panose="02000000000000000000" pitchFamily="2" charset="-122"/>
+                <a:cs typeface="+mn-ea"/>
+                <a:sym typeface="+mn-lt"/>
+              </a:endParaRPr>
             </a:p>
           </p:txBody>
         </p:sp>
@@ -9373,6 +9648,7 @@
               <a:rPr lang="zh-CN" altLang="en-US" sz="3200" dirty="0"/>
               <a:t>）</a:t>
             </a:r>
+            <a:endParaRPr lang="zh-CN" altLang="en-US" sz="3200" dirty="0"/>
           </a:p>
         </p:txBody>
       </p:sp>
@@ -9491,7 +9767,7 @@
           <p:nvPr/>
         </p:nvPicPr>
         <p:blipFill>
-          <a:blip r:embed="rId4"/>
+          <a:blip r:embed="rId1"/>
           <a:stretch>
             <a:fillRect/>
           </a:stretch>
@@ -9508,7 +9784,7 @@
       </p:pic>
     </p:spTree>
     <p:custDataLst>
-      <p:tags r:id="rId1"/>
+      <p:tags r:id="rId2"/>
     </p:custDataLst>
   </p:cSld>
   <p:clrMapOvr>
@@ -9573,6 +9849,7 @@
               <a:rPr lang="zh-CN" altLang="en-US" sz="3200" dirty="0"/>
               <a:t>）</a:t>
             </a:r>
+            <a:endParaRPr lang="zh-CN" altLang="en-US" sz="3200" dirty="0"/>
           </a:p>
         </p:txBody>
       </p:sp>
@@ -9585,7 +9862,7 @@
           <p:nvPr/>
         </p:nvPicPr>
         <p:blipFill>
-          <a:blip r:embed="rId4"/>
+          <a:blip r:embed="rId1"/>
           <a:stretch>
             <a:fillRect/>
           </a:stretch>
@@ -9609,7 +9886,7 @@
           <p:nvPr/>
         </p:nvPicPr>
         <p:blipFill>
-          <a:blip r:embed="rId5">
+          <a:blip r:embed="rId2">
             <a:extLst>
               <a:ext uri="{28A0092B-C50C-407E-A947-70E740481C1C}">
                 <a14:useLocalDpi xmlns:a14="http://schemas.microsoft.com/office/drawing/2010/main" val="0"/>
@@ -9757,12 +10034,13 @@
               <a:rPr lang="zh-CN" altLang="en-US" sz="1400" dirty="0"/>
               <a:t>https://www.jianshu.com/p/2ba973c4b0cc</a:t>
             </a:r>
+            <a:endParaRPr lang="zh-CN" altLang="en-US" sz="1400" dirty="0"/>
           </a:p>
         </p:txBody>
       </p:sp>
     </p:spTree>
     <p:custDataLst>
-      <p:tags r:id="rId1"/>
+      <p:tags r:id="rId3"/>
     </p:custDataLst>
   </p:cSld>
   <p:clrMapOvr>
@@ -9827,6 +10105,7 @@
               <a:rPr lang="zh-CN" altLang="en-US" sz="3200" dirty="0"/>
               <a:t>）</a:t>
             </a:r>
+            <a:endParaRPr lang="zh-CN" altLang="en-US" sz="3200" dirty="0"/>
           </a:p>
         </p:txBody>
       </p:sp>
@@ -9838,7 +10117,7 @@
           </p:cNvGraphicFramePr>
           <p:nvPr>
             <p:custDataLst>
-              <p:tags r:id="rId2"/>
+              <p:tags r:id="rId1"/>
             </p:custDataLst>
           </p:nvPr>
         </p:nvGraphicFramePr>
@@ -10647,6 +10926,9 @@
               </a:rPr>
               <a:t>符号执行</a:t>
             </a:r>
+            <a:endParaRPr lang="zh-CN" altLang="en-US" sz="2800" b="1" dirty="0" smtClean="0">
+              <a:sym typeface="+mn-ea"/>
+            </a:endParaRPr>
           </a:p>
         </p:txBody>
       </p:sp>
@@ -10693,7 +10975,7 @@
       </p:sp>
     </p:spTree>
     <p:custDataLst>
-      <p:tags r:id="rId1"/>
+      <p:tags r:id="rId2"/>
     </p:custDataLst>
   </p:cSld>
   <p:clrMapOvr>
@@ -10738,7 +11020,7 @@
           <p:nvPr/>
         </p:nvPicPr>
         <p:blipFill rotWithShape="1">
-          <a:blip r:embed="rId3">
+          <a:blip r:embed="rId1">
             <a:duotone>
               <a:schemeClr val="bg2">
                 <a:shade val="45000"/>
@@ -10933,6 +11215,23 @@
                 </a:rPr>
                 <a:t>目   录</a:t>
               </a:r>
+              <a:endParaRPr kumimoji="0" lang="zh-CN" altLang="en-US" sz="3600" b="1" i="0" u="none" strike="noStrike" kern="0" cap="none" spc="0" normalizeH="0" baseline="0" noProof="0" dirty="0">
+                <a:ln>
+                  <a:noFill/>
+                </a:ln>
+                <a:solidFill>
+                  <a:prstClr val="white">
+                    <a:lumMod val="100000"/>
+                  </a:prstClr>
+                </a:solidFill>
+                <a:effectLst/>
+                <a:uLnTx/>
+                <a:uFillTx/>
+                <a:latin typeface="方正正中黑简体" panose="02000000000000000000" pitchFamily="2" charset="-122"/>
+                <a:ea typeface="方正正中黑简体" panose="02000000000000000000" pitchFamily="2" charset="-122"/>
+                <a:cs typeface="+mn-ea"/>
+                <a:sym typeface="+mn-lt"/>
+              </a:endParaRPr>
             </a:p>
           </p:txBody>
         </p:sp>
@@ -11786,13 +12085,7 @@
           <p:cNvGraphicFramePr>
             <a:graphicFrameLocks noGrp="1"/>
           </p:cNvGraphicFramePr>
-          <p:nvPr>
-            <p:extLst>
-              <p:ext uri="{D42A27DB-BD31-4B8C-83A1-F6EECF244321}">
-                <p14:modId xmlns:p14="http://schemas.microsoft.com/office/powerpoint/2010/main" val="1025666174"/>
-              </p:ext>
-            </p:extLst>
-          </p:nvPr>
+          <p:nvPr/>
         </p:nvGraphicFramePr>
         <p:xfrm>
           <a:off x="1043254" y="1490471"/>
@@ -12554,6 +12847,7 @@
               <a:rPr lang="zh-CN" altLang="en-US" sz="3200" dirty="0"/>
               <a:t>）</a:t>
             </a:r>
+            <a:endParaRPr lang="zh-CN" altLang="en-US" sz="3200" dirty="0"/>
           </a:p>
         </p:txBody>
       </p:sp>
@@ -12624,7 +12918,7 @@
           <p:nvPr/>
         </p:nvPicPr>
         <p:blipFill>
-          <a:blip r:embed="rId3"/>
+          <a:blip r:embed="rId1"/>
           <a:srcRect t="4458" b="5576"/>
           <a:stretch>
             <a:fillRect/>
@@ -12685,6 +12979,13 @@
               </a:rPr>
               <a:t>渐进求解</a:t>
             </a:r>
+            <a:endParaRPr lang="zh-CN" altLang="en-US" sz="2800" b="1" dirty="0" smtClean="0">
+              <a:solidFill>
+                <a:schemeClr val="accent1"/>
+              </a:solidFill>
+              <a:cs typeface="+mn-ea"/>
+              <a:sym typeface="+mn-lt"/>
+            </a:endParaRPr>
           </a:p>
           <a:p>
             <a:pPr algn="l"/>
@@ -12718,6 +13019,13 @@
               </a:rPr>
               <a:t>的问题。</a:t>
             </a:r>
+            <a:endParaRPr lang="zh-CN" altLang="en-US" dirty="0">
+              <a:solidFill>
+                <a:schemeClr val="accent1"/>
+              </a:solidFill>
+              <a:cs typeface="+mn-ea"/>
+              <a:sym typeface="+mn-lt"/>
+            </a:endParaRPr>
           </a:p>
         </p:txBody>
       </p:sp>
@@ -12766,6 +13074,13 @@
               </a:rPr>
               <a:t>提取求解前缀 </a:t>
             </a:r>
+            <a:endParaRPr lang="zh-CN" altLang="en-US" sz="2800" b="1" dirty="0" smtClean="0">
+              <a:solidFill>
+                <a:schemeClr val="accent1"/>
+              </a:solidFill>
+              <a:cs typeface="+mn-ea"/>
+              <a:sym typeface="+mn-lt"/>
+            </a:endParaRPr>
           </a:p>
           <a:p>
             <a:pPr algn="l"/>
@@ -12779,6 +13094,13 @@
               </a:rPr>
               <a:t>利用多面体路径方式将解空间提取成一般解的简洁记忆，实现重复利用的思路，同时为指导变异扩展了思路。</a:t>
             </a:r>
+            <a:endParaRPr lang="zh-CN" altLang="en-US" dirty="0" smtClean="0">
+              <a:solidFill>
+                <a:schemeClr val="accent1"/>
+              </a:solidFill>
+              <a:cs typeface="+mn-ea"/>
+              <a:sym typeface="+mn-lt"/>
+            </a:endParaRPr>
           </a:p>
         </p:txBody>
       </p:sp>
@@ -12827,6 +13149,13 @@
               </a:rPr>
               <a:t>指导变异</a:t>
             </a:r>
+            <a:endParaRPr lang="zh-CN" altLang="en-US" sz="2800" b="1" dirty="0" smtClean="0">
+              <a:solidFill>
+                <a:schemeClr val="accent1"/>
+              </a:solidFill>
+              <a:cs typeface="+mn-ea"/>
+              <a:sym typeface="+mn-lt"/>
+            </a:endParaRPr>
           </a:p>
           <a:p>
             <a:pPr algn="l"/>
@@ -12860,6 +13189,13 @@
               </a:rPr>
               <a:t>问题。</a:t>
             </a:r>
+            <a:endParaRPr lang="zh-CN" altLang="en-US" dirty="0">
+              <a:solidFill>
+                <a:schemeClr val="accent1"/>
+              </a:solidFill>
+              <a:cs typeface="+mn-ea"/>
+              <a:sym typeface="+mn-lt"/>
+            </a:endParaRPr>
           </a:p>
         </p:txBody>
       </p:sp>
@@ -13112,7 +13448,7 @@
           <p:nvPr/>
         </p:nvPicPr>
         <p:blipFill rotWithShape="1">
-          <a:blip r:embed="rId3">
+          <a:blip r:embed="rId1">
             <a:duotone>
               <a:schemeClr val="bg2">
                 <a:shade val="45000"/>
@@ -13307,6 +13643,23 @@
                 </a:rPr>
                 <a:t>目   录</a:t>
               </a:r>
+              <a:endParaRPr kumimoji="0" lang="zh-CN" altLang="en-US" sz="3600" b="1" i="0" u="none" strike="noStrike" kern="0" cap="none" spc="0" normalizeH="0" baseline="0" noProof="0" dirty="0">
+                <a:ln>
+                  <a:noFill/>
+                </a:ln>
+                <a:solidFill>
+                  <a:prstClr val="white">
+                    <a:lumMod val="100000"/>
+                  </a:prstClr>
+                </a:solidFill>
+                <a:effectLst/>
+                <a:uLnTx/>
+                <a:uFillTx/>
+                <a:latin typeface="方正正中黑简体" panose="02000000000000000000" pitchFamily="2" charset="-122"/>
+                <a:ea typeface="方正正中黑简体" panose="02000000000000000000" pitchFamily="2" charset="-122"/>
+                <a:cs typeface="+mn-ea"/>
+                <a:sym typeface="+mn-lt"/>
+              </a:endParaRPr>
             </a:p>
           </p:txBody>
         </p:sp>
@@ -14138,27 +14491,27 @@
 </file>
 
 <file path=ppt/tags/tag1.xml><?xml version="1.0" encoding="utf-8"?>
-<p:tagLst xmlns:a="http://schemas.openxmlformats.org/drawingml/2006/main" xmlns:r="http://schemas.openxmlformats.org/officeDocument/2006/relationships" xmlns:p="http://schemas.openxmlformats.org/presentationml/2006/main">
+<p:tagLst xmlns:p="http://schemas.openxmlformats.org/presentationml/2006/main">
   <p:tag name="ISLIDE.THEME" val="https://www.islide.cc;"/>
 </p:tagLst>
 </file>
 
 <file path=ppt/tags/tag2.xml><?xml version="1.0" encoding="utf-8"?>
-<p:tagLst xmlns:a="http://schemas.openxmlformats.org/drawingml/2006/main" xmlns:r="http://schemas.openxmlformats.org/officeDocument/2006/relationships" xmlns:p="http://schemas.openxmlformats.org/presentationml/2006/main">
+<p:tagLst xmlns:p="http://schemas.openxmlformats.org/presentationml/2006/main">
   <p:tag name="ISLIDE.THEME" val="https://www.islide.cc;"/>
 </p:tagLst>
 </file>
 
 <file path=ppt/tags/tag3.xml><?xml version="1.0" encoding="utf-8"?>
-<p:tagLst xmlns:a="http://schemas.openxmlformats.org/drawingml/2006/main" xmlns:r="http://schemas.openxmlformats.org/officeDocument/2006/relationships" xmlns:p="http://schemas.openxmlformats.org/presentationml/2006/main">
-  <p:tag name="ISLIDE.THEME" val="https://www.islide.cc;"/>
-  <p:tag name="ISLIDE.ICON" val="#168230;#32371;"/>
+<p:tagLst xmlns:p="http://schemas.openxmlformats.org/presentationml/2006/main">
+  <p:tag name="KSO_WM_UNIT_TABLE_BEAUTIFY" val="smartTable{c80d14ff-63e3-406b-9d9e-35755ee6b1e0}"/>
 </p:tagLst>
 </file>
 
 <file path=ppt/tags/tag4.xml><?xml version="1.0" encoding="utf-8"?>
-<p:tagLst xmlns:a="http://schemas.openxmlformats.org/drawingml/2006/main" xmlns:r="http://schemas.openxmlformats.org/officeDocument/2006/relationships" xmlns:p="http://schemas.openxmlformats.org/presentationml/2006/main">
-  <p:tag name="KSO_WM_UNIT_TABLE_BEAUTIFY" val="smartTable{c80d14ff-63e3-406b-9d9e-35755ee6b1e0}"/>
+<p:tagLst xmlns:p="http://schemas.openxmlformats.org/presentationml/2006/main">
+  <p:tag name="ISLIDE.THEME" val="https://www.islide.cc;"/>
+  <p:tag name="ISLIDE.ICON" val="#168230;#32371;"/>
 </p:tagLst>
 </file>
 
@@ -14413,8 +14766,6 @@
       </a:bgFillStyleLst>
     </a:fmtScheme>
   </a:themeElements>
-  <a:objectDefaults/>
-  <a:extraClrSchemeLst/>
   <a:extLst>
     <a:ext uri="{05A4C25C-085E-4340-85A3-A5531E510DB2}">
       <thm15:themeFamily xmlns:thm15="http://schemas.microsoft.com/office/thememl/2012/main" name="Office Theme" id="{62F939B6-93AF-4DB8-9C6B-D6C7DFDC589F}" vid="{4A3C46E8-61CC-4603-A589-7422A47A8E4A}"/>
@@ -14674,8 +15025,6 @@
       </a:bgFillStyleLst>
     </a:fmtScheme>
   </a:themeElements>
-  <a:objectDefaults/>
-  <a:extraClrSchemeLst/>
   <a:extLst>
     <a:ext uri="{05A4C25C-085E-4340-85A3-A5531E510DB2}">
       <thm15:themeFamily xmlns:thm15="http://schemas.microsoft.com/office/thememl/2012/main" name="Office Theme" id="{62F939B6-93AF-4DB8-9C6B-D6C7DFDC589F}" vid="{4A3C46E8-61CC-4603-A589-7422A47A8E4A}"/>
